--- a/docs/jp/image/system-overview.pptx
+++ b/docs/jp/image/system-overview.pptx
@@ -1,19 +1,114 @@
 
 <file path=ppt/presentation.xml><?xml version="1.0" encoding="utf-8"?>
-<p:presentation xmlns:a="http://schemas.openxmlformats.org/drawingml/2006/main" xmlns:p="http://schemas.openxmlformats.org/presentationml/2006/main" xmlns:r="http://schemas.openxmlformats.org/officeDocument/2006/relationships" xmlns:p14="http://schemas.microsoft.com/office/powerpoint/2010/main" xmlns:p15="http://schemas.microsoft.com/office/powerpoint/2012/main" xmlns:mc="http://schemas.openxmlformats.org/markup-compatibility/2006">
+<p:presentation xmlns:a="http://schemas.openxmlformats.org/drawingml/2006/main" xmlns:r="http://schemas.openxmlformats.org/officeDocument/2006/relationships" xmlns:p="http://schemas.openxmlformats.org/presentationml/2006/main">
   <p:sldMasterIdLst>
-    <p:sldMasterId id="2147483648" r:id="rId2"/>
+    <p:sldMasterId id="2147483648" r:id="rId1"/>
   </p:sldMasterIdLst>
   <p:sldIdLst>
-    <p:sldId id="256" r:id="rId3"/>
+    <p:sldId id="256" r:id="rId2"/>
   </p:sldIdLst>
   <p:sldSz cx="10080625" cy="7559675"/>
-  <p:notesSz cx="7559675" cy="10691812"/>
+  <p:notesSz cx="7559675" cy="10691813"/>
+  <p:defaultTextStyle>
+    <a:defPPr>
+      <a:defRPr lang="ja-JP"/>
+    </a:defPPr>
+    <a:lvl1pPr marL="0" algn="l" defTabSz="914400" rtl="0" eaLnBrk="1" latinLnBrk="0" hangingPunct="1">
+      <a:defRPr kumimoji="1" sz="1800" kern="1200">
+        <a:solidFill>
+          <a:schemeClr val="tx1"/>
+        </a:solidFill>
+        <a:latin typeface="+mn-lt"/>
+        <a:ea typeface="+mn-ea"/>
+        <a:cs typeface="+mn-cs"/>
+      </a:defRPr>
+    </a:lvl1pPr>
+    <a:lvl2pPr marL="457200" algn="l" defTabSz="914400" rtl="0" eaLnBrk="1" latinLnBrk="0" hangingPunct="1">
+      <a:defRPr kumimoji="1" sz="1800" kern="1200">
+        <a:solidFill>
+          <a:schemeClr val="tx1"/>
+        </a:solidFill>
+        <a:latin typeface="+mn-lt"/>
+        <a:ea typeface="+mn-ea"/>
+        <a:cs typeface="+mn-cs"/>
+      </a:defRPr>
+    </a:lvl2pPr>
+    <a:lvl3pPr marL="914400" algn="l" defTabSz="914400" rtl="0" eaLnBrk="1" latinLnBrk="0" hangingPunct="1">
+      <a:defRPr kumimoji="1" sz="1800" kern="1200">
+        <a:solidFill>
+          <a:schemeClr val="tx1"/>
+        </a:solidFill>
+        <a:latin typeface="+mn-lt"/>
+        <a:ea typeface="+mn-ea"/>
+        <a:cs typeface="+mn-cs"/>
+      </a:defRPr>
+    </a:lvl3pPr>
+    <a:lvl4pPr marL="1371600" algn="l" defTabSz="914400" rtl="0" eaLnBrk="1" latinLnBrk="0" hangingPunct="1">
+      <a:defRPr kumimoji="1" sz="1800" kern="1200">
+        <a:solidFill>
+          <a:schemeClr val="tx1"/>
+        </a:solidFill>
+        <a:latin typeface="+mn-lt"/>
+        <a:ea typeface="+mn-ea"/>
+        <a:cs typeface="+mn-cs"/>
+      </a:defRPr>
+    </a:lvl4pPr>
+    <a:lvl5pPr marL="1828800" algn="l" defTabSz="914400" rtl="0" eaLnBrk="1" latinLnBrk="0" hangingPunct="1">
+      <a:defRPr kumimoji="1" sz="1800" kern="1200">
+        <a:solidFill>
+          <a:schemeClr val="tx1"/>
+        </a:solidFill>
+        <a:latin typeface="+mn-lt"/>
+        <a:ea typeface="+mn-ea"/>
+        <a:cs typeface="+mn-cs"/>
+      </a:defRPr>
+    </a:lvl5pPr>
+    <a:lvl6pPr marL="2286000" algn="l" defTabSz="914400" rtl="0" eaLnBrk="1" latinLnBrk="0" hangingPunct="1">
+      <a:defRPr kumimoji="1" sz="1800" kern="1200">
+        <a:solidFill>
+          <a:schemeClr val="tx1"/>
+        </a:solidFill>
+        <a:latin typeface="+mn-lt"/>
+        <a:ea typeface="+mn-ea"/>
+        <a:cs typeface="+mn-cs"/>
+      </a:defRPr>
+    </a:lvl6pPr>
+    <a:lvl7pPr marL="2743200" algn="l" defTabSz="914400" rtl="0" eaLnBrk="1" latinLnBrk="0" hangingPunct="1">
+      <a:defRPr kumimoji="1" sz="1800" kern="1200">
+        <a:solidFill>
+          <a:schemeClr val="tx1"/>
+        </a:solidFill>
+        <a:latin typeface="+mn-lt"/>
+        <a:ea typeface="+mn-ea"/>
+        <a:cs typeface="+mn-cs"/>
+      </a:defRPr>
+    </a:lvl7pPr>
+    <a:lvl8pPr marL="3200400" algn="l" defTabSz="914400" rtl="0" eaLnBrk="1" latinLnBrk="0" hangingPunct="1">
+      <a:defRPr kumimoji="1" sz="1800" kern="1200">
+        <a:solidFill>
+          <a:schemeClr val="tx1"/>
+        </a:solidFill>
+        <a:latin typeface="+mn-lt"/>
+        <a:ea typeface="+mn-ea"/>
+        <a:cs typeface="+mn-cs"/>
+      </a:defRPr>
+    </a:lvl8pPr>
+    <a:lvl9pPr marL="3657600" algn="l" defTabSz="914400" rtl="0" eaLnBrk="1" latinLnBrk="0" hangingPunct="1">
+      <a:defRPr kumimoji="1" sz="1800" kern="1200">
+        <a:solidFill>
+          <a:schemeClr val="tx1"/>
+        </a:solidFill>
+        <a:latin typeface="+mn-lt"/>
+        <a:ea typeface="+mn-ea"/>
+        <a:cs typeface="+mn-cs"/>
+      </a:defRPr>
+    </a:lvl9pPr>
+  </p:defaultTextStyle>
 </p:presentation>
 </file>
 
 <file path=ppt/slideLayouts/slideLayout1.xml><?xml version="1.0" encoding="utf-8"?>
-<p:sldLayout xmlns:a="http://schemas.openxmlformats.org/drawingml/2006/main" xmlns:p="http://schemas.openxmlformats.org/presentationml/2006/main" xmlns:r="http://schemas.openxmlformats.org/officeDocument/2006/relationships" xmlns:p14="http://schemas.microsoft.com/office/powerpoint/2010/main" xmlns:p15="http://schemas.microsoft.com/office/powerpoint/2012/main" xmlns:mc="http://schemas.openxmlformats.org/markup-compatibility/2006" type="blank" preserve="1">
+<p:sldLayout xmlns:a="http://schemas.openxmlformats.org/drawingml/2006/main" xmlns:r="http://schemas.openxmlformats.org/officeDocument/2006/relationships" xmlns:p="http://schemas.openxmlformats.org/presentationml/2006/main" type="blank" preserve="1">
   <p:cSld name="Blank Slide">
     <p:spTree>
       <p:nvGrpSpPr>
@@ -31,11 +126,14 @@
       </p:grpSpPr>
     </p:spTree>
   </p:cSld>
+  <p:clrMapOvr>
+    <a:masterClrMapping/>
+  </p:clrMapOvr>
 </p:sldLayout>
 </file>
 
 <file path=ppt/slideLayouts/slideLayout10.xml><?xml version="1.0" encoding="utf-8"?>
-<p:sldLayout xmlns:a="http://schemas.openxmlformats.org/drawingml/2006/main" xmlns:p="http://schemas.openxmlformats.org/presentationml/2006/main" xmlns:r="http://schemas.openxmlformats.org/officeDocument/2006/relationships" xmlns:p14="http://schemas.microsoft.com/office/powerpoint/2010/main" xmlns:p15="http://schemas.microsoft.com/office/powerpoint/2012/main" xmlns:mc="http://schemas.openxmlformats.org/markup-compatibility/2006" type="objOverTx" preserve="1">
+<p:sldLayout xmlns:a="http://schemas.openxmlformats.org/drawingml/2006/main" xmlns:r="http://schemas.openxmlformats.org/officeDocument/2006/relationships" xmlns:p="http://schemas.openxmlformats.org/presentationml/2006/main" type="objOverTx" preserve="1">
   <p:cSld name="Title, Content over Content">
     <p:spTree>
       <p:nvGrpSpPr>
@@ -71,16 +169,17 @@
           </a:prstGeom>
         </p:spPr>
         <p:txBody>
-          <a:bodyPr lIns="0" rIns="0" tIns="0" bIns="0" anchor="ctr"/>
+          <a:bodyPr lIns="0" tIns="0" rIns="0" bIns="0" anchor="ctr"/>
+          <a:lstStyle/>
           <a:p>
             <a:pPr algn="ctr"/>
-            <a:endParaRPr b="0" lang="en-US" sz="4400" spc="-1" strike="noStrike">
+            <a:endParaRPr lang="en-US" sz="4400" b="0" strike="noStrike" spc="-1">
               <a:solidFill>
                 <a:srgbClr val="000000"/>
               </a:solidFill>
               <a:uFill>
                 <a:solidFill>
-                  <a:srgbClr val="ffffff"/>
+                  <a:srgbClr val="FFFFFF"/>
                 </a:solidFill>
               </a:uFill>
               <a:latin typeface="Arial"/>
@@ -108,15 +207,16 @@
           </a:prstGeom>
         </p:spPr>
         <p:txBody>
-          <a:bodyPr lIns="0" rIns="0" tIns="0" bIns="0"/>
-          <a:p>
-            <a:endParaRPr b="0" lang="en-US" sz="3200" spc="-1" strike="noStrike">
+          <a:bodyPr lIns="0" tIns="0" rIns="0" bIns="0"/>
+          <a:lstStyle/>
+          <a:p>
+            <a:endParaRPr lang="en-US" sz="3200" b="0" strike="noStrike" spc="-1">
               <a:solidFill>
                 <a:srgbClr val="000000"/>
               </a:solidFill>
               <a:uFill>
                 <a:solidFill>
-                  <a:srgbClr val="ffffff"/>
+                  <a:srgbClr val="FFFFFF"/>
                 </a:solidFill>
               </a:uFill>
               <a:latin typeface="Arial"/>
@@ -144,15 +244,16 @@
           </a:prstGeom>
         </p:spPr>
         <p:txBody>
-          <a:bodyPr lIns="0" rIns="0" tIns="0" bIns="0"/>
-          <a:p>
-            <a:endParaRPr b="0" lang="en-US" sz="3200" spc="-1" strike="noStrike">
+          <a:bodyPr lIns="0" tIns="0" rIns="0" bIns="0"/>
+          <a:lstStyle/>
+          <a:p>
+            <a:endParaRPr lang="en-US" sz="3200" b="0" strike="noStrike" spc="-1">
               <a:solidFill>
                 <a:srgbClr val="000000"/>
               </a:solidFill>
               <a:uFill>
                 <a:solidFill>
-                  <a:srgbClr val="ffffff"/>
+                  <a:srgbClr val="FFFFFF"/>
                 </a:solidFill>
               </a:uFill>
               <a:latin typeface="Arial"/>
@@ -162,11 +263,14 @@
       </p:sp>
     </p:spTree>
   </p:cSld>
+  <p:clrMapOvr>
+    <a:masterClrMapping/>
+  </p:clrMapOvr>
 </p:sldLayout>
 </file>
 
 <file path=ppt/slideLayouts/slideLayout11.xml><?xml version="1.0" encoding="utf-8"?>
-<p:sldLayout xmlns:a="http://schemas.openxmlformats.org/drawingml/2006/main" xmlns:p="http://schemas.openxmlformats.org/presentationml/2006/main" xmlns:r="http://schemas.openxmlformats.org/officeDocument/2006/relationships" xmlns:p14="http://schemas.microsoft.com/office/powerpoint/2010/main" xmlns:p15="http://schemas.microsoft.com/office/powerpoint/2012/main" xmlns:mc="http://schemas.openxmlformats.org/markup-compatibility/2006" type="fourObj" preserve="1">
+<p:sldLayout xmlns:a="http://schemas.openxmlformats.org/drawingml/2006/main" xmlns:r="http://schemas.openxmlformats.org/officeDocument/2006/relationships" xmlns:p="http://schemas.openxmlformats.org/presentationml/2006/main" type="fourObj" preserve="1">
   <p:cSld name="Title, 4 Content">
     <p:spTree>
       <p:nvGrpSpPr>
@@ -202,16 +306,17 @@
           </a:prstGeom>
         </p:spPr>
         <p:txBody>
-          <a:bodyPr lIns="0" rIns="0" tIns="0" bIns="0" anchor="ctr"/>
+          <a:bodyPr lIns="0" tIns="0" rIns="0" bIns="0" anchor="ctr"/>
+          <a:lstStyle/>
           <a:p>
             <a:pPr algn="ctr"/>
-            <a:endParaRPr b="0" lang="en-US" sz="4400" spc="-1" strike="noStrike">
+            <a:endParaRPr lang="en-US" sz="4400" b="0" strike="noStrike" spc="-1">
               <a:solidFill>
                 <a:srgbClr val="000000"/>
               </a:solidFill>
               <a:uFill>
                 <a:solidFill>
-                  <a:srgbClr val="ffffff"/>
+                  <a:srgbClr val="FFFFFF"/>
                 </a:solidFill>
               </a:uFill>
               <a:latin typeface="Arial"/>
@@ -239,15 +344,16 @@
           </a:prstGeom>
         </p:spPr>
         <p:txBody>
-          <a:bodyPr lIns="0" rIns="0" tIns="0" bIns="0"/>
-          <a:p>
-            <a:endParaRPr b="0" lang="en-US" sz="3200" spc="-1" strike="noStrike">
+          <a:bodyPr lIns="0" tIns="0" rIns="0" bIns="0"/>
+          <a:lstStyle/>
+          <a:p>
+            <a:endParaRPr lang="en-US" sz="3200" b="0" strike="noStrike" spc="-1">
               <a:solidFill>
                 <a:srgbClr val="000000"/>
               </a:solidFill>
               <a:uFill>
                 <a:solidFill>
-                  <a:srgbClr val="ffffff"/>
+                  <a:srgbClr val="FFFFFF"/>
                 </a:solidFill>
               </a:uFill>
               <a:latin typeface="Arial"/>
@@ -275,15 +381,16 @@
           </a:prstGeom>
         </p:spPr>
         <p:txBody>
-          <a:bodyPr lIns="0" rIns="0" tIns="0" bIns="0"/>
-          <a:p>
-            <a:endParaRPr b="0" lang="en-US" sz="3200" spc="-1" strike="noStrike">
+          <a:bodyPr lIns="0" tIns="0" rIns="0" bIns="0"/>
+          <a:lstStyle/>
+          <a:p>
+            <a:endParaRPr lang="en-US" sz="3200" b="0" strike="noStrike" spc="-1">
               <a:solidFill>
                 <a:srgbClr val="000000"/>
               </a:solidFill>
               <a:uFill>
                 <a:solidFill>
-                  <a:srgbClr val="ffffff"/>
+                  <a:srgbClr val="FFFFFF"/>
                 </a:solidFill>
               </a:uFill>
               <a:latin typeface="Arial"/>
@@ -311,15 +418,16 @@
           </a:prstGeom>
         </p:spPr>
         <p:txBody>
-          <a:bodyPr lIns="0" rIns="0" tIns="0" bIns="0"/>
-          <a:p>
-            <a:endParaRPr b="0" lang="en-US" sz="3200" spc="-1" strike="noStrike">
+          <a:bodyPr lIns="0" tIns="0" rIns="0" bIns="0"/>
+          <a:lstStyle/>
+          <a:p>
+            <a:endParaRPr lang="en-US" sz="3200" b="0" strike="noStrike" spc="-1">
               <a:solidFill>
                 <a:srgbClr val="000000"/>
               </a:solidFill>
               <a:uFill>
                 <a:solidFill>
-                  <a:srgbClr val="ffffff"/>
+                  <a:srgbClr val="FFFFFF"/>
                 </a:solidFill>
               </a:uFill>
               <a:latin typeface="Arial"/>
@@ -347,15 +455,16 @@
           </a:prstGeom>
         </p:spPr>
         <p:txBody>
-          <a:bodyPr lIns="0" rIns="0" tIns="0" bIns="0"/>
-          <a:p>
-            <a:endParaRPr b="0" lang="en-US" sz="3200" spc="-1" strike="noStrike">
+          <a:bodyPr lIns="0" tIns="0" rIns="0" bIns="0"/>
+          <a:lstStyle/>
+          <a:p>
+            <a:endParaRPr lang="en-US" sz="3200" b="0" strike="noStrike" spc="-1">
               <a:solidFill>
                 <a:srgbClr val="000000"/>
               </a:solidFill>
               <a:uFill>
                 <a:solidFill>
-                  <a:srgbClr val="ffffff"/>
+                  <a:srgbClr val="FFFFFF"/>
                 </a:solidFill>
               </a:uFill>
               <a:latin typeface="Arial"/>
@@ -365,11 +474,14 @@
       </p:sp>
     </p:spTree>
   </p:cSld>
+  <p:clrMapOvr>
+    <a:masterClrMapping/>
+  </p:clrMapOvr>
 </p:sldLayout>
 </file>
 
 <file path=ppt/slideLayouts/slideLayout12.xml><?xml version="1.0" encoding="utf-8"?>
-<p:sldLayout xmlns:a="http://schemas.openxmlformats.org/drawingml/2006/main" xmlns:p="http://schemas.openxmlformats.org/presentationml/2006/main" xmlns:r="http://schemas.openxmlformats.org/officeDocument/2006/relationships" xmlns:p14="http://schemas.microsoft.com/office/powerpoint/2010/main" xmlns:p15="http://schemas.microsoft.com/office/powerpoint/2012/main" xmlns:mc="http://schemas.openxmlformats.org/markup-compatibility/2006" type="blank" preserve="1">
+<p:sldLayout xmlns:a="http://schemas.openxmlformats.org/drawingml/2006/main" xmlns:r="http://schemas.openxmlformats.org/officeDocument/2006/relationships" xmlns:p="http://schemas.openxmlformats.org/presentationml/2006/main" type="blank" preserve="1">
   <p:cSld name="Title, 6 Content">
     <p:spTree>
       <p:nvGrpSpPr>
@@ -405,16 +517,17 @@
           </a:prstGeom>
         </p:spPr>
         <p:txBody>
-          <a:bodyPr lIns="0" rIns="0" tIns="0" bIns="0" anchor="ctr"/>
+          <a:bodyPr lIns="0" tIns="0" rIns="0" bIns="0" anchor="ctr"/>
+          <a:lstStyle/>
           <a:p>
             <a:pPr algn="ctr"/>
-            <a:endParaRPr b="0" lang="en-US" sz="4400" spc="-1" strike="noStrike">
+            <a:endParaRPr lang="en-US" sz="4400" b="0" strike="noStrike" spc="-1">
               <a:solidFill>
                 <a:srgbClr val="000000"/>
               </a:solidFill>
               <a:uFill>
                 <a:solidFill>
-                  <a:srgbClr val="ffffff"/>
+                  <a:srgbClr val="FFFFFF"/>
                 </a:solidFill>
               </a:uFill>
               <a:latin typeface="Arial"/>
@@ -442,15 +555,16 @@
           </a:prstGeom>
         </p:spPr>
         <p:txBody>
-          <a:bodyPr lIns="0" rIns="0" tIns="0" bIns="0"/>
-          <a:p>
-            <a:endParaRPr b="0" lang="en-US" sz="3200" spc="-1" strike="noStrike">
+          <a:bodyPr lIns="0" tIns="0" rIns="0" bIns="0"/>
+          <a:lstStyle/>
+          <a:p>
+            <a:endParaRPr lang="en-US" sz="3200" b="0" strike="noStrike" spc="-1">
               <a:solidFill>
                 <a:srgbClr val="000000"/>
               </a:solidFill>
               <a:uFill>
                 <a:solidFill>
-                  <a:srgbClr val="ffffff"/>
+                  <a:srgbClr val="FFFFFF"/>
                 </a:solidFill>
               </a:uFill>
               <a:latin typeface="Arial"/>
@@ -478,15 +592,16 @@
           </a:prstGeom>
         </p:spPr>
         <p:txBody>
-          <a:bodyPr lIns="0" rIns="0" tIns="0" bIns="0"/>
-          <a:p>
-            <a:endParaRPr b="0" lang="en-US" sz="3200" spc="-1" strike="noStrike">
+          <a:bodyPr lIns="0" tIns="0" rIns="0" bIns="0"/>
+          <a:lstStyle/>
+          <a:p>
+            <a:endParaRPr lang="en-US" sz="3200" b="0" strike="noStrike" spc="-1">
               <a:solidFill>
                 <a:srgbClr val="000000"/>
               </a:solidFill>
               <a:uFill>
                 <a:solidFill>
-                  <a:srgbClr val="ffffff"/>
+                  <a:srgbClr val="FFFFFF"/>
                 </a:solidFill>
               </a:uFill>
               <a:latin typeface="Arial"/>
@@ -496,7 +611,7 @@
       </p:sp>
       <p:pic>
         <p:nvPicPr>
-          <p:cNvPr id="37" name="" descr=""/>
+          <p:cNvPr id="37" name="図 36"/>
           <p:cNvPicPr/>
           <p:nvPr/>
         </p:nvPicPr>
@@ -519,12 +634,12 @@
       </p:pic>
       <p:pic>
         <p:nvPicPr>
-          <p:cNvPr id="38" name="" descr=""/>
+          <p:cNvPr id="38" name="図 37"/>
           <p:cNvPicPr/>
           <p:nvPr/>
         </p:nvPicPr>
         <p:blipFill>
-          <a:blip r:embed="rId3"/>
+          <a:blip r:embed="rId2"/>
           <a:stretch/>
         </p:blipFill>
         <p:spPr>
@@ -542,11 +657,14 @@
       </p:pic>
     </p:spTree>
   </p:cSld>
+  <p:clrMapOvr>
+    <a:masterClrMapping/>
+  </p:clrMapOvr>
 </p:sldLayout>
 </file>
 
 <file path=ppt/slideLayouts/slideLayout2.xml><?xml version="1.0" encoding="utf-8"?>
-<p:sldLayout xmlns:a="http://schemas.openxmlformats.org/drawingml/2006/main" xmlns:p="http://schemas.openxmlformats.org/presentationml/2006/main" xmlns:r="http://schemas.openxmlformats.org/officeDocument/2006/relationships" xmlns:p14="http://schemas.microsoft.com/office/powerpoint/2010/main" xmlns:p15="http://schemas.microsoft.com/office/powerpoint/2012/main" xmlns:mc="http://schemas.openxmlformats.org/markup-compatibility/2006" type="tx" preserve="1">
+<p:sldLayout xmlns:a="http://schemas.openxmlformats.org/drawingml/2006/main" xmlns:r="http://schemas.openxmlformats.org/officeDocument/2006/relationships" xmlns:p="http://schemas.openxmlformats.org/presentationml/2006/main" type="tx" preserve="1">
   <p:cSld name="Title Slide">
     <p:spTree>
       <p:nvGrpSpPr>
@@ -582,16 +700,17 @@
           </a:prstGeom>
         </p:spPr>
         <p:txBody>
-          <a:bodyPr lIns="0" rIns="0" tIns="0" bIns="0" anchor="ctr"/>
+          <a:bodyPr lIns="0" tIns="0" rIns="0" bIns="0" anchor="ctr"/>
+          <a:lstStyle/>
           <a:p>
             <a:pPr algn="ctr"/>
-            <a:endParaRPr b="0" lang="en-US" sz="4400" spc="-1" strike="noStrike">
+            <a:endParaRPr lang="en-US" sz="4400" b="0" strike="noStrike" spc="-1">
               <a:solidFill>
                 <a:srgbClr val="000000"/>
               </a:solidFill>
               <a:uFill>
                 <a:solidFill>
-                  <a:srgbClr val="ffffff"/>
+                  <a:srgbClr val="FFFFFF"/>
                 </a:solidFill>
               </a:uFill>
               <a:latin typeface="Arial"/>
@@ -619,16 +738,17 @@
           </a:prstGeom>
         </p:spPr>
         <p:txBody>
-          <a:bodyPr lIns="0" rIns="0" tIns="0" bIns="0" anchor="ctr"/>
+          <a:bodyPr lIns="0" tIns="0" rIns="0" bIns="0" anchor="ctr"/>
+          <a:lstStyle/>
           <a:p>
             <a:pPr algn="ctr"/>
-            <a:endParaRPr b="0" lang="en-US" sz="3200" spc="-1" strike="noStrike">
+            <a:endParaRPr lang="en-US" sz="3200" b="0" strike="noStrike" spc="-1">
               <a:solidFill>
                 <a:srgbClr val="000000"/>
               </a:solidFill>
               <a:uFill>
                 <a:solidFill>
-                  <a:srgbClr val="ffffff"/>
+                  <a:srgbClr val="FFFFFF"/>
                 </a:solidFill>
               </a:uFill>
               <a:latin typeface="Arial"/>
@@ -638,11 +758,14 @@
       </p:sp>
     </p:spTree>
   </p:cSld>
+  <p:clrMapOvr>
+    <a:masterClrMapping/>
+  </p:clrMapOvr>
 </p:sldLayout>
 </file>
 
 <file path=ppt/slideLayouts/slideLayout3.xml><?xml version="1.0" encoding="utf-8"?>
-<p:sldLayout xmlns:a="http://schemas.openxmlformats.org/drawingml/2006/main" xmlns:p="http://schemas.openxmlformats.org/presentationml/2006/main" xmlns:r="http://schemas.openxmlformats.org/officeDocument/2006/relationships" xmlns:p14="http://schemas.microsoft.com/office/powerpoint/2010/main" xmlns:p15="http://schemas.microsoft.com/office/powerpoint/2012/main" xmlns:mc="http://schemas.openxmlformats.org/markup-compatibility/2006" type="obj" preserve="1">
+<p:sldLayout xmlns:a="http://schemas.openxmlformats.org/drawingml/2006/main" xmlns:r="http://schemas.openxmlformats.org/officeDocument/2006/relationships" xmlns:p="http://schemas.openxmlformats.org/presentationml/2006/main" type="obj" preserve="1">
   <p:cSld name="Title, Content">
     <p:spTree>
       <p:nvGrpSpPr>
@@ -678,16 +801,17 @@
           </a:prstGeom>
         </p:spPr>
         <p:txBody>
-          <a:bodyPr lIns="0" rIns="0" tIns="0" bIns="0" anchor="ctr"/>
+          <a:bodyPr lIns="0" tIns="0" rIns="0" bIns="0" anchor="ctr"/>
+          <a:lstStyle/>
           <a:p>
             <a:pPr algn="ctr"/>
-            <a:endParaRPr b="0" lang="en-US" sz="4400" spc="-1" strike="noStrike">
+            <a:endParaRPr lang="en-US" sz="4400" b="0" strike="noStrike" spc="-1">
               <a:solidFill>
                 <a:srgbClr val="000000"/>
               </a:solidFill>
               <a:uFill>
                 <a:solidFill>
-                  <a:srgbClr val="ffffff"/>
+                  <a:srgbClr val="FFFFFF"/>
                 </a:solidFill>
               </a:uFill>
               <a:latin typeface="Arial"/>
@@ -715,15 +839,16 @@
           </a:prstGeom>
         </p:spPr>
         <p:txBody>
-          <a:bodyPr lIns="0" rIns="0" tIns="0" bIns="0"/>
-          <a:p>
-            <a:endParaRPr b="0" lang="en-US" sz="3200" spc="-1" strike="noStrike">
+          <a:bodyPr lIns="0" tIns="0" rIns="0" bIns="0"/>
+          <a:lstStyle/>
+          <a:p>
+            <a:endParaRPr lang="en-US" sz="3200" b="0" strike="noStrike" spc="-1">
               <a:solidFill>
                 <a:srgbClr val="000000"/>
               </a:solidFill>
               <a:uFill>
                 <a:solidFill>
-                  <a:srgbClr val="ffffff"/>
+                  <a:srgbClr val="FFFFFF"/>
                 </a:solidFill>
               </a:uFill>
               <a:latin typeface="Arial"/>
@@ -733,11 +858,14 @@
       </p:sp>
     </p:spTree>
   </p:cSld>
+  <p:clrMapOvr>
+    <a:masterClrMapping/>
+  </p:clrMapOvr>
 </p:sldLayout>
 </file>
 
 <file path=ppt/slideLayouts/slideLayout4.xml><?xml version="1.0" encoding="utf-8"?>
-<p:sldLayout xmlns:a="http://schemas.openxmlformats.org/drawingml/2006/main" xmlns:p="http://schemas.openxmlformats.org/presentationml/2006/main" xmlns:r="http://schemas.openxmlformats.org/officeDocument/2006/relationships" xmlns:p14="http://schemas.microsoft.com/office/powerpoint/2010/main" xmlns:p15="http://schemas.microsoft.com/office/powerpoint/2012/main" xmlns:mc="http://schemas.openxmlformats.org/markup-compatibility/2006" type="twoObj" preserve="1">
+<p:sldLayout xmlns:a="http://schemas.openxmlformats.org/drawingml/2006/main" xmlns:r="http://schemas.openxmlformats.org/officeDocument/2006/relationships" xmlns:p="http://schemas.openxmlformats.org/presentationml/2006/main" type="twoObj" preserve="1">
   <p:cSld name="Title, 2 Content">
     <p:spTree>
       <p:nvGrpSpPr>
@@ -773,16 +901,17 @@
           </a:prstGeom>
         </p:spPr>
         <p:txBody>
-          <a:bodyPr lIns="0" rIns="0" tIns="0" bIns="0" anchor="ctr"/>
+          <a:bodyPr lIns="0" tIns="0" rIns="0" bIns="0" anchor="ctr"/>
+          <a:lstStyle/>
           <a:p>
             <a:pPr algn="ctr"/>
-            <a:endParaRPr b="0" lang="en-US" sz="4400" spc="-1" strike="noStrike">
+            <a:endParaRPr lang="en-US" sz="4400" b="0" strike="noStrike" spc="-1">
               <a:solidFill>
                 <a:srgbClr val="000000"/>
               </a:solidFill>
               <a:uFill>
                 <a:solidFill>
-                  <a:srgbClr val="ffffff"/>
+                  <a:srgbClr val="FFFFFF"/>
                 </a:solidFill>
               </a:uFill>
               <a:latin typeface="Arial"/>
@@ -810,15 +939,16 @@
           </a:prstGeom>
         </p:spPr>
         <p:txBody>
-          <a:bodyPr lIns="0" rIns="0" tIns="0" bIns="0"/>
-          <a:p>
-            <a:endParaRPr b="0" lang="en-US" sz="3200" spc="-1" strike="noStrike">
+          <a:bodyPr lIns="0" tIns="0" rIns="0" bIns="0"/>
+          <a:lstStyle/>
+          <a:p>
+            <a:endParaRPr lang="en-US" sz="3200" b="0" strike="noStrike" spc="-1">
               <a:solidFill>
                 <a:srgbClr val="000000"/>
               </a:solidFill>
               <a:uFill>
                 <a:solidFill>
-                  <a:srgbClr val="ffffff"/>
+                  <a:srgbClr val="FFFFFF"/>
                 </a:solidFill>
               </a:uFill>
               <a:latin typeface="Arial"/>
@@ -846,15 +976,16 @@
           </a:prstGeom>
         </p:spPr>
         <p:txBody>
-          <a:bodyPr lIns="0" rIns="0" tIns="0" bIns="0"/>
-          <a:p>
-            <a:endParaRPr b="0" lang="en-US" sz="3200" spc="-1" strike="noStrike">
+          <a:bodyPr lIns="0" tIns="0" rIns="0" bIns="0"/>
+          <a:lstStyle/>
+          <a:p>
+            <a:endParaRPr lang="en-US" sz="3200" b="0" strike="noStrike" spc="-1">
               <a:solidFill>
                 <a:srgbClr val="000000"/>
               </a:solidFill>
               <a:uFill>
                 <a:solidFill>
-                  <a:srgbClr val="ffffff"/>
+                  <a:srgbClr val="FFFFFF"/>
                 </a:solidFill>
               </a:uFill>
               <a:latin typeface="Arial"/>
@@ -864,11 +995,14 @@
       </p:sp>
     </p:spTree>
   </p:cSld>
+  <p:clrMapOvr>
+    <a:masterClrMapping/>
+  </p:clrMapOvr>
 </p:sldLayout>
 </file>
 
 <file path=ppt/slideLayouts/slideLayout5.xml><?xml version="1.0" encoding="utf-8"?>
-<p:sldLayout xmlns:a="http://schemas.openxmlformats.org/drawingml/2006/main" xmlns:p="http://schemas.openxmlformats.org/presentationml/2006/main" xmlns:r="http://schemas.openxmlformats.org/officeDocument/2006/relationships" xmlns:p14="http://schemas.microsoft.com/office/powerpoint/2010/main" xmlns:p15="http://schemas.microsoft.com/office/powerpoint/2012/main" xmlns:mc="http://schemas.openxmlformats.org/markup-compatibility/2006" type="titleOnly" preserve="1">
+<p:sldLayout xmlns:a="http://schemas.openxmlformats.org/drawingml/2006/main" xmlns:r="http://schemas.openxmlformats.org/officeDocument/2006/relationships" xmlns:p="http://schemas.openxmlformats.org/presentationml/2006/main" type="titleOnly" preserve="1">
   <p:cSld name="Title Only">
     <p:spTree>
       <p:nvGrpSpPr>
@@ -904,16 +1038,17 @@
           </a:prstGeom>
         </p:spPr>
         <p:txBody>
-          <a:bodyPr lIns="0" rIns="0" tIns="0" bIns="0" anchor="ctr"/>
+          <a:bodyPr lIns="0" tIns="0" rIns="0" bIns="0" anchor="ctr"/>
+          <a:lstStyle/>
           <a:p>
             <a:pPr algn="ctr"/>
-            <a:endParaRPr b="0" lang="en-US" sz="4400" spc="-1" strike="noStrike">
+            <a:endParaRPr lang="en-US" sz="4400" b="0" strike="noStrike" spc="-1">
               <a:solidFill>
                 <a:srgbClr val="000000"/>
               </a:solidFill>
               <a:uFill>
                 <a:solidFill>
-                  <a:srgbClr val="ffffff"/>
+                  <a:srgbClr val="FFFFFF"/>
                 </a:solidFill>
               </a:uFill>
               <a:latin typeface="Arial"/>
@@ -923,11 +1058,14 @@
       </p:sp>
     </p:spTree>
   </p:cSld>
+  <p:clrMapOvr>
+    <a:masterClrMapping/>
+  </p:clrMapOvr>
 </p:sldLayout>
 </file>
 
 <file path=ppt/slideLayouts/slideLayout6.xml><?xml version="1.0" encoding="utf-8"?>
-<p:sldLayout xmlns:a="http://schemas.openxmlformats.org/drawingml/2006/main" xmlns:p="http://schemas.openxmlformats.org/presentationml/2006/main" xmlns:r="http://schemas.openxmlformats.org/officeDocument/2006/relationships" xmlns:p14="http://schemas.microsoft.com/office/powerpoint/2010/main" xmlns:p15="http://schemas.microsoft.com/office/powerpoint/2012/main" xmlns:mc="http://schemas.openxmlformats.org/markup-compatibility/2006" type="objOnly" preserve="1">
+<p:sldLayout xmlns:a="http://schemas.openxmlformats.org/drawingml/2006/main" xmlns:r="http://schemas.openxmlformats.org/officeDocument/2006/relationships" xmlns:p="http://schemas.openxmlformats.org/presentationml/2006/main" type="objOnly" preserve="1">
   <p:cSld name="Centered Text">
     <p:spTree>
       <p:nvGrpSpPr>
@@ -963,16 +1101,17 @@
           </a:prstGeom>
         </p:spPr>
         <p:txBody>
-          <a:bodyPr lIns="0" rIns="0" tIns="0" bIns="0" anchor="ctr"/>
+          <a:bodyPr lIns="0" tIns="0" rIns="0" bIns="0" anchor="ctr"/>
+          <a:lstStyle/>
           <a:p>
             <a:pPr algn="ctr"/>
-            <a:endParaRPr b="0" lang="en-US" sz="3200" spc="-1" strike="noStrike">
+            <a:endParaRPr lang="en-US" sz="3200" b="0" strike="noStrike" spc="-1">
               <a:solidFill>
                 <a:srgbClr val="000000"/>
               </a:solidFill>
               <a:uFill>
                 <a:solidFill>
-                  <a:srgbClr val="ffffff"/>
+                  <a:srgbClr val="FFFFFF"/>
                 </a:solidFill>
               </a:uFill>
               <a:latin typeface="Arial"/>
@@ -982,11 +1121,14 @@
       </p:sp>
     </p:spTree>
   </p:cSld>
+  <p:clrMapOvr>
+    <a:masterClrMapping/>
+  </p:clrMapOvr>
 </p:sldLayout>
 </file>
 
 <file path=ppt/slideLayouts/slideLayout7.xml><?xml version="1.0" encoding="utf-8"?>
-<p:sldLayout xmlns:a="http://schemas.openxmlformats.org/drawingml/2006/main" xmlns:p="http://schemas.openxmlformats.org/presentationml/2006/main" xmlns:r="http://schemas.openxmlformats.org/officeDocument/2006/relationships" xmlns:p14="http://schemas.microsoft.com/office/powerpoint/2010/main" xmlns:p15="http://schemas.microsoft.com/office/powerpoint/2012/main" xmlns:mc="http://schemas.openxmlformats.org/markup-compatibility/2006" type="twoObjAndObj" preserve="1">
+<p:sldLayout xmlns:a="http://schemas.openxmlformats.org/drawingml/2006/main" xmlns:r="http://schemas.openxmlformats.org/officeDocument/2006/relationships" xmlns:p="http://schemas.openxmlformats.org/presentationml/2006/main" type="twoObjAndObj" preserve="1">
   <p:cSld name="Title, 2 Content and Content">
     <p:spTree>
       <p:nvGrpSpPr>
@@ -1022,16 +1164,17 @@
           </a:prstGeom>
         </p:spPr>
         <p:txBody>
-          <a:bodyPr lIns="0" rIns="0" tIns="0" bIns="0" anchor="ctr"/>
+          <a:bodyPr lIns="0" tIns="0" rIns="0" bIns="0" anchor="ctr"/>
+          <a:lstStyle/>
           <a:p>
             <a:pPr algn="ctr"/>
-            <a:endParaRPr b="0" lang="en-US" sz="4400" spc="-1" strike="noStrike">
+            <a:endParaRPr lang="en-US" sz="4400" b="0" strike="noStrike" spc="-1">
               <a:solidFill>
                 <a:srgbClr val="000000"/>
               </a:solidFill>
               <a:uFill>
                 <a:solidFill>
-                  <a:srgbClr val="ffffff"/>
+                  <a:srgbClr val="FFFFFF"/>
                 </a:solidFill>
               </a:uFill>
               <a:latin typeface="Arial"/>
@@ -1059,15 +1202,16 @@
           </a:prstGeom>
         </p:spPr>
         <p:txBody>
-          <a:bodyPr lIns="0" rIns="0" tIns="0" bIns="0"/>
-          <a:p>
-            <a:endParaRPr b="0" lang="en-US" sz="3200" spc="-1" strike="noStrike">
+          <a:bodyPr lIns="0" tIns="0" rIns="0" bIns="0"/>
+          <a:lstStyle/>
+          <a:p>
+            <a:endParaRPr lang="en-US" sz="3200" b="0" strike="noStrike" spc="-1">
               <a:solidFill>
                 <a:srgbClr val="000000"/>
               </a:solidFill>
               <a:uFill>
                 <a:solidFill>
-                  <a:srgbClr val="ffffff"/>
+                  <a:srgbClr val="FFFFFF"/>
                 </a:solidFill>
               </a:uFill>
               <a:latin typeface="Arial"/>
@@ -1095,15 +1239,16 @@
           </a:prstGeom>
         </p:spPr>
         <p:txBody>
-          <a:bodyPr lIns="0" rIns="0" tIns="0" bIns="0"/>
-          <a:p>
-            <a:endParaRPr b="0" lang="en-US" sz="3200" spc="-1" strike="noStrike">
+          <a:bodyPr lIns="0" tIns="0" rIns="0" bIns="0"/>
+          <a:lstStyle/>
+          <a:p>
+            <a:endParaRPr lang="en-US" sz="3200" b="0" strike="noStrike" spc="-1">
               <a:solidFill>
                 <a:srgbClr val="000000"/>
               </a:solidFill>
               <a:uFill>
                 <a:solidFill>
-                  <a:srgbClr val="ffffff"/>
+                  <a:srgbClr val="FFFFFF"/>
                 </a:solidFill>
               </a:uFill>
               <a:latin typeface="Arial"/>
@@ -1131,15 +1276,16 @@
           </a:prstGeom>
         </p:spPr>
         <p:txBody>
-          <a:bodyPr lIns="0" rIns="0" tIns="0" bIns="0"/>
-          <a:p>
-            <a:endParaRPr b="0" lang="en-US" sz="3200" spc="-1" strike="noStrike">
+          <a:bodyPr lIns="0" tIns="0" rIns="0" bIns="0"/>
+          <a:lstStyle/>
+          <a:p>
+            <a:endParaRPr lang="en-US" sz="3200" b="0" strike="noStrike" spc="-1">
               <a:solidFill>
                 <a:srgbClr val="000000"/>
               </a:solidFill>
               <a:uFill>
                 <a:solidFill>
-                  <a:srgbClr val="ffffff"/>
+                  <a:srgbClr val="FFFFFF"/>
                 </a:solidFill>
               </a:uFill>
               <a:latin typeface="Arial"/>
@@ -1149,11 +1295,14 @@
       </p:sp>
     </p:spTree>
   </p:cSld>
+  <p:clrMapOvr>
+    <a:masterClrMapping/>
+  </p:clrMapOvr>
 </p:sldLayout>
 </file>
 
 <file path=ppt/slideLayouts/slideLayout8.xml><?xml version="1.0" encoding="utf-8"?>
-<p:sldLayout xmlns:a="http://schemas.openxmlformats.org/drawingml/2006/main" xmlns:p="http://schemas.openxmlformats.org/presentationml/2006/main" xmlns:r="http://schemas.openxmlformats.org/officeDocument/2006/relationships" xmlns:p14="http://schemas.microsoft.com/office/powerpoint/2010/main" xmlns:p15="http://schemas.microsoft.com/office/powerpoint/2012/main" xmlns:mc="http://schemas.openxmlformats.org/markup-compatibility/2006" type="objAndTwoObj" preserve="1">
+<p:sldLayout xmlns:a="http://schemas.openxmlformats.org/drawingml/2006/main" xmlns:r="http://schemas.openxmlformats.org/officeDocument/2006/relationships" xmlns:p="http://schemas.openxmlformats.org/presentationml/2006/main" type="objAndTwoObj" preserve="1">
   <p:cSld name="Title Content and 2 Content">
     <p:spTree>
       <p:nvGrpSpPr>
@@ -1189,16 +1338,17 @@
           </a:prstGeom>
         </p:spPr>
         <p:txBody>
-          <a:bodyPr lIns="0" rIns="0" tIns="0" bIns="0" anchor="ctr"/>
+          <a:bodyPr lIns="0" tIns="0" rIns="0" bIns="0" anchor="ctr"/>
+          <a:lstStyle/>
           <a:p>
             <a:pPr algn="ctr"/>
-            <a:endParaRPr b="0" lang="en-US" sz="4400" spc="-1" strike="noStrike">
+            <a:endParaRPr lang="en-US" sz="4400" b="0" strike="noStrike" spc="-1">
               <a:solidFill>
                 <a:srgbClr val="000000"/>
               </a:solidFill>
               <a:uFill>
                 <a:solidFill>
-                  <a:srgbClr val="ffffff"/>
+                  <a:srgbClr val="FFFFFF"/>
                 </a:solidFill>
               </a:uFill>
               <a:latin typeface="Arial"/>
@@ -1226,15 +1376,16 @@
           </a:prstGeom>
         </p:spPr>
         <p:txBody>
-          <a:bodyPr lIns="0" rIns="0" tIns="0" bIns="0"/>
-          <a:p>
-            <a:endParaRPr b="0" lang="en-US" sz="3200" spc="-1" strike="noStrike">
+          <a:bodyPr lIns="0" tIns="0" rIns="0" bIns="0"/>
+          <a:lstStyle/>
+          <a:p>
+            <a:endParaRPr lang="en-US" sz="3200" b="0" strike="noStrike" spc="-1">
               <a:solidFill>
                 <a:srgbClr val="000000"/>
               </a:solidFill>
               <a:uFill>
                 <a:solidFill>
-                  <a:srgbClr val="ffffff"/>
+                  <a:srgbClr val="FFFFFF"/>
                 </a:solidFill>
               </a:uFill>
               <a:latin typeface="Arial"/>
@@ -1262,15 +1413,16 @@
           </a:prstGeom>
         </p:spPr>
         <p:txBody>
-          <a:bodyPr lIns="0" rIns="0" tIns="0" bIns="0"/>
-          <a:p>
-            <a:endParaRPr b="0" lang="en-US" sz="3200" spc="-1" strike="noStrike">
+          <a:bodyPr lIns="0" tIns="0" rIns="0" bIns="0"/>
+          <a:lstStyle/>
+          <a:p>
+            <a:endParaRPr lang="en-US" sz="3200" b="0" strike="noStrike" spc="-1">
               <a:solidFill>
                 <a:srgbClr val="000000"/>
               </a:solidFill>
               <a:uFill>
                 <a:solidFill>
-                  <a:srgbClr val="ffffff"/>
+                  <a:srgbClr val="FFFFFF"/>
                 </a:solidFill>
               </a:uFill>
               <a:latin typeface="Arial"/>
@@ -1298,15 +1450,16 @@
           </a:prstGeom>
         </p:spPr>
         <p:txBody>
-          <a:bodyPr lIns="0" rIns="0" tIns="0" bIns="0"/>
-          <a:p>
-            <a:endParaRPr b="0" lang="en-US" sz="3200" spc="-1" strike="noStrike">
+          <a:bodyPr lIns="0" tIns="0" rIns="0" bIns="0"/>
+          <a:lstStyle/>
+          <a:p>
+            <a:endParaRPr lang="en-US" sz="3200" b="0" strike="noStrike" spc="-1">
               <a:solidFill>
                 <a:srgbClr val="000000"/>
               </a:solidFill>
               <a:uFill>
                 <a:solidFill>
-                  <a:srgbClr val="ffffff"/>
+                  <a:srgbClr val="FFFFFF"/>
                 </a:solidFill>
               </a:uFill>
               <a:latin typeface="Arial"/>
@@ -1316,11 +1469,14 @@
       </p:sp>
     </p:spTree>
   </p:cSld>
+  <p:clrMapOvr>
+    <a:masterClrMapping/>
+  </p:clrMapOvr>
 </p:sldLayout>
 </file>
 
 <file path=ppt/slideLayouts/slideLayout9.xml><?xml version="1.0" encoding="utf-8"?>
-<p:sldLayout xmlns:a="http://schemas.openxmlformats.org/drawingml/2006/main" xmlns:p="http://schemas.openxmlformats.org/presentationml/2006/main" xmlns:r="http://schemas.openxmlformats.org/officeDocument/2006/relationships" xmlns:p14="http://schemas.microsoft.com/office/powerpoint/2010/main" xmlns:p15="http://schemas.microsoft.com/office/powerpoint/2012/main" xmlns:mc="http://schemas.openxmlformats.org/markup-compatibility/2006" type="twoObjOverTx" preserve="1">
+<p:sldLayout xmlns:a="http://schemas.openxmlformats.org/drawingml/2006/main" xmlns:r="http://schemas.openxmlformats.org/officeDocument/2006/relationships" xmlns:p="http://schemas.openxmlformats.org/presentationml/2006/main" type="twoObjOverTx" preserve="1">
   <p:cSld name="Title, 2 Content over Content">
     <p:spTree>
       <p:nvGrpSpPr>
@@ -1356,16 +1512,17 @@
           </a:prstGeom>
         </p:spPr>
         <p:txBody>
-          <a:bodyPr lIns="0" rIns="0" tIns="0" bIns="0" anchor="ctr"/>
+          <a:bodyPr lIns="0" tIns="0" rIns="0" bIns="0" anchor="ctr"/>
+          <a:lstStyle/>
           <a:p>
             <a:pPr algn="ctr"/>
-            <a:endParaRPr b="0" lang="en-US" sz="4400" spc="-1" strike="noStrike">
+            <a:endParaRPr lang="en-US" sz="4400" b="0" strike="noStrike" spc="-1">
               <a:solidFill>
                 <a:srgbClr val="000000"/>
               </a:solidFill>
               <a:uFill>
                 <a:solidFill>
-                  <a:srgbClr val="ffffff"/>
+                  <a:srgbClr val="FFFFFF"/>
                 </a:solidFill>
               </a:uFill>
               <a:latin typeface="Arial"/>
@@ -1393,15 +1550,16 @@
           </a:prstGeom>
         </p:spPr>
         <p:txBody>
-          <a:bodyPr lIns="0" rIns="0" tIns="0" bIns="0"/>
-          <a:p>
-            <a:endParaRPr b="0" lang="en-US" sz="3200" spc="-1" strike="noStrike">
+          <a:bodyPr lIns="0" tIns="0" rIns="0" bIns="0"/>
+          <a:lstStyle/>
+          <a:p>
+            <a:endParaRPr lang="en-US" sz="3200" b="0" strike="noStrike" spc="-1">
               <a:solidFill>
                 <a:srgbClr val="000000"/>
               </a:solidFill>
               <a:uFill>
                 <a:solidFill>
-                  <a:srgbClr val="ffffff"/>
+                  <a:srgbClr val="FFFFFF"/>
                 </a:solidFill>
               </a:uFill>
               <a:latin typeface="Arial"/>
@@ -1429,15 +1587,16 @@
           </a:prstGeom>
         </p:spPr>
         <p:txBody>
-          <a:bodyPr lIns="0" rIns="0" tIns="0" bIns="0"/>
-          <a:p>
-            <a:endParaRPr b="0" lang="en-US" sz="3200" spc="-1" strike="noStrike">
+          <a:bodyPr lIns="0" tIns="0" rIns="0" bIns="0"/>
+          <a:lstStyle/>
+          <a:p>
+            <a:endParaRPr lang="en-US" sz="3200" b="0" strike="noStrike" spc="-1">
               <a:solidFill>
                 <a:srgbClr val="000000"/>
               </a:solidFill>
               <a:uFill>
                 <a:solidFill>
-                  <a:srgbClr val="ffffff"/>
+                  <a:srgbClr val="FFFFFF"/>
                 </a:solidFill>
               </a:uFill>
               <a:latin typeface="Arial"/>
@@ -1465,15 +1624,16 @@
           </a:prstGeom>
         </p:spPr>
         <p:txBody>
-          <a:bodyPr lIns="0" rIns="0" tIns="0" bIns="0"/>
-          <a:p>
-            <a:endParaRPr b="0" lang="en-US" sz="3200" spc="-1" strike="noStrike">
+          <a:bodyPr lIns="0" tIns="0" rIns="0" bIns="0"/>
+          <a:lstStyle/>
+          <a:p>
+            <a:endParaRPr lang="en-US" sz="3200" b="0" strike="noStrike" spc="-1">
               <a:solidFill>
                 <a:srgbClr val="000000"/>
               </a:solidFill>
               <a:uFill>
                 <a:solidFill>
-                  <a:srgbClr val="ffffff"/>
+                  <a:srgbClr val="FFFFFF"/>
                 </a:solidFill>
               </a:uFill>
               <a:latin typeface="Arial"/>
@@ -1483,11 +1643,427 @@
       </p:sp>
     </p:spTree>
   </p:cSld>
+  <p:clrMapOvr>
+    <a:masterClrMapping/>
+  </p:clrMapOvr>
 </p:sldLayout>
 </file>
 
 <file path=ppt/slideMasters/slideMaster1.xml><?xml version="1.0" encoding="utf-8"?>
-<p:sldMaster xmlns:a="http://schemas.openxmlformats.org/drawingml/2006/main" xmlns:p="http://schemas.openxmlformats.org/presentationml/2006/main" xmlns:r="http://schemas.openxmlformats.org/officeDocument/2006/relationships" xmlns:p14="http://schemas.microsoft.com/office/powerpoint/2010/main" xmlns:p15="http://schemas.microsoft.com/office/powerpoint/2012/main" xmlns:mc="http://schemas.openxmlformats.org/markup-compatibility/2006">
+<p:sldMaster xmlns:a="http://schemas.openxmlformats.org/drawingml/2006/main" xmlns:r="http://schemas.openxmlformats.org/officeDocument/2006/relationships" xmlns:p="http://schemas.openxmlformats.org/presentationml/2006/main">
+  <p:cSld>
+    <p:bg>
+      <p:bgRef idx="1001">
+        <a:schemeClr val="bg1"/>
+      </p:bgRef>
+    </p:bg>
+    <p:spTree>
+      <p:nvGrpSpPr>
+        <p:cNvPr id="1" name=""/>
+        <p:cNvGrpSpPr/>
+        <p:nvPr/>
+      </p:nvGrpSpPr>
+      <p:grpSpPr>
+        <a:xfrm>
+          <a:off x="0" y="0"/>
+          <a:ext cx="0" cy="0"/>
+          <a:chOff x="0" y="0"/>
+          <a:chExt cx="0" cy="0"/>
+        </a:xfrm>
+      </p:grpSpPr>
+      <p:sp>
+        <p:nvSpPr>
+          <p:cNvPr id="5" name="PlaceHolder 1"/>
+          <p:cNvSpPr>
+            <a:spLocks noGrp="1"/>
+          </p:cNvSpPr>
+          <p:nvPr>
+            <p:ph type="title"/>
+          </p:nvPr>
+        </p:nvSpPr>
+        <p:spPr>
+          <a:xfrm>
+            <a:off x="504000" y="301320"/>
+            <a:ext cx="9071640" cy="1262160"/>
+          </a:xfrm>
+          <a:prstGeom prst="rect">
+            <a:avLst/>
+          </a:prstGeom>
+        </p:spPr>
+        <p:txBody>
+          <a:bodyPr lIns="0" tIns="0" rIns="0" bIns="0" anchor="ctr"/>
+          <a:lstStyle/>
+          <a:p>
+            <a:pPr algn="ctr"/>
+            <a:r>
+              <a:rPr lang="en-US" sz="4400" b="0" strike="noStrike" spc="-1">
+                <a:solidFill>
+                  <a:srgbClr val="000000"/>
+                </a:solidFill>
+                <a:uFill>
+                  <a:solidFill>
+                    <a:srgbClr val="FFFFFF"/>
+                  </a:solidFill>
+                </a:uFill>
+                <a:latin typeface="Arial"/>
+              </a:rPr>
+              <a:t>タイトルテキストの書式を編集するにはクリックします。</a:t>
+            </a:r>
+          </a:p>
+        </p:txBody>
+      </p:sp>
+      <p:sp>
+        <p:nvSpPr>
+          <p:cNvPr id="6" name="PlaceHolder 2"/>
+          <p:cNvSpPr>
+            <a:spLocks noGrp="1"/>
+          </p:cNvSpPr>
+          <p:nvPr>
+            <p:ph type="body"/>
+          </p:nvPr>
+        </p:nvSpPr>
+        <p:spPr>
+          <a:xfrm>
+            <a:off x="504000" y="1769040"/>
+            <a:ext cx="9071640" cy="4384440"/>
+          </a:xfrm>
+          <a:prstGeom prst="rect">
+            <a:avLst/>
+          </a:prstGeom>
+        </p:spPr>
+        <p:txBody>
+          <a:bodyPr lIns="0" tIns="0" rIns="0" bIns="0"/>
+          <a:lstStyle/>
+          <a:p>
+            <a:pPr marL="432000" indent="-324000">
+              <a:buClr>
+                <a:srgbClr val="000000"/>
+              </a:buClr>
+              <a:buSzPct val="45000"/>
+              <a:buFont typeface="Wingdings" charset="2"/>
+              <a:buChar char=""/>
+            </a:pPr>
+            <a:r>
+              <a:rPr lang="en-US" sz="3200" b="0" strike="noStrike" spc="-1">
+                <a:solidFill>
+                  <a:srgbClr val="000000"/>
+                </a:solidFill>
+                <a:uFill>
+                  <a:solidFill>
+                    <a:srgbClr val="FFFFFF"/>
+                  </a:solidFill>
+                </a:uFill>
+                <a:latin typeface="Arial"/>
+              </a:rPr>
+              <a:t>アウトラインテキストの書式を編集するにはクリックします。</a:t>
+            </a:r>
+          </a:p>
+          <a:p>
+            <a:pPr marL="864000" lvl="1" indent="-324000">
+              <a:buClr>
+                <a:srgbClr val="000000"/>
+              </a:buClr>
+              <a:buSzPct val="75000"/>
+              <a:buFont typeface="Symbol" charset="2"/>
+              <a:buChar char=""/>
+            </a:pPr>
+            <a:r>
+              <a:rPr lang="en-US" sz="2800" b="0" strike="noStrike" spc="-1">
+                <a:solidFill>
+                  <a:srgbClr val="000000"/>
+                </a:solidFill>
+                <a:uFill>
+                  <a:solidFill>
+                    <a:srgbClr val="FFFFFF"/>
+                  </a:solidFill>
+                </a:uFill>
+                <a:latin typeface="Arial"/>
+              </a:rPr>
+              <a:t>2レベル目のアウトライン</a:t>
+            </a:r>
+          </a:p>
+          <a:p>
+            <a:pPr marL="1296000" lvl="2" indent="-288000">
+              <a:buClr>
+                <a:srgbClr val="000000"/>
+              </a:buClr>
+              <a:buSzPct val="45000"/>
+              <a:buFont typeface="Wingdings" charset="2"/>
+              <a:buChar char=""/>
+            </a:pPr>
+            <a:r>
+              <a:rPr lang="en-US" sz="2400" b="0" strike="noStrike" spc="-1">
+                <a:solidFill>
+                  <a:srgbClr val="000000"/>
+                </a:solidFill>
+                <a:uFill>
+                  <a:solidFill>
+                    <a:srgbClr val="FFFFFF"/>
+                  </a:solidFill>
+                </a:uFill>
+                <a:latin typeface="Arial"/>
+              </a:rPr>
+              <a:t>3レベル目のアウトライン</a:t>
+            </a:r>
+          </a:p>
+          <a:p>
+            <a:pPr marL="1728000" lvl="3" indent="-216000">
+              <a:buClr>
+                <a:srgbClr val="000000"/>
+              </a:buClr>
+              <a:buSzPct val="75000"/>
+              <a:buFont typeface="Symbol" charset="2"/>
+              <a:buChar char=""/>
+            </a:pPr>
+            <a:r>
+              <a:rPr lang="en-US" sz="2000" b="0" strike="noStrike" spc="-1">
+                <a:solidFill>
+                  <a:srgbClr val="000000"/>
+                </a:solidFill>
+                <a:uFill>
+                  <a:solidFill>
+                    <a:srgbClr val="FFFFFF"/>
+                  </a:solidFill>
+                </a:uFill>
+                <a:latin typeface="Arial"/>
+              </a:rPr>
+              <a:t>4レベル目のアウトライン</a:t>
+            </a:r>
+          </a:p>
+          <a:p>
+            <a:pPr marL="2160000" lvl="4" indent="-216000">
+              <a:buClr>
+                <a:srgbClr val="000000"/>
+              </a:buClr>
+              <a:buSzPct val="45000"/>
+              <a:buFont typeface="Wingdings" charset="2"/>
+              <a:buChar char=""/>
+            </a:pPr>
+            <a:r>
+              <a:rPr lang="en-US" sz="2000" b="0" strike="noStrike" spc="-1">
+                <a:solidFill>
+                  <a:srgbClr val="000000"/>
+                </a:solidFill>
+                <a:uFill>
+                  <a:solidFill>
+                    <a:srgbClr val="FFFFFF"/>
+                  </a:solidFill>
+                </a:uFill>
+                <a:latin typeface="Arial"/>
+              </a:rPr>
+              <a:t>5レベル目のアウトライン</a:t>
+            </a:r>
+          </a:p>
+          <a:p>
+            <a:pPr marL="2592000" lvl="5" indent="-216000">
+              <a:buClr>
+                <a:srgbClr val="000000"/>
+              </a:buClr>
+              <a:buSzPct val="45000"/>
+              <a:buFont typeface="Wingdings" charset="2"/>
+              <a:buChar char=""/>
+            </a:pPr>
+            <a:r>
+              <a:rPr lang="en-US" sz="2000" b="0" strike="noStrike" spc="-1">
+                <a:solidFill>
+                  <a:srgbClr val="000000"/>
+                </a:solidFill>
+                <a:uFill>
+                  <a:solidFill>
+                    <a:srgbClr val="FFFFFF"/>
+                  </a:solidFill>
+                </a:uFill>
+                <a:latin typeface="Arial"/>
+              </a:rPr>
+              <a:t>6レベル目のアウトライン</a:t>
+            </a:r>
+          </a:p>
+          <a:p>
+            <a:pPr marL="3024000" lvl="6" indent="-216000">
+              <a:buClr>
+                <a:srgbClr val="000000"/>
+              </a:buClr>
+              <a:buSzPct val="45000"/>
+              <a:buFont typeface="Wingdings" charset="2"/>
+              <a:buChar char=""/>
+            </a:pPr>
+            <a:r>
+              <a:rPr lang="en-US" sz="2000" b="0" strike="noStrike" spc="-1">
+                <a:solidFill>
+                  <a:srgbClr val="000000"/>
+                </a:solidFill>
+                <a:uFill>
+                  <a:solidFill>
+                    <a:srgbClr val="FFFFFF"/>
+                  </a:solidFill>
+                </a:uFill>
+                <a:latin typeface="Arial"/>
+              </a:rPr>
+              <a:t>7レベル目のアウトライン</a:t>
+            </a:r>
+          </a:p>
+        </p:txBody>
+      </p:sp>
+      <p:sp>
+        <p:nvSpPr>
+          <p:cNvPr id="2" name="PlaceHolder 3"/>
+          <p:cNvSpPr>
+            <a:spLocks noGrp="1"/>
+          </p:cNvSpPr>
+          <p:nvPr>
+            <p:ph type="dt"/>
+          </p:nvPr>
+        </p:nvSpPr>
+        <p:spPr>
+          <a:xfrm>
+            <a:off x="504000" y="6887160"/>
+            <a:ext cx="2348280" cy="521280"/>
+          </a:xfrm>
+          <a:prstGeom prst="rect">
+            <a:avLst/>
+          </a:prstGeom>
+        </p:spPr>
+        <p:txBody>
+          <a:bodyPr lIns="0" tIns="0" rIns="0" bIns="0"/>
+          <a:lstStyle/>
+          <a:p>
+            <a:r>
+              <a:rPr lang="en-US" sz="1400" b="0" strike="noStrike" spc="-1">
+                <a:solidFill>
+                  <a:srgbClr val="000000"/>
+                </a:solidFill>
+                <a:uFill>
+                  <a:solidFill>
+                    <a:srgbClr val="FFFFFF"/>
+                  </a:solidFill>
+                </a:uFill>
+                <a:latin typeface="Times New Roman"/>
+              </a:rPr>
+              <a:t>&lt;日付/時刻&gt;</a:t>
+            </a:r>
+          </a:p>
+        </p:txBody>
+      </p:sp>
+      <p:sp>
+        <p:nvSpPr>
+          <p:cNvPr id="3" name="PlaceHolder 4"/>
+          <p:cNvSpPr>
+            <a:spLocks noGrp="1"/>
+          </p:cNvSpPr>
+          <p:nvPr>
+            <p:ph type="ftr"/>
+          </p:nvPr>
+        </p:nvSpPr>
+        <p:spPr>
+          <a:xfrm>
+            <a:off x="3447360" y="6887160"/>
+            <a:ext cx="3195000" cy="521280"/>
+          </a:xfrm>
+          <a:prstGeom prst="rect">
+            <a:avLst/>
+          </a:prstGeom>
+        </p:spPr>
+        <p:txBody>
+          <a:bodyPr lIns="0" tIns="0" rIns="0" bIns="0"/>
+          <a:lstStyle/>
+          <a:p>
+            <a:pPr algn="ctr"/>
+            <a:r>
+              <a:rPr lang="en-US" sz="1400" b="0" strike="noStrike" spc="-1">
+                <a:solidFill>
+                  <a:srgbClr val="000000"/>
+                </a:solidFill>
+                <a:uFill>
+                  <a:solidFill>
+                    <a:srgbClr val="FFFFFF"/>
+                  </a:solidFill>
+                </a:uFill>
+                <a:latin typeface="Times New Roman"/>
+              </a:rPr>
+              <a:t>&lt;フッター&gt;</a:t>
+            </a:r>
+          </a:p>
+        </p:txBody>
+      </p:sp>
+      <p:sp>
+        <p:nvSpPr>
+          <p:cNvPr id="4" name="PlaceHolder 5"/>
+          <p:cNvSpPr>
+            <a:spLocks noGrp="1"/>
+          </p:cNvSpPr>
+          <p:nvPr>
+            <p:ph type="sldNum"/>
+          </p:nvPr>
+        </p:nvSpPr>
+        <p:spPr>
+          <a:xfrm>
+            <a:off x="7227360" y="6887160"/>
+            <a:ext cx="2348280" cy="521280"/>
+          </a:xfrm>
+          <a:prstGeom prst="rect">
+            <a:avLst/>
+          </a:prstGeom>
+        </p:spPr>
+        <p:txBody>
+          <a:bodyPr lIns="0" tIns="0" rIns="0" bIns="0"/>
+          <a:lstStyle/>
+          <a:p>
+            <a:pPr algn="r"/>
+            <a:fld id="{DB876C53-1630-44B4-8E37-E2DF53C1AFD0}" type="slidenum">
+              <a:rPr lang="en-US" sz="1400" b="0" strike="noStrike" spc="-1">
+                <a:solidFill>
+                  <a:srgbClr val="000000"/>
+                </a:solidFill>
+                <a:uFill>
+                  <a:solidFill>
+                    <a:srgbClr val="FFFFFF"/>
+                  </a:solidFill>
+                </a:uFill>
+                <a:latin typeface="Times New Roman"/>
+              </a:rPr>
+              <a:t>‹#›</a:t>
+            </a:fld>
+            <a:endParaRPr lang="en-US" sz="1400" b="0" strike="noStrike" spc="-1">
+              <a:solidFill>
+                <a:srgbClr val="000000"/>
+              </a:solidFill>
+              <a:uFill>
+                <a:solidFill>
+                  <a:srgbClr val="FFFFFF"/>
+                </a:solidFill>
+              </a:uFill>
+              <a:latin typeface="Times New Roman"/>
+            </a:endParaRPr>
+          </a:p>
+        </p:txBody>
+      </p:sp>
+    </p:spTree>
+  </p:cSld>
+  <p:clrMap bg1="lt1" tx1="dk1" bg2="lt2" tx2="dk2" accent1="accent1" accent2="accent2" accent3="accent3" accent4="accent4" accent5="accent5" accent6="accent6" hlink="hlink" folHlink="folHlink"/>
+  <p:sldLayoutIdLst>
+    <p:sldLayoutId id="2147483649" r:id="rId1"/>
+    <p:sldLayoutId id="2147483650" r:id="rId2"/>
+    <p:sldLayoutId id="2147483651" r:id="rId3"/>
+    <p:sldLayoutId id="2147483652" r:id="rId4"/>
+    <p:sldLayoutId id="2147483653" r:id="rId5"/>
+    <p:sldLayoutId id="2147483654" r:id="rId6"/>
+    <p:sldLayoutId id="2147483655" r:id="rId7"/>
+    <p:sldLayoutId id="2147483656" r:id="rId8"/>
+    <p:sldLayoutId id="2147483657" r:id="rId9"/>
+    <p:sldLayoutId id="2147483658" r:id="rId10"/>
+    <p:sldLayoutId id="2147483659" r:id="rId11"/>
+    <p:sldLayoutId id="2147483660" r:id="rId12"/>
+  </p:sldLayoutIdLst>
+  <p:txStyles>
+    <p:titleStyle/>
+    <p:bodyStyle/>
+    <p:otherStyle/>
+  </p:txStyles>
+</p:sldMaster>
+</file>
+
+<file path=ppt/slides/slide1.xml><?xml version="1.0" encoding="utf-8"?>
+<p:sld xmlns:a="http://schemas.openxmlformats.org/drawingml/2006/main" xmlns:r="http://schemas.openxmlformats.org/officeDocument/2006/relationships" xmlns:p="http://schemas.openxmlformats.org/presentationml/2006/main">
   <p:cSld>
     <p:spTree>
       <p:nvGrpSpPr>
@@ -1505,621 +2081,2753 @@
       </p:grpSpPr>
       <p:sp>
         <p:nvSpPr>
-          <p:cNvPr id="0" name="PlaceHolder 1"/>
-          <p:cNvSpPr>
-            <a:spLocks noGrp="1"/>
-          </p:cNvSpPr>
-          <p:nvPr>
-            <p:ph type="title"/>
-          </p:nvPr>
+          <p:cNvPr id="3" name="テキスト ボックス 2"/>
+          <p:cNvSpPr txBox="1"/>
+          <p:nvPr/>
         </p:nvSpPr>
         <p:spPr>
           <a:xfrm>
-            <a:off x="504000" y="301320"/>
-            <a:ext cx="9071640" cy="1262160"/>
-          </a:xfrm>
-          <a:prstGeom prst="rect">
-            <a:avLst/>
-          </a:prstGeom>
-        </p:spPr>
-        <p:txBody>
-          <a:bodyPr lIns="0" rIns="0" tIns="0" bIns="0" anchor="ctr"/>
+            <a:off x="1943968" y="1187549"/>
+            <a:ext cx="5112568" cy="2268252"/>
+          </a:xfrm>
+          <a:prstGeom prst="rect">
+            <a:avLst/>
+          </a:prstGeom>
+          <a:solidFill>
+            <a:schemeClr val="bg1"/>
+          </a:solidFill>
+          <a:ln>
+            <a:solidFill>
+              <a:schemeClr val="tx1"/>
+            </a:solidFill>
+          </a:ln>
+        </p:spPr>
+        <p:txBody>
+          <a:bodyPr wrap="none" rtlCol="0">
+            <a:noAutofit/>
+          </a:bodyPr>
+          <a:lstStyle/>
           <a:p>
             <a:pPr algn="ctr"/>
             <a:r>
-              <a:rPr b="0" lang="en-US" sz="4400" spc="-1" strike="noStrike">
-                <a:solidFill>
-                  <a:srgbClr val="000000"/>
-                </a:solidFill>
-                <a:uFill>
-                  <a:solidFill>
-                    <a:srgbClr val="ffffff"/>
-                  </a:solidFill>
-                </a:uFill>
-                <a:latin typeface="Arial"/>
-              </a:rPr>
-              <a:t>タイトルテキストの書式を編集するにはクリックします。</a:t>
-            </a:r>
-            <a:endParaRPr b="0" lang="en-US" sz="4400" spc="-1" strike="noStrike">
-              <a:solidFill>
-                <a:srgbClr val="000000"/>
-              </a:solidFill>
-              <a:uFill>
-                <a:solidFill>
-                  <a:srgbClr val="ffffff"/>
-                </a:solidFill>
-              </a:uFill>
-              <a:latin typeface="Arial"/>
-            </a:endParaRPr>
-          </a:p>
-        </p:txBody>
-      </p:sp>
-      <p:sp>
-        <p:nvSpPr>
-          <p:cNvPr id="1" name="PlaceHolder 2"/>
-          <p:cNvSpPr>
-            <a:spLocks noGrp="1"/>
-          </p:cNvSpPr>
-          <p:nvPr>
-            <p:ph type="body"/>
-          </p:nvPr>
+              <a:rPr kumimoji="1" lang="ja-JP" altLang="en-US" sz="1400" smtClean="0">
+                <a:latin typeface="Meiryo UI" pitchFamily="50" charset="-128"/>
+                <a:ea typeface="Meiryo UI" pitchFamily="50" charset="-128"/>
+                <a:cs typeface="Meiryo UI" pitchFamily="50" charset="-128"/>
+              </a:rPr>
+              <a:t>構成管理データベース</a:t>
+            </a:r>
+          </a:p>
+        </p:txBody>
+      </p:sp>
+      <p:sp>
+        <p:nvSpPr>
+          <p:cNvPr id="4" name="フローチャート : 定義済み処理 3"/>
+          <p:cNvSpPr/>
+          <p:nvPr/>
+        </p:nvSpPr>
+        <p:spPr bwMode="auto">
+          <a:xfrm>
+            <a:off x="6030422" y="1727609"/>
+            <a:ext cx="864096" cy="450050"/>
+          </a:xfrm>
+          <a:prstGeom prst="flowChartPredefinedProcess">
+            <a:avLst/>
+          </a:prstGeom>
+          <a:solidFill>
+            <a:schemeClr val="accent6">
+              <a:lumMod val="20000"/>
+              <a:lumOff val="80000"/>
+            </a:schemeClr>
+          </a:solidFill>
+          <a:ln w="9525" cap="flat" cmpd="sng" algn="ctr">
+            <a:solidFill>
+              <a:schemeClr val="tx1"/>
+            </a:solidFill>
+            <a:prstDash val="solid"/>
+            <a:round/>
+            <a:headEnd type="none" w="med" len="med"/>
+            <a:tailEnd type="none" w="med" len="med"/>
+          </a:ln>
+          <a:effectLst/>
+        </p:spPr>
+        <p:txBody>
+          <a:bodyPr vert="horz" wrap="none" lIns="90000" tIns="46800" rIns="90000" bIns="46800" numCol="1" rtlCol="0" anchor="ctr" anchorCtr="0" compatLnSpc="1">
+            <a:prstTxWarp prst="textNoShape">
+              <a:avLst/>
+            </a:prstTxWarp>
+          </a:bodyPr>
+          <a:lstStyle/>
+          <a:p>
+            <a:pPr marL="0" marR="0" indent="0" algn="ctr" defTabSz="968375" rtl="0" eaLnBrk="0" fontAlgn="base" latinLnBrk="0" hangingPunct="0">
+              <a:lnSpc>
+                <a:spcPct val="100000"/>
+              </a:lnSpc>
+              <a:spcBef>
+                <a:spcPct val="0"/>
+              </a:spcBef>
+              <a:spcAft>
+                <a:spcPct val="0"/>
+              </a:spcAft>
+              <a:buClrTx/>
+              <a:buSzTx/>
+              <a:buFontTx/>
+              <a:buNone/>
+              <a:tabLst/>
+            </a:pPr>
+            <a:r>
+              <a:rPr kumimoji="0" lang="ja-JP" altLang="en-US" sz="1000" b="1" i="0" u="none" strike="noStrike" cap="none" normalizeH="0" baseline="0" smtClean="0">
+                <a:ln>
+                  <a:noFill/>
+                </a:ln>
+                <a:solidFill>
+                  <a:schemeClr val="tx1"/>
+                </a:solidFill>
+                <a:effectLst/>
+                <a:latin typeface="Arial" charset="0"/>
+                <a:ea typeface="ＭＳ Ｐゴシック" pitchFamily="50" charset="-128"/>
+              </a:rPr>
+              <a:t>レポート</a:t>
+            </a:r>
+            <a:endParaRPr kumimoji="0" lang="ja-JP" altLang="en-US" sz="1200" b="1" i="0" u="none" strike="noStrike" cap="none" normalizeH="0" baseline="0" smtClean="0">
+              <a:ln>
+                <a:noFill/>
+              </a:ln>
+              <a:solidFill>
+                <a:schemeClr val="tx1"/>
+              </a:solidFill>
+              <a:effectLst/>
+              <a:latin typeface="Arial" charset="0"/>
+              <a:ea typeface="ＭＳ Ｐゴシック" pitchFamily="50" charset="-128"/>
+            </a:endParaRPr>
+          </a:p>
+        </p:txBody>
+      </p:sp>
+      <p:sp>
+        <p:nvSpPr>
+          <p:cNvPr id="5" name="フローチャート : 定義済み処理 4"/>
+          <p:cNvSpPr/>
+          <p:nvPr/>
+        </p:nvSpPr>
+        <p:spPr bwMode="auto">
+          <a:xfrm>
+            <a:off x="6012420" y="2519697"/>
+            <a:ext cx="900100" cy="450050"/>
+          </a:xfrm>
+          <a:prstGeom prst="flowChartPredefinedProcess">
+            <a:avLst/>
+          </a:prstGeom>
+          <a:solidFill>
+            <a:schemeClr val="accent6">
+              <a:lumMod val="20000"/>
+              <a:lumOff val="80000"/>
+            </a:schemeClr>
+          </a:solidFill>
+          <a:ln w="9525" cap="flat" cmpd="sng" algn="ctr">
+            <a:solidFill>
+              <a:schemeClr val="tx1"/>
+            </a:solidFill>
+            <a:prstDash val="solid"/>
+            <a:round/>
+            <a:headEnd type="none" w="med" len="med"/>
+            <a:tailEnd type="none" w="med" len="med"/>
+          </a:ln>
+          <a:effectLst/>
+        </p:spPr>
+        <p:txBody>
+          <a:bodyPr vert="horz" wrap="none" lIns="90000" tIns="46800" rIns="90000" bIns="46800" numCol="1" rtlCol="0" anchor="ctr" anchorCtr="0" compatLnSpc="1">
+            <a:prstTxWarp prst="textNoShape">
+              <a:avLst/>
+            </a:prstTxWarp>
+          </a:bodyPr>
+          <a:lstStyle/>
+          <a:p>
+            <a:pPr marL="0" marR="0" indent="0" algn="ctr" defTabSz="968375" rtl="0" eaLnBrk="0" fontAlgn="base" latinLnBrk="0" hangingPunct="0">
+              <a:lnSpc>
+                <a:spcPct val="100000"/>
+              </a:lnSpc>
+              <a:spcBef>
+                <a:spcPct val="0"/>
+              </a:spcBef>
+              <a:spcAft>
+                <a:spcPct val="0"/>
+              </a:spcAft>
+              <a:buClrTx/>
+              <a:buSzTx/>
+              <a:buFontTx/>
+              <a:buNone/>
+              <a:tabLst/>
+            </a:pPr>
+            <a:r>
+              <a:rPr kumimoji="0" lang="ja-JP" altLang="en-US" sz="900" b="1" i="0" u="none" strike="noStrike" cap="none" normalizeH="0" baseline="0" smtClean="0">
+                <a:ln>
+                  <a:noFill/>
+                </a:ln>
+                <a:solidFill>
+                  <a:schemeClr val="tx1"/>
+                </a:solidFill>
+                <a:effectLst/>
+                <a:latin typeface="Arial" charset="0"/>
+                <a:ea typeface="ＭＳ Ｐゴシック" pitchFamily="50" charset="-128"/>
+              </a:rPr>
+              <a:t>エクスポート</a:t>
+            </a:r>
+            <a:endParaRPr kumimoji="0" lang="en-US" altLang="ja-JP" sz="900" b="1" i="0" u="none" strike="noStrike" cap="none" normalizeH="0" baseline="0" smtClean="0">
+              <a:ln>
+                <a:noFill/>
+              </a:ln>
+              <a:solidFill>
+                <a:schemeClr val="tx1"/>
+              </a:solidFill>
+              <a:effectLst/>
+              <a:latin typeface="Arial" charset="0"/>
+              <a:ea typeface="ＭＳ Ｐゴシック" pitchFamily="50" charset="-128"/>
+            </a:endParaRPr>
+          </a:p>
+          <a:p>
+            <a:pPr marL="0" marR="0" indent="0" algn="ctr" defTabSz="968375" rtl="0" eaLnBrk="0" fontAlgn="base" latinLnBrk="0" hangingPunct="0">
+              <a:lnSpc>
+                <a:spcPct val="100000"/>
+              </a:lnSpc>
+              <a:spcBef>
+                <a:spcPct val="0"/>
+              </a:spcBef>
+              <a:spcAft>
+                <a:spcPct val="0"/>
+              </a:spcAft>
+              <a:buClrTx/>
+              <a:buSzTx/>
+              <a:buFontTx/>
+              <a:buNone/>
+              <a:tabLst/>
+            </a:pPr>
+            <a:r>
+              <a:rPr kumimoji="0" lang="ja-JP" altLang="en-US" sz="900" b="1">
+                <a:latin typeface="Arial" charset="0"/>
+                <a:ea typeface="ＭＳ Ｐゴシック" pitchFamily="50" charset="-128"/>
+              </a:rPr>
+              <a:t>インポート</a:t>
+            </a:r>
+            <a:endParaRPr kumimoji="0" lang="ja-JP" altLang="en-US" sz="900" b="1" i="0" u="none" strike="noStrike" cap="none" normalizeH="0" baseline="0" smtClean="0">
+              <a:ln>
+                <a:noFill/>
+              </a:ln>
+              <a:solidFill>
+                <a:schemeClr val="tx1"/>
+              </a:solidFill>
+              <a:effectLst/>
+              <a:latin typeface="Arial" charset="0"/>
+              <a:ea typeface="ＭＳ Ｐゴシック" pitchFamily="50" charset="-128"/>
+            </a:endParaRPr>
+          </a:p>
+        </p:txBody>
+      </p:sp>
+      <p:sp>
+        <p:nvSpPr>
+          <p:cNvPr id="6" name="テキスト ボックス 5"/>
+          <p:cNvSpPr txBox="1"/>
+          <p:nvPr/>
         </p:nvSpPr>
         <p:spPr>
           <a:xfrm>
-            <a:off x="504000" y="1769040"/>
-            <a:ext cx="9071640" cy="4384440"/>
-          </a:xfrm>
-          <a:prstGeom prst="rect">
-            <a:avLst/>
-          </a:prstGeom>
-        </p:spPr>
-        <p:txBody>
-          <a:bodyPr lIns="0" rIns="0" tIns="0" bIns="0"/>
-          <a:p>
-            <a:pPr marL="432000" indent="-324000">
-              <a:buClr>
-                <a:srgbClr val="000000"/>
-              </a:buClr>
-              <a:buSzPct val="45000"/>
-              <a:buFont typeface="Wingdings" charset="2"/>
-              <a:buChar char=""/>
-            </a:pPr>
-            <a:r>
-              <a:rPr b="0" lang="en-US" sz="3200" spc="-1" strike="noStrike">
-                <a:solidFill>
-                  <a:srgbClr val="000000"/>
-                </a:solidFill>
-                <a:uFill>
-                  <a:solidFill>
-                    <a:srgbClr val="ffffff"/>
-                  </a:solidFill>
-                </a:uFill>
-                <a:latin typeface="Arial"/>
-              </a:rPr>
-              <a:t>アウトラインテキストの書式を編集するにはクリックします。</a:t>
-            </a:r>
-            <a:endParaRPr b="0" lang="en-US" sz="3200" spc="-1" strike="noStrike">
-              <a:solidFill>
-                <a:srgbClr val="000000"/>
-              </a:solidFill>
-              <a:uFill>
-                <a:solidFill>
-                  <a:srgbClr val="ffffff"/>
-                </a:solidFill>
-              </a:uFill>
-              <a:latin typeface="Arial"/>
-            </a:endParaRPr>
-          </a:p>
-          <a:p>
-            <a:pPr lvl="1" marL="864000" indent="-324000">
-              <a:buClr>
-                <a:srgbClr val="000000"/>
-              </a:buClr>
-              <a:buSzPct val="75000"/>
-              <a:buFont typeface="Symbol" charset="2"/>
-              <a:buChar char=""/>
-            </a:pPr>
-            <a:r>
-              <a:rPr b="0" lang="en-US" sz="2800" spc="-1" strike="noStrike">
-                <a:solidFill>
-                  <a:srgbClr val="000000"/>
-                </a:solidFill>
-                <a:uFill>
-                  <a:solidFill>
-                    <a:srgbClr val="ffffff"/>
-                  </a:solidFill>
-                </a:uFill>
-                <a:latin typeface="Arial"/>
-              </a:rPr>
-              <a:t>2</a:t>
-            </a:r>
-            <a:r>
-              <a:rPr b="0" lang="en-US" sz="2800" spc="-1" strike="noStrike">
-                <a:solidFill>
-                  <a:srgbClr val="000000"/>
-                </a:solidFill>
-                <a:uFill>
-                  <a:solidFill>
-                    <a:srgbClr val="ffffff"/>
-                  </a:solidFill>
-                </a:uFill>
-                <a:latin typeface="Arial"/>
-              </a:rPr>
-              <a:t>レベル目のアウトライン</a:t>
-            </a:r>
-            <a:endParaRPr b="0" lang="en-US" sz="2800" spc="-1" strike="noStrike">
-              <a:solidFill>
-                <a:srgbClr val="000000"/>
-              </a:solidFill>
-              <a:uFill>
-                <a:solidFill>
-                  <a:srgbClr val="ffffff"/>
-                </a:solidFill>
-              </a:uFill>
-              <a:latin typeface="Arial"/>
-            </a:endParaRPr>
-          </a:p>
-          <a:p>
-            <a:pPr lvl="2" marL="1296000" indent="-288000">
-              <a:buClr>
-                <a:srgbClr val="000000"/>
-              </a:buClr>
-              <a:buSzPct val="45000"/>
-              <a:buFont typeface="Wingdings" charset="2"/>
-              <a:buChar char=""/>
-            </a:pPr>
-            <a:r>
-              <a:rPr b="0" lang="en-US" sz="2400" spc="-1" strike="noStrike">
-                <a:solidFill>
-                  <a:srgbClr val="000000"/>
-                </a:solidFill>
-                <a:uFill>
-                  <a:solidFill>
-                    <a:srgbClr val="ffffff"/>
-                  </a:solidFill>
-                </a:uFill>
-                <a:latin typeface="Arial"/>
-              </a:rPr>
-              <a:t>3</a:t>
-            </a:r>
-            <a:r>
-              <a:rPr b="0" lang="en-US" sz="2400" spc="-1" strike="noStrike">
-                <a:solidFill>
-                  <a:srgbClr val="000000"/>
-                </a:solidFill>
-                <a:uFill>
-                  <a:solidFill>
-                    <a:srgbClr val="ffffff"/>
-                  </a:solidFill>
-                </a:uFill>
-                <a:latin typeface="Arial"/>
-              </a:rPr>
-              <a:t>レベル目のアウトライン</a:t>
-            </a:r>
-            <a:endParaRPr b="0" lang="en-US" sz="2400" spc="-1" strike="noStrike">
-              <a:solidFill>
-                <a:srgbClr val="000000"/>
-              </a:solidFill>
-              <a:uFill>
-                <a:solidFill>
-                  <a:srgbClr val="ffffff"/>
-                </a:solidFill>
-              </a:uFill>
-              <a:latin typeface="Arial"/>
-            </a:endParaRPr>
-          </a:p>
-          <a:p>
-            <a:pPr lvl="3" marL="1728000" indent="-216000">
-              <a:buClr>
-                <a:srgbClr val="000000"/>
-              </a:buClr>
-              <a:buSzPct val="75000"/>
-              <a:buFont typeface="Symbol" charset="2"/>
-              <a:buChar char=""/>
-            </a:pPr>
-            <a:r>
-              <a:rPr b="0" lang="en-US" sz="2000" spc="-1" strike="noStrike">
-                <a:solidFill>
-                  <a:srgbClr val="000000"/>
-                </a:solidFill>
-                <a:uFill>
-                  <a:solidFill>
-                    <a:srgbClr val="ffffff"/>
-                  </a:solidFill>
-                </a:uFill>
-                <a:latin typeface="Arial"/>
-              </a:rPr>
-              <a:t>4</a:t>
-            </a:r>
-            <a:r>
-              <a:rPr b="0" lang="en-US" sz="2000" spc="-1" strike="noStrike">
-                <a:solidFill>
-                  <a:srgbClr val="000000"/>
-                </a:solidFill>
-                <a:uFill>
-                  <a:solidFill>
-                    <a:srgbClr val="ffffff"/>
-                  </a:solidFill>
-                </a:uFill>
-                <a:latin typeface="Arial"/>
-              </a:rPr>
-              <a:t>レベル目のアウトライン</a:t>
-            </a:r>
-            <a:endParaRPr b="0" lang="en-US" sz="2000" spc="-1" strike="noStrike">
-              <a:solidFill>
-                <a:srgbClr val="000000"/>
-              </a:solidFill>
-              <a:uFill>
-                <a:solidFill>
-                  <a:srgbClr val="ffffff"/>
-                </a:solidFill>
-              </a:uFill>
-              <a:latin typeface="Arial"/>
-            </a:endParaRPr>
-          </a:p>
-          <a:p>
-            <a:pPr lvl="4" marL="2160000" indent="-216000">
-              <a:buClr>
-                <a:srgbClr val="000000"/>
-              </a:buClr>
-              <a:buSzPct val="45000"/>
-              <a:buFont typeface="Wingdings" charset="2"/>
-              <a:buChar char=""/>
-            </a:pPr>
-            <a:r>
-              <a:rPr b="0" lang="en-US" sz="2000" spc="-1" strike="noStrike">
-                <a:solidFill>
-                  <a:srgbClr val="000000"/>
-                </a:solidFill>
-                <a:uFill>
-                  <a:solidFill>
-                    <a:srgbClr val="ffffff"/>
-                  </a:solidFill>
-                </a:uFill>
-                <a:latin typeface="Arial"/>
-              </a:rPr>
-              <a:t>5</a:t>
-            </a:r>
-            <a:r>
-              <a:rPr b="0" lang="en-US" sz="2000" spc="-1" strike="noStrike">
-                <a:solidFill>
-                  <a:srgbClr val="000000"/>
-                </a:solidFill>
-                <a:uFill>
-                  <a:solidFill>
-                    <a:srgbClr val="ffffff"/>
-                  </a:solidFill>
-                </a:uFill>
-                <a:latin typeface="Arial"/>
-              </a:rPr>
-              <a:t>レベル目のアウトライン</a:t>
-            </a:r>
-            <a:endParaRPr b="0" lang="en-US" sz="2000" spc="-1" strike="noStrike">
-              <a:solidFill>
-                <a:srgbClr val="000000"/>
-              </a:solidFill>
-              <a:uFill>
-                <a:solidFill>
-                  <a:srgbClr val="ffffff"/>
-                </a:solidFill>
-              </a:uFill>
-              <a:latin typeface="Arial"/>
-            </a:endParaRPr>
-          </a:p>
-          <a:p>
-            <a:pPr lvl="5" marL="2592000" indent="-216000">
-              <a:buClr>
-                <a:srgbClr val="000000"/>
-              </a:buClr>
-              <a:buSzPct val="45000"/>
-              <a:buFont typeface="Wingdings" charset="2"/>
-              <a:buChar char=""/>
-            </a:pPr>
-            <a:r>
-              <a:rPr b="0" lang="en-US" sz="2000" spc="-1" strike="noStrike">
-                <a:solidFill>
-                  <a:srgbClr val="000000"/>
-                </a:solidFill>
-                <a:uFill>
-                  <a:solidFill>
-                    <a:srgbClr val="ffffff"/>
-                  </a:solidFill>
-                </a:uFill>
-                <a:latin typeface="Arial"/>
-              </a:rPr>
-              <a:t>6</a:t>
-            </a:r>
-            <a:r>
-              <a:rPr b="0" lang="en-US" sz="2000" spc="-1" strike="noStrike">
-                <a:solidFill>
-                  <a:srgbClr val="000000"/>
-                </a:solidFill>
-                <a:uFill>
-                  <a:solidFill>
-                    <a:srgbClr val="ffffff"/>
-                  </a:solidFill>
-                </a:uFill>
-                <a:latin typeface="Arial"/>
-              </a:rPr>
-              <a:t>レベル目のアウトライン</a:t>
-            </a:r>
-            <a:endParaRPr b="0" lang="en-US" sz="2000" spc="-1" strike="noStrike">
-              <a:solidFill>
-                <a:srgbClr val="000000"/>
-              </a:solidFill>
-              <a:uFill>
-                <a:solidFill>
-                  <a:srgbClr val="ffffff"/>
-                </a:solidFill>
-              </a:uFill>
-              <a:latin typeface="Arial"/>
-            </a:endParaRPr>
-          </a:p>
-          <a:p>
-            <a:pPr lvl="6" marL="3024000" indent="-216000">
-              <a:buClr>
-                <a:srgbClr val="000000"/>
-              </a:buClr>
-              <a:buSzPct val="45000"/>
-              <a:buFont typeface="Wingdings" charset="2"/>
-              <a:buChar char=""/>
-            </a:pPr>
-            <a:r>
-              <a:rPr b="0" lang="en-US" sz="2000" spc="-1" strike="noStrike">
-                <a:solidFill>
-                  <a:srgbClr val="000000"/>
-                </a:solidFill>
-                <a:uFill>
-                  <a:solidFill>
-                    <a:srgbClr val="ffffff"/>
-                  </a:solidFill>
-                </a:uFill>
-                <a:latin typeface="Arial"/>
-              </a:rPr>
-              <a:t>7</a:t>
-            </a:r>
-            <a:r>
-              <a:rPr b="0" lang="en-US" sz="2000" spc="-1" strike="noStrike">
-                <a:solidFill>
-                  <a:srgbClr val="000000"/>
-                </a:solidFill>
-                <a:uFill>
-                  <a:solidFill>
-                    <a:srgbClr val="ffffff"/>
-                  </a:solidFill>
-                </a:uFill>
-                <a:latin typeface="Arial"/>
-              </a:rPr>
-              <a:t>レベル目のアウトライン</a:t>
-            </a:r>
-            <a:endParaRPr b="0" lang="en-US" sz="2000" spc="-1" strike="noStrike">
-              <a:solidFill>
-                <a:srgbClr val="000000"/>
-              </a:solidFill>
-              <a:uFill>
-                <a:solidFill>
-                  <a:srgbClr val="ffffff"/>
-                </a:solidFill>
-              </a:uFill>
-              <a:latin typeface="Arial"/>
-            </a:endParaRPr>
-          </a:p>
-        </p:txBody>
-      </p:sp>
-      <p:sp>
-        <p:nvSpPr>
-          <p:cNvPr id="2" name="PlaceHolder 3"/>
-          <p:cNvSpPr>
-            <a:spLocks noGrp="1"/>
-          </p:cNvSpPr>
-          <p:nvPr>
-            <p:ph type="dt"/>
-          </p:nvPr>
+            <a:off x="2123988" y="1727609"/>
+            <a:ext cx="2016224" cy="1224136"/>
+          </a:xfrm>
+          <a:prstGeom prst="rect">
+            <a:avLst/>
+          </a:prstGeom>
+          <a:solidFill>
+            <a:schemeClr val="bg1"/>
+          </a:solidFill>
+          <a:ln>
+            <a:solidFill>
+              <a:schemeClr val="tx1"/>
+            </a:solidFill>
+          </a:ln>
+        </p:spPr>
+        <p:txBody>
+          <a:bodyPr wrap="none" rtlCol="0">
+            <a:noAutofit/>
+          </a:bodyPr>
+          <a:lstStyle/>
+          <a:p>
+            <a:pPr algn="ctr"/>
+            <a:r>
+              <a:rPr kumimoji="1" lang="en-US" altLang="ja-JP" sz="1200" smtClean="0">
+                <a:latin typeface="Meiryo UI" pitchFamily="50" charset="-128"/>
+                <a:ea typeface="Meiryo UI" pitchFamily="50" charset="-128"/>
+                <a:cs typeface="Meiryo UI" pitchFamily="50" charset="-128"/>
+              </a:rPr>
+              <a:t>Redmine</a:t>
+            </a:r>
+            <a:r>
+              <a:rPr kumimoji="1" lang="ja-JP" altLang="en-US" sz="1200" smtClean="0">
+                <a:latin typeface="Meiryo UI" pitchFamily="50" charset="-128"/>
+                <a:ea typeface="Meiryo UI" pitchFamily="50" charset="-128"/>
+                <a:cs typeface="Meiryo UI" pitchFamily="50" charset="-128"/>
+              </a:rPr>
+              <a:t>チケット管理</a:t>
+            </a:r>
+          </a:p>
+        </p:txBody>
+      </p:sp>
+      <p:sp>
+        <p:nvSpPr>
+          <p:cNvPr id="7" name="テキスト ボックス 6"/>
+          <p:cNvSpPr txBox="1"/>
+          <p:nvPr/>
         </p:nvSpPr>
         <p:spPr>
           <a:xfrm>
-            <a:off x="504000" y="6887160"/>
-            <a:ext cx="2348280" cy="521280"/>
-          </a:xfrm>
-          <a:prstGeom prst="rect">
-            <a:avLst/>
-          </a:prstGeom>
-        </p:spPr>
-        <p:txBody>
-          <a:bodyPr lIns="0" rIns="0" tIns="0" bIns="0"/>
-          <a:p>
-            <a:r>
-              <a:rPr b="0" lang="en-US" sz="1400" spc="-1" strike="noStrike">
-                <a:solidFill>
-                  <a:srgbClr val="000000"/>
-                </a:solidFill>
-                <a:uFill>
-                  <a:solidFill>
-                    <a:srgbClr val="ffffff"/>
-                  </a:solidFill>
-                </a:uFill>
-                <a:latin typeface="Times New Roman"/>
-              </a:rPr>
-              <a:t>&lt;日付/時刻&gt;</a:t>
-            </a:r>
-            <a:endParaRPr b="0" lang="en-US" sz="1400" spc="-1" strike="noStrike">
-              <a:solidFill>
-                <a:srgbClr val="000000"/>
-              </a:solidFill>
-              <a:uFill>
-                <a:solidFill>
-                  <a:srgbClr val="ffffff"/>
-                </a:solidFill>
-              </a:uFill>
-              <a:latin typeface="Times New Roman"/>
-            </a:endParaRPr>
-          </a:p>
-        </p:txBody>
-      </p:sp>
-      <p:sp>
-        <p:nvSpPr>
-          <p:cNvPr id="3" name="PlaceHolder 4"/>
-          <p:cNvSpPr>
-            <a:spLocks noGrp="1"/>
-          </p:cNvSpPr>
-          <p:nvPr>
-            <p:ph type="ftr"/>
-          </p:nvPr>
+            <a:off x="4320232" y="1727609"/>
+            <a:ext cx="1512168" cy="1224136"/>
+          </a:xfrm>
+          <a:prstGeom prst="rect">
+            <a:avLst/>
+          </a:prstGeom>
+          <a:solidFill>
+            <a:schemeClr val="bg1"/>
+          </a:solidFill>
+          <a:ln>
+            <a:solidFill>
+              <a:schemeClr val="tx1"/>
+            </a:solidFill>
+          </a:ln>
+        </p:spPr>
+        <p:txBody>
+          <a:bodyPr wrap="none" rtlCol="0">
+            <a:noAutofit/>
+          </a:bodyPr>
+          <a:lstStyle/>
+          <a:p>
+            <a:pPr algn="ctr"/>
+            <a:r>
+              <a:rPr kumimoji="1" lang="en-US" altLang="ja-JP" sz="1200" smtClean="0">
+                <a:latin typeface="Meiryo UI" pitchFamily="50" charset="-128"/>
+                <a:ea typeface="Meiryo UI" pitchFamily="50" charset="-128"/>
+                <a:cs typeface="Meiryo UI" pitchFamily="50" charset="-128"/>
+              </a:rPr>
+              <a:t>GitBucket Git</a:t>
+            </a:r>
+            <a:r>
+              <a:rPr kumimoji="1" lang="ja-JP" altLang="en-US" sz="1200" smtClean="0">
+                <a:latin typeface="Meiryo UI" pitchFamily="50" charset="-128"/>
+                <a:ea typeface="Meiryo UI" pitchFamily="50" charset="-128"/>
+                <a:cs typeface="Meiryo UI" pitchFamily="50" charset="-128"/>
+              </a:rPr>
+              <a:t>サーバ</a:t>
+            </a:r>
+          </a:p>
+        </p:txBody>
+      </p:sp>
+      <p:sp>
+        <p:nvSpPr>
+          <p:cNvPr id="8" name="テキスト ボックス 7"/>
+          <p:cNvSpPr txBox="1"/>
+          <p:nvPr/>
         </p:nvSpPr>
         <p:spPr>
           <a:xfrm>
-            <a:off x="3447360" y="6887160"/>
-            <a:ext cx="3195000" cy="521280"/>
-          </a:xfrm>
-          <a:prstGeom prst="rect">
-            <a:avLst/>
-          </a:prstGeom>
-        </p:spPr>
-        <p:txBody>
-          <a:bodyPr lIns="0" rIns="0" tIns="0" bIns="0"/>
+            <a:off x="7632600" y="2843733"/>
+            <a:ext cx="1368152" cy="972108"/>
+          </a:xfrm>
+          <a:prstGeom prst="rect">
+            <a:avLst/>
+          </a:prstGeom>
+          <a:solidFill>
+            <a:schemeClr val="bg1"/>
+          </a:solidFill>
+          <a:ln>
+            <a:solidFill>
+              <a:schemeClr val="tx1"/>
+            </a:solidFill>
+          </a:ln>
+        </p:spPr>
+        <p:txBody>
+          <a:bodyPr wrap="none" rtlCol="0">
+            <a:noAutofit/>
+          </a:bodyPr>
+          <a:lstStyle/>
           <a:p>
             <a:pPr algn="ctr"/>
             <a:r>
-              <a:rPr b="0" lang="en-US" sz="1400" spc="-1" strike="noStrike">
-                <a:solidFill>
-                  <a:srgbClr val="000000"/>
-                </a:solidFill>
-                <a:uFill>
-                  <a:solidFill>
-                    <a:srgbClr val="ffffff"/>
-                  </a:solidFill>
-                </a:uFill>
-                <a:latin typeface="Times New Roman"/>
-              </a:rPr>
-              <a:t>&lt;フッター&gt;</a:t>
-            </a:r>
-            <a:endParaRPr b="0" lang="en-US" sz="1400" spc="-1" strike="noStrike">
-              <a:solidFill>
-                <a:srgbClr val="000000"/>
-              </a:solidFill>
-              <a:uFill>
-                <a:solidFill>
-                  <a:srgbClr val="ffffff"/>
-                </a:solidFill>
-              </a:uFill>
-              <a:latin typeface="Times New Roman"/>
-            </a:endParaRPr>
-          </a:p>
-        </p:txBody>
-      </p:sp>
-      <p:sp>
-        <p:nvSpPr>
-          <p:cNvPr id="4" name="PlaceHolder 5"/>
-          <p:cNvSpPr>
-            <a:spLocks noGrp="1"/>
-          </p:cNvSpPr>
-          <p:nvPr>
-            <p:ph type="sldNum"/>
-          </p:nvPr>
+              <a:rPr kumimoji="1" lang="ja-JP" altLang="en-US" sz="1400" smtClean="0">
+                <a:latin typeface="Meiryo UI" pitchFamily="50" charset="-128"/>
+                <a:ea typeface="Meiryo UI" pitchFamily="50" charset="-128"/>
+                <a:cs typeface="Meiryo UI" pitchFamily="50" charset="-128"/>
+              </a:rPr>
+              <a:t>他システム</a:t>
+            </a:r>
+          </a:p>
+        </p:txBody>
+      </p:sp>
+      <p:sp>
+        <p:nvSpPr>
+          <p:cNvPr id="9" name="テキスト ボックス 8"/>
+          <p:cNvSpPr txBox="1"/>
+          <p:nvPr/>
         </p:nvSpPr>
         <p:spPr>
           <a:xfrm>
-            <a:off x="7227360" y="6887160"/>
-            <a:ext cx="2348280" cy="521280"/>
-          </a:xfrm>
-          <a:prstGeom prst="rect">
-            <a:avLst/>
-          </a:prstGeom>
-        </p:spPr>
-        <p:txBody>
-          <a:bodyPr lIns="0" rIns="0" tIns="0" bIns="0"/>
-          <a:p>
-            <a:pPr algn="r"/>
-            <a:fld id="{DB876C53-1630-44B4-8E37-E2DF53C1AFD0}" type="slidenum">
-              <a:rPr b="0" lang="en-US" sz="1400" spc="-1" strike="noStrike">
-                <a:solidFill>
-                  <a:srgbClr val="000000"/>
-                </a:solidFill>
-                <a:uFill>
-                  <a:solidFill>
-                    <a:srgbClr val="ffffff"/>
-                  </a:solidFill>
-                </a:uFill>
-                <a:latin typeface="Times New Roman"/>
-              </a:rPr>
-              <a:t>&lt;番号&gt;</a:t>
-            </a:fld>
-            <a:endParaRPr b="0" lang="en-US" sz="1400" spc="-1" strike="noStrike">
-              <a:solidFill>
-                <a:srgbClr val="000000"/>
-              </a:solidFill>
-              <a:uFill>
-                <a:solidFill>
-                  <a:srgbClr val="ffffff"/>
-                </a:solidFill>
-              </a:uFill>
-              <a:latin typeface="Times New Roman"/>
-            </a:endParaRPr>
-          </a:p>
-        </p:txBody>
-      </p:sp>
-    </p:spTree>
-  </p:cSld>
-  <p:clrMap bg1="lt1" bg2="lt2" tx1="dk1" tx2="dk2" accent1="accent1" accent2="accent2" accent3="accent3" accent4="accent4" accent5="accent5" accent6="accent6" hlink="hlink" folHlink="folHlink"/>
-  <p:sldLayoutIdLst>
-    <p:sldLayoutId id="2147483649" r:id="rId2"/>
-    <p:sldLayoutId id="2147483650" r:id="rId3"/>
-    <p:sldLayoutId id="2147483651" r:id="rId4"/>
-    <p:sldLayoutId id="2147483652" r:id="rId5"/>
-    <p:sldLayoutId id="2147483653" r:id="rId6"/>
-    <p:sldLayoutId id="2147483654" r:id="rId7"/>
-    <p:sldLayoutId id="2147483655" r:id="rId8"/>
-    <p:sldLayoutId id="2147483656" r:id="rId9"/>
-    <p:sldLayoutId id="2147483657" r:id="rId10"/>
-    <p:sldLayoutId id="2147483658" r:id="rId11"/>
-    <p:sldLayoutId id="2147483659" r:id="rId12"/>
-    <p:sldLayoutId id="2147483660" r:id="rId13"/>
-  </p:sldLayoutIdLst>
-</p:sldMaster>
-</file>
-
-<file path=ppt/slides/slide1.xml><?xml version="1.0" encoding="utf-8"?>
-<p:sld xmlns:a="http://schemas.openxmlformats.org/drawingml/2006/main" xmlns:p="http://schemas.openxmlformats.org/presentationml/2006/main" xmlns:r="http://schemas.openxmlformats.org/officeDocument/2006/relationships" xmlns:p14="http://schemas.microsoft.com/office/powerpoint/2010/main" xmlns:p15="http://schemas.microsoft.com/office/powerpoint/2012/main" xmlns:mc="http://schemas.openxmlformats.org/markup-compatibility/2006">
-  <p:cSld>
-    <p:spTree>
-      <p:nvGrpSpPr>
-        <p:cNvPr id="1" name=""/>
-        <p:cNvGrpSpPr/>
-        <p:nvPr/>
-      </p:nvGrpSpPr>
-      <p:grpSpPr>
-        <a:xfrm>
-          <a:off x="0" y="0"/>
-          <a:ext cx="0" cy="0"/>
-          <a:chOff x="0" y="0"/>
-          <a:chExt cx="0" cy="0"/>
-        </a:xfrm>
-      </p:grpSpPr>
-      <p:pic>
-        <p:nvPicPr>
-          <p:cNvPr id="39" name="" descr=""/>
-          <p:cNvPicPr/>
+            <a:off x="7812620" y="3185771"/>
+            <a:ext cx="1008112" cy="450050"/>
+          </a:xfrm>
+          <a:prstGeom prst="rect">
+            <a:avLst/>
+          </a:prstGeom>
+          <a:solidFill>
+            <a:schemeClr val="bg1"/>
+          </a:solidFill>
+          <a:ln>
+            <a:solidFill>
+              <a:schemeClr val="tx1"/>
+            </a:solidFill>
+          </a:ln>
+        </p:spPr>
+        <p:txBody>
+          <a:bodyPr wrap="none" rtlCol="0">
+            <a:noAutofit/>
+          </a:bodyPr>
+          <a:lstStyle/>
+          <a:p>
+            <a:pPr algn="ctr"/>
+            <a:r>
+              <a:rPr kumimoji="1" lang="ja-JP" altLang="en-US" sz="1200" smtClean="0">
+                <a:latin typeface="Meiryo UI" pitchFamily="50" charset="-128"/>
+                <a:ea typeface="Meiryo UI" pitchFamily="50" charset="-128"/>
+                <a:cs typeface="Meiryo UI" pitchFamily="50" charset="-128"/>
+              </a:rPr>
+              <a:t>資産</a:t>
+            </a:r>
+            <a:r>
+              <a:rPr kumimoji="1" lang="ja-JP" altLang="en-US" sz="1200" smtClean="0">
+                <a:latin typeface="Meiryo UI" pitchFamily="50" charset="-128"/>
+                <a:ea typeface="Meiryo UI" pitchFamily="50" charset="-128"/>
+                <a:cs typeface="Meiryo UI" pitchFamily="50" charset="-128"/>
+              </a:rPr>
+              <a:t>管理</a:t>
+            </a:r>
+            <a:r>
+              <a:rPr kumimoji="1" lang="en-US" altLang="ja-JP" sz="1200" smtClean="0">
+                <a:latin typeface="Meiryo UI" pitchFamily="50" charset="-128"/>
+                <a:ea typeface="Meiryo UI" pitchFamily="50" charset="-128"/>
+                <a:cs typeface="Meiryo UI" pitchFamily="50" charset="-128"/>
+              </a:rPr>
+              <a:t>,</a:t>
+            </a:r>
+            <a:endParaRPr kumimoji="1" lang="en-US" altLang="ja-JP" sz="1200" smtClean="0">
+              <a:latin typeface="Meiryo UI" pitchFamily="50" charset="-128"/>
+              <a:ea typeface="Meiryo UI" pitchFamily="50" charset="-128"/>
+              <a:cs typeface="Meiryo UI" pitchFamily="50" charset="-128"/>
+            </a:endParaRPr>
+          </a:p>
+          <a:p>
+            <a:pPr algn="ctr"/>
+            <a:r>
+              <a:rPr lang="en-US" altLang="ja-JP" sz="1200" smtClean="0">
+                <a:latin typeface="Meiryo UI" pitchFamily="50" charset="-128"/>
+                <a:ea typeface="Meiryo UI" pitchFamily="50" charset="-128"/>
+                <a:cs typeface="Meiryo UI" pitchFamily="50" charset="-128"/>
+              </a:rPr>
+              <a:t>Racktables</a:t>
+            </a:r>
+            <a:r>
+              <a:rPr lang="ja-JP" altLang="en-US" sz="1200" smtClean="0">
+                <a:latin typeface="Meiryo UI" pitchFamily="50" charset="-128"/>
+                <a:ea typeface="Meiryo UI" pitchFamily="50" charset="-128"/>
+                <a:cs typeface="Meiryo UI" pitchFamily="50" charset="-128"/>
+              </a:rPr>
+              <a:t>等</a:t>
+            </a:r>
+            <a:endParaRPr kumimoji="1" lang="ja-JP" altLang="en-US" sz="1200" smtClean="0">
+              <a:latin typeface="Meiryo UI" pitchFamily="50" charset="-128"/>
+              <a:ea typeface="Meiryo UI" pitchFamily="50" charset="-128"/>
+              <a:cs typeface="Meiryo UI" pitchFamily="50" charset="-128"/>
+            </a:endParaRPr>
+          </a:p>
+        </p:txBody>
+      </p:sp>
+      <p:cxnSp>
+        <p:nvCxnSpPr>
+          <p:cNvPr id="10" name="直線矢印コネクタ 9"/>
+          <p:cNvCxnSpPr>
+            <a:stCxn id="5" idx="3"/>
+            <a:endCxn id="9" idx="1"/>
+          </p:cNvCxnSpPr>
           <p:nvPr/>
-        </p:nvPicPr>
-        <p:blipFill>
-          <a:blip r:embed="rId1"/>
-          <a:stretch/>
-        </p:blipFill>
+        </p:nvCxnSpPr>
+        <p:spPr bwMode="auto">
+          <a:xfrm>
+            <a:off x="6912520" y="2744722"/>
+            <a:ext cx="900100" cy="666074"/>
+          </a:xfrm>
+          <a:prstGeom prst="straightConnector1">
+            <a:avLst/>
+          </a:prstGeom>
+          <a:solidFill>
+            <a:srgbClr val="999999"/>
+          </a:solidFill>
+          <a:ln w="9525" cap="flat" cmpd="sng" algn="ctr">
+            <a:solidFill>
+              <a:schemeClr val="bg1">
+                <a:lumMod val="50000"/>
+              </a:schemeClr>
+            </a:solidFill>
+            <a:prstDash val="solid"/>
+            <a:round/>
+            <a:headEnd type="arrow" w="med" len="med"/>
+            <a:tailEnd type="arrow" w="med" len="med"/>
+          </a:ln>
+          <a:effectLst/>
+        </p:spPr>
+      </p:cxnSp>
+      <p:cxnSp>
+        <p:nvCxnSpPr>
+          <p:cNvPr id="11" name="直線矢印コネクタ 10"/>
+          <p:cNvCxnSpPr>
+            <a:stCxn id="4" idx="3"/>
+            <a:endCxn id="17" idx="1"/>
+          </p:cNvCxnSpPr>
+          <p:nvPr/>
+        </p:nvCxnSpPr>
+        <p:spPr bwMode="auto">
+          <a:xfrm flipV="1">
+            <a:off x="6894518" y="1583593"/>
+            <a:ext cx="1062118" cy="369041"/>
+          </a:xfrm>
+          <a:prstGeom prst="straightConnector1">
+            <a:avLst/>
+          </a:prstGeom>
+          <a:solidFill>
+            <a:srgbClr val="999999"/>
+          </a:solidFill>
+          <a:ln w="9525" cap="flat" cmpd="sng" algn="ctr">
+            <a:solidFill>
+              <a:schemeClr val="bg1">
+                <a:lumMod val="50000"/>
+              </a:schemeClr>
+            </a:solidFill>
+            <a:prstDash val="solid"/>
+            <a:round/>
+            <a:headEnd type="arrow" w="med" len="med"/>
+            <a:tailEnd type="arrow" w="med" len="med"/>
+          </a:ln>
+          <a:effectLst/>
+        </p:spPr>
+      </p:cxnSp>
+      <p:grpSp>
+        <p:nvGrpSpPr>
+          <p:cNvPr id="12" name="グループ化 11"/>
+          <p:cNvGrpSpPr/>
+          <p:nvPr/>
+        </p:nvGrpSpPr>
+        <p:grpSpPr>
+          <a:xfrm>
+            <a:off x="7956636" y="1223553"/>
+            <a:ext cx="504056" cy="720080"/>
+            <a:chOff x="539552" y="1340768"/>
+            <a:chExt cx="504056" cy="720080"/>
+          </a:xfrm>
+        </p:grpSpPr>
+        <p:cxnSp>
+          <p:nvCxnSpPr>
+            <p:cNvPr id="13" name="直線コネクタ 12"/>
+            <p:cNvCxnSpPr/>
+            <p:nvPr/>
+          </p:nvCxnSpPr>
+          <p:spPr bwMode="auto">
+            <a:xfrm flipV="1">
+              <a:off x="795416" y="1611468"/>
+              <a:ext cx="0" cy="223838"/>
+            </a:xfrm>
+            <a:prstGeom prst="line">
+              <a:avLst/>
+            </a:prstGeom>
+            <a:solidFill>
+              <a:srgbClr val="999999"/>
+            </a:solidFill>
+            <a:ln w="9525" cap="flat" cmpd="sng" algn="ctr">
+              <a:solidFill>
+                <a:schemeClr val="tx1"/>
+              </a:solidFill>
+              <a:prstDash val="solid"/>
+              <a:round/>
+              <a:headEnd type="none" w="med" len="med"/>
+              <a:tailEnd type="none" w="med" len="med"/>
+            </a:ln>
+            <a:effectLst/>
+          </p:spPr>
+        </p:cxnSp>
+        <p:cxnSp>
+          <p:nvCxnSpPr>
+            <p:cNvPr id="14" name="直線コネクタ 13"/>
+            <p:cNvCxnSpPr/>
+            <p:nvPr/>
+          </p:nvCxnSpPr>
+          <p:spPr bwMode="auto">
+            <a:xfrm>
+              <a:off x="683568" y="1672476"/>
+              <a:ext cx="223696" cy="0"/>
+            </a:xfrm>
+            <a:prstGeom prst="line">
+              <a:avLst/>
+            </a:prstGeom>
+            <a:solidFill>
+              <a:srgbClr val="999999"/>
+            </a:solidFill>
+            <a:ln w="9525" cap="flat" cmpd="sng" algn="ctr">
+              <a:solidFill>
+                <a:schemeClr val="tx1"/>
+              </a:solidFill>
+              <a:prstDash val="solid"/>
+              <a:round/>
+              <a:headEnd type="none" w="med" len="med"/>
+              <a:tailEnd type="none" w="med" len="med"/>
+            </a:ln>
+            <a:effectLst/>
+          </p:spPr>
+        </p:cxnSp>
+        <p:sp>
+          <p:nvSpPr>
+            <p:cNvPr id="15" name="円/楕円 14"/>
+            <p:cNvSpPr/>
+            <p:nvPr/>
+          </p:nvSpPr>
+          <p:spPr bwMode="auto">
+            <a:xfrm>
+              <a:off x="703904" y="1448780"/>
+              <a:ext cx="183024" cy="162688"/>
+            </a:xfrm>
+            <a:prstGeom prst="ellipse">
+              <a:avLst/>
+            </a:prstGeom>
+            <a:solidFill>
+              <a:schemeClr val="bg1"/>
+            </a:solidFill>
+            <a:ln w="9525" cap="flat" cmpd="sng" algn="ctr">
+              <a:solidFill>
+                <a:schemeClr val="tx1"/>
+              </a:solidFill>
+              <a:prstDash val="solid"/>
+              <a:round/>
+              <a:headEnd type="none" w="med" len="med"/>
+              <a:tailEnd type="none" w="med" len="med"/>
+            </a:ln>
+            <a:effectLst/>
+          </p:spPr>
+          <p:txBody>
+            <a:bodyPr vert="horz" wrap="none" lIns="90000" tIns="46800" rIns="90000" bIns="46800" numCol="1" rtlCol="0" anchor="ctr" anchorCtr="0" compatLnSpc="1">
+              <a:prstTxWarp prst="textNoShape">
+                <a:avLst/>
+              </a:prstTxWarp>
+            </a:bodyPr>
+            <a:lstStyle/>
+            <a:p>
+              <a:pPr marL="0" marR="0" indent="0" algn="ctr" defTabSz="968375" rtl="0" eaLnBrk="0" fontAlgn="base" latinLnBrk="0" hangingPunct="0">
+                <a:lnSpc>
+                  <a:spcPct val="100000"/>
+                </a:lnSpc>
+                <a:spcBef>
+                  <a:spcPct val="0"/>
+                </a:spcBef>
+                <a:spcAft>
+                  <a:spcPct val="0"/>
+                </a:spcAft>
+                <a:buClrTx/>
+                <a:buSzTx/>
+                <a:buFontTx/>
+                <a:buNone/>
+                <a:tabLst/>
+              </a:pPr>
+              <a:endParaRPr kumimoji="0" lang="ja-JP" altLang="en-US" sz="2000" b="0" i="0" u="none" strike="noStrike" cap="none" normalizeH="0" baseline="0" smtClean="0">
+                <a:ln>
+                  <a:noFill/>
+                </a:ln>
+                <a:solidFill>
+                  <a:schemeClr val="tx1"/>
+                </a:solidFill>
+                <a:effectLst/>
+                <a:latin typeface="Arial" charset="0"/>
+                <a:ea typeface="ＭＳ Ｐゴシック" pitchFamily="50" charset="-128"/>
+              </a:endParaRPr>
+            </a:p>
+          </p:txBody>
+        </p:sp>
+        <p:sp>
+          <p:nvSpPr>
+            <p:cNvPr id="16" name="フリーフォーム 15"/>
+            <p:cNvSpPr/>
+            <p:nvPr/>
+          </p:nvSpPr>
+          <p:spPr bwMode="auto">
+            <a:xfrm>
+              <a:off x="690692" y="1833701"/>
+              <a:ext cx="209819" cy="129119"/>
+            </a:xfrm>
+            <a:custGeom>
+              <a:avLst/>
+              <a:gdLst>
+                <a:gd name="connsiteX0" fmla="*/ 0 w 371475"/>
+                <a:gd name="connsiteY0" fmla="*/ 228600 h 228600"/>
+                <a:gd name="connsiteX1" fmla="*/ 180975 w 371475"/>
+                <a:gd name="connsiteY1" fmla="*/ 0 h 228600"/>
+                <a:gd name="connsiteX2" fmla="*/ 371475 w 371475"/>
+                <a:gd name="connsiteY2" fmla="*/ 228600 h 228600"/>
+              </a:gdLst>
+              <a:ahLst/>
+              <a:cxnLst>
+                <a:cxn ang="0">
+                  <a:pos x="connsiteX0" y="connsiteY0"/>
+                </a:cxn>
+                <a:cxn ang="0">
+                  <a:pos x="connsiteX1" y="connsiteY1"/>
+                </a:cxn>
+                <a:cxn ang="0">
+                  <a:pos x="connsiteX2" y="connsiteY2"/>
+                </a:cxn>
+              </a:cxnLst>
+              <a:rect l="l" t="t" r="r" b="b"/>
+              <a:pathLst>
+                <a:path w="371475" h="228600">
+                  <a:moveTo>
+                    <a:pt x="0" y="228600"/>
+                  </a:moveTo>
+                  <a:lnTo>
+                    <a:pt x="180975" y="0"/>
+                  </a:lnTo>
+                  <a:lnTo>
+                    <a:pt x="371475" y="228600"/>
+                  </a:lnTo>
+                </a:path>
+              </a:pathLst>
+            </a:custGeom>
+            <a:noFill/>
+            <a:ln w="9525" cap="flat" cmpd="sng" algn="ctr">
+              <a:solidFill>
+                <a:schemeClr val="tx1"/>
+              </a:solidFill>
+              <a:prstDash val="solid"/>
+              <a:round/>
+              <a:headEnd type="none" w="med" len="med"/>
+              <a:tailEnd type="none" w="med" len="med"/>
+            </a:ln>
+            <a:effectLst/>
+          </p:spPr>
+          <p:txBody>
+            <a:bodyPr rtlCol="0" anchor="ctr"/>
+            <a:lstStyle/>
+            <a:p>
+              <a:pPr algn="ctr"/>
+              <a:endParaRPr kumimoji="1" lang="ja-JP" altLang="en-US" sz="1400"/>
+            </a:p>
+          </p:txBody>
+        </p:sp>
+        <p:sp>
+          <p:nvSpPr>
+            <p:cNvPr id="17" name="正方形/長方形 16"/>
+            <p:cNvSpPr/>
+            <p:nvPr/>
+          </p:nvSpPr>
+          <p:spPr bwMode="auto">
+            <a:xfrm>
+              <a:off x="539552" y="1340768"/>
+              <a:ext cx="504056" cy="720080"/>
+            </a:xfrm>
+            <a:prstGeom prst="rect">
+              <a:avLst/>
+            </a:prstGeom>
+            <a:noFill/>
+            <a:ln w="9525" cap="flat" cmpd="sng" algn="ctr">
+              <a:noFill/>
+              <a:prstDash val="solid"/>
+              <a:round/>
+              <a:headEnd type="none" w="med" len="med"/>
+              <a:tailEnd type="none" w="med" len="med"/>
+            </a:ln>
+            <a:effectLst/>
+          </p:spPr>
+          <p:txBody>
+            <a:bodyPr vert="horz" wrap="none" lIns="90000" tIns="46800" rIns="90000" bIns="46800" numCol="1" rtlCol="0" anchor="ctr" anchorCtr="0" compatLnSpc="1">
+              <a:prstTxWarp prst="textNoShape">
+                <a:avLst/>
+              </a:prstTxWarp>
+            </a:bodyPr>
+            <a:lstStyle/>
+            <a:p>
+              <a:pPr marL="0" marR="0" indent="0" algn="ctr" defTabSz="968375" rtl="0" eaLnBrk="0" fontAlgn="base" latinLnBrk="0" hangingPunct="0">
+                <a:lnSpc>
+                  <a:spcPct val="100000"/>
+                </a:lnSpc>
+                <a:spcBef>
+                  <a:spcPct val="0"/>
+                </a:spcBef>
+                <a:spcAft>
+                  <a:spcPct val="0"/>
+                </a:spcAft>
+                <a:buClrTx/>
+                <a:buSzTx/>
+                <a:buFontTx/>
+                <a:buNone/>
+                <a:tabLst/>
+              </a:pPr>
+              <a:endParaRPr kumimoji="0" lang="ja-JP" altLang="en-US" sz="2000" b="0" i="0" u="none" strike="noStrike" cap="none" normalizeH="0" baseline="0" smtClean="0">
+                <a:ln>
+                  <a:noFill/>
+                </a:ln>
+                <a:solidFill>
+                  <a:schemeClr val="tx1"/>
+                </a:solidFill>
+                <a:effectLst/>
+                <a:latin typeface="Arial" charset="0"/>
+                <a:ea typeface="ＭＳ Ｐゴシック" pitchFamily="50" charset="-128"/>
+              </a:endParaRPr>
+            </a:p>
+          </p:txBody>
+        </p:sp>
+      </p:grpSp>
+      <p:grpSp>
+        <p:nvGrpSpPr>
+          <p:cNvPr id="18" name="グループ化 17"/>
+          <p:cNvGrpSpPr/>
+          <p:nvPr/>
+        </p:nvGrpSpPr>
+        <p:grpSpPr>
+          <a:xfrm>
+            <a:off x="705532" y="1979637"/>
+            <a:ext cx="504056" cy="720080"/>
+            <a:chOff x="539552" y="1340768"/>
+            <a:chExt cx="504056" cy="720080"/>
+          </a:xfrm>
+        </p:grpSpPr>
+        <p:cxnSp>
+          <p:nvCxnSpPr>
+            <p:cNvPr id="19" name="直線コネクタ 18"/>
+            <p:cNvCxnSpPr/>
+            <p:nvPr/>
+          </p:nvCxnSpPr>
+          <p:spPr bwMode="auto">
+            <a:xfrm flipV="1">
+              <a:off x="795416" y="1611468"/>
+              <a:ext cx="0" cy="223838"/>
+            </a:xfrm>
+            <a:prstGeom prst="line">
+              <a:avLst/>
+            </a:prstGeom>
+            <a:solidFill>
+              <a:srgbClr val="999999"/>
+            </a:solidFill>
+            <a:ln w="9525" cap="flat" cmpd="sng" algn="ctr">
+              <a:solidFill>
+                <a:schemeClr val="tx1"/>
+              </a:solidFill>
+              <a:prstDash val="solid"/>
+              <a:round/>
+              <a:headEnd type="none" w="med" len="med"/>
+              <a:tailEnd type="none" w="med" len="med"/>
+            </a:ln>
+            <a:effectLst/>
+          </p:spPr>
+        </p:cxnSp>
+        <p:cxnSp>
+          <p:nvCxnSpPr>
+            <p:cNvPr id="20" name="直線コネクタ 19"/>
+            <p:cNvCxnSpPr/>
+            <p:nvPr/>
+          </p:nvCxnSpPr>
+          <p:spPr bwMode="auto">
+            <a:xfrm>
+              <a:off x="683568" y="1672476"/>
+              <a:ext cx="223696" cy="0"/>
+            </a:xfrm>
+            <a:prstGeom prst="line">
+              <a:avLst/>
+            </a:prstGeom>
+            <a:solidFill>
+              <a:srgbClr val="999999"/>
+            </a:solidFill>
+            <a:ln w="9525" cap="flat" cmpd="sng" algn="ctr">
+              <a:solidFill>
+                <a:schemeClr val="tx1"/>
+              </a:solidFill>
+              <a:prstDash val="solid"/>
+              <a:round/>
+              <a:headEnd type="none" w="med" len="med"/>
+              <a:tailEnd type="none" w="med" len="med"/>
+            </a:ln>
+            <a:effectLst/>
+          </p:spPr>
+        </p:cxnSp>
+        <p:sp>
+          <p:nvSpPr>
+            <p:cNvPr id="21" name="円/楕円 20"/>
+            <p:cNvSpPr/>
+            <p:nvPr/>
+          </p:nvSpPr>
+          <p:spPr bwMode="auto">
+            <a:xfrm>
+              <a:off x="703904" y="1448780"/>
+              <a:ext cx="183024" cy="162688"/>
+            </a:xfrm>
+            <a:prstGeom prst="ellipse">
+              <a:avLst/>
+            </a:prstGeom>
+            <a:solidFill>
+              <a:schemeClr val="bg1"/>
+            </a:solidFill>
+            <a:ln w="9525" cap="flat" cmpd="sng" algn="ctr">
+              <a:solidFill>
+                <a:schemeClr val="tx1"/>
+              </a:solidFill>
+              <a:prstDash val="solid"/>
+              <a:round/>
+              <a:headEnd type="none" w="med" len="med"/>
+              <a:tailEnd type="none" w="med" len="med"/>
+            </a:ln>
+            <a:effectLst/>
+          </p:spPr>
+          <p:txBody>
+            <a:bodyPr vert="horz" wrap="none" lIns="90000" tIns="46800" rIns="90000" bIns="46800" numCol="1" rtlCol="0" anchor="ctr" anchorCtr="0" compatLnSpc="1">
+              <a:prstTxWarp prst="textNoShape">
+                <a:avLst/>
+              </a:prstTxWarp>
+            </a:bodyPr>
+            <a:lstStyle/>
+            <a:p>
+              <a:pPr marL="0" marR="0" indent="0" algn="ctr" defTabSz="968375" rtl="0" eaLnBrk="0" fontAlgn="base" latinLnBrk="0" hangingPunct="0">
+                <a:lnSpc>
+                  <a:spcPct val="100000"/>
+                </a:lnSpc>
+                <a:spcBef>
+                  <a:spcPct val="0"/>
+                </a:spcBef>
+                <a:spcAft>
+                  <a:spcPct val="0"/>
+                </a:spcAft>
+                <a:buClrTx/>
+                <a:buSzTx/>
+                <a:buFontTx/>
+                <a:buNone/>
+                <a:tabLst/>
+              </a:pPr>
+              <a:endParaRPr kumimoji="0" lang="ja-JP" altLang="en-US" sz="2000" b="0" i="0" u="none" strike="noStrike" cap="none" normalizeH="0" baseline="0" smtClean="0">
+                <a:ln>
+                  <a:noFill/>
+                </a:ln>
+                <a:solidFill>
+                  <a:schemeClr val="tx1"/>
+                </a:solidFill>
+                <a:effectLst/>
+                <a:latin typeface="Arial" charset="0"/>
+                <a:ea typeface="ＭＳ Ｐゴシック" pitchFamily="50" charset="-128"/>
+              </a:endParaRPr>
+            </a:p>
+          </p:txBody>
+        </p:sp>
+        <p:sp>
+          <p:nvSpPr>
+            <p:cNvPr id="22" name="フリーフォーム 21"/>
+            <p:cNvSpPr/>
+            <p:nvPr/>
+          </p:nvSpPr>
+          <p:spPr bwMode="auto">
+            <a:xfrm>
+              <a:off x="690692" y="1833701"/>
+              <a:ext cx="209819" cy="129119"/>
+            </a:xfrm>
+            <a:custGeom>
+              <a:avLst/>
+              <a:gdLst>
+                <a:gd name="connsiteX0" fmla="*/ 0 w 371475"/>
+                <a:gd name="connsiteY0" fmla="*/ 228600 h 228600"/>
+                <a:gd name="connsiteX1" fmla="*/ 180975 w 371475"/>
+                <a:gd name="connsiteY1" fmla="*/ 0 h 228600"/>
+                <a:gd name="connsiteX2" fmla="*/ 371475 w 371475"/>
+                <a:gd name="connsiteY2" fmla="*/ 228600 h 228600"/>
+              </a:gdLst>
+              <a:ahLst/>
+              <a:cxnLst>
+                <a:cxn ang="0">
+                  <a:pos x="connsiteX0" y="connsiteY0"/>
+                </a:cxn>
+                <a:cxn ang="0">
+                  <a:pos x="connsiteX1" y="connsiteY1"/>
+                </a:cxn>
+                <a:cxn ang="0">
+                  <a:pos x="connsiteX2" y="connsiteY2"/>
+                </a:cxn>
+              </a:cxnLst>
+              <a:rect l="l" t="t" r="r" b="b"/>
+              <a:pathLst>
+                <a:path w="371475" h="228600">
+                  <a:moveTo>
+                    <a:pt x="0" y="228600"/>
+                  </a:moveTo>
+                  <a:lnTo>
+                    <a:pt x="180975" y="0"/>
+                  </a:lnTo>
+                  <a:lnTo>
+                    <a:pt x="371475" y="228600"/>
+                  </a:lnTo>
+                </a:path>
+              </a:pathLst>
+            </a:custGeom>
+            <a:noFill/>
+            <a:ln w="9525" cap="flat" cmpd="sng" algn="ctr">
+              <a:solidFill>
+                <a:schemeClr val="tx1"/>
+              </a:solidFill>
+              <a:prstDash val="solid"/>
+              <a:round/>
+              <a:headEnd type="none" w="med" len="med"/>
+              <a:tailEnd type="none" w="med" len="med"/>
+            </a:ln>
+            <a:effectLst/>
+          </p:spPr>
+          <p:txBody>
+            <a:bodyPr rtlCol="0" anchor="ctr"/>
+            <a:lstStyle/>
+            <a:p>
+              <a:pPr algn="ctr"/>
+              <a:endParaRPr kumimoji="1" lang="ja-JP" altLang="en-US" sz="1400"/>
+            </a:p>
+          </p:txBody>
+        </p:sp>
+        <p:sp>
+          <p:nvSpPr>
+            <p:cNvPr id="23" name="正方形/長方形 22"/>
+            <p:cNvSpPr/>
+            <p:nvPr/>
+          </p:nvSpPr>
+          <p:spPr bwMode="auto">
+            <a:xfrm>
+              <a:off x="539552" y="1340768"/>
+              <a:ext cx="504056" cy="720080"/>
+            </a:xfrm>
+            <a:prstGeom prst="rect">
+              <a:avLst/>
+            </a:prstGeom>
+            <a:noFill/>
+            <a:ln w="9525" cap="flat" cmpd="sng" algn="ctr">
+              <a:noFill/>
+              <a:prstDash val="solid"/>
+              <a:round/>
+              <a:headEnd type="none" w="med" len="med"/>
+              <a:tailEnd type="none" w="med" len="med"/>
+            </a:ln>
+            <a:effectLst/>
+          </p:spPr>
+          <p:txBody>
+            <a:bodyPr vert="horz" wrap="none" lIns="90000" tIns="46800" rIns="90000" bIns="46800" numCol="1" rtlCol="0" anchor="ctr" anchorCtr="0" compatLnSpc="1">
+              <a:prstTxWarp prst="textNoShape">
+                <a:avLst/>
+              </a:prstTxWarp>
+            </a:bodyPr>
+            <a:lstStyle/>
+            <a:p>
+              <a:pPr marL="0" marR="0" indent="0" algn="ctr" defTabSz="968375" rtl="0" eaLnBrk="0" fontAlgn="base" latinLnBrk="0" hangingPunct="0">
+                <a:lnSpc>
+                  <a:spcPct val="100000"/>
+                </a:lnSpc>
+                <a:spcBef>
+                  <a:spcPct val="0"/>
+                </a:spcBef>
+                <a:spcAft>
+                  <a:spcPct val="0"/>
+                </a:spcAft>
+                <a:buClrTx/>
+                <a:buSzTx/>
+                <a:buFontTx/>
+                <a:buNone/>
+                <a:tabLst/>
+              </a:pPr>
+              <a:endParaRPr kumimoji="0" lang="ja-JP" altLang="en-US" sz="2000" b="0" i="0" u="none" strike="noStrike" cap="none" normalizeH="0" baseline="0" smtClean="0">
+                <a:ln>
+                  <a:noFill/>
+                </a:ln>
+                <a:solidFill>
+                  <a:schemeClr val="tx1"/>
+                </a:solidFill>
+                <a:effectLst/>
+                <a:latin typeface="Arial" charset="0"/>
+                <a:ea typeface="ＭＳ Ｐゴシック" pitchFamily="50" charset="-128"/>
+              </a:endParaRPr>
+            </a:p>
+          </p:txBody>
+        </p:sp>
+      </p:grpSp>
+      <p:sp>
+        <p:nvSpPr>
+          <p:cNvPr id="24" name="テキスト ボックス 23"/>
+          <p:cNvSpPr txBox="1"/>
+          <p:nvPr/>
+        </p:nvSpPr>
         <p:spPr>
           <a:xfrm>
-            <a:off x="1185120" y="1386000"/>
-            <a:ext cx="7526880" cy="5094000"/>
-          </a:xfrm>
-          <a:prstGeom prst="rect">
-            <a:avLst/>
-          </a:prstGeom>
+            <a:off x="489508" y="2699717"/>
+            <a:ext cx="914400" cy="432048"/>
+          </a:xfrm>
+          <a:prstGeom prst="rect">
+            <a:avLst/>
+          </a:prstGeom>
+          <a:noFill/>
           <a:ln>
             <a:noFill/>
           </a:ln>
         </p:spPr>
-      </p:pic>
+        <p:txBody>
+          <a:bodyPr wrap="none" rtlCol="0">
+            <a:noAutofit/>
+          </a:bodyPr>
+          <a:lstStyle/>
+          <a:p>
+            <a:pPr algn="ctr"/>
+            <a:r>
+              <a:rPr lang="ja-JP" altLang="en-US" sz="1200" smtClean="0">
+                <a:latin typeface="Meiryo UI" pitchFamily="50" charset="-128"/>
+                <a:ea typeface="Meiryo UI" pitchFamily="50" charset="-128"/>
+                <a:cs typeface="Meiryo UI" pitchFamily="50" charset="-128"/>
+              </a:rPr>
+              <a:t>システム</a:t>
+            </a:r>
+            <a:r>
+              <a:rPr lang="ja-JP" altLang="en-US" sz="1200" smtClean="0">
+                <a:latin typeface="Meiryo UI" pitchFamily="50" charset="-128"/>
+                <a:ea typeface="Meiryo UI" pitchFamily="50" charset="-128"/>
+                <a:cs typeface="Meiryo UI" pitchFamily="50" charset="-128"/>
+              </a:rPr>
+              <a:t>運用</a:t>
+            </a:r>
+            <a:endParaRPr lang="en-US" altLang="ja-JP" sz="1200" smtClean="0">
+              <a:latin typeface="Meiryo UI" pitchFamily="50" charset="-128"/>
+              <a:ea typeface="Meiryo UI" pitchFamily="50" charset="-128"/>
+              <a:cs typeface="Meiryo UI" pitchFamily="50" charset="-128"/>
+            </a:endParaRPr>
+          </a:p>
+          <a:p>
+            <a:pPr algn="ctr"/>
+            <a:r>
+              <a:rPr kumimoji="1" lang="ja-JP" altLang="en-US" sz="1200">
+                <a:latin typeface="Meiryo UI" pitchFamily="50" charset="-128"/>
+                <a:ea typeface="Meiryo UI" pitchFamily="50" charset="-128"/>
+                <a:cs typeface="Meiryo UI" pitchFamily="50" charset="-128"/>
+              </a:rPr>
+              <a:t>担当者</a:t>
+            </a:r>
+            <a:endParaRPr kumimoji="1" lang="ja-JP" altLang="en-US" sz="1200" smtClean="0">
+              <a:latin typeface="Meiryo UI" pitchFamily="50" charset="-128"/>
+              <a:ea typeface="Meiryo UI" pitchFamily="50" charset="-128"/>
+              <a:cs typeface="Meiryo UI" pitchFamily="50" charset="-128"/>
+            </a:endParaRPr>
+          </a:p>
+        </p:txBody>
+      </p:sp>
+      <p:cxnSp>
+        <p:nvCxnSpPr>
+          <p:cNvPr id="25" name="直線矢印コネクタ 24"/>
+          <p:cNvCxnSpPr>
+            <a:stCxn id="23" idx="3"/>
+            <a:endCxn id="6" idx="1"/>
+          </p:cNvCxnSpPr>
+          <p:nvPr/>
+        </p:nvCxnSpPr>
+        <p:spPr bwMode="auto">
+          <a:xfrm>
+            <a:off x="1209588" y="2339677"/>
+            <a:ext cx="914400" cy="0"/>
+          </a:xfrm>
+          <a:prstGeom prst="straightConnector1">
+            <a:avLst/>
+          </a:prstGeom>
+          <a:solidFill>
+            <a:srgbClr val="999999"/>
+          </a:solidFill>
+          <a:ln w="9525" cap="flat" cmpd="sng" algn="ctr">
+            <a:solidFill>
+              <a:schemeClr val="bg1">
+                <a:lumMod val="50000"/>
+              </a:schemeClr>
+            </a:solidFill>
+            <a:prstDash val="solid"/>
+            <a:round/>
+            <a:headEnd type="arrow" w="med" len="med"/>
+            <a:tailEnd type="arrow" w="med" len="med"/>
+          </a:ln>
+          <a:effectLst/>
+        </p:spPr>
+      </p:cxnSp>
+      <p:sp>
+        <p:nvSpPr>
+          <p:cNvPr id="26" name="テキスト ボックス 25"/>
+          <p:cNvSpPr txBox="1"/>
+          <p:nvPr/>
+        </p:nvSpPr>
+        <p:spPr>
+          <a:xfrm>
+            <a:off x="1943968" y="3959857"/>
+            <a:ext cx="5112568" cy="2124236"/>
+          </a:xfrm>
+          <a:prstGeom prst="rect">
+            <a:avLst/>
+          </a:prstGeom>
+          <a:solidFill>
+            <a:schemeClr val="bg1"/>
+          </a:solidFill>
+          <a:ln>
+            <a:solidFill>
+              <a:schemeClr val="tx1"/>
+            </a:solidFill>
+          </a:ln>
+        </p:spPr>
+        <p:txBody>
+          <a:bodyPr wrap="none" rtlCol="0">
+            <a:noAutofit/>
+          </a:bodyPr>
+          <a:lstStyle/>
+          <a:p>
+            <a:pPr algn="ctr"/>
+            <a:r>
+              <a:rPr kumimoji="1" lang="ja-JP" altLang="en-US" sz="1400" smtClean="0">
+                <a:latin typeface="Meiryo UI" pitchFamily="50" charset="-128"/>
+                <a:ea typeface="Meiryo UI" pitchFamily="50" charset="-128"/>
+                <a:cs typeface="Meiryo UI" pitchFamily="50" charset="-128"/>
+              </a:rPr>
+              <a:t>作業</a:t>
+            </a:r>
+            <a:r>
+              <a:rPr kumimoji="1" lang="en-US" altLang="ja-JP" sz="1400" smtClean="0">
+                <a:latin typeface="Meiryo UI" pitchFamily="50" charset="-128"/>
+                <a:ea typeface="Meiryo UI" pitchFamily="50" charset="-128"/>
+                <a:cs typeface="Meiryo UI" pitchFamily="50" charset="-128"/>
+              </a:rPr>
+              <a:t>PC</a:t>
+            </a:r>
+            <a:endParaRPr kumimoji="1" lang="ja-JP" altLang="en-US" sz="1400" smtClean="0">
+              <a:latin typeface="Meiryo UI" pitchFamily="50" charset="-128"/>
+              <a:ea typeface="Meiryo UI" pitchFamily="50" charset="-128"/>
+              <a:cs typeface="Meiryo UI" pitchFamily="50" charset="-128"/>
+            </a:endParaRPr>
+          </a:p>
+        </p:txBody>
+      </p:sp>
+      <p:sp>
+        <p:nvSpPr>
+          <p:cNvPr id="27" name="テキスト ボックス 26"/>
+          <p:cNvSpPr txBox="1"/>
+          <p:nvPr/>
+        </p:nvSpPr>
+        <p:spPr>
+          <a:xfrm>
+            <a:off x="2304008" y="4283893"/>
+            <a:ext cx="1764196" cy="1224136"/>
+          </a:xfrm>
+          <a:custGeom>
+            <a:avLst/>
+            <a:gdLst>
+              <a:gd name="connsiteX0" fmla="*/ 0 w 1764196"/>
+              <a:gd name="connsiteY0" fmla="*/ 0 h 2052228"/>
+              <a:gd name="connsiteX1" fmla="*/ 1764196 w 1764196"/>
+              <a:gd name="connsiteY1" fmla="*/ 0 h 2052228"/>
+              <a:gd name="connsiteX2" fmla="*/ 1764196 w 1764196"/>
+              <a:gd name="connsiteY2" fmla="*/ 2052228 h 2052228"/>
+              <a:gd name="connsiteX3" fmla="*/ 0 w 1764196"/>
+              <a:gd name="connsiteY3" fmla="*/ 2052228 h 2052228"/>
+              <a:gd name="connsiteX4" fmla="*/ 0 w 1764196"/>
+              <a:gd name="connsiteY4" fmla="*/ 0 h 2052228"/>
+              <a:gd name="connsiteX0" fmla="*/ 0 w 1764196"/>
+              <a:gd name="connsiteY0" fmla="*/ 0 h 2052228"/>
+              <a:gd name="connsiteX1" fmla="*/ 1764196 w 1764196"/>
+              <a:gd name="connsiteY1" fmla="*/ 0 h 2052228"/>
+              <a:gd name="connsiteX2" fmla="*/ 1761269 w 1764196"/>
+              <a:gd name="connsiteY2" fmla="*/ 444066 h 2052228"/>
+              <a:gd name="connsiteX3" fmla="*/ 1764196 w 1764196"/>
+              <a:gd name="connsiteY3" fmla="*/ 2052228 h 2052228"/>
+              <a:gd name="connsiteX4" fmla="*/ 0 w 1764196"/>
+              <a:gd name="connsiteY4" fmla="*/ 2052228 h 2052228"/>
+              <a:gd name="connsiteX5" fmla="*/ 0 w 1764196"/>
+              <a:gd name="connsiteY5" fmla="*/ 0 h 2052228"/>
+            </a:gdLst>
+            <a:ahLst/>
+            <a:cxnLst>
+              <a:cxn ang="0">
+                <a:pos x="connsiteX0" y="connsiteY0"/>
+              </a:cxn>
+              <a:cxn ang="0">
+                <a:pos x="connsiteX1" y="connsiteY1"/>
+              </a:cxn>
+              <a:cxn ang="0">
+                <a:pos x="connsiteX2" y="connsiteY2"/>
+              </a:cxn>
+              <a:cxn ang="0">
+                <a:pos x="connsiteX3" y="connsiteY3"/>
+              </a:cxn>
+              <a:cxn ang="0">
+                <a:pos x="connsiteX4" y="connsiteY4"/>
+              </a:cxn>
+              <a:cxn ang="0">
+                <a:pos x="connsiteX5" y="connsiteY5"/>
+              </a:cxn>
+            </a:cxnLst>
+            <a:rect l="l" t="t" r="r" b="b"/>
+            <a:pathLst>
+              <a:path w="1764196" h="2052228">
+                <a:moveTo>
+                  <a:pt x="0" y="0"/>
+                </a:moveTo>
+                <a:lnTo>
+                  <a:pt x="1764196" y="0"/>
+                </a:lnTo>
+                <a:cubicBezTo>
+                  <a:pt x="1763220" y="148022"/>
+                  <a:pt x="1762245" y="296044"/>
+                  <a:pt x="1761269" y="444066"/>
+                </a:cubicBezTo>
+                <a:cubicBezTo>
+                  <a:pt x="1762245" y="980120"/>
+                  <a:pt x="1763220" y="1516174"/>
+                  <a:pt x="1764196" y="2052228"/>
+                </a:cubicBezTo>
+                <a:lnTo>
+                  <a:pt x="0" y="2052228"/>
+                </a:lnTo>
+                <a:lnTo>
+                  <a:pt x="0" y="0"/>
+                </a:lnTo>
+                <a:close/>
+              </a:path>
+            </a:pathLst>
+          </a:custGeom>
+          <a:solidFill>
+            <a:schemeClr val="bg1"/>
+          </a:solidFill>
+          <a:ln>
+            <a:solidFill>
+              <a:schemeClr val="tx1"/>
+            </a:solidFill>
+          </a:ln>
+        </p:spPr>
+        <p:txBody>
+          <a:bodyPr wrap="none" rtlCol="0">
+            <a:noAutofit/>
+          </a:bodyPr>
+          <a:lstStyle/>
+          <a:p>
+            <a:pPr algn="ctr"/>
+            <a:r>
+              <a:rPr kumimoji="1" lang="en-US" altLang="ja-JP" sz="1200" smtClean="0">
+                <a:latin typeface="Meiryo UI" pitchFamily="50" charset="-128"/>
+                <a:ea typeface="Meiryo UI" pitchFamily="50" charset="-128"/>
+                <a:cs typeface="Meiryo UI" pitchFamily="50" charset="-128"/>
+              </a:rPr>
+              <a:t>Getconfig</a:t>
+            </a:r>
+          </a:p>
+          <a:p>
+            <a:pPr algn="ctr"/>
+            <a:r>
+              <a:rPr lang="ja-JP" altLang="en-US" sz="1200" smtClean="0">
+                <a:latin typeface="Meiryo UI" pitchFamily="50" charset="-128"/>
+                <a:ea typeface="Meiryo UI" pitchFamily="50" charset="-128"/>
+                <a:cs typeface="Meiryo UI" pitchFamily="50" charset="-128"/>
+              </a:rPr>
+              <a:t>構成収集</a:t>
+            </a:r>
+            <a:r>
+              <a:rPr lang="ja-JP" altLang="en-US" sz="1200">
+                <a:latin typeface="Meiryo UI" pitchFamily="50" charset="-128"/>
+                <a:ea typeface="Meiryo UI" pitchFamily="50" charset="-128"/>
+                <a:cs typeface="Meiryo UI" pitchFamily="50" charset="-128"/>
+              </a:rPr>
+              <a:t>ツール</a:t>
+            </a:r>
+            <a:endParaRPr kumimoji="1" lang="ja-JP" altLang="en-US" sz="1200" smtClean="0">
+              <a:latin typeface="Meiryo UI" pitchFamily="50" charset="-128"/>
+              <a:ea typeface="Meiryo UI" pitchFamily="50" charset="-128"/>
+              <a:cs typeface="Meiryo UI" pitchFamily="50" charset="-128"/>
+            </a:endParaRPr>
+          </a:p>
+        </p:txBody>
+      </p:sp>
+      <p:sp>
+        <p:nvSpPr>
+          <p:cNvPr id="28" name="テキスト ボックス 27"/>
+          <p:cNvSpPr txBox="1"/>
+          <p:nvPr/>
+        </p:nvSpPr>
+        <p:spPr>
+          <a:xfrm>
+            <a:off x="5544368" y="5436021"/>
+            <a:ext cx="1332148" cy="504056"/>
+          </a:xfrm>
+          <a:prstGeom prst="rect">
+            <a:avLst/>
+          </a:prstGeom>
+          <a:solidFill>
+            <a:schemeClr val="bg1"/>
+          </a:solidFill>
+          <a:ln>
+            <a:solidFill>
+              <a:schemeClr val="tx1"/>
+            </a:solidFill>
+          </a:ln>
+        </p:spPr>
+        <p:txBody>
+          <a:bodyPr wrap="none" rtlCol="0">
+            <a:noAutofit/>
+          </a:bodyPr>
+          <a:lstStyle/>
+          <a:p>
+            <a:pPr algn="ctr"/>
+            <a:r>
+              <a:rPr kumimoji="1" lang="en-US" altLang="ja-JP" sz="1200" smtClean="0">
+                <a:latin typeface="Meiryo UI" pitchFamily="50" charset="-128"/>
+                <a:ea typeface="Meiryo UI" pitchFamily="50" charset="-128"/>
+                <a:cs typeface="Meiryo UI" pitchFamily="50" charset="-128"/>
+              </a:rPr>
+              <a:t>Jenkins</a:t>
+            </a:r>
+          </a:p>
+          <a:p>
+            <a:pPr algn="ctr"/>
+            <a:r>
+              <a:rPr lang="ja-JP" altLang="en-US" sz="1200" smtClean="0">
+                <a:latin typeface="Meiryo UI" pitchFamily="50" charset="-128"/>
+                <a:ea typeface="Meiryo UI" pitchFamily="50" charset="-128"/>
+                <a:cs typeface="Meiryo UI" pitchFamily="50" charset="-128"/>
+              </a:rPr>
+              <a:t>ジョブ</a:t>
+            </a:r>
+            <a:r>
+              <a:rPr lang="ja-JP" altLang="en-US" sz="1200">
+                <a:latin typeface="Meiryo UI" pitchFamily="50" charset="-128"/>
+                <a:ea typeface="Meiryo UI" pitchFamily="50" charset="-128"/>
+                <a:cs typeface="Meiryo UI" pitchFamily="50" charset="-128"/>
+              </a:rPr>
+              <a:t>スケジューラ</a:t>
+            </a:r>
+            <a:endParaRPr kumimoji="1" lang="ja-JP" altLang="en-US" sz="1200" smtClean="0">
+              <a:latin typeface="Meiryo UI" pitchFamily="50" charset="-128"/>
+              <a:ea typeface="Meiryo UI" pitchFamily="50" charset="-128"/>
+              <a:cs typeface="Meiryo UI" pitchFamily="50" charset="-128"/>
+            </a:endParaRPr>
+          </a:p>
+        </p:txBody>
+      </p:sp>
+      <p:sp>
+        <p:nvSpPr>
+          <p:cNvPr id="29" name="フローチャート : 定義済み処理 28"/>
+          <p:cNvSpPr/>
+          <p:nvPr/>
+        </p:nvSpPr>
+        <p:spPr bwMode="auto">
+          <a:xfrm>
+            <a:off x="2700052" y="4787949"/>
+            <a:ext cx="1008112" cy="396044"/>
+          </a:xfrm>
+          <a:prstGeom prst="flowChartPredefinedProcess">
+            <a:avLst/>
+          </a:prstGeom>
+          <a:solidFill>
+            <a:schemeClr val="bg1"/>
+          </a:solidFill>
+          <a:ln w="9525" cap="flat" cmpd="sng" algn="ctr">
+            <a:solidFill>
+              <a:schemeClr val="tx1"/>
+            </a:solidFill>
+            <a:prstDash val="solid"/>
+            <a:round/>
+            <a:headEnd type="none" w="med" len="med"/>
+            <a:tailEnd type="none" w="med" len="med"/>
+          </a:ln>
+          <a:effectLst/>
+        </p:spPr>
+        <p:txBody>
+          <a:bodyPr vert="horz" wrap="none" lIns="90000" tIns="46800" rIns="90000" bIns="46800" numCol="1" rtlCol="0" anchor="ctr" anchorCtr="0" compatLnSpc="1">
+            <a:prstTxWarp prst="textNoShape">
+              <a:avLst/>
+            </a:prstTxWarp>
+          </a:bodyPr>
+          <a:lstStyle/>
+          <a:p>
+            <a:pPr marL="0" marR="0" indent="0" algn="ctr" defTabSz="968375" rtl="0" eaLnBrk="0" fontAlgn="base" latinLnBrk="0" hangingPunct="0">
+              <a:lnSpc>
+                <a:spcPct val="100000"/>
+              </a:lnSpc>
+              <a:spcBef>
+                <a:spcPct val="0"/>
+              </a:spcBef>
+              <a:spcAft>
+                <a:spcPct val="0"/>
+              </a:spcAft>
+              <a:buClrTx/>
+              <a:buSzTx/>
+              <a:buFontTx/>
+              <a:buNone/>
+              <a:tabLst/>
+            </a:pPr>
+            <a:r>
+              <a:rPr kumimoji="0" lang="ja-JP" altLang="en-US" sz="1200" smtClean="0">
+                <a:latin typeface="Arial" charset="0"/>
+                <a:ea typeface="ＭＳ Ｐゴシック" pitchFamily="50" charset="-128"/>
+              </a:rPr>
+              <a:t>構成収集</a:t>
+            </a:r>
+            <a:endParaRPr kumimoji="0" lang="ja-JP" altLang="en-US" sz="1200" b="0" i="0" u="none" strike="noStrike" cap="none" normalizeH="0" baseline="0" smtClean="0">
+              <a:ln>
+                <a:noFill/>
+              </a:ln>
+              <a:solidFill>
+                <a:schemeClr val="tx1"/>
+              </a:solidFill>
+              <a:effectLst/>
+              <a:latin typeface="Arial" charset="0"/>
+              <a:ea typeface="ＭＳ Ｐゴシック" pitchFamily="50" charset="-128"/>
+            </a:endParaRPr>
+          </a:p>
+        </p:txBody>
+      </p:sp>
+      <p:sp>
+        <p:nvSpPr>
+          <p:cNvPr id="30" name="正方形/長方形 29"/>
+          <p:cNvSpPr/>
+          <p:nvPr/>
+        </p:nvSpPr>
+        <p:spPr bwMode="auto">
+          <a:xfrm>
+            <a:off x="2376016" y="2195661"/>
+            <a:ext cx="648072" cy="468052"/>
+          </a:xfrm>
+          <a:prstGeom prst="rect">
+            <a:avLst/>
+          </a:prstGeom>
+          <a:solidFill>
+            <a:schemeClr val="bg1"/>
+          </a:solidFill>
+          <a:ln w="9525" cap="flat" cmpd="sng" algn="ctr">
+            <a:solidFill>
+              <a:schemeClr val="tx1"/>
+            </a:solidFill>
+            <a:prstDash val="solid"/>
+            <a:round/>
+            <a:headEnd type="none" w="med" len="med"/>
+            <a:tailEnd type="none" w="med" len="med"/>
+          </a:ln>
+          <a:effectLst/>
+        </p:spPr>
+        <p:txBody>
+          <a:bodyPr vert="horz" wrap="none" lIns="90000" tIns="46800" rIns="90000" bIns="46800" numCol="1" rtlCol="0" anchor="ctr" anchorCtr="0" compatLnSpc="1">
+            <a:prstTxWarp prst="textNoShape">
+              <a:avLst/>
+            </a:prstTxWarp>
+          </a:bodyPr>
+          <a:lstStyle/>
+          <a:p>
+            <a:pPr marL="0" marR="0" indent="0" algn="ctr" defTabSz="968375" rtl="0" eaLnBrk="0" fontAlgn="base" latinLnBrk="0" hangingPunct="0">
+              <a:lnSpc>
+                <a:spcPct val="100000"/>
+              </a:lnSpc>
+              <a:spcBef>
+                <a:spcPct val="0"/>
+              </a:spcBef>
+              <a:spcAft>
+                <a:spcPct val="0"/>
+              </a:spcAft>
+              <a:buClrTx/>
+              <a:buSzTx/>
+              <a:buFontTx/>
+              <a:buNone/>
+              <a:tabLst/>
+            </a:pPr>
+            <a:r>
+              <a:rPr kumimoji="0" lang="ja-JP" altLang="en-US" sz="1400" b="0" i="0" u="none" strike="noStrike" cap="none" normalizeH="0" baseline="0" smtClean="0">
+                <a:ln>
+                  <a:noFill/>
+                </a:ln>
+                <a:solidFill>
+                  <a:schemeClr val="tx1"/>
+                </a:solidFill>
+                <a:effectLst/>
+                <a:latin typeface="Arial" charset="0"/>
+                <a:ea typeface="ＭＳ Ｐゴシック" pitchFamily="50" charset="-128"/>
+              </a:rPr>
+              <a:t>メタ</a:t>
+            </a:r>
+            <a:endParaRPr kumimoji="0" lang="en-US" altLang="ja-JP" sz="1400" b="0" i="0" u="none" strike="noStrike" cap="none" normalizeH="0" baseline="0" smtClean="0">
+              <a:ln>
+                <a:noFill/>
+              </a:ln>
+              <a:solidFill>
+                <a:schemeClr val="tx1"/>
+              </a:solidFill>
+              <a:effectLst/>
+              <a:latin typeface="Arial" charset="0"/>
+              <a:ea typeface="ＭＳ Ｐゴシック" pitchFamily="50" charset="-128"/>
+            </a:endParaRPr>
+          </a:p>
+          <a:p>
+            <a:pPr marL="0" marR="0" indent="0" algn="ctr" defTabSz="968375" rtl="0" eaLnBrk="0" fontAlgn="base" latinLnBrk="0" hangingPunct="0">
+              <a:lnSpc>
+                <a:spcPct val="100000"/>
+              </a:lnSpc>
+              <a:spcBef>
+                <a:spcPct val="0"/>
+              </a:spcBef>
+              <a:spcAft>
+                <a:spcPct val="0"/>
+              </a:spcAft>
+              <a:buClrTx/>
+              <a:buSzTx/>
+              <a:buFontTx/>
+              <a:buNone/>
+              <a:tabLst/>
+            </a:pPr>
+            <a:r>
+              <a:rPr kumimoji="0" lang="ja-JP" altLang="en-US" sz="1400" b="0" i="0" u="none" strike="noStrike" cap="none" normalizeH="0" baseline="0" smtClean="0">
+                <a:ln>
+                  <a:noFill/>
+                </a:ln>
+                <a:solidFill>
+                  <a:schemeClr val="tx1"/>
+                </a:solidFill>
+                <a:effectLst/>
+                <a:latin typeface="Arial" charset="0"/>
+                <a:ea typeface="ＭＳ Ｐゴシック" pitchFamily="50" charset="-128"/>
+              </a:rPr>
+              <a:t>情報</a:t>
+            </a:r>
+          </a:p>
+        </p:txBody>
+      </p:sp>
+      <p:sp>
+        <p:nvSpPr>
+          <p:cNvPr id="31" name="正方形/長方形 30"/>
+          <p:cNvSpPr/>
+          <p:nvPr/>
+        </p:nvSpPr>
+        <p:spPr bwMode="auto">
+          <a:xfrm>
+            <a:off x="3240112" y="2195661"/>
+            <a:ext cx="648072" cy="468052"/>
+          </a:xfrm>
+          <a:prstGeom prst="rect">
+            <a:avLst/>
+          </a:prstGeom>
+          <a:solidFill>
+            <a:schemeClr val="bg1"/>
+          </a:solidFill>
+          <a:ln w="9525" cap="flat" cmpd="sng" algn="ctr">
+            <a:solidFill>
+              <a:schemeClr val="tx1"/>
+            </a:solidFill>
+            <a:prstDash val="solid"/>
+            <a:round/>
+            <a:headEnd type="none" w="med" len="med"/>
+            <a:tailEnd type="none" w="med" len="med"/>
+          </a:ln>
+          <a:effectLst/>
+        </p:spPr>
+        <p:txBody>
+          <a:bodyPr vert="horz" wrap="none" lIns="90000" tIns="46800" rIns="90000" bIns="46800" numCol="1" rtlCol="0" anchor="ctr" anchorCtr="0" compatLnSpc="1">
+            <a:prstTxWarp prst="textNoShape">
+              <a:avLst/>
+            </a:prstTxWarp>
+          </a:bodyPr>
+          <a:lstStyle/>
+          <a:p>
+            <a:pPr marL="0" marR="0" indent="0" algn="ctr" defTabSz="968375" rtl="0" eaLnBrk="0" fontAlgn="base" latinLnBrk="0" hangingPunct="0">
+              <a:lnSpc>
+                <a:spcPct val="100000"/>
+              </a:lnSpc>
+              <a:spcBef>
+                <a:spcPct val="0"/>
+              </a:spcBef>
+              <a:spcAft>
+                <a:spcPct val="0"/>
+              </a:spcAft>
+              <a:buClrTx/>
+              <a:buSzTx/>
+              <a:buFontTx/>
+              <a:buNone/>
+              <a:tabLst/>
+            </a:pPr>
+            <a:r>
+              <a:rPr kumimoji="0" lang="ja-JP" altLang="en-US" sz="1400" b="0" i="0" u="none" strike="noStrike" cap="none" normalizeH="0" baseline="0" smtClean="0">
+                <a:ln>
+                  <a:noFill/>
+                </a:ln>
+                <a:solidFill>
+                  <a:schemeClr val="tx1"/>
+                </a:solidFill>
+                <a:effectLst/>
+                <a:latin typeface="Arial" charset="0"/>
+                <a:ea typeface="ＭＳ Ｐゴシック" pitchFamily="50" charset="-128"/>
+              </a:rPr>
+              <a:t>変更</a:t>
+            </a:r>
+            <a:endParaRPr kumimoji="0" lang="en-US" altLang="ja-JP" sz="1400" b="0" i="0" u="none" strike="noStrike" cap="none" normalizeH="0" baseline="0" smtClean="0">
+              <a:ln>
+                <a:noFill/>
+              </a:ln>
+              <a:solidFill>
+                <a:schemeClr val="tx1"/>
+              </a:solidFill>
+              <a:effectLst/>
+              <a:latin typeface="Arial" charset="0"/>
+              <a:ea typeface="ＭＳ Ｐゴシック" pitchFamily="50" charset="-128"/>
+            </a:endParaRPr>
+          </a:p>
+          <a:p>
+            <a:pPr marL="0" marR="0" indent="0" algn="ctr" defTabSz="968375" rtl="0" eaLnBrk="0" fontAlgn="base" latinLnBrk="0" hangingPunct="0">
+              <a:lnSpc>
+                <a:spcPct val="100000"/>
+              </a:lnSpc>
+              <a:spcBef>
+                <a:spcPct val="0"/>
+              </a:spcBef>
+              <a:spcAft>
+                <a:spcPct val="0"/>
+              </a:spcAft>
+              <a:buClrTx/>
+              <a:buSzTx/>
+              <a:buFontTx/>
+              <a:buNone/>
+              <a:tabLst/>
+            </a:pPr>
+            <a:r>
+              <a:rPr kumimoji="0" lang="ja-JP" altLang="en-US" sz="1400" b="0" i="0" u="none" strike="noStrike" cap="none" normalizeH="0" baseline="0" smtClean="0">
+                <a:ln>
+                  <a:noFill/>
+                </a:ln>
+                <a:solidFill>
+                  <a:schemeClr val="tx1"/>
+                </a:solidFill>
+                <a:effectLst/>
+                <a:latin typeface="Arial" charset="0"/>
+                <a:ea typeface="ＭＳ Ｐゴシック" pitchFamily="50" charset="-128"/>
+              </a:rPr>
+              <a:t>記録</a:t>
+            </a:r>
+          </a:p>
+        </p:txBody>
+      </p:sp>
+      <p:sp>
+        <p:nvSpPr>
+          <p:cNvPr id="32" name="正方形/長方形 31"/>
+          <p:cNvSpPr/>
+          <p:nvPr/>
+        </p:nvSpPr>
+        <p:spPr bwMode="auto">
+          <a:xfrm>
+            <a:off x="4572260" y="2195661"/>
+            <a:ext cx="1044116" cy="468052"/>
+          </a:xfrm>
+          <a:prstGeom prst="rect">
+            <a:avLst/>
+          </a:prstGeom>
+          <a:solidFill>
+            <a:schemeClr val="bg1"/>
+          </a:solidFill>
+          <a:ln w="9525" cap="flat" cmpd="sng" algn="ctr">
+            <a:solidFill>
+              <a:schemeClr val="tx1"/>
+            </a:solidFill>
+            <a:prstDash val="solid"/>
+            <a:round/>
+            <a:headEnd type="none" w="med" len="med"/>
+            <a:tailEnd type="none" w="med" len="med"/>
+          </a:ln>
+          <a:effectLst/>
+        </p:spPr>
+        <p:txBody>
+          <a:bodyPr vert="horz" wrap="none" lIns="90000" tIns="46800" rIns="90000" bIns="46800" numCol="1" rtlCol="0" anchor="ctr" anchorCtr="0" compatLnSpc="1">
+            <a:prstTxWarp prst="textNoShape">
+              <a:avLst/>
+            </a:prstTxWarp>
+          </a:bodyPr>
+          <a:lstStyle/>
+          <a:p>
+            <a:pPr marL="0" marR="0" indent="0" algn="ctr" defTabSz="968375" rtl="0" eaLnBrk="0" fontAlgn="base" latinLnBrk="0" hangingPunct="0">
+              <a:lnSpc>
+                <a:spcPct val="100000"/>
+              </a:lnSpc>
+              <a:spcBef>
+                <a:spcPct val="0"/>
+              </a:spcBef>
+              <a:spcAft>
+                <a:spcPct val="0"/>
+              </a:spcAft>
+              <a:buClrTx/>
+              <a:buSzTx/>
+              <a:buFontTx/>
+              <a:buNone/>
+              <a:tabLst/>
+            </a:pPr>
+            <a:r>
+              <a:rPr kumimoji="0" lang="ja-JP" altLang="en-US" sz="1400" b="0" i="0" u="none" strike="noStrike" cap="none" normalizeH="0" baseline="0" smtClean="0">
+                <a:ln>
+                  <a:noFill/>
+                </a:ln>
+                <a:solidFill>
+                  <a:schemeClr val="tx1"/>
+                </a:solidFill>
+                <a:effectLst/>
+                <a:latin typeface="Arial" charset="0"/>
+                <a:ea typeface="ＭＳ Ｐゴシック" pitchFamily="50" charset="-128"/>
+              </a:rPr>
+              <a:t>作業</a:t>
+            </a:r>
+            <a:endParaRPr kumimoji="0" lang="en-US" altLang="ja-JP" sz="1400" b="0" i="0" u="none" strike="noStrike" cap="none" normalizeH="0" baseline="0" smtClean="0">
+              <a:ln>
+                <a:noFill/>
+              </a:ln>
+              <a:solidFill>
+                <a:schemeClr val="tx1"/>
+              </a:solidFill>
+              <a:effectLst/>
+              <a:latin typeface="Arial" charset="0"/>
+              <a:ea typeface="ＭＳ Ｐゴシック" pitchFamily="50" charset="-128"/>
+            </a:endParaRPr>
+          </a:p>
+          <a:p>
+            <a:pPr marL="0" marR="0" indent="0" algn="ctr" defTabSz="968375" rtl="0" eaLnBrk="0" fontAlgn="base" latinLnBrk="0" hangingPunct="0">
+              <a:lnSpc>
+                <a:spcPct val="100000"/>
+              </a:lnSpc>
+              <a:spcBef>
+                <a:spcPct val="0"/>
+              </a:spcBef>
+              <a:spcAft>
+                <a:spcPct val="0"/>
+              </a:spcAft>
+              <a:buClrTx/>
+              <a:buSzTx/>
+              <a:buFontTx/>
+              <a:buNone/>
+              <a:tabLst/>
+            </a:pPr>
+            <a:r>
+              <a:rPr kumimoji="0" lang="ja-JP" altLang="en-US" sz="1400" b="0" i="0" u="none" strike="noStrike" cap="none" normalizeH="0" baseline="0" smtClean="0">
+                <a:ln>
+                  <a:noFill/>
+                </a:ln>
+                <a:solidFill>
+                  <a:schemeClr val="tx1"/>
+                </a:solidFill>
+                <a:effectLst/>
+                <a:latin typeface="Arial" charset="0"/>
+                <a:ea typeface="ＭＳ Ｐゴシック" pitchFamily="50" charset="-128"/>
+              </a:rPr>
+              <a:t>エビデンス</a:t>
+            </a:r>
+          </a:p>
+        </p:txBody>
+      </p:sp>
+      <p:sp>
+        <p:nvSpPr>
+          <p:cNvPr id="33" name="正方形/長方形 32"/>
+          <p:cNvSpPr/>
+          <p:nvPr/>
+        </p:nvSpPr>
+        <p:spPr bwMode="auto">
+          <a:xfrm>
+            <a:off x="4572260" y="4499917"/>
+            <a:ext cx="1044116" cy="468052"/>
+          </a:xfrm>
+          <a:prstGeom prst="rect">
+            <a:avLst/>
+          </a:prstGeom>
+          <a:solidFill>
+            <a:schemeClr val="bg1"/>
+          </a:solidFill>
+          <a:ln w="9525" cap="flat" cmpd="sng" algn="ctr">
+            <a:solidFill>
+              <a:schemeClr val="tx1"/>
+            </a:solidFill>
+            <a:prstDash val="solid"/>
+            <a:round/>
+            <a:headEnd type="none" w="med" len="med"/>
+            <a:tailEnd type="none" w="med" len="med"/>
+          </a:ln>
+          <a:effectLst/>
+        </p:spPr>
+        <p:txBody>
+          <a:bodyPr vert="horz" wrap="none" lIns="90000" tIns="46800" rIns="90000" bIns="46800" numCol="1" rtlCol="0" anchor="ctr" anchorCtr="0" compatLnSpc="1">
+            <a:prstTxWarp prst="textNoShape">
+              <a:avLst/>
+            </a:prstTxWarp>
+          </a:bodyPr>
+          <a:lstStyle/>
+          <a:p>
+            <a:pPr marL="0" marR="0" indent="0" algn="ctr" defTabSz="968375" rtl="0" eaLnBrk="0" fontAlgn="base" latinLnBrk="0" hangingPunct="0">
+              <a:lnSpc>
+                <a:spcPct val="100000"/>
+              </a:lnSpc>
+              <a:spcBef>
+                <a:spcPct val="0"/>
+              </a:spcBef>
+              <a:spcAft>
+                <a:spcPct val="0"/>
+              </a:spcAft>
+              <a:buClrTx/>
+              <a:buSzTx/>
+              <a:buFontTx/>
+              <a:buNone/>
+              <a:tabLst/>
+            </a:pPr>
+            <a:r>
+              <a:rPr kumimoji="0" lang="ja-JP" altLang="en-US" sz="1400" b="0" i="0" u="none" strike="noStrike" cap="none" normalizeH="0" baseline="0" smtClean="0">
+                <a:ln>
+                  <a:noFill/>
+                </a:ln>
+                <a:solidFill>
+                  <a:schemeClr val="tx1"/>
+                </a:solidFill>
+                <a:effectLst/>
+                <a:latin typeface="Arial" charset="0"/>
+                <a:ea typeface="ＭＳ Ｐゴシック" pitchFamily="50" charset="-128"/>
+              </a:rPr>
+              <a:t>作業</a:t>
+            </a:r>
+            <a:endParaRPr kumimoji="0" lang="en-US" altLang="ja-JP" sz="1400" b="0" i="0" u="none" strike="noStrike" cap="none" normalizeH="0" baseline="0" smtClean="0">
+              <a:ln>
+                <a:noFill/>
+              </a:ln>
+              <a:solidFill>
+                <a:schemeClr val="tx1"/>
+              </a:solidFill>
+              <a:effectLst/>
+              <a:latin typeface="Arial" charset="0"/>
+              <a:ea typeface="ＭＳ Ｐゴシック" pitchFamily="50" charset="-128"/>
+            </a:endParaRPr>
+          </a:p>
+          <a:p>
+            <a:pPr marL="0" marR="0" indent="0" algn="ctr" defTabSz="968375" rtl="0" eaLnBrk="0" fontAlgn="base" latinLnBrk="0" hangingPunct="0">
+              <a:lnSpc>
+                <a:spcPct val="100000"/>
+              </a:lnSpc>
+              <a:spcBef>
+                <a:spcPct val="0"/>
+              </a:spcBef>
+              <a:spcAft>
+                <a:spcPct val="0"/>
+              </a:spcAft>
+              <a:buClrTx/>
+              <a:buSzTx/>
+              <a:buFontTx/>
+              <a:buNone/>
+              <a:tabLst/>
+            </a:pPr>
+            <a:r>
+              <a:rPr kumimoji="0" lang="ja-JP" altLang="en-US" sz="1400" b="0" i="0" u="none" strike="noStrike" cap="none" normalizeH="0" baseline="0" smtClean="0">
+                <a:ln>
+                  <a:noFill/>
+                </a:ln>
+                <a:solidFill>
+                  <a:schemeClr val="tx1"/>
+                </a:solidFill>
+                <a:effectLst/>
+                <a:latin typeface="Arial" charset="0"/>
+                <a:ea typeface="ＭＳ Ｐゴシック" pitchFamily="50" charset="-128"/>
+              </a:rPr>
+              <a:t>エビデンス</a:t>
+            </a:r>
+          </a:p>
+        </p:txBody>
+      </p:sp>
+      <p:cxnSp>
+        <p:nvCxnSpPr>
+          <p:cNvPr id="34" name="直線矢印コネクタ 33"/>
+          <p:cNvCxnSpPr>
+            <a:stCxn id="6" idx="2"/>
+          </p:cNvCxnSpPr>
+          <p:nvPr/>
+        </p:nvCxnSpPr>
+        <p:spPr bwMode="auto">
+          <a:xfrm>
+            <a:off x="3132100" y="2951745"/>
+            <a:ext cx="0" cy="1296144"/>
+          </a:xfrm>
+          <a:prstGeom prst="straightConnector1">
+            <a:avLst/>
+          </a:prstGeom>
+          <a:solidFill>
+            <a:srgbClr val="999999"/>
+          </a:solidFill>
+          <a:ln w="9525" cap="flat" cmpd="sng" algn="ctr">
+            <a:solidFill>
+              <a:schemeClr val="bg1">
+                <a:lumMod val="50000"/>
+              </a:schemeClr>
+            </a:solidFill>
+            <a:prstDash val="solid"/>
+            <a:round/>
+            <a:headEnd type="arrow" w="med" len="med"/>
+            <a:tailEnd type="arrow" w="med" len="med"/>
+          </a:ln>
+          <a:effectLst/>
+        </p:spPr>
+      </p:cxnSp>
+      <p:cxnSp>
+        <p:nvCxnSpPr>
+          <p:cNvPr id="35" name="直線矢印コネクタ 34"/>
+          <p:cNvCxnSpPr>
+            <a:endCxn id="33" idx="0"/>
+          </p:cNvCxnSpPr>
+          <p:nvPr/>
+        </p:nvCxnSpPr>
+        <p:spPr bwMode="auto">
+          <a:xfrm>
+            <a:off x="5094318" y="2951745"/>
+            <a:ext cx="0" cy="1548172"/>
+          </a:xfrm>
+          <a:prstGeom prst="straightConnector1">
+            <a:avLst/>
+          </a:prstGeom>
+          <a:solidFill>
+            <a:srgbClr val="999999"/>
+          </a:solidFill>
+          <a:ln w="9525" cap="flat" cmpd="sng" algn="ctr">
+            <a:solidFill>
+              <a:schemeClr val="bg1">
+                <a:lumMod val="50000"/>
+              </a:schemeClr>
+            </a:solidFill>
+            <a:prstDash val="solid"/>
+            <a:round/>
+            <a:headEnd type="arrow" w="med" len="med"/>
+            <a:tailEnd type="arrow" w="med" len="med"/>
+          </a:ln>
+          <a:effectLst/>
+        </p:spPr>
+      </p:cxnSp>
+      <p:sp>
+        <p:nvSpPr>
+          <p:cNvPr id="36" name="テキスト ボックス 35"/>
+          <p:cNvSpPr txBox="1"/>
+          <p:nvPr/>
+        </p:nvSpPr>
+        <p:spPr>
+          <a:xfrm>
+            <a:off x="7762316" y="1871625"/>
+            <a:ext cx="914400" cy="432048"/>
+          </a:xfrm>
+          <a:prstGeom prst="rect">
+            <a:avLst/>
+          </a:prstGeom>
+          <a:noFill/>
+          <a:ln>
+            <a:noFill/>
+          </a:ln>
+        </p:spPr>
+        <p:txBody>
+          <a:bodyPr wrap="none" rtlCol="0">
+            <a:noAutofit/>
+          </a:bodyPr>
+          <a:lstStyle/>
+          <a:p>
+            <a:pPr algn="ctr"/>
+            <a:r>
+              <a:rPr kumimoji="1" lang="ja-JP" altLang="en-US" sz="1200" smtClean="0">
+                <a:latin typeface="Meiryo UI" pitchFamily="50" charset="-128"/>
+                <a:ea typeface="Meiryo UI" pitchFamily="50" charset="-128"/>
+                <a:cs typeface="Meiryo UI" pitchFamily="50" charset="-128"/>
+              </a:rPr>
+              <a:t>システム</a:t>
+            </a:r>
+            <a:r>
+              <a:rPr kumimoji="1" lang="ja-JP" altLang="en-US" sz="1200" smtClean="0">
+                <a:latin typeface="Meiryo UI" pitchFamily="50" charset="-128"/>
+                <a:ea typeface="Meiryo UI" pitchFamily="50" charset="-128"/>
+                <a:cs typeface="Meiryo UI" pitchFamily="50" charset="-128"/>
+              </a:rPr>
+              <a:t>運用</a:t>
+            </a:r>
+            <a:endParaRPr kumimoji="1" lang="en-US" altLang="ja-JP" sz="1200" smtClean="0">
+              <a:latin typeface="Meiryo UI" pitchFamily="50" charset="-128"/>
+              <a:ea typeface="Meiryo UI" pitchFamily="50" charset="-128"/>
+              <a:cs typeface="Meiryo UI" pitchFamily="50" charset="-128"/>
+            </a:endParaRPr>
+          </a:p>
+          <a:p>
+            <a:pPr algn="ctr"/>
+            <a:r>
+              <a:rPr kumimoji="1" lang="ja-JP" altLang="en-US" sz="1200" smtClean="0">
+                <a:latin typeface="Meiryo UI" pitchFamily="50" charset="-128"/>
+                <a:ea typeface="Meiryo UI" pitchFamily="50" charset="-128"/>
+                <a:cs typeface="Meiryo UI" pitchFamily="50" charset="-128"/>
+              </a:rPr>
+              <a:t>管理者</a:t>
+            </a:r>
+          </a:p>
+        </p:txBody>
+      </p:sp>
+      <p:grpSp>
+        <p:nvGrpSpPr>
+          <p:cNvPr id="37" name="グループ化 36"/>
+          <p:cNvGrpSpPr/>
+          <p:nvPr/>
+        </p:nvGrpSpPr>
+        <p:grpSpPr>
+          <a:xfrm>
+            <a:off x="705532" y="4823953"/>
+            <a:ext cx="504056" cy="720080"/>
+            <a:chOff x="539552" y="1340768"/>
+            <a:chExt cx="504056" cy="720080"/>
+          </a:xfrm>
+        </p:grpSpPr>
+        <p:cxnSp>
+          <p:nvCxnSpPr>
+            <p:cNvPr id="38" name="直線コネクタ 37"/>
+            <p:cNvCxnSpPr/>
+            <p:nvPr/>
+          </p:nvCxnSpPr>
+          <p:spPr bwMode="auto">
+            <a:xfrm flipV="1">
+              <a:off x="795416" y="1611468"/>
+              <a:ext cx="0" cy="223838"/>
+            </a:xfrm>
+            <a:prstGeom prst="line">
+              <a:avLst/>
+            </a:prstGeom>
+            <a:solidFill>
+              <a:srgbClr val="999999"/>
+            </a:solidFill>
+            <a:ln w="9525" cap="flat" cmpd="sng" algn="ctr">
+              <a:solidFill>
+                <a:schemeClr val="tx1"/>
+              </a:solidFill>
+              <a:prstDash val="solid"/>
+              <a:round/>
+              <a:headEnd type="none" w="med" len="med"/>
+              <a:tailEnd type="none" w="med" len="med"/>
+            </a:ln>
+            <a:effectLst/>
+          </p:spPr>
+        </p:cxnSp>
+        <p:cxnSp>
+          <p:nvCxnSpPr>
+            <p:cNvPr id="40" name="直線コネクタ 39"/>
+            <p:cNvCxnSpPr/>
+            <p:nvPr/>
+          </p:nvCxnSpPr>
+          <p:spPr bwMode="auto">
+            <a:xfrm>
+              <a:off x="683568" y="1672476"/>
+              <a:ext cx="223696" cy="0"/>
+            </a:xfrm>
+            <a:prstGeom prst="line">
+              <a:avLst/>
+            </a:prstGeom>
+            <a:solidFill>
+              <a:srgbClr val="999999"/>
+            </a:solidFill>
+            <a:ln w="9525" cap="flat" cmpd="sng" algn="ctr">
+              <a:solidFill>
+                <a:schemeClr val="tx1"/>
+              </a:solidFill>
+              <a:prstDash val="solid"/>
+              <a:round/>
+              <a:headEnd type="none" w="med" len="med"/>
+              <a:tailEnd type="none" w="med" len="med"/>
+            </a:ln>
+            <a:effectLst/>
+          </p:spPr>
+        </p:cxnSp>
+        <p:sp>
+          <p:nvSpPr>
+            <p:cNvPr id="41" name="円/楕円 40"/>
+            <p:cNvSpPr/>
+            <p:nvPr/>
+          </p:nvSpPr>
+          <p:spPr bwMode="auto">
+            <a:xfrm>
+              <a:off x="703904" y="1448780"/>
+              <a:ext cx="183024" cy="162688"/>
+            </a:xfrm>
+            <a:prstGeom prst="ellipse">
+              <a:avLst/>
+            </a:prstGeom>
+            <a:solidFill>
+              <a:schemeClr val="bg1"/>
+            </a:solidFill>
+            <a:ln w="9525" cap="flat" cmpd="sng" algn="ctr">
+              <a:solidFill>
+                <a:schemeClr val="tx1"/>
+              </a:solidFill>
+              <a:prstDash val="solid"/>
+              <a:round/>
+              <a:headEnd type="none" w="med" len="med"/>
+              <a:tailEnd type="none" w="med" len="med"/>
+            </a:ln>
+            <a:effectLst/>
+          </p:spPr>
+          <p:txBody>
+            <a:bodyPr vert="horz" wrap="none" lIns="90000" tIns="46800" rIns="90000" bIns="46800" numCol="1" rtlCol="0" anchor="ctr" anchorCtr="0" compatLnSpc="1">
+              <a:prstTxWarp prst="textNoShape">
+                <a:avLst/>
+              </a:prstTxWarp>
+            </a:bodyPr>
+            <a:lstStyle/>
+            <a:p>
+              <a:pPr marL="0" marR="0" indent="0" algn="ctr" defTabSz="968375" rtl="0" eaLnBrk="0" fontAlgn="base" latinLnBrk="0" hangingPunct="0">
+                <a:lnSpc>
+                  <a:spcPct val="100000"/>
+                </a:lnSpc>
+                <a:spcBef>
+                  <a:spcPct val="0"/>
+                </a:spcBef>
+                <a:spcAft>
+                  <a:spcPct val="0"/>
+                </a:spcAft>
+                <a:buClrTx/>
+                <a:buSzTx/>
+                <a:buFontTx/>
+                <a:buNone/>
+                <a:tabLst/>
+              </a:pPr>
+              <a:endParaRPr kumimoji="0" lang="ja-JP" altLang="en-US" sz="2000" b="0" i="0" u="none" strike="noStrike" cap="none" normalizeH="0" baseline="0" smtClean="0">
+                <a:ln>
+                  <a:noFill/>
+                </a:ln>
+                <a:solidFill>
+                  <a:schemeClr val="tx1"/>
+                </a:solidFill>
+                <a:effectLst/>
+                <a:latin typeface="Arial" charset="0"/>
+                <a:ea typeface="ＭＳ Ｐゴシック" pitchFamily="50" charset="-128"/>
+              </a:endParaRPr>
+            </a:p>
+          </p:txBody>
+        </p:sp>
+        <p:sp>
+          <p:nvSpPr>
+            <p:cNvPr id="42" name="フリーフォーム 41"/>
+            <p:cNvSpPr/>
+            <p:nvPr/>
+          </p:nvSpPr>
+          <p:spPr bwMode="auto">
+            <a:xfrm>
+              <a:off x="690692" y="1833701"/>
+              <a:ext cx="209819" cy="129119"/>
+            </a:xfrm>
+            <a:custGeom>
+              <a:avLst/>
+              <a:gdLst>
+                <a:gd name="connsiteX0" fmla="*/ 0 w 371475"/>
+                <a:gd name="connsiteY0" fmla="*/ 228600 h 228600"/>
+                <a:gd name="connsiteX1" fmla="*/ 180975 w 371475"/>
+                <a:gd name="connsiteY1" fmla="*/ 0 h 228600"/>
+                <a:gd name="connsiteX2" fmla="*/ 371475 w 371475"/>
+                <a:gd name="connsiteY2" fmla="*/ 228600 h 228600"/>
+              </a:gdLst>
+              <a:ahLst/>
+              <a:cxnLst>
+                <a:cxn ang="0">
+                  <a:pos x="connsiteX0" y="connsiteY0"/>
+                </a:cxn>
+                <a:cxn ang="0">
+                  <a:pos x="connsiteX1" y="connsiteY1"/>
+                </a:cxn>
+                <a:cxn ang="0">
+                  <a:pos x="connsiteX2" y="connsiteY2"/>
+                </a:cxn>
+              </a:cxnLst>
+              <a:rect l="l" t="t" r="r" b="b"/>
+              <a:pathLst>
+                <a:path w="371475" h="228600">
+                  <a:moveTo>
+                    <a:pt x="0" y="228600"/>
+                  </a:moveTo>
+                  <a:lnTo>
+                    <a:pt x="180975" y="0"/>
+                  </a:lnTo>
+                  <a:lnTo>
+                    <a:pt x="371475" y="228600"/>
+                  </a:lnTo>
+                </a:path>
+              </a:pathLst>
+            </a:custGeom>
+            <a:noFill/>
+            <a:ln w="9525" cap="flat" cmpd="sng" algn="ctr">
+              <a:solidFill>
+                <a:schemeClr val="tx1"/>
+              </a:solidFill>
+              <a:prstDash val="solid"/>
+              <a:round/>
+              <a:headEnd type="none" w="med" len="med"/>
+              <a:tailEnd type="none" w="med" len="med"/>
+            </a:ln>
+            <a:effectLst/>
+          </p:spPr>
+          <p:txBody>
+            <a:bodyPr rtlCol="0" anchor="ctr"/>
+            <a:lstStyle/>
+            <a:p>
+              <a:pPr algn="ctr"/>
+              <a:endParaRPr kumimoji="1" lang="ja-JP" altLang="en-US" sz="1400"/>
+            </a:p>
+          </p:txBody>
+        </p:sp>
+        <p:sp>
+          <p:nvSpPr>
+            <p:cNvPr id="43" name="正方形/長方形 42"/>
+            <p:cNvSpPr/>
+            <p:nvPr/>
+          </p:nvSpPr>
+          <p:spPr bwMode="auto">
+            <a:xfrm>
+              <a:off x="539552" y="1340768"/>
+              <a:ext cx="504056" cy="720080"/>
+            </a:xfrm>
+            <a:prstGeom prst="rect">
+              <a:avLst/>
+            </a:prstGeom>
+            <a:noFill/>
+            <a:ln w="9525" cap="flat" cmpd="sng" algn="ctr">
+              <a:noFill/>
+              <a:prstDash val="solid"/>
+              <a:round/>
+              <a:headEnd type="none" w="med" len="med"/>
+              <a:tailEnd type="none" w="med" len="med"/>
+            </a:ln>
+            <a:effectLst/>
+          </p:spPr>
+          <p:txBody>
+            <a:bodyPr vert="horz" wrap="none" lIns="90000" tIns="46800" rIns="90000" bIns="46800" numCol="1" rtlCol="0" anchor="ctr" anchorCtr="0" compatLnSpc="1">
+              <a:prstTxWarp prst="textNoShape">
+                <a:avLst/>
+              </a:prstTxWarp>
+            </a:bodyPr>
+            <a:lstStyle/>
+            <a:p>
+              <a:pPr marL="0" marR="0" indent="0" algn="ctr" defTabSz="968375" rtl="0" eaLnBrk="0" fontAlgn="base" latinLnBrk="0" hangingPunct="0">
+                <a:lnSpc>
+                  <a:spcPct val="100000"/>
+                </a:lnSpc>
+                <a:spcBef>
+                  <a:spcPct val="0"/>
+                </a:spcBef>
+                <a:spcAft>
+                  <a:spcPct val="0"/>
+                </a:spcAft>
+                <a:buClrTx/>
+                <a:buSzTx/>
+                <a:buFontTx/>
+                <a:buNone/>
+                <a:tabLst/>
+              </a:pPr>
+              <a:endParaRPr kumimoji="0" lang="ja-JP" altLang="en-US" sz="2000" b="0" i="0" u="none" strike="noStrike" cap="none" normalizeH="0" baseline="0" smtClean="0">
+                <a:ln>
+                  <a:noFill/>
+                </a:ln>
+                <a:solidFill>
+                  <a:schemeClr val="tx1"/>
+                </a:solidFill>
+                <a:effectLst/>
+                <a:latin typeface="Arial" charset="0"/>
+                <a:ea typeface="ＭＳ Ｐゴシック" pitchFamily="50" charset="-128"/>
+              </a:endParaRPr>
+            </a:p>
+          </p:txBody>
+        </p:sp>
+      </p:grpSp>
+      <p:sp>
+        <p:nvSpPr>
+          <p:cNvPr id="44" name="テキスト ボックス 43"/>
+          <p:cNvSpPr txBox="1"/>
+          <p:nvPr/>
+        </p:nvSpPr>
+        <p:spPr>
+          <a:xfrm>
+            <a:off x="489508" y="5544033"/>
+            <a:ext cx="914400" cy="432048"/>
+          </a:xfrm>
+          <a:prstGeom prst="rect">
+            <a:avLst/>
+          </a:prstGeom>
+          <a:noFill/>
+          <a:ln>
+            <a:noFill/>
+          </a:ln>
+        </p:spPr>
+        <p:txBody>
+          <a:bodyPr wrap="none" rtlCol="0">
+            <a:noAutofit/>
+          </a:bodyPr>
+          <a:lstStyle/>
+          <a:p>
+            <a:pPr algn="ctr"/>
+            <a:r>
+              <a:rPr kumimoji="1" lang="ja-JP" altLang="en-US" sz="1200" smtClean="0">
+                <a:latin typeface="Meiryo UI" pitchFamily="50" charset="-128"/>
+                <a:ea typeface="Meiryo UI" pitchFamily="50" charset="-128"/>
+                <a:cs typeface="Meiryo UI" pitchFamily="50" charset="-128"/>
+              </a:rPr>
+              <a:t>作</a:t>
+            </a:r>
+            <a:r>
+              <a:rPr kumimoji="1" lang="ja-JP" altLang="en-US" sz="1200" smtClean="0">
+                <a:latin typeface="Meiryo UI" pitchFamily="50" charset="-128"/>
+                <a:ea typeface="Meiryo UI" pitchFamily="50" charset="-128"/>
+                <a:cs typeface="Meiryo UI" pitchFamily="50" charset="-128"/>
+              </a:rPr>
+              <a:t>業者</a:t>
+            </a:r>
+          </a:p>
+        </p:txBody>
+      </p:sp>
+      <p:cxnSp>
+        <p:nvCxnSpPr>
+          <p:cNvPr id="45" name="直線矢印コネクタ 44"/>
+          <p:cNvCxnSpPr>
+            <a:stCxn id="43" idx="3"/>
+          </p:cNvCxnSpPr>
+          <p:nvPr/>
+        </p:nvCxnSpPr>
+        <p:spPr bwMode="auto">
+          <a:xfrm>
+            <a:off x="1209588" y="5183993"/>
+            <a:ext cx="1094420" cy="0"/>
+          </a:xfrm>
+          <a:prstGeom prst="straightConnector1">
+            <a:avLst/>
+          </a:prstGeom>
+          <a:solidFill>
+            <a:srgbClr val="999999"/>
+          </a:solidFill>
+          <a:ln w="9525" cap="flat" cmpd="sng" algn="ctr">
+            <a:solidFill>
+              <a:schemeClr val="bg1">
+                <a:lumMod val="50000"/>
+              </a:schemeClr>
+            </a:solidFill>
+            <a:prstDash val="solid"/>
+            <a:round/>
+            <a:headEnd type="arrow" w="med" len="med"/>
+            <a:tailEnd type="arrow" w="med" len="med"/>
+          </a:ln>
+          <a:effectLst/>
+        </p:spPr>
+      </p:cxnSp>
+      <p:sp>
+        <p:nvSpPr>
+          <p:cNvPr id="46" name="雲形吹き出し 45"/>
+          <p:cNvSpPr/>
+          <p:nvPr/>
+        </p:nvSpPr>
+        <p:spPr bwMode="auto">
+          <a:xfrm>
+            <a:off x="7380572" y="4787949"/>
+            <a:ext cx="1404156" cy="864096"/>
+          </a:xfrm>
+          <a:prstGeom prst="cloudCallout">
+            <a:avLst>
+              <a:gd name="adj1" fmla="val -45254"/>
+              <a:gd name="adj2" fmla="val 12896"/>
+            </a:avLst>
+          </a:prstGeom>
+          <a:solidFill>
+            <a:schemeClr val="bg1"/>
+          </a:solidFill>
+          <a:ln w="9525" cap="flat" cmpd="sng" algn="ctr">
+            <a:solidFill>
+              <a:schemeClr val="tx1"/>
+            </a:solidFill>
+            <a:prstDash val="solid"/>
+            <a:round/>
+            <a:headEnd type="none" w="med" len="med"/>
+            <a:tailEnd type="none" w="med" len="med"/>
+          </a:ln>
+          <a:effectLst/>
+        </p:spPr>
+        <p:txBody>
+          <a:bodyPr vert="horz" wrap="none" lIns="90000" tIns="46800" rIns="90000" bIns="46800" numCol="1" rtlCol="0" anchor="ctr" anchorCtr="0" compatLnSpc="1">
+            <a:prstTxWarp prst="textNoShape">
+              <a:avLst/>
+            </a:prstTxWarp>
+          </a:bodyPr>
+          <a:lstStyle/>
+          <a:p>
+            <a:pPr marL="0" marR="0" indent="0" algn="ctr" defTabSz="968375" rtl="0" eaLnBrk="0" fontAlgn="base" latinLnBrk="0" hangingPunct="0">
+              <a:lnSpc>
+                <a:spcPct val="100000"/>
+              </a:lnSpc>
+              <a:spcBef>
+                <a:spcPct val="0"/>
+              </a:spcBef>
+              <a:spcAft>
+                <a:spcPct val="0"/>
+              </a:spcAft>
+              <a:buClrTx/>
+              <a:buSzTx/>
+              <a:buFontTx/>
+              <a:buNone/>
+              <a:tabLst/>
+            </a:pPr>
+            <a:r>
+              <a:rPr kumimoji="0" lang="en-US" altLang="ja-JP" sz="1600" b="0" i="0" u="none" strike="noStrike" cap="none" normalizeH="0" baseline="0" smtClean="0">
+                <a:ln>
+                  <a:noFill/>
+                </a:ln>
+                <a:solidFill>
+                  <a:schemeClr val="tx1"/>
+                </a:solidFill>
+                <a:effectLst/>
+                <a:latin typeface="+mn-ea"/>
+              </a:rPr>
+              <a:t>IT</a:t>
+            </a:r>
+            <a:r>
+              <a:rPr kumimoji="0" lang="ja-JP" altLang="en-US" sz="1600" b="0" i="0" u="none" strike="noStrike" cap="none" normalizeH="0" baseline="0" smtClean="0">
+                <a:ln>
+                  <a:noFill/>
+                </a:ln>
+                <a:solidFill>
+                  <a:schemeClr val="tx1"/>
+                </a:solidFill>
+                <a:effectLst/>
+                <a:latin typeface="+mn-ea"/>
+              </a:rPr>
+              <a:t>インフラ</a:t>
+            </a:r>
+          </a:p>
+        </p:txBody>
+      </p:sp>
+      <p:cxnSp>
+        <p:nvCxnSpPr>
+          <p:cNvPr id="47" name="直線矢印コネクタ 46"/>
+          <p:cNvCxnSpPr/>
+          <p:nvPr/>
+        </p:nvCxnSpPr>
+        <p:spPr bwMode="auto">
+          <a:xfrm>
+            <a:off x="4068204" y="5183993"/>
+            <a:ext cx="3240360" cy="0"/>
+          </a:xfrm>
+          <a:prstGeom prst="straightConnector1">
+            <a:avLst/>
+          </a:prstGeom>
+          <a:solidFill>
+            <a:srgbClr val="999999"/>
+          </a:solidFill>
+          <a:ln w="9525" cap="flat" cmpd="sng" algn="ctr">
+            <a:solidFill>
+              <a:schemeClr val="bg1">
+                <a:lumMod val="50000"/>
+              </a:schemeClr>
+            </a:solidFill>
+            <a:prstDash val="solid"/>
+            <a:round/>
+            <a:headEnd type="arrow" w="med" len="med"/>
+            <a:tailEnd type="arrow" w="med" len="med"/>
+          </a:ln>
+          <a:effectLst/>
+        </p:spPr>
+      </p:cxnSp>
+      <p:cxnSp>
+        <p:nvCxnSpPr>
+          <p:cNvPr id="48" name="直線矢印コネクタ 47"/>
+          <p:cNvCxnSpPr/>
+          <p:nvPr/>
+        </p:nvCxnSpPr>
+        <p:spPr bwMode="auto">
+          <a:xfrm>
+            <a:off x="4068204" y="4715941"/>
+            <a:ext cx="518356" cy="0"/>
+          </a:xfrm>
+          <a:prstGeom prst="straightConnector1">
+            <a:avLst/>
+          </a:prstGeom>
+          <a:solidFill>
+            <a:srgbClr val="999999"/>
+          </a:solidFill>
+          <a:ln w="9525" cap="flat" cmpd="sng" algn="ctr">
+            <a:solidFill>
+              <a:schemeClr val="bg1">
+                <a:lumMod val="50000"/>
+              </a:schemeClr>
+            </a:solidFill>
+            <a:prstDash val="solid"/>
+            <a:round/>
+            <a:headEnd type="arrow" w="med" len="med"/>
+            <a:tailEnd type="arrow" w="med" len="med"/>
+          </a:ln>
+          <a:effectLst/>
+        </p:spPr>
+      </p:cxnSp>
+      <p:sp>
+        <p:nvSpPr>
+          <p:cNvPr id="49" name="テキスト ボックス 48"/>
+          <p:cNvSpPr txBox="1"/>
+          <p:nvPr/>
+        </p:nvSpPr>
+        <p:spPr>
+          <a:xfrm>
+            <a:off x="1583928" y="2915741"/>
+            <a:ext cx="1368152" cy="972108"/>
+          </a:xfrm>
+          <a:prstGeom prst="rect">
+            <a:avLst/>
+          </a:prstGeom>
+          <a:solidFill>
+            <a:schemeClr val="bg1"/>
+          </a:solidFill>
+          <a:ln>
+            <a:noFill/>
+          </a:ln>
+        </p:spPr>
+        <p:txBody>
+          <a:bodyPr wrap="none" rtlCol="0">
+            <a:noAutofit/>
+          </a:bodyPr>
+          <a:lstStyle/>
+          <a:p>
+            <a:r>
+              <a:rPr lang="ja-JP" altLang="en-US" sz="1200" smtClean="0">
+                <a:latin typeface="Meiryo UI" pitchFamily="50" charset="-128"/>
+                <a:ea typeface="Meiryo UI" pitchFamily="50" charset="-128"/>
+                <a:cs typeface="Meiryo UI" pitchFamily="50" charset="-128"/>
+              </a:rPr>
+              <a:t>・ホスト名</a:t>
+            </a:r>
+            <a:endParaRPr lang="ja-JP" altLang="en-US" sz="1200">
+              <a:latin typeface="Meiryo UI" pitchFamily="50" charset="-128"/>
+              <a:ea typeface="Meiryo UI" pitchFamily="50" charset="-128"/>
+              <a:cs typeface="Meiryo UI" pitchFamily="50" charset="-128"/>
+            </a:endParaRPr>
+          </a:p>
+          <a:p>
+            <a:r>
+              <a:rPr lang="ja-JP" altLang="en-US" sz="1200" smtClean="0">
+                <a:latin typeface="Meiryo UI" pitchFamily="50" charset="-128"/>
+                <a:ea typeface="Meiryo UI" pitchFamily="50" charset="-128"/>
+                <a:cs typeface="Meiryo UI" pitchFamily="50" charset="-128"/>
+              </a:rPr>
+              <a:t>・</a:t>
+            </a:r>
+            <a:r>
+              <a:rPr lang="en-US" altLang="ja-JP" sz="1200" smtClean="0">
+                <a:latin typeface="Meiryo UI" pitchFamily="50" charset="-128"/>
+                <a:ea typeface="Meiryo UI" pitchFamily="50" charset="-128"/>
+                <a:cs typeface="Meiryo UI" pitchFamily="50" charset="-128"/>
+              </a:rPr>
+              <a:t>IP</a:t>
+            </a:r>
+            <a:r>
+              <a:rPr lang="ja-JP" altLang="en-US" sz="1200" smtClean="0">
+                <a:latin typeface="Meiryo UI" pitchFamily="50" charset="-128"/>
+                <a:ea typeface="Meiryo UI" pitchFamily="50" charset="-128"/>
+                <a:cs typeface="Meiryo UI" pitchFamily="50" charset="-128"/>
+              </a:rPr>
+              <a:t>アドレス</a:t>
+            </a:r>
+            <a:endParaRPr lang="ja-JP" altLang="en-US" sz="1200">
+              <a:latin typeface="Meiryo UI" pitchFamily="50" charset="-128"/>
+              <a:ea typeface="Meiryo UI" pitchFamily="50" charset="-128"/>
+              <a:cs typeface="Meiryo UI" pitchFamily="50" charset="-128"/>
+            </a:endParaRPr>
+          </a:p>
+          <a:p>
+            <a:r>
+              <a:rPr lang="ja-JP" altLang="en-US" sz="1200" smtClean="0">
+                <a:latin typeface="Meiryo UI" pitchFamily="50" charset="-128"/>
+                <a:ea typeface="Meiryo UI" pitchFamily="50" charset="-128"/>
+                <a:cs typeface="Meiryo UI" pitchFamily="50" charset="-128"/>
+              </a:rPr>
+              <a:t>・システム名</a:t>
+            </a:r>
+            <a:r>
+              <a:rPr lang="ja-JP" altLang="en-US" sz="1200">
+                <a:latin typeface="Meiryo UI" pitchFamily="50" charset="-128"/>
+                <a:ea typeface="Meiryo UI" pitchFamily="50" charset="-128"/>
+                <a:cs typeface="Meiryo UI" pitchFamily="50" charset="-128"/>
+              </a:rPr>
+              <a:t>、用途</a:t>
+            </a:r>
+          </a:p>
+          <a:p>
+            <a:r>
+              <a:rPr lang="ja-JP" altLang="en-US" sz="1200" smtClean="0">
+                <a:latin typeface="Meiryo UI" pitchFamily="50" charset="-128"/>
+                <a:ea typeface="Meiryo UI" pitchFamily="50" charset="-128"/>
+                <a:cs typeface="Meiryo UI" pitchFamily="50" charset="-128"/>
+              </a:rPr>
+              <a:t>・保守仕様、連絡先</a:t>
+            </a:r>
+            <a:endParaRPr lang="en-US" altLang="ja-JP" sz="1200" smtClean="0">
+              <a:latin typeface="Meiryo UI" pitchFamily="50" charset="-128"/>
+              <a:ea typeface="Meiryo UI" pitchFamily="50" charset="-128"/>
+              <a:cs typeface="Meiryo UI" pitchFamily="50" charset="-128"/>
+            </a:endParaRPr>
+          </a:p>
+          <a:p>
+            <a:r>
+              <a:rPr lang="ja-JP" altLang="en-US" sz="1200" smtClean="0">
+                <a:latin typeface="Meiryo UI" pitchFamily="50" charset="-128"/>
+                <a:ea typeface="Meiryo UI" pitchFamily="50" charset="-128"/>
+                <a:cs typeface="Meiryo UI" pitchFamily="50" charset="-128"/>
+              </a:rPr>
+              <a:t>・設計書</a:t>
+            </a:r>
+            <a:endParaRPr lang="ja-JP" altLang="en-US" sz="1200">
+              <a:latin typeface="Meiryo UI" pitchFamily="50" charset="-128"/>
+              <a:ea typeface="Meiryo UI" pitchFamily="50" charset="-128"/>
+              <a:cs typeface="Meiryo UI" pitchFamily="50" charset="-128"/>
+            </a:endParaRPr>
+          </a:p>
+          <a:p>
+            <a:endParaRPr kumimoji="1" lang="ja-JP" altLang="en-US" sz="1200" smtClean="0">
+              <a:latin typeface="Meiryo UI" pitchFamily="50" charset="-128"/>
+              <a:ea typeface="Meiryo UI" pitchFamily="50" charset="-128"/>
+              <a:cs typeface="Meiryo UI" pitchFamily="50" charset="-128"/>
+            </a:endParaRPr>
+          </a:p>
+        </p:txBody>
+      </p:sp>
+      <p:sp>
+        <p:nvSpPr>
+          <p:cNvPr id="50" name="左中かっこ 49"/>
+          <p:cNvSpPr/>
+          <p:nvPr/>
+        </p:nvSpPr>
+        <p:spPr bwMode="auto">
+          <a:xfrm rot="5400000">
+            <a:off x="2123988" y="2123653"/>
+            <a:ext cx="288032" cy="1440160"/>
+          </a:xfrm>
+          <a:prstGeom prst="leftBrace">
+            <a:avLst>
+              <a:gd name="adj1" fmla="val 21561"/>
+              <a:gd name="adj2" fmla="val 20538"/>
+            </a:avLst>
+          </a:prstGeom>
+          <a:noFill/>
+          <a:ln w="9525" cap="flat" cmpd="sng" algn="ctr">
+            <a:solidFill>
+              <a:schemeClr val="bg1">
+                <a:lumMod val="50000"/>
+              </a:schemeClr>
+            </a:solidFill>
+            <a:prstDash val="solid"/>
+            <a:round/>
+            <a:headEnd type="none" w="med" len="med"/>
+            <a:tailEnd type="none" w="med" len="med"/>
+          </a:ln>
+          <a:effectLst/>
+        </p:spPr>
+        <p:txBody>
+          <a:bodyPr rtlCol="0" anchor="ctr"/>
+          <a:lstStyle/>
+          <a:p>
+            <a:pPr algn="ctr"/>
+            <a:endParaRPr kumimoji="1" lang="ja-JP" altLang="en-US"/>
+          </a:p>
+        </p:txBody>
+      </p:sp>
     </p:spTree>
   </p:cSld>
+  <p:clrMapOvr>
+    <a:masterClrMapping/>
+  </p:clrMapOvr>
   <p:timing>
     <p:tnLst>
       <p:par>
@@ -2128,14 +4836,14 @@
             <p:seq>
               <p:cTn id="2" nodeType="mainSeq"/>
               <p:prevCondLst>
-                <p:cond delay="0" evt="onPrev">
+                <p:cond evt="onPrev" delay="0">
                   <p:tgtEl>
                     <p:sldTgt/>
                   </p:tgtEl>
                 </p:cond>
               </p:prevCondLst>
               <p:nextCondLst>
-                <p:cond delay="0" evt="onNext">
+                <p:cond evt="onNext" delay="0">
                   <p:tgtEl>
                     <p:sldTgt/>
                   </p:tgtEl>
@@ -2370,5 +5078,7 @@
       </a:bgFillStyleLst>
     </a:fmtScheme>
   </a:themeElements>
+  <a:objectDefaults/>
+  <a:extraClrSchemeLst/>
 </a:theme>
 </file>
--- a/docs/jp/image/system-overview.pptx
+++ b/docs/jp/image/system-overview.pptx
@@ -6,9 +6,10 @@
   </p:sldMasterIdLst>
   <p:sldIdLst>
     <p:sldId id="256" r:id="rId2"/>
+    <p:sldId id="257" r:id="rId3"/>
   </p:sldIdLst>
   <p:sldSz cx="10080625" cy="7559675"/>
-  <p:notesSz cx="7559675" cy="10691813"/>
+  <p:notesSz cx="6799263" cy="9929813"/>
   <p:defaultTextStyle>
     <a:defPPr>
       <a:defRPr lang="ja-JP"/>
@@ -2497,15 +2498,7 @@
                 <a:ea typeface="Meiryo UI" pitchFamily="50" charset="-128"/>
                 <a:cs typeface="Meiryo UI" pitchFamily="50" charset="-128"/>
               </a:rPr>
-              <a:t>資産</a:t>
-            </a:r>
-            <a:r>
-              <a:rPr kumimoji="1" lang="ja-JP" altLang="en-US" sz="1200" smtClean="0">
-                <a:latin typeface="Meiryo UI" pitchFamily="50" charset="-128"/>
-                <a:ea typeface="Meiryo UI" pitchFamily="50" charset="-128"/>
-                <a:cs typeface="Meiryo UI" pitchFamily="50" charset="-128"/>
-              </a:rPr>
-              <a:t>管理</a:t>
+              <a:t>資産管理</a:t>
             </a:r>
             <a:r>
               <a:rPr kumimoji="1" lang="en-US" altLang="ja-JP" sz="1200" smtClean="0">
@@ -2515,11 +2508,6 @@
               </a:rPr>
               <a:t>,</a:t>
             </a:r>
-            <a:endParaRPr kumimoji="1" lang="en-US" altLang="ja-JP" sz="1200" smtClean="0">
-              <a:latin typeface="Meiryo UI" pitchFamily="50" charset="-128"/>
-              <a:ea typeface="Meiryo UI" pitchFamily="50" charset="-128"/>
-              <a:cs typeface="Meiryo UI" pitchFamily="50" charset="-128"/>
-            </a:endParaRPr>
           </a:p>
           <a:p>
             <a:pPr algn="ctr"/>
@@ -3187,15 +3175,7 @@
                 <a:ea typeface="Meiryo UI" pitchFamily="50" charset="-128"/>
                 <a:cs typeface="Meiryo UI" pitchFamily="50" charset="-128"/>
               </a:rPr>
-              <a:t>システム</a:t>
-            </a:r>
-            <a:r>
-              <a:rPr lang="ja-JP" altLang="en-US" sz="1200" smtClean="0">
-                <a:latin typeface="Meiryo UI" pitchFamily="50" charset="-128"/>
-                <a:ea typeface="Meiryo UI" pitchFamily="50" charset="-128"/>
-                <a:cs typeface="Meiryo UI" pitchFamily="50" charset="-128"/>
-              </a:rPr>
-              <a:t>運用</a:t>
+              <a:t>システム運用</a:t>
             </a:r>
             <a:endParaRPr lang="en-US" altLang="ja-JP" sz="1200" smtClean="0">
               <a:latin typeface="Meiryo UI" pitchFamily="50" charset="-128"/>
@@ -4131,15 +4111,7 @@
                 <a:ea typeface="Meiryo UI" pitchFamily="50" charset="-128"/>
                 <a:cs typeface="Meiryo UI" pitchFamily="50" charset="-128"/>
               </a:rPr>
-              <a:t>システム</a:t>
-            </a:r>
-            <a:r>
-              <a:rPr kumimoji="1" lang="ja-JP" altLang="en-US" sz="1200" smtClean="0">
-                <a:latin typeface="Meiryo UI" pitchFamily="50" charset="-128"/>
-                <a:ea typeface="Meiryo UI" pitchFamily="50" charset="-128"/>
-                <a:cs typeface="Meiryo UI" pitchFamily="50" charset="-128"/>
-              </a:rPr>
-              <a:t>運用</a:t>
+              <a:t>システム運用</a:t>
             </a:r>
             <a:endParaRPr kumimoji="1" lang="en-US" altLang="ja-JP" sz="1200" smtClean="0">
               <a:latin typeface="Meiryo UI" pitchFamily="50" charset="-128"/>
@@ -4462,15 +4434,7 @@
                 <a:ea typeface="Meiryo UI" pitchFamily="50" charset="-128"/>
                 <a:cs typeface="Meiryo UI" pitchFamily="50" charset="-128"/>
               </a:rPr>
-              <a:t>作</a:t>
-            </a:r>
-            <a:r>
-              <a:rPr kumimoji="1" lang="ja-JP" altLang="en-US" sz="1200" smtClean="0">
-                <a:latin typeface="Meiryo UI" pitchFamily="50" charset="-128"/>
-                <a:ea typeface="Meiryo UI" pitchFamily="50" charset="-128"/>
-                <a:cs typeface="Meiryo UI" pitchFamily="50" charset="-128"/>
-              </a:rPr>
-              <a:t>業者</a:t>
+              <a:t>作業者</a:t>
             </a:r>
           </a:p>
         </p:txBody>
@@ -4855,6 +4819,3285 @@
       </p:par>
     </p:tnLst>
   </p:timing>
+</p:sld>
+</file>
+
+<file path=ppt/slides/slide2.xml><?xml version="1.0" encoding="utf-8"?>
+<p:sld xmlns:a="http://schemas.openxmlformats.org/drawingml/2006/main" xmlns:r="http://schemas.openxmlformats.org/officeDocument/2006/relationships" xmlns:p="http://schemas.openxmlformats.org/presentationml/2006/main">
+  <p:cSld>
+    <p:spTree>
+      <p:nvGrpSpPr>
+        <p:cNvPr id="1" name=""/>
+        <p:cNvGrpSpPr/>
+        <p:nvPr/>
+      </p:nvGrpSpPr>
+      <p:grpSpPr>
+        <a:xfrm>
+          <a:off x="0" y="0"/>
+          <a:ext cx="0" cy="0"/>
+          <a:chOff x="0" y="0"/>
+          <a:chExt cx="0" cy="0"/>
+        </a:xfrm>
+      </p:grpSpPr>
+      <p:sp>
+        <p:nvSpPr>
+          <p:cNvPr id="4" name="テキスト ボックス 3"/>
+          <p:cNvSpPr txBox="1"/>
+          <p:nvPr/>
+        </p:nvSpPr>
+        <p:spPr>
+          <a:xfrm>
+            <a:off x="1799952" y="1547589"/>
+            <a:ext cx="1584176" cy="324036"/>
+          </a:xfrm>
+          <a:prstGeom prst="rect">
+            <a:avLst/>
+          </a:prstGeom>
+          <a:solidFill>
+            <a:schemeClr val="bg1"/>
+          </a:solidFill>
+          <a:ln>
+            <a:solidFill>
+              <a:schemeClr val="tx1"/>
+            </a:solidFill>
+          </a:ln>
+        </p:spPr>
+        <p:txBody>
+          <a:bodyPr wrap="none" rtlCol="0">
+            <a:noAutofit/>
+          </a:bodyPr>
+          <a:lstStyle/>
+          <a:p>
+            <a:pPr algn="ctr"/>
+            <a:r>
+              <a:rPr kumimoji="1" lang="ja-JP" altLang="en-US" sz="1200" smtClean="0">
+                <a:latin typeface="Meiryo UI" pitchFamily="50" charset="-128"/>
+                <a:ea typeface="Meiryo UI" pitchFamily="50" charset="-128"/>
+                <a:cs typeface="Meiryo UI" pitchFamily="50" charset="-128"/>
+              </a:rPr>
+              <a:t>計画</a:t>
+            </a:r>
+            <a:endParaRPr kumimoji="1" lang="ja-JP" altLang="en-US" sz="1200" smtClean="0">
+              <a:latin typeface="Meiryo UI" pitchFamily="50" charset="-128"/>
+              <a:ea typeface="Meiryo UI" pitchFamily="50" charset="-128"/>
+              <a:cs typeface="Meiryo UI" pitchFamily="50" charset="-128"/>
+            </a:endParaRPr>
+          </a:p>
+        </p:txBody>
+      </p:sp>
+      <p:sp>
+        <p:nvSpPr>
+          <p:cNvPr id="5" name="テキスト ボックス 4"/>
+          <p:cNvSpPr txBox="1"/>
+          <p:nvPr/>
+        </p:nvSpPr>
+        <p:spPr>
+          <a:xfrm>
+            <a:off x="3384128" y="1547589"/>
+            <a:ext cx="1080120" cy="324036"/>
+          </a:xfrm>
+          <a:prstGeom prst="rect">
+            <a:avLst/>
+          </a:prstGeom>
+          <a:solidFill>
+            <a:schemeClr val="bg1"/>
+          </a:solidFill>
+          <a:ln>
+            <a:solidFill>
+              <a:schemeClr val="tx1"/>
+            </a:solidFill>
+          </a:ln>
+        </p:spPr>
+        <p:txBody>
+          <a:bodyPr wrap="none" rtlCol="0">
+            <a:noAutofit/>
+          </a:bodyPr>
+          <a:lstStyle/>
+          <a:p>
+            <a:pPr algn="ctr"/>
+            <a:r>
+              <a:rPr kumimoji="1" lang="ja-JP" altLang="en-US" sz="1200" smtClean="0">
+                <a:latin typeface="Meiryo UI" pitchFamily="50" charset="-128"/>
+                <a:ea typeface="Meiryo UI" pitchFamily="50" charset="-128"/>
+                <a:cs typeface="Meiryo UI" pitchFamily="50" charset="-128"/>
+              </a:rPr>
+              <a:t>サーバ構築</a:t>
+            </a:r>
+            <a:endParaRPr kumimoji="1" lang="ja-JP" altLang="en-US" sz="1200" smtClean="0">
+              <a:latin typeface="Meiryo UI" pitchFamily="50" charset="-128"/>
+              <a:ea typeface="Meiryo UI" pitchFamily="50" charset="-128"/>
+              <a:cs typeface="Meiryo UI" pitchFamily="50" charset="-128"/>
+            </a:endParaRPr>
+          </a:p>
+        </p:txBody>
+      </p:sp>
+      <p:sp>
+        <p:nvSpPr>
+          <p:cNvPr id="6" name="テキスト ボックス 5"/>
+          <p:cNvSpPr txBox="1"/>
+          <p:nvPr/>
+        </p:nvSpPr>
+        <p:spPr>
+          <a:xfrm>
+            <a:off x="6336456" y="1547589"/>
+            <a:ext cx="1800200" cy="324036"/>
+          </a:xfrm>
+          <a:prstGeom prst="rect">
+            <a:avLst/>
+          </a:prstGeom>
+          <a:solidFill>
+            <a:schemeClr val="bg1"/>
+          </a:solidFill>
+          <a:ln>
+            <a:solidFill>
+              <a:schemeClr val="tx1"/>
+            </a:solidFill>
+          </a:ln>
+        </p:spPr>
+        <p:txBody>
+          <a:bodyPr wrap="none" rtlCol="0">
+            <a:noAutofit/>
+          </a:bodyPr>
+          <a:lstStyle/>
+          <a:p>
+            <a:pPr algn="ctr"/>
+            <a:r>
+              <a:rPr kumimoji="1" lang="ja-JP" altLang="en-US" sz="1200" smtClean="0">
+                <a:latin typeface="Meiryo UI" pitchFamily="50" charset="-128"/>
+                <a:ea typeface="Meiryo UI" pitchFamily="50" charset="-128"/>
+                <a:cs typeface="Meiryo UI" pitchFamily="50" charset="-128"/>
+              </a:rPr>
+              <a:t>運用</a:t>
+            </a:r>
+            <a:endParaRPr kumimoji="1" lang="ja-JP" altLang="en-US" sz="1200" smtClean="0">
+              <a:latin typeface="Meiryo UI" pitchFamily="50" charset="-128"/>
+              <a:ea typeface="Meiryo UI" pitchFamily="50" charset="-128"/>
+              <a:cs typeface="Meiryo UI" pitchFamily="50" charset="-128"/>
+            </a:endParaRPr>
+          </a:p>
+        </p:txBody>
+      </p:sp>
+      <p:sp>
+        <p:nvSpPr>
+          <p:cNvPr id="7" name="テキスト ボックス 6"/>
+          <p:cNvSpPr txBox="1"/>
+          <p:nvPr/>
+        </p:nvSpPr>
+        <p:spPr>
+          <a:xfrm>
+            <a:off x="8136656" y="1547589"/>
+            <a:ext cx="1368152" cy="324036"/>
+          </a:xfrm>
+          <a:prstGeom prst="rect">
+            <a:avLst/>
+          </a:prstGeom>
+          <a:solidFill>
+            <a:schemeClr val="bg1"/>
+          </a:solidFill>
+          <a:ln>
+            <a:solidFill>
+              <a:schemeClr val="tx1"/>
+            </a:solidFill>
+          </a:ln>
+        </p:spPr>
+        <p:txBody>
+          <a:bodyPr wrap="none" rtlCol="0">
+            <a:noAutofit/>
+          </a:bodyPr>
+          <a:lstStyle/>
+          <a:p>
+            <a:pPr algn="ctr"/>
+            <a:r>
+              <a:rPr kumimoji="1" lang="ja-JP" altLang="en-US" sz="1200" smtClean="0">
+                <a:latin typeface="Meiryo UI" pitchFamily="50" charset="-128"/>
+                <a:ea typeface="Meiryo UI" pitchFamily="50" charset="-128"/>
+                <a:cs typeface="Meiryo UI" pitchFamily="50" charset="-128"/>
+              </a:rPr>
+              <a:t>終結</a:t>
+            </a:r>
+            <a:endParaRPr kumimoji="1" lang="ja-JP" altLang="en-US" sz="1200" smtClean="0">
+              <a:latin typeface="Meiryo UI" pitchFamily="50" charset="-128"/>
+              <a:ea typeface="Meiryo UI" pitchFamily="50" charset="-128"/>
+              <a:cs typeface="Meiryo UI" pitchFamily="50" charset="-128"/>
+            </a:endParaRPr>
+          </a:p>
+        </p:txBody>
+      </p:sp>
+      <p:sp>
+        <p:nvSpPr>
+          <p:cNvPr id="8" name="テキスト ボックス 7"/>
+          <p:cNvSpPr txBox="1"/>
+          <p:nvPr/>
+        </p:nvSpPr>
+        <p:spPr>
+          <a:xfrm>
+            <a:off x="647824" y="2123653"/>
+            <a:ext cx="914400" cy="432048"/>
+          </a:xfrm>
+          <a:prstGeom prst="rect">
+            <a:avLst/>
+          </a:prstGeom>
+          <a:noFill/>
+          <a:ln>
+            <a:noFill/>
+          </a:ln>
+        </p:spPr>
+        <p:txBody>
+          <a:bodyPr wrap="none" rtlCol="0">
+            <a:noAutofit/>
+          </a:bodyPr>
+          <a:lstStyle/>
+          <a:p>
+            <a:pPr algn="ctr"/>
+            <a:r>
+              <a:rPr kumimoji="1" lang="ja-JP" altLang="en-US" sz="1200" smtClean="0">
+                <a:latin typeface="Meiryo UI" pitchFamily="50" charset="-128"/>
+                <a:ea typeface="Meiryo UI" pitchFamily="50" charset="-128"/>
+                <a:cs typeface="Meiryo UI" pitchFamily="50" charset="-128"/>
+              </a:rPr>
+              <a:t>チケット</a:t>
+            </a:r>
+            <a:endParaRPr kumimoji="1" lang="en-US" altLang="ja-JP" sz="1200" smtClean="0">
+              <a:latin typeface="Meiryo UI" pitchFamily="50" charset="-128"/>
+              <a:ea typeface="Meiryo UI" pitchFamily="50" charset="-128"/>
+              <a:cs typeface="Meiryo UI" pitchFamily="50" charset="-128"/>
+            </a:endParaRPr>
+          </a:p>
+          <a:p>
+            <a:pPr algn="ctr"/>
+            <a:r>
+              <a:rPr lang="ja-JP" altLang="en-US" sz="1200">
+                <a:latin typeface="Meiryo UI" pitchFamily="50" charset="-128"/>
+                <a:ea typeface="Meiryo UI" pitchFamily="50" charset="-128"/>
+                <a:cs typeface="Meiryo UI" pitchFamily="50" charset="-128"/>
+              </a:rPr>
+              <a:t>ステータス</a:t>
+            </a:r>
+            <a:endParaRPr kumimoji="1" lang="ja-JP" altLang="en-US" sz="1200" smtClean="0">
+              <a:latin typeface="Meiryo UI" pitchFamily="50" charset="-128"/>
+              <a:ea typeface="Meiryo UI" pitchFamily="50" charset="-128"/>
+              <a:cs typeface="Meiryo UI" pitchFamily="50" charset="-128"/>
+            </a:endParaRPr>
+          </a:p>
+        </p:txBody>
+      </p:sp>
+      <p:sp>
+        <p:nvSpPr>
+          <p:cNvPr id="9" name="テキスト ボックス 8"/>
+          <p:cNvSpPr txBox="1"/>
+          <p:nvPr/>
+        </p:nvSpPr>
+        <p:spPr>
+          <a:xfrm>
+            <a:off x="2304008" y="2051645"/>
+            <a:ext cx="576064" cy="432048"/>
+          </a:xfrm>
+          <a:prstGeom prst="rect">
+            <a:avLst/>
+          </a:prstGeom>
+          <a:noFill/>
+          <a:ln>
+            <a:noFill/>
+          </a:ln>
+        </p:spPr>
+        <p:txBody>
+          <a:bodyPr wrap="none" rtlCol="0">
+            <a:noAutofit/>
+          </a:bodyPr>
+          <a:lstStyle/>
+          <a:p>
+            <a:pPr algn="ctr"/>
+            <a:r>
+              <a:rPr kumimoji="1" lang="ja-JP" altLang="en-US" sz="1200" smtClean="0">
+                <a:latin typeface="Meiryo UI" pitchFamily="50" charset="-128"/>
+                <a:ea typeface="Meiryo UI" pitchFamily="50" charset="-128"/>
+                <a:cs typeface="Meiryo UI" pitchFamily="50" charset="-128"/>
+              </a:rPr>
+              <a:t>新規</a:t>
+            </a:r>
+            <a:endParaRPr kumimoji="1" lang="ja-JP" altLang="en-US" sz="1200" smtClean="0">
+              <a:latin typeface="Meiryo UI" pitchFamily="50" charset="-128"/>
+              <a:ea typeface="Meiryo UI" pitchFamily="50" charset="-128"/>
+              <a:cs typeface="Meiryo UI" pitchFamily="50" charset="-128"/>
+            </a:endParaRPr>
+          </a:p>
+        </p:txBody>
+      </p:sp>
+      <p:sp>
+        <p:nvSpPr>
+          <p:cNvPr id="10" name="テキスト ボックス 9"/>
+          <p:cNvSpPr txBox="1"/>
+          <p:nvPr/>
+        </p:nvSpPr>
+        <p:spPr>
+          <a:xfrm>
+            <a:off x="4536256" y="2051645"/>
+            <a:ext cx="576064" cy="432048"/>
+          </a:xfrm>
+          <a:prstGeom prst="rect">
+            <a:avLst/>
+          </a:prstGeom>
+          <a:noFill/>
+          <a:ln>
+            <a:noFill/>
+          </a:ln>
+        </p:spPr>
+        <p:txBody>
+          <a:bodyPr wrap="none" rtlCol="0">
+            <a:noAutofit/>
+          </a:bodyPr>
+          <a:lstStyle/>
+          <a:p>
+            <a:pPr algn="ctr"/>
+            <a:r>
+              <a:rPr kumimoji="1" lang="ja-JP" altLang="en-US" sz="1200" smtClean="0">
+                <a:latin typeface="Meiryo UI" pitchFamily="50" charset="-128"/>
+                <a:ea typeface="Meiryo UI" pitchFamily="50" charset="-128"/>
+                <a:cs typeface="Meiryo UI" pitchFamily="50" charset="-128"/>
+              </a:rPr>
+              <a:t>構築中</a:t>
+            </a:r>
+            <a:endParaRPr kumimoji="1" lang="ja-JP" altLang="en-US" sz="1200" smtClean="0">
+              <a:latin typeface="Meiryo UI" pitchFamily="50" charset="-128"/>
+              <a:ea typeface="Meiryo UI" pitchFamily="50" charset="-128"/>
+              <a:cs typeface="Meiryo UI" pitchFamily="50" charset="-128"/>
+            </a:endParaRPr>
+          </a:p>
+        </p:txBody>
+      </p:sp>
+      <p:sp>
+        <p:nvSpPr>
+          <p:cNvPr id="11" name="テキスト ボックス 10"/>
+          <p:cNvSpPr txBox="1"/>
+          <p:nvPr/>
+        </p:nvSpPr>
+        <p:spPr>
+          <a:xfrm>
+            <a:off x="6984528" y="2051645"/>
+            <a:ext cx="576064" cy="432048"/>
+          </a:xfrm>
+          <a:prstGeom prst="rect">
+            <a:avLst/>
+          </a:prstGeom>
+          <a:noFill/>
+          <a:ln>
+            <a:noFill/>
+          </a:ln>
+        </p:spPr>
+        <p:txBody>
+          <a:bodyPr wrap="none" rtlCol="0">
+            <a:noAutofit/>
+          </a:bodyPr>
+          <a:lstStyle/>
+          <a:p>
+            <a:pPr algn="ctr"/>
+            <a:r>
+              <a:rPr kumimoji="1" lang="ja-JP" altLang="en-US" sz="1200" smtClean="0">
+                <a:latin typeface="Meiryo UI" pitchFamily="50" charset="-128"/>
+                <a:ea typeface="Meiryo UI" pitchFamily="50" charset="-128"/>
+                <a:cs typeface="Meiryo UI" pitchFamily="50" charset="-128"/>
+              </a:rPr>
+              <a:t>運用中</a:t>
+            </a:r>
+            <a:endParaRPr kumimoji="1" lang="ja-JP" altLang="en-US" sz="1200" smtClean="0">
+              <a:latin typeface="Meiryo UI" pitchFamily="50" charset="-128"/>
+              <a:ea typeface="Meiryo UI" pitchFamily="50" charset="-128"/>
+              <a:cs typeface="Meiryo UI" pitchFamily="50" charset="-128"/>
+            </a:endParaRPr>
+          </a:p>
+        </p:txBody>
+      </p:sp>
+      <p:sp>
+        <p:nvSpPr>
+          <p:cNvPr id="14" name="テキスト ボックス 13"/>
+          <p:cNvSpPr txBox="1"/>
+          <p:nvPr/>
+        </p:nvSpPr>
+        <p:spPr>
+          <a:xfrm>
+            <a:off x="8568704" y="2051645"/>
+            <a:ext cx="576064" cy="432048"/>
+          </a:xfrm>
+          <a:prstGeom prst="rect">
+            <a:avLst/>
+          </a:prstGeom>
+          <a:noFill/>
+          <a:ln>
+            <a:noFill/>
+          </a:ln>
+        </p:spPr>
+        <p:txBody>
+          <a:bodyPr wrap="none" rtlCol="0">
+            <a:noAutofit/>
+          </a:bodyPr>
+          <a:lstStyle/>
+          <a:p>
+            <a:pPr algn="ctr"/>
+            <a:r>
+              <a:rPr lang="ja-JP" altLang="en-US" sz="1200" smtClean="0">
+                <a:latin typeface="Meiryo UI" pitchFamily="50" charset="-128"/>
+                <a:ea typeface="Meiryo UI" pitchFamily="50" charset="-128"/>
+                <a:cs typeface="Meiryo UI" pitchFamily="50" charset="-128"/>
+              </a:rPr>
+              <a:t>保管</a:t>
+            </a:r>
+            <a:r>
+              <a:rPr lang="en-US" altLang="ja-JP" sz="1200" smtClean="0">
+                <a:latin typeface="Meiryo UI" pitchFamily="50" charset="-128"/>
+                <a:ea typeface="Meiryo UI" pitchFamily="50" charset="-128"/>
+                <a:cs typeface="Meiryo UI" pitchFamily="50" charset="-128"/>
+              </a:rPr>
+              <a:t>/</a:t>
+            </a:r>
+            <a:r>
+              <a:rPr kumimoji="1" lang="ja-JP" altLang="en-US" sz="1200" smtClean="0">
+                <a:latin typeface="Meiryo UI" pitchFamily="50" charset="-128"/>
+                <a:ea typeface="Meiryo UI" pitchFamily="50" charset="-128"/>
+                <a:cs typeface="Meiryo UI" pitchFamily="50" charset="-128"/>
+              </a:rPr>
+              <a:t>廃棄</a:t>
+            </a:r>
+            <a:endParaRPr kumimoji="1" lang="ja-JP" altLang="en-US" sz="1200" smtClean="0">
+              <a:latin typeface="Meiryo UI" pitchFamily="50" charset="-128"/>
+              <a:ea typeface="Meiryo UI" pitchFamily="50" charset="-128"/>
+              <a:cs typeface="Meiryo UI" pitchFamily="50" charset="-128"/>
+            </a:endParaRPr>
+          </a:p>
+        </p:txBody>
+      </p:sp>
+      <p:cxnSp>
+        <p:nvCxnSpPr>
+          <p:cNvPr id="16" name="直線矢印コネクタ 15"/>
+          <p:cNvCxnSpPr/>
+          <p:nvPr/>
+        </p:nvCxnSpPr>
+        <p:spPr>
+          <a:xfrm>
+            <a:off x="1871960" y="2411685"/>
+            <a:ext cx="1512168" cy="0"/>
+          </a:xfrm>
+          <a:prstGeom prst="straightConnector1">
+            <a:avLst/>
+          </a:prstGeom>
+          <a:ln>
+            <a:headEnd type="triangle" w="med" len="med"/>
+            <a:tailEnd type="triangle" w="med" len="med"/>
+          </a:ln>
+        </p:spPr>
+        <p:style>
+          <a:lnRef idx="1">
+            <a:schemeClr val="accent1"/>
+          </a:lnRef>
+          <a:fillRef idx="0">
+            <a:schemeClr val="accent1"/>
+          </a:fillRef>
+          <a:effectRef idx="0">
+            <a:schemeClr val="accent1"/>
+          </a:effectRef>
+          <a:fontRef idx="minor">
+            <a:schemeClr val="tx1"/>
+          </a:fontRef>
+        </p:style>
+      </p:cxnSp>
+      <p:cxnSp>
+        <p:nvCxnSpPr>
+          <p:cNvPr id="18" name="直線矢印コネクタ 17"/>
+          <p:cNvCxnSpPr/>
+          <p:nvPr/>
+        </p:nvCxnSpPr>
+        <p:spPr>
+          <a:xfrm>
+            <a:off x="3384128" y="2411685"/>
+            <a:ext cx="2952328" cy="0"/>
+          </a:xfrm>
+          <a:prstGeom prst="straightConnector1">
+            <a:avLst/>
+          </a:prstGeom>
+          <a:ln>
+            <a:headEnd type="triangle" w="med" len="med"/>
+            <a:tailEnd type="triangle" w="med" len="med"/>
+          </a:ln>
+        </p:spPr>
+        <p:style>
+          <a:lnRef idx="1">
+            <a:schemeClr val="accent1"/>
+          </a:lnRef>
+          <a:fillRef idx="0">
+            <a:schemeClr val="accent1"/>
+          </a:fillRef>
+          <a:effectRef idx="0">
+            <a:schemeClr val="accent1"/>
+          </a:effectRef>
+          <a:fontRef idx="minor">
+            <a:schemeClr val="tx1"/>
+          </a:fontRef>
+        </p:style>
+      </p:cxnSp>
+      <p:cxnSp>
+        <p:nvCxnSpPr>
+          <p:cNvPr id="21" name="直線矢印コネクタ 20"/>
+          <p:cNvCxnSpPr/>
+          <p:nvPr/>
+        </p:nvCxnSpPr>
+        <p:spPr>
+          <a:xfrm>
+            <a:off x="6336456" y="2411685"/>
+            <a:ext cx="1800200" cy="0"/>
+          </a:xfrm>
+          <a:prstGeom prst="straightConnector1">
+            <a:avLst/>
+          </a:prstGeom>
+          <a:ln>
+            <a:headEnd type="triangle" w="med" len="med"/>
+            <a:tailEnd type="triangle" w="med" len="med"/>
+          </a:ln>
+        </p:spPr>
+        <p:style>
+          <a:lnRef idx="1">
+            <a:schemeClr val="accent1"/>
+          </a:lnRef>
+          <a:fillRef idx="0">
+            <a:schemeClr val="accent1"/>
+          </a:fillRef>
+          <a:effectRef idx="0">
+            <a:schemeClr val="accent1"/>
+          </a:effectRef>
+          <a:fontRef idx="minor">
+            <a:schemeClr val="tx1"/>
+          </a:fontRef>
+        </p:style>
+      </p:cxnSp>
+      <p:cxnSp>
+        <p:nvCxnSpPr>
+          <p:cNvPr id="28" name="直線矢印コネクタ 27"/>
+          <p:cNvCxnSpPr/>
+          <p:nvPr/>
+        </p:nvCxnSpPr>
+        <p:spPr>
+          <a:xfrm>
+            <a:off x="8208664" y="2411685"/>
+            <a:ext cx="1296144" cy="0"/>
+          </a:xfrm>
+          <a:prstGeom prst="straightConnector1">
+            <a:avLst/>
+          </a:prstGeom>
+          <a:ln>
+            <a:headEnd type="triangle" w="med" len="med"/>
+            <a:tailEnd type="triangle" w="med" len="med"/>
+          </a:ln>
+        </p:spPr>
+        <p:style>
+          <a:lnRef idx="1">
+            <a:schemeClr val="accent1"/>
+          </a:lnRef>
+          <a:fillRef idx="0">
+            <a:schemeClr val="accent1"/>
+          </a:fillRef>
+          <a:effectRef idx="0">
+            <a:schemeClr val="accent1"/>
+          </a:effectRef>
+          <a:fontRef idx="minor">
+            <a:schemeClr val="tx1"/>
+          </a:fontRef>
+        </p:style>
+      </p:cxnSp>
+      <p:sp>
+        <p:nvSpPr>
+          <p:cNvPr id="37" name="テキスト ボックス 36"/>
+          <p:cNvSpPr txBox="1"/>
+          <p:nvPr/>
+        </p:nvSpPr>
+        <p:spPr>
+          <a:xfrm>
+            <a:off x="647824" y="2699717"/>
+            <a:ext cx="914400" cy="432048"/>
+          </a:xfrm>
+          <a:prstGeom prst="rect">
+            <a:avLst/>
+          </a:prstGeom>
+          <a:noFill/>
+          <a:ln>
+            <a:noFill/>
+          </a:ln>
+        </p:spPr>
+        <p:txBody>
+          <a:bodyPr wrap="none" rtlCol="0">
+            <a:noAutofit/>
+          </a:bodyPr>
+          <a:lstStyle/>
+          <a:p>
+            <a:pPr algn="ctr"/>
+            <a:r>
+              <a:rPr kumimoji="1" lang="ja-JP" altLang="en-US" smtClean="0">
+                <a:latin typeface="Meiryo UI" pitchFamily="50" charset="-128"/>
+                <a:ea typeface="Meiryo UI" pitchFamily="50" charset="-128"/>
+                <a:cs typeface="Meiryo UI" pitchFamily="50" charset="-128"/>
+              </a:rPr>
+              <a:t>変更管理</a:t>
+            </a:r>
+            <a:endParaRPr kumimoji="1" lang="ja-JP" altLang="en-US" smtClean="0">
+              <a:latin typeface="Meiryo UI" pitchFamily="50" charset="-128"/>
+              <a:ea typeface="Meiryo UI" pitchFamily="50" charset="-128"/>
+              <a:cs typeface="Meiryo UI" pitchFamily="50" charset="-128"/>
+            </a:endParaRPr>
+          </a:p>
+        </p:txBody>
+      </p:sp>
+      <p:sp>
+        <p:nvSpPr>
+          <p:cNvPr id="38" name="テキスト ボックス 37"/>
+          <p:cNvSpPr txBox="1"/>
+          <p:nvPr/>
+        </p:nvSpPr>
+        <p:spPr>
+          <a:xfrm>
+            <a:off x="647824" y="4067869"/>
+            <a:ext cx="914400" cy="432048"/>
+          </a:xfrm>
+          <a:prstGeom prst="rect">
+            <a:avLst/>
+          </a:prstGeom>
+          <a:noFill/>
+          <a:ln>
+            <a:noFill/>
+          </a:ln>
+        </p:spPr>
+        <p:txBody>
+          <a:bodyPr wrap="none" rtlCol="0">
+            <a:noAutofit/>
+          </a:bodyPr>
+          <a:lstStyle/>
+          <a:p>
+            <a:pPr algn="ctr"/>
+            <a:r>
+              <a:rPr kumimoji="1" lang="ja-JP" altLang="en-US" smtClean="0">
+                <a:latin typeface="Meiryo UI" pitchFamily="50" charset="-128"/>
+                <a:ea typeface="Meiryo UI" pitchFamily="50" charset="-128"/>
+                <a:cs typeface="Meiryo UI" pitchFamily="50" charset="-128"/>
+              </a:rPr>
+              <a:t>システム運用</a:t>
+            </a:r>
+            <a:endParaRPr kumimoji="1" lang="ja-JP" altLang="en-US" smtClean="0">
+              <a:latin typeface="Meiryo UI" pitchFamily="50" charset="-128"/>
+              <a:ea typeface="Meiryo UI" pitchFamily="50" charset="-128"/>
+              <a:cs typeface="Meiryo UI" pitchFamily="50" charset="-128"/>
+            </a:endParaRPr>
+          </a:p>
+        </p:txBody>
+      </p:sp>
+      <p:sp>
+        <p:nvSpPr>
+          <p:cNvPr id="39" name="テキスト ボックス 38"/>
+          <p:cNvSpPr txBox="1"/>
+          <p:nvPr/>
+        </p:nvSpPr>
+        <p:spPr>
+          <a:xfrm>
+            <a:off x="647824" y="5292005"/>
+            <a:ext cx="914400" cy="432048"/>
+          </a:xfrm>
+          <a:prstGeom prst="rect">
+            <a:avLst/>
+          </a:prstGeom>
+          <a:noFill/>
+          <a:ln>
+            <a:noFill/>
+          </a:ln>
+        </p:spPr>
+        <p:txBody>
+          <a:bodyPr wrap="none" rtlCol="0">
+            <a:noAutofit/>
+          </a:bodyPr>
+          <a:lstStyle/>
+          <a:p>
+            <a:pPr algn="ctr"/>
+            <a:r>
+              <a:rPr kumimoji="1" lang="ja-JP" altLang="en-US" smtClean="0">
+                <a:latin typeface="Meiryo UI" pitchFamily="50" charset="-128"/>
+                <a:ea typeface="Meiryo UI" pitchFamily="50" charset="-128"/>
+                <a:cs typeface="Meiryo UI" pitchFamily="50" charset="-128"/>
+              </a:rPr>
+              <a:t>構築ベンダー</a:t>
+            </a:r>
+            <a:endParaRPr kumimoji="1" lang="ja-JP" altLang="en-US" smtClean="0">
+              <a:latin typeface="Meiryo UI" pitchFamily="50" charset="-128"/>
+              <a:ea typeface="Meiryo UI" pitchFamily="50" charset="-128"/>
+              <a:cs typeface="Meiryo UI" pitchFamily="50" charset="-128"/>
+            </a:endParaRPr>
+          </a:p>
+        </p:txBody>
+      </p:sp>
+      <p:sp>
+        <p:nvSpPr>
+          <p:cNvPr id="40" name="テキスト ボックス 39"/>
+          <p:cNvSpPr txBox="1"/>
+          <p:nvPr/>
+        </p:nvSpPr>
+        <p:spPr>
+          <a:xfrm>
+            <a:off x="647824" y="1043533"/>
+            <a:ext cx="914400" cy="432048"/>
+          </a:xfrm>
+          <a:prstGeom prst="rect">
+            <a:avLst/>
+          </a:prstGeom>
+          <a:noFill/>
+          <a:ln>
+            <a:noFill/>
+          </a:ln>
+        </p:spPr>
+        <p:txBody>
+          <a:bodyPr wrap="none" rtlCol="0">
+            <a:noAutofit/>
+          </a:bodyPr>
+          <a:lstStyle/>
+          <a:p>
+            <a:pPr algn="ctr"/>
+            <a:r>
+              <a:rPr kumimoji="1" lang="ja-JP" altLang="en-US" sz="1200" smtClean="0">
+                <a:latin typeface="Meiryo UI" pitchFamily="50" charset="-128"/>
+                <a:ea typeface="Meiryo UI" pitchFamily="50" charset="-128"/>
+                <a:cs typeface="Meiryo UI" pitchFamily="50" charset="-128"/>
+              </a:rPr>
+              <a:t>イベント</a:t>
+            </a:r>
+            <a:endParaRPr kumimoji="1" lang="ja-JP" altLang="en-US" sz="1200" smtClean="0">
+              <a:latin typeface="Meiryo UI" pitchFamily="50" charset="-128"/>
+              <a:ea typeface="Meiryo UI" pitchFamily="50" charset="-128"/>
+              <a:cs typeface="Meiryo UI" pitchFamily="50" charset="-128"/>
+            </a:endParaRPr>
+          </a:p>
+        </p:txBody>
+      </p:sp>
+      <p:sp>
+        <p:nvSpPr>
+          <p:cNvPr id="42" name="テキスト ボックス 41"/>
+          <p:cNvSpPr txBox="1"/>
+          <p:nvPr/>
+        </p:nvSpPr>
+        <p:spPr>
+          <a:xfrm>
+            <a:off x="3096096" y="1043533"/>
+            <a:ext cx="576064" cy="432048"/>
+          </a:xfrm>
+          <a:prstGeom prst="rect">
+            <a:avLst/>
+          </a:prstGeom>
+          <a:noFill/>
+          <a:ln>
+            <a:noFill/>
+          </a:ln>
+        </p:spPr>
+        <p:txBody>
+          <a:bodyPr wrap="none" rtlCol="0">
+            <a:noAutofit/>
+          </a:bodyPr>
+          <a:lstStyle/>
+          <a:p>
+            <a:pPr algn="ctr"/>
+            <a:r>
+              <a:rPr kumimoji="1" lang="ja-JP" altLang="en-US" sz="1200" smtClean="0">
+                <a:latin typeface="Meiryo UI" pitchFamily="50" charset="-128"/>
+                <a:ea typeface="Meiryo UI" pitchFamily="50" charset="-128"/>
+                <a:cs typeface="Meiryo UI" pitchFamily="50" charset="-128"/>
+              </a:rPr>
+              <a:t>発注</a:t>
+            </a:r>
+            <a:endParaRPr kumimoji="1" lang="ja-JP" altLang="en-US" sz="1200" smtClean="0">
+              <a:latin typeface="Meiryo UI" pitchFamily="50" charset="-128"/>
+              <a:ea typeface="Meiryo UI" pitchFamily="50" charset="-128"/>
+              <a:cs typeface="Meiryo UI" pitchFamily="50" charset="-128"/>
+            </a:endParaRPr>
+          </a:p>
+        </p:txBody>
+      </p:sp>
+      <p:sp>
+        <p:nvSpPr>
+          <p:cNvPr id="43" name="テキスト ボックス 42"/>
+          <p:cNvSpPr txBox="1"/>
+          <p:nvPr/>
+        </p:nvSpPr>
+        <p:spPr>
+          <a:xfrm>
+            <a:off x="2808064" y="467469"/>
+            <a:ext cx="4608512" cy="432048"/>
+          </a:xfrm>
+          <a:prstGeom prst="rect">
+            <a:avLst/>
+          </a:prstGeom>
+          <a:noFill/>
+          <a:ln>
+            <a:noFill/>
+          </a:ln>
+        </p:spPr>
+        <p:txBody>
+          <a:bodyPr wrap="none" rtlCol="0">
+            <a:noAutofit/>
+          </a:bodyPr>
+          <a:lstStyle/>
+          <a:p>
+            <a:r>
+              <a:rPr kumimoji="1" lang="ja-JP" altLang="en-US" sz="1600" smtClean="0">
+                <a:latin typeface="Meiryo UI" pitchFamily="50" charset="-128"/>
+                <a:ea typeface="Meiryo UI" pitchFamily="50" charset="-128"/>
+                <a:cs typeface="Meiryo UI" pitchFamily="50" charset="-128"/>
+              </a:rPr>
+              <a:t>サーバ運用ライフサイクルと構成管理作業フロー</a:t>
+            </a:r>
+            <a:endParaRPr kumimoji="1" lang="ja-JP" altLang="en-US" sz="1600" smtClean="0">
+              <a:latin typeface="Meiryo UI" pitchFamily="50" charset="-128"/>
+              <a:ea typeface="Meiryo UI" pitchFamily="50" charset="-128"/>
+              <a:cs typeface="Meiryo UI" pitchFamily="50" charset="-128"/>
+            </a:endParaRPr>
+          </a:p>
+        </p:txBody>
+      </p:sp>
+      <p:sp>
+        <p:nvSpPr>
+          <p:cNvPr id="45" name="テキスト ボックス 44"/>
+          <p:cNvSpPr txBox="1"/>
+          <p:nvPr/>
+        </p:nvSpPr>
+        <p:spPr>
+          <a:xfrm>
+            <a:off x="4248224" y="1043533"/>
+            <a:ext cx="576064" cy="432048"/>
+          </a:xfrm>
+          <a:prstGeom prst="rect">
+            <a:avLst/>
+          </a:prstGeom>
+          <a:noFill/>
+          <a:ln>
+            <a:noFill/>
+          </a:ln>
+        </p:spPr>
+        <p:txBody>
+          <a:bodyPr wrap="none" rtlCol="0">
+            <a:noAutofit/>
+          </a:bodyPr>
+          <a:lstStyle/>
+          <a:p>
+            <a:pPr algn="ctr"/>
+            <a:r>
+              <a:rPr kumimoji="1" lang="ja-JP" altLang="en-US" sz="1200" smtClean="0">
+                <a:latin typeface="Meiryo UI" pitchFamily="50" charset="-128"/>
+                <a:ea typeface="Meiryo UI" pitchFamily="50" charset="-128"/>
+                <a:cs typeface="Meiryo UI" pitchFamily="50" charset="-128"/>
+              </a:rPr>
+              <a:t>据付、</a:t>
+            </a:r>
+            <a:endParaRPr kumimoji="1" lang="en-US" altLang="ja-JP" sz="1200" smtClean="0">
+              <a:latin typeface="Meiryo UI" pitchFamily="50" charset="-128"/>
+              <a:ea typeface="Meiryo UI" pitchFamily="50" charset="-128"/>
+              <a:cs typeface="Meiryo UI" pitchFamily="50" charset="-128"/>
+            </a:endParaRPr>
+          </a:p>
+          <a:p>
+            <a:pPr algn="ctr"/>
+            <a:r>
+              <a:rPr lang="ja-JP" altLang="en-US" sz="1200">
+                <a:latin typeface="Meiryo UI" pitchFamily="50" charset="-128"/>
+                <a:ea typeface="Meiryo UI" pitchFamily="50" charset="-128"/>
+                <a:cs typeface="Meiryo UI" pitchFamily="50" charset="-128"/>
+              </a:rPr>
+              <a:t>引渡し</a:t>
+            </a:r>
+            <a:endParaRPr kumimoji="1" lang="ja-JP" altLang="en-US" sz="1200" smtClean="0">
+              <a:latin typeface="Meiryo UI" pitchFamily="50" charset="-128"/>
+              <a:ea typeface="Meiryo UI" pitchFamily="50" charset="-128"/>
+              <a:cs typeface="Meiryo UI" pitchFamily="50" charset="-128"/>
+            </a:endParaRPr>
+          </a:p>
+        </p:txBody>
+      </p:sp>
+      <p:sp>
+        <p:nvSpPr>
+          <p:cNvPr id="47" name="テキスト ボックス 46"/>
+          <p:cNvSpPr txBox="1"/>
+          <p:nvPr/>
+        </p:nvSpPr>
+        <p:spPr>
+          <a:xfrm>
+            <a:off x="6048424" y="1043533"/>
+            <a:ext cx="576064" cy="432048"/>
+          </a:xfrm>
+          <a:prstGeom prst="rect">
+            <a:avLst/>
+          </a:prstGeom>
+          <a:noFill/>
+          <a:ln>
+            <a:noFill/>
+          </a:ln>
+        </p:spPr>
+        <p:txBody>
+          <a:bodyPr wrap="none" rtlCol="0">
+            <a:noAutofit/>
+          </a:bodyPr>
+          <a:lstStyle/>
+          <a:p>
+            <a:pPr algn="ctr"/>
+            <a:r>
+              <a:rPr kumimoji="1" lang="en-US" altLang="ja-JP" sz="1200" smtClean="0">
+                <a:latin typeface="Meiryo UI" pitchFamily="50" charset="-128"/>
+                <a:ea typeface="Meiryo UI" pitchFamily="50" charset="-128"/>
+                <a:cs typeface="Meiryo UI" pitchFamily="50" charset="-128"/>
+              </a:rPr>
+              <a:t>GoLive</a:t>
+            </a:r>
+            <a:endParaRPr kumimoji="1" lang="ja-JP" altLang="en-US" sz="1200" smtClean="0">
+              <a:latin typeface="Meiryo UI" pitchFamily="50" charset="-128"/>
+              <a:ea typeface="Meiryo UI" pitchFamily="50" charset="-128"/>
+              <a:cs typeface="Meiryo UI" pitchFamily="50" charset="-128"/>
+            </a:endParaRPr>
+          </a:p>
+        </p:txBody>
+      </p:sp>
+      <p:sp>
+        <p:nvSpPr>
+          <p:cNvPr id="52" name="テキスト ボックス 51"/>
+          <p:cNvSpPr txBox="1"/>
+          <p:nvPr/>
+        </p:nvSpPr>
+        <p:spPr>
+          <a:xfrm>
+            <a:off x="7848624" y="1043533"/>
+            <a:ext cx="576064" cy="432048"/>
+          </a:xfrm>
+          <a:prstGeom prst="rect">
+            <a:avLst/>
+          </a:prstGeom>
+          <a:noFill/>
+          <a:ln>
+            <a:noFill/>
+          </a:ln>
+        </p:spPr>
+        <p:txBody>
+          <a:bodyPr wrap="none" rtlCol="0">
+            <a:noAutofit/>
+          </a:bodyPr>
+          <a:lstStyle/>
+          <a:p>
+            <a:pPr algn="ctr"/>
+            <a:r>
+              <a:rPr lang="ja-JP" altLang="en-US" sz="1200">
+                <a:latin typeface="Meiryo UI" pitchFamily="50" charset="-128"/>
+                <a:ea typeface="Meiryo UI" pitchFamily="50" charset="-128"/>
+                <a:cs typeface="Meiryo UI" pitchFamily="50" charset="-128"/>
+              </a:rPr>
+              <a:t>終息</a:t>
+            </a:r>
+            <a:endParaRPr kumimoji="1" lang="ja-JP" altLang="en-US" sz="1200" smtClean="0">
+              <a:latin typeface="Meiryo UI" pitchFamily="50" charset="-128"/>
+              <a:ea typeface="Meiryo UI" pitchFamily="50" charset="-128"/>
+              <a:cs typeface="Meiryo UI" pitchFamily="50" charset="-128"/>
+            </a:endParaRPr>
+          </a:p>
+        </p:txBody>
+      </p:sp>
+      <p:cxnSp>
+        <p:nvCxnSpPr>
+          <p:cNvPr id="55" name="直線コネクタ 54"/>
+          <p:cNvCxnSpPr/>
+          <p:nvPr/>
+        </p:nvCxnSpPr>
+        <p:spPr>
+          <a:xfrm>
+            <a:off x="431800" y="1979637"/>
+            <a:ext cx="9073008" cy="0"/>
+          </a:xfrm>
+          <a:prstGeom prst="line">
+            <a:avLst/>
+          </a:prstGeom>
+          <a:ln>
+            <a:prstDash val="dash"/>
+          </a:ln>
+        </p:spPr>
+        <p:style>
+          <a:lnRef idx="1">
+            <a:schemeClr val="accent1"/>
+          </a:lnRef>
+          <a:fillRef idx="0">
+            <a:schemeClr val="accent1"/>
+          </a:fillRef>
+          <a:effectRef idx="0">
+            <a:schemeClr val="accent1"/>
+          </a:effectRef>
+          <a:fontRef idx="minor">
+            <a:schemeClr val="tx1"/>
+          </a:fontRef>
+        </p:style>
+      </p:cxnSp>
+      <p:cxnSp>
+        <p:nvCxnSpPr>
+          <p:cNvPr id="58" name="直線コネクタ 57"/>
+          <p:cNvCxnSpPr/>
+          <p:nvPr/>
+        </p:nvCxnSpPr>
+        <p:spPr>
+          <a:xfrm>
+            <a:off x="431800" y="6012085"/>
+            <a:ext cx="9073008" cy="0"/>
+          </a:xfrm>
+          <a:prstGeom prst="line">
+            <a:avLst/>
+          </a:prstGeom>
+          <a:ln>
+            <a:prstDash val="dash"/>
+          </a:ln>
+        </p:spPr>
+        <p:style>
+          <a:lnRef idx="1">
+            <a:schemeClr val="accent1"/>
+          </a:lnRef>
+          <a:fillRef idx="0">
+            <a:schemeClr val="accent1"/>
+          </a:fillRef>
+          <a:effectRef idx="0">
+            <a:schemeClr val="accent1"/>
+          </a:effectRef>
+          <a:fontRef idx="minor">
+            <a:schemeClr val="tx1"/>
+          </a:fontRef>
+        </p:style>
+      </p:cxnSp>
+      <p:sp>
+        <p:nvSpPr>
+          <p:cNvPr id="62" name="テキスト ボックス 61"/>
+          <p:cNvSpPr txBox="1"/>
+          <p:nvPr/>
+        </p:nvSpPr>
+        <p:spPr>
+          <a:xfrm>
+            <a:off x="1727944" y="1043533"/>
+            <a:ext cx="576064" cy="288032"/>
+          </a:xfrm>
+          <a:prstGeom prst="rect">
+            <a:avLst/>
+          </a:prstGeom>
+          <a:noFill/>
+          <a:ln>
+            <a:noFill/>
+          </a:ln>
+        </p:spPr>
+        <p:txBody>
+          <a:bodyPr wrap="none" rtlCol="0">
+            <a:noAutofit/>
+          </a:bodyPr>
+          <a:lstStyle/>
+          <a:p>
+            <a:pPr algn="ctr"/>
+            <a:r>
+              <a:rPr kumimoji="1" lang="ja-JP" altLang="en-US" sz="1200" smtClean="0">
+                <a:latin typeface="Meiryo UI" pitchFamily="50" charset="-128"/>
+                <a:ea typeface="Meiryo UI" pitchFamily="50" charset="-128"/>
+                <a:cs typeface="Meiryo UI" pitchFamily="50" charset="-128"/>
+              </a:rPr>
+              <a:t>計画</a:t>
+            </a:r>
+            <a:endParaRPr kumimoji="1" lang="ja-JP" altLang="en-US" sz="1200" smtClean="0">
+              <a:latin typeface="Meiryo UI" pitchFamily="50" charset="-128"/>
+              <a:ea typeface="Meiryo UI" pitchFamily="50" charset="-128"/>
+              <a:cs typeface="Meiryo UI" pitchFamily="50" charset="-128"/>
+            </a:endParaRPr>
+          </a:p>
+        </p:txBody>
+      </p:sp>
+      <p:sp>
+        <p:nvSpPr>
+          <p:cNvPr id="72" name="テキスト ボックス 71"/>
+          <p:cNvSpPr txBox="1"/>
+          <p:nvPr/>
+        </p:nvSpPr>
+        <p:spPr>
+          <a:xfrm>
+            <a:off x="647824" y="1547589"/>
+            <a:ext cx="914400" cy="432048"/>
+          </a:xfrm>
+          <a:prstGeom prst="rect">
+            <a:avLst/>
+          </a:prstGeom>
+          <a:noFill/>
+          <a:ln>
+            <a:noFill/>
+          </a:ln>
+        </p:spPr>
+        <p:txBody>
+          <a:bodyPr wrap="none" rtlCol="0">
+            <a:noAutofit/>
+          </a:bodyPr>
+          <a:lstStyle/>
+          <a:p>
+            <a:pPr algn="ctr"/>
+            <a:r>
+              <a:rPr kumimoji="1" lang="ja-JP" altLang="en-US" sz="1200" smtClean="0">
+                <a:latin typeface="Meiryo UI" pitchFamily="50" charset="-128"/>
+                <a:ea typeface="Meiryo UI" pitchFamily="50" charset="-128"/>
+                <a:cs typeface="Meiryo UI" pitchFamily="50" charset="-128"/>
+              </a:rPr>
+              <a:t>フェーズ</a:t>
+            </a:r>
+            <a:endParaRPr kumimoji="1" lang="ja-JP" altLang="en-US" sz="1200" smtClean="0">
+              <a:latin typeface="Meiryo UI" pitchFamily="50" charset="-128"/>
+              <a:ea typeface="Meiryo UI" pitchFamily="50" charset="-128"/>
+              <a:cs typeface="Meiryo UI" pitchFamily="50" charset="-128"/>
+            </a:endParaRPr>
+          </a:p>
+        </p:txBody>
+      </p:sp>
+      <p:sp>
+        <p:nvSpPr>
+          <p:cNvPr id="73" name="テキスト ボックス 72"/>
+          <p:cNvSpPr txBox="1"/>
+          <p:nvPr/>
+        </p:nvSpPr>
+        <p:spPr>
+          <a:xfrm>
+            <a:off x="4464248" y="1547589"/>
+            <a:ext cx="1872208" cy="324036"/>
+          </a:xfrm>
+          <a:prstGeom prst="rect">
+            <a:avLst/>
+          </a:prstGeom>
+          <a:solidFill>
+            <a:schemeClr val="bg1"/>
+          </a:solidFill>
+          <a:ln>
+            <a:solidFill>
+              <a:schemeClr val="tx1"/>
+            </a:solidFill>
+          </a:ln>
+        </p:spPr>
+        <p:txBody>
+          <a:bodyPr wrap="none" rtlCol="0">
+            <a:noAutofit/>
+          </a:bodyPr>
+          <a:lstStyle/>
+          <a:p>
+            <a:pPr algn="ctr"/>
+            <a:r>
+              <a:rPr lang="en-US" altLang="ja-JP" sz="1200" smtClean="0">
+                <a:latin typeface="Meiryo UI" pitchFamily="50" charset="-128"/>
+                <a:ea typeface="Meiryo UI" pitchFamily="50" charset="-128"/>
+                <a:cs typeface="Meiryo UI" pitchFamily="50" charset="-128"/>
+              </a:rPr>
+              <a:t>GoLive</a:t>
+            </a:r>
+            <a:r>
+              <a:rPr lang="ja-JP" altLang="en-US" sz="1200" smtClean="0">
+                <a:latin typeface="Meiryo UI" pitchFamily="50" charset="-128"/>
+                <a:ea typeface="Meiryo UI" pitchFamily="50" charset="-128"/>
+                <a:cs typeface="Meiryo UI" pitchFamily="50" charset="-128"/>
+              </a:rPr>
+              <a:t>準備</a:t>
+            </a:r>
+            <a:endParaRPr kumimoji="1" lang="ja-JP" altLang="en-US" sz="1200" smtClean="0">
+              <a:latin typeface="Meiryo UI" pitchFamily="50" charset="-128"/>
+              <a:ea typeface="Meiryo UI" pitchFamily="50" charset="-128"/>
+              <a:cs typeface="Meiryo UI" pitchFamily="50" charset="-128"/>
+            </a:endParaRPr>
+          </a:p>
+        </p:txBody>
+      </p:sp>
+      <p:cxnSp>
+        <p:nvCxnSpPr>
+          <p:cNvPr id="83" name="直線矢印コネクタ 82"/>
+          <p:cNvCxnSpPr>
+            <a:stCxn id="66" idx="3"/>
+            <a:endCxn id="67" idx="1"/>
+          </p:cNvCxnSpPr>
+          <p:nvPr/>
+        </p:nvCxnSpPr>
+        <p:spPr>
+          <a:xfrm>
+            <a:off x="2520032" y="2915741"/>
+            <a:ext cx="504056" cy="0"/>
+          </a:xfrm>
+          <a:prstGeom prst="straightConnector1">
+            <a:avLst/>
+          </a:prstGeom>
+          <a:ln>
+            <a:tailEnd type="arrow"/>
+          </a:ln>
+        </p:spPr>
+        <p:style>
+          <a:lnRef idx="1">
+            <a:schemeClr val="accent1"/>
+          </a:lnRef>
+          <a:fillRef idx="0">
+            <a:schemeClr val="accent1"/>
+          </a:fillRef>
+          <a:effectRef idx="0">
+            <a:schemeClr val="accent1"/>
+          </a:effectRef>
+          <a:fontRef idx="minor">
+            <a:schemeClr val="tx1"/>
+          </a:fontRef>
+        </p:style>
+      </p:cxnSp>
+      <p:cxnSp>
+        <p:nvCxnSpPr>
+          <p:cNvPr id="85" name="カギ線コネクタ 84"/>
+          <p:cNvCxnSpPr>
+            <a:stCxn id="114" idx="4"/>
+            <a:endCxn id="68" idx="1"/>
+          </p:cNvCxnSpPr>
+          <p:nvPr/>
+        </p:nvCxnSpPr>
+        <p:spPr>
+          <a:xfrm rot="16200000" flipH="1">
+            <a:off x="3906186" y="5382015"/>
+            <a:ext cx="144016" cy="396044"/>
+          </a:xfrm>
+          <a:prstGeom prst="bentConnector2">
+            <a:avLst/>
+          </a:prstGeom>
+          <a:ln>
+            <a:tailEnd type="arrow"/>
+          </a:ln>
+        </p:spPr>
+        <p:style>
+          <a:lnRef idx="1">
+            <a:schemeClr val="accent1"/>
+          </a:lnRef>
+          <a:fillRef idx="0">
+            <a:schemeClr val="accent1"/>
+          </a:fillRef>
+          <a:effectRef idx="0">
+            <a:schemeClr val="accent1"/>
+          </a:effectRef>
+          <a:fontRef idx="minor">
+            <a:schemeClr val="tx1"/>
+          </a:fontRef>
+        </p:style>
+      </p:cxnSp>
+      <p:cxnSp>
+        <p:nvCxnSpPr>
+          <p:cNvPr id="86" name="直線矢印コネクタ 85"/>
+          <p:cNvCxnSpPr>
+            <a:stCxn id="68" idx="0"/>
+            <a:endCxn id="69" idx="2"/>
+          </p:cNvCxnSpPr>
+          <p:nvPr/>
+        </p:nvCxnSpPr>
+        <p:spPr>
+          <a:xfrm flipV="1">
+            <a:off x="4500252" y="3995861"/>
+            <a:ext cx="0" cy="1440160"/>
+          </a:xfrm>
+          <a:prstGeom prst="straightConnector1">
+            <a:avLst/>
+          </a:prstGeom>
+          <a:ln>
+            <a:tailEnd type="arrow"/>
+          </a:ln>
+        </p:spPr>
+        <p:style>
+          <a:lnRef idx="1">
+            <a:schemeClr val="accent1"/>
+          </a:lnRef>
+          <a:fillRef idx="0">
+            <a:schemeClr val="accent1"/>
+          </a:fillRef>
+          <a:effectRef idx="0">
+            <a:schemeClr val="accent1"/>
+          </a:effectRef>
+          <a:fontRef idx="minor">
+            <a:schemeClr val="tx1"/>
+          </a:fontRef>
+        </p:style>
+      </p:cxnSp>
+      <p:cxnSp>
+        <p:nvCxnSpPr>
+          <p:cNvPr id="89" name="直線矢印コネクタ 88"/>
+          <p:cNvCxnSpPr>
+            <a:stCxn id="69" idx="0"/>
+            <a:endCxn id="79" idx="2"/>
+          </p:cNvCxnSpPr>
+          <p:nvPr/>
+        </p:nvCxnSpPr>
+        <p:spPr>
+          <a:xfrm flipV="1">
+            <a:off x="4500252" y="3131765"/>
+            <a:ext cx="0" cy="432048"/>
+          </a:xfrm>
+          <a:prstGeom prst="straightConnector1">
+            <a:avLst/>
+          </a:prstGeom>
+          <a:ln>
+            <a:tailEnd type="arrow"/>
+          </a:ln>
+        </p:spPr>
+        <p:style>
+          <a:lnRef idx="1">
+            <a:schemeClr val="accent1"/>
+          </a:lnRef>
+          <a:fillRef idx="0">
+            <a:schemeClr val="accent1"/>
+          </a:fillRef>
+          <a:effectRef idx="0">
+            <a:schemeClr val="accent1"/>
+          </a:effectRef>
+          <a:fontRef idx="minor">
+            <a:schemeClr val="tx1"/>
+          </a:fontRef>
+        </p:style>
+      </p:cxnSp>
+      <p:cxnSp>
+        <p:nvCxnSpPr>
+          <p:cNvPr id="93" name="カギ線コネクタ 92"/>
+          <p:cNvCxnSpPr>
+            <a:stCxn id="117" idx="4"/>
+            <a:endCxn id="77" idx="1"/>
+          </p:cNvCxnSpPr>
+          <p:nvPr/>
+        </p:nvCxnSpPr>
+        <p:spPr>
+          <a:xfrm rot="16200000" flipH="1">
+            <a:off x="5166326" y="4409907"/>
+            <a:ext cx="216024" cy="396044"/>
+          </a:xfrm>
+          <a:prstGeom prst="bentConnector2">
+            <a:avLst/>
+          </a:prstGeom>
+          <a:ln>
+            <a:tailEnd type="arrow"/>
+          </a:ln>
+        </p:spPr>
+        <p:style>
+          <a:lnRef idx="1">
+            <a:schemeClr val="accent1"/>
+          </a:lnRef>
+          <a:fillRef idx="0">
+            <a:schemeClr val="accent1"/>
+          </a:fillRef>
+          <a:effectRef idx="0">
+            <a:schemeClr val="accent1"/>
+          </a:effectRef>
+          <a:fontRef idx="minor">
+            <a:schemeClr val="tx1"/>
+          </a:fontRef>
+        </p:style>
+      </p:cxnSp>
+      <p:cxnSp>
+        <p:nvCxnSpPr>
+          <p:cNvPr id="96" name="直線矢印コネクタ 95"/>
+          <p:cNvCxnSpPr>
+            <a:stCxn id="77" idx="0"/>
+            <a:endCxn id="78" idx="2"/>
+          </p:cNvCxnSpPr>
+          <p:nvPr/>
+        </p:nvCxnSpPr>
+        <p:spPr>
+          <a:xfrm flipV="1">
+            <a:off x="5796396" y="3995861"/>
+            <a:ext cx="0" cy="504056"/>
+          </a:xfrm>
+          <a:prstGeom prst="straightConnector1">
+            <a:avLst/>
+          </a:prstGeom>
+          <a:ln>
+            <a:tailEnd type="arrow"/>
+          </a:ln>
+        </p:spPr>
+        <p:style>
+          <a:lnRef idx="1">
+            <a:schemeClr val="accent1"/>
+          </a:lnRef>
+          <a:fillRef idx="0">
+            <a:schemeClr val="accent1"/>
+          </a:fillRef>
+          <a:effectRef idx="0">
+            <a:schemeClr val="accent1"/>
+          </a:effectRef>
+          <a:fontRef idx="minor">
+            <a:schemeClr val="tx1"/>
+          </a:fontRef>
+        </p:style>
+      </p:cxnSp>
+      <p:cxnSp>
+        <p:nvCxnSpPr>
+          <p:cNvPr id="99" name="直線矢印コネクタ 98"/>
+          <p:cNvCxnSpPr>
+            <a:stCxn id="78" idx="0"/>
+            <a:endCxn id="75" idx="2"/>
+          </p:cNvCxnSpPr>
+          <p:nvPr/>
+        </p:nvCxnSpPr>
+        <p:spPr>
+          <a:xfrm flipV="1">
+            <a:off x="5796396" y="3131765"/>
+            <a:ext cx="0" cy="432048"/>
+          </a:xfrm>
+          <a:prstGeom prst="straightConnector1">
+            <a:avLst/>
+          </a:prstGeom>
+          <a:ln>
+            <a:tailEnd type="arrow"/>
+          </a:ln>
+        </p:spPr>
+        <p:style>
+          <a:lnRef idx="1">
+            <a:schemeClr val="accent1"/>
+          </a:lnRef>
+          <a:fillRef idx="0">
+            <a:schemeClr val="accent1"/>
+          </a:fillRef>
+          <a:effectRef idx="0">
+            <a:schemeClr val="accent1"/>
+          </a:effectRef>
+          <a:fontRef idx="minor">
+            <a:schemeClr val="tx1"/>
+          </a:fontRef>
+        </p:style>
+      </p:cxnSp>
+      <p:sp>
+        <p:nvSpPr>
+          <p:cNvPr id="114" name="円/楕円 113"/>
+          <p:cNvSpPr/>
+          <p:nvPr/>
+        </p:nvSpPr>
+        <p:spPr>
+          <a:xfrm>
+            <a:off x="3528144" y="5075981"/>
+            <a:ext cx="504056" cy="432048"/>
+          </a:xfrm>
+          <a:prstGeom prst="ellipse">
+            <a:avLst/>
+          </a:prstGeom>
+          <a:ln w="12700"/>
+        </p:spPr>
+        <p:style>
+          <a:lnRef idx="2">
+            <a:schemeClr val="dk1"/>
+          </a:lnRef>
+          <a:fillRef idx="1">
+            <a:schemeClr val="lt1"/>
+          </a:fillRef>
+          <a:effectRef idx="0">
+            <a:schemeClr val="dk1"/>
+          </a:effectRef>
+          <a:fontRef idx="minor">
+            <a:schemeClr val="dk1"/>
+          </a:fontRef>
+        </p:style>
+        <p:txBody>
+          <a:bodyPr lIns="0" tIns="0" rIns="0" bIns="0" rtlCol="0" anchor="ctr"/>
+          <a:lstStyle/>
+          <a:p>
+            <a:pPr algn="ctr"/>
+            <a:r>
+              <a:rPr kumimoji="1" lang="ja-JP" altLang="en-US" sz="900" b="1" smtClean="0"/>
+              <a:t>サーバ</a:t>
+            </a:r>
+            <a:endParaRPr kumimoji="1" lang="en-US" altLang="ja-JP" sz="900" b="1" smtClean="0"/>
+          </a:p>
+          <a:p>
+            <a:pPr algn="ctr"/>
+            <a:r>
+              <a:rPr lang="ja-JP" altLang="en-US" sz="900" b="1"/>
+              <a:t>構築</a:t>
+            </a:r>
+            <a:endParaRPr kumimoji="1" lang="ja-JP" altLang="en-US" sz="900" b="1"/>
+          </a:p>
+        </p:txBody>
+      </p:sp>
+      <p:sp>
+        <p:nvSpPr>
+          <p:cNvPr id="117" name="円/楕円 116"/>
+          <p:cNvSpPr/>
+          <p:nvPr/>
+        </p:nvSpPr>
+        <p:spPr>
+          <a:xfrm>
+            <a:off x="4824288" y="4067869"/>
+            <a:ext cx="504056" cy="432048"/>
+          </a:xfrm>
+          <a:prstGeom prst="ellipse">
+            <a:avLst/>
+          </a:prstGeom>
+          <a:ln w="12700"/>
+        </p:spPr>
+        <p:style>
+          <a:lnRef idx="2">
+            <a:schemeClr val="dk1"/>
+          </a:lnRef>
+          <a:fillRef idx="1">
+            <a:schemeClr val="lt1"/>
+          </a:fillRef>
+          <a:effectRef idx="0">
+            <a:schemeClr val="dk1"/>
+          </a:effectRef>
+          <a:fontRef idx="minor">
+            <a:schemeClr val="dk1"/>
+          </a:fontRef>
+        </p:style>
+        <p:txBody>
+          <a:bodyPr lIns="0" tIns="0" rIns="0" bIns="0" rtlCol="0" anchor="ctr"/>
+          <a:lstStyle/>
+          <a:p>
+            <a:pPr algn="ctr"/>
+            <a:r>
+              <a:rPr kumimoji="1" lang="ja-JP" altLang="en-US" sz="900" b="1" smtClean="0"/>
+              <a:t>監視</a:t>
+            </a:r>
+            <a:endParaRPr kumimoji="1" lang="en-US" altLang="ja-JP" sz="900" b="1" smtClean="0"/>
+          </a:p>
+          <a:p>
+            <a:pPr algn="ctr"/>
+            <a:r>
+              <a:rPr lang="ja-JP" altLang="en-US" sz="900" b="1"/>
+              <a:t>設定</a:t>
+            </a:r>
+            <a:endParaRPr kumimoji="1" lang="ja-JP" altLang="en-US" sz="900" b="1"/>
+          </a:p>
+        </p:txBody>
+      </p:sp>
+      <p:cxnSp>
+        <p:nvCxnSpPr>
+          <p:cNvPr id="120" name="直線コネクタ 119"/>
+          <p:cNvCxnSpPr/>
+          <p:nvPr/>
+        </p:nvCxnSpPr>
+        <p:spPr>
+          <a:xfrm>
+            <a:off x="431800" y="3419797"/>
+            <a:ext cx="9073008" cy="0"/>
+          </a:xfrm>
+          <a:prstGeom prst="line">
+            <a:avLst/>
+          </a:prstGeom>
+          <a:ln>
+            <a:prstDash val="dash"/>
+          </a:ln>
+        </p:spPr>
+        <p:style>
+          <a:lnRef idx="1">
+            <a:schemeClr val="accent1"/>
+          </a:lnRef>
+          <a:fillRef idx="0">
+            <a:schemeClr val="accent1"/>
+          </a:fillRef>
+          <a:effectRef idx="0">
+            <a:schemeClr val="accent1"/>
+          </a:effectRef>
+          <a:fontRef idx="minor">
+            <a:schemeClr val="tx1"/>
+          </a:fontRef>
+        </p:style>
+      </p:cxnSp>
+      <p:cxnSp>
+        <p:nvCxnSpPr>
+          <p:cNvPr id="121" name="直線コネクタ 120"/>
+          <p:cNvCxnSpPr/>
+          <p:nvPr/>
+        </p:nvCxnSpPr>
+        <p:spPr>
+          <a:xfrm>
+            <a:off x="431800" y="5003973"/>
+            <a:ext cx="9073008" cy="0"/>
+          </a:xfrm>
+          <a:prstGeom prst="line">
+            <a:avLst/>
+          </a:prstGeom>
+          <a:ln>
+            <a:prstDash val="dash"/>
+          </a:ln>
+        </p:spPr>
+        <p:style>
+          <a:lnRef idx="1">
+            <a:schemeClr val="accent1"/>
+          </a:lnRef>
+          <a:fillRef idx="0">
+            <a:schemeClr val="accent1"/>
+          </a:fillRef>
+          <a:effectRef idx="0">
+            <a:schemeClr val="accent1"/>
+          </a:effectRef>
+          <a:fontRef idx="minor">
+            <a:schemeClr val="tx1"/>
+          </a:fontRef>
+        </p:style>
+      </p:cxnSp>
+      <p:cxnSp>
+        <p:nvCxnSpPr>
+          <p:cNvPr id="129" name="直線矢印コネクタ 128"/>
+          <p:cNvCxnSpPr>
+            <a:stCxn id="75" idx="3"/>
+            <a:endCxn id="177" idx="1"/>
+          </p:cNvCxnSpPr>
+          <p:nvPr/>
+        </p:nvCxnSpPr>
+        <p:spPr>
+          <a:xfrm>
+            <a:off x="6120432" y="2915741"/>
+            <a:ext cx="1080120" cy="0"/>
+          </a:xfrm>
+          <a:prstGeom prst="straightConnector1">
+            <a:avLst/>
+          </a:prstGeom>
+          <a:ln>
+            <a:tailEnd type="arrow"/>
+          </a:ln>
+        </p:spPr>
+        <p:style>
+          <a:lnRef idx="1">
+            <a:schemeClr val="accent1"/>
+          </a:lnRef>
+          <a:fillRef idx="0">
+            <a:schemeClr val="accent1"/>
+          </a:fillRef>
+          <a:effectRef idx="0">
+            <a:schemeClr val="accent1"/>
+          </a:effectRef>
+          <a:fontRef idx="minor">
+            <a:schemeClr val="tx1"/>
+          </a:fontRef>
+        </p:style>
+      </p:cxnSp>
+      <p:sp>
+        <p:nvSpPr>
+          <p:cNvPr id="152" name="テキスト ボックス 151"/>
+          <p:cNvSpPr txBox="1"/>
+          <p:nvPr/>
+        </p:nvSpPr>
+        <p:spPr>
+          <a:xfrm>
+            <a:off x="9000752" y="1043533"/>
+            <a:ext cx="504056" cy="288032"/>
+          </a:xfrm>
+          <a:prstGeom prst="rect">
+            <a:avLst/>
+          </a:prstGeom>
+          <a:noFill/>
+          <a:ln>
+            <a:noFill/>
+          </a:ln>
+        </p:spPr>
+        <p:txBody>
+          <a:bodyPr wrap="none" rtlCol="0">
+            <a:noAutofit/>
+          </a:bodyPr>
+          <a:lstStyle/>
+          <a:p>
+            <a:pPr algn="ctr"/>
+            <a:r>
+              <a:rPr kumimoji="1" lang="ja-JP" altLang="en-US" sz="1200" smtClean="0">
+                <a:latin typeface="Meiryo UI" pitchFamily="50" charset="-128"/>
+                <a:ea typeface="Meiryo UI" pitchFamily="50" charset="-128"/>
+                <a:cs typeface="Meiryo UI" pitchFamily="50" charset="-128"/>
+              </a:rPr>
+              <a:t>廃棄</a:t>
+            </a:r>
+            <a:endParaRPr kumimoji="1" lang="ja-JP" altLang="en-US" sz="1200" smtClean="0">
+              <a:latin typeface="Meiryo UI" pitchFamily="50" charset="-128"/>
+              <a:ea typeface="Meiryo UI" pitchFamily="50" charset="-128"/>
+              <a:cs typeface="Meiryo UI" pitchFamily="50" charset="-128"/>
+            </a:endParaRPr>
+          </a:p>
+        </p:txBody>
+      </p:sp>
+      <p:cxnSp>
+        <p:nvCxnSpPr>
+          <p:cNvPr id="162" name="直線矢印コネクタ 161"/>
+          <p:cNvCxnSpPr>
+            <a:stCxn id="160" idx="0"/>
+            <a:endCxn id="161" idx="2"/>
+          </p:cNvCxnSpPr>
+          <p:nvPr/>
+        </p:nvCxnSpPr>
+        <p:spPr>
+          <a:xfrm flipV="1">
+            <a:off x="7524588" y="3995861"/>
+            <a:ext cx="0" cy="504056"/>
+          </a:xfrm>
+          <a:prstGeom prst="straightConnector1">
+            <a:avLst/>
+          </a:prstGeom>
+          <a:ln>
+            <a:tailEnd type="arrow"/>
+          </a:ln>
+        </p:spPr>
+        <p:style>
+          <a:lnRef idx="1">
+            <a:schemeClr val="accent1"/>
+          </a:lnRef>
+          <a:fillRef idx="0">
+            <a:schemeClr val="accent1"/>
+          </a:fillRef>
+          <a:effectRef idx="0">
+            <a:schemeClr val="accent1"/>
+          </a:effectRef>
+          <a:fontRef idx="minor">
+            <a:schemeClr val="tx1"/>
+          </a:fontRef>
+        </p:style>
+      </p:cxnSp>
+      <p:cxnSp>
+        <p:nvCxnSpPr>
+          <p:cNvPr id="179" name="直線矢印コネクタ 178"/>
+          <p:cNvCxnSpPr>
+            <a:stCxn id="177" idx="3"/>
+            <a:endCxn id="76" idx="1"/>
+          </p:cNvCxnSpPr>
+          <p:nvPr/>
+        </p:nvCxnSpPr>
+        <p:spPr>
+          <a:xfrm>
+            <a:off x="7848624" y="2915741"/>
+            <a:ext cx="720080" cy="0"/>
+          </a:xfrm>
+          <a:prstGeom prst="straightConnector1">
+            <a:avLst/>
+          </a:prstGeom>
+          <a:ln>
+            <a:tailEnd type="arrow"/>
+          </a:ln>
+        </p:spPr>
+        <p:style>
+          <a:lnRef idx="1">
+            <a:schemeClr val="accent1"/>
+          </a:lnRef>
+          <a:fillRef idx="0">
+            <a:schemeClr val="accent1"/>
+          </a:fillRef>
+          <a:effectRef idx="0">
+            <a:schemeClr val="accent1"/>
+          </a:effectRef>
+          <a:fontRef idx="minor">
+            <a:schemeClr val="tx1"/>
+          </a:fontRef>
+        </p:style>
+      </p:cxnSp>
+      <p:cxnSp>
+        <p:nvCxnSpPr>
+          <p:cNvPr id="189" name="直線矢印コネクタ 188"/>
+          <p:cNvCxnSpPr>
+            <a:stCxn id="161" idx="0"/>
+            <a:endCxn id="177" idx="2"/>
+          </p:cNvCxnSpPr>
+          <p:nvPr/>
+        </p:nvCxnSpPr>
+        <p:spPr>
+          <a:xfrm flipV="1">
+            <a:off x="7524588" y="3131765"/>
+            <a:ext cx="0" cy="432048"/>
+          </a:xfrm>
+          <a:prstGeom prst="straightConnector1">
+            <a:avLst/>
+          </a:prstGeom>
+          <a:ln>
+            <a:tailEnd type="arrow"/>
+          </a:ln>
+        </p:spPr>
+        <p:style>
+          <a:lnRef idx="1">
+            <a:schemeClr val="accent1"/>
+          </a:lnRef>
+          <a:fillRef idx="0">
+            <a:schemeClr val="accent1"/>
+          </a:fillRef>
+          <a:effectRef idx="0">
+            <a:schemeClr val="accent1"/>
+          </a:effectRef>
+          <a:fontRef idx="minor">
+            <a:schemeClr val="tx1"/>
+          </a:fontRef>
+        </p:style>
+      </p:cxnSp>
+      <p:sp>
+        <p:nvSpPr>
+          <p:cNvPr id="193" name="円/楕円 192"/>
+          <p:cNvSpPr/>
+          <p:nvPr/>
+        </p:nvSpPr>
+        <p:spPr>
+          <a:xfrm>
+            <a:off x="6552480" y="4067869"/>
+            <a:ext cx="504056" cy="432048"/>
+          </a:xfrm>
+          <a:prstGeom prst="ellipse">
+            <a:avLst/>
+          </a:prstGeom>
+          <a:ln w="12700"/>
+        </p:spPr>
+        <p:style>
+          <a:lnRef idx="2">
+            <a:schemeClr val="dk1"/>
+          </a:lnRef>
+          <a:fillRef idx="1">
+            <a:schemeClr val="lt1"/>
+          </a:fillRef>
+          <a:effectRef idx="0">
+            <a:schemeClr val="dk1"/>
+          </a:effectRef>
+          <a:fontRef idx="minor">
+            <a:schemeClr val="dk1"/>
+          </a:fontRef>
+        </p:style>
+        <p:txBody>
+          <a:bodyPr lIns="0" tIns="0" rIns="0" bIns="0" rtlCol="0" anchor="ctr"/>
+          <a:lstStyle/>
+          <a:p>
+            <a:pPr algn="ctr"/>
+            <a:r>
+              <a:rPr kumimoji="1" lang="ja-JP" altLang="en-US" sz="900" b="1" smtClean="0"/>
+              <a:t>構成</a:t>
+            </a:r>
+            <a:endParaRPr kumimoji="1" lang="en-US" altLang="ja-JP" sz="900" b="1" smtClean="0"/>
+          </a:p>
+          <a:p>
+            <a:pPr algn="ctr"/>
+            <a:r>
+              <a:rPr kumimoji="1" lang="ja-JP" altLang="en-US" sz="900" b="1" smtClean="0"/>
+              <a:t>変更</a:t>
+            </a:r>
+            <a:endParaRPr kumimoji="1" lang="ja-JP" altLang="en-US" sz="900" b="1"/>
+          </a:p>
+        </p:txBody>
+      </p:sp>
+      <p:cxnSp>
+        <p:nvCxnSpPr>
+          <p:cNvPr id="194" name="カギ線コネクタ 193"/>
+          <p:cNvCxnSpPr>
+            <a:stCxn id="193" idx="4"/>
+            <a:endCxn id="160" idx="1"/>
+          </p:cNvCxnSpPr>
+          <p:nvPr/>
+        </p:nvCxnSpPr>
+        <p:spPr>
+          <a:xfrm rot="16200000" flipH="1">
+            <a:off x="6894518" y="4409907"/>
+            <a:ext cx="216024" cy="396044"/>
+          </a:xfrm>
+          <a:prstGeom prst="bentConnector2">
+            <a:avLst/>
+          </a:prstGeom>
+          <a:ln>
+            <a:tailEnd type="arrow"/>
+          </a:ln>
+        </p:spPr>
+        <p:style>
+          <a:lnRef idx="1">
+            <a:schemeClr val="accent1"/>
+          </a:lnRef>
+          <a:fillRef idx="0">
+            <a:schemeClr val="accent1"/>
+          </a:fillRef>
+          <a:effectRef idx="0">
+            <a:schemeClr val="accent1"/>
+          </a:effectRef>
+          <a:fontRef idx="minor">
+            <a:schemeClr val="tx1"/>
+          </a:fontRef>
+        </p:style>
+      </p:cxnSp>
+      <p:cxnSp>
+        <p:nvCxnSpPr>
+          <p:cNvPr id="197" name="直線矢印コネクタ 196"/>
+          <p:cNvCxnSpPr>
+            <a:stCxn id="79" idx="3"/>
+            <a:endCxn id="75" idx="1"/>
+          </p:cNvCxnSpPr>
+          <p:nvPr/>
+        </p:nvCxnSpPr>
+        <p:spPr>
+          <a:xfrm>
+            <a:off x="4824288" y="2915741"/>
+            <a:ext cx="648072" cy="0"/>
+          </a:xfrm>
+          <a:prstGeom prst="straightConnector1">
+            <a:avLst/>
+          </a:prstGeom>
+          <a:ln>
+            <a:tailEnd type="arrow"/>
+          </a:ln>
+        </p:spPr>
+        <p:style>
+          <a:lnRef idx="1">
+            <a:schemeClr val="accent1"/>
+          </a:lnRef>
+          <a:fillRef idx="0">
+            <a:schemeClr val="accent1"/>
+          </a:fillRef>
+          <a:effectRef idx="0">
+            <a:schemeClr val="accent1"/>
+          </a:effectRef>
+          <a:fontRef idx="minor">
+            <a:schemeClr val="tx1"/>
+          </a:fontRef>
+        </p:style>
+      </p:cxnSp>
+      <p:cxnSp>
+        <p:nvCxnSpPr>
+          <p:cNvPr id="200" name="直線矢印コネクタ 199"/>
+          <p:cNvCxnSpPr>
+            <a:stCxn id="67" idx="3"/>
+            <a:endCxn id="79" idx="1"/>
+          </p:cNvCxnSpPr>
+          <p:nvPr/>
+        </p:nvCxnSpPr>
+        <p:spPr>
+          <a:xfrm>
+            <a:off x="3672160" y="2915741"/>
+            <a:ext cx="504056" cy="0"/>
+          </a:xfrm>
+          <a:prstGeom prst="straightConnector1">
+            <a:avLst/>
+          </a:prstGeom>
+          <a:ln>
+            <a:tailEnd type="arrow"/>
+          </a:ln>
+        </p:spPr>
+        <p:style>
+          <a:lnRef idx="1">
+            <a:schemeClr val="accent1"/>
+          </a:lnRef>
+          <a:fillRef idx="0">
+            <a:schemeClr val="accent1"/>
+          </a:fillRef>
+          <a:effectRef idx="0">
+            <a:schemeClr val="accent1"/>
+          </a:effectRef>
+          <a:fontRef idx="minor">
+            <a:schemeClr val="tx1"/>
+          </a:fontRef>
+        </p:style>
+      </p:cxnSp>
+      <p:sp>
+        <p:nvSpPr>
+          <p:cNvPr id="66" name="正方形/長方形 65"/>
+          <p:cNvSpPr/>
+          <p:nvPr/>
+        </p:nvSpPr>
+        <p:spPr>
+          <a:xfrm>
+            <a:off x="1871960" y="2699717"/>
+            <a:ext cx="648072" cy="432048"/>
+          </a:xfrm>
+          <a:prstGeom prst="rect">
+            <a:avLst/>
+          </a:prstGeom>
+          <a:ln w="12700"/>
+        </p:spPr>
+        <p:style>
+          <a:lnRef idx="2">
+            <a:schemeClr val="dk1"/>
+          </a:lnRef>
+          <a:fillRef idx="1">
+            <a:schemeClr val="lt1"/>
+          </a:fillRef>
+          <a:effectRef idx="0">
+            <a:schemeClr val="dk1"/>
+          </a:effectRef>
+          <a:fontRef idx="minor">
+            <a:schemeClr val="dk1"/>
+          </a:fontRef>
+        </p:style>
+        <p:txBody>
+          <a:bodyPr lIns="0" tIns="0" rIns="0" bIns="0" rtlCol="0" anchor="ctr"/>
+          <a:lstStyle/>
+          <a:p>
+            <a:pPr algn="ctr"/>
+            <a:r>
+              <a:rPr kumimoji="1" lang="ja-JP" altLang="en-US" sz="1000" b="1" smtClean="0">
+                <a:latin typeface="Meiryo UI" panose="020B0604030504040204" pitchFamily="50" charset="-128"/>
+                <a:ea typeface="Meiryo UI" panose="020B0604030504040204" pitchFamily="50" charset="-128"/>
+                <a:cs typeface="Meiryo UI" panose="020B0604030504040204" pitchFamily="50" charset="-128"/>
+              </a:rPr>
+              <a:t>チケット</a:t>
+            </a:r>
+            <a:endParaRPr kumimoji="1" lang="en-US" altLang="ja-JP" sz="1000" b="1" smtClean="0">
+              <a:latin typeface="Meiryo UI" panose="020B0604030504040204" pitchFamily="50" charset="-128"/>
+              <a:ea typeface="Meiryo UI" panose="020B0604030504040204" pitchFamily="50" charset="-128"/>
+              <a:cs typeface="Meiryo UI" panose="020B0604030504040204" pitchFamily="50" charset="-128"/>
+            </a:endParaRPr>
+          </a:p>
+          <a:p>
+            <a:pPr algn="ctr"/>
+            <a:r>
+              <a:rPr kumimoji="1" lang="ja-JP" altLang="en-US" sz="1000" b="1" smtClean="0">
+                <a:latin typeface="Meiryo UI" panose="020B0604030504040204" pitchFamily="50" charset="-128"/>
+                <a:ea typeface="Meiryo UI" panose="020B0604030504040204" pitchFamily="50" charset="-128"/>
+                <a:cs typeface="Meiryo UI" panose="020B0604030504040204" pitchFamily="50" charset="-128"/>
+              </a:rPr>
+              <a:t>登録</a:t>
+            </a:r>
+            <a:endParaRPr kumimoji="1" lang="ja-JP" altLang="en-US" sz="1000" b="1">
+              <a:latin typeface="Meiryo UI" panose="020B0604030504040204" pitchFamily="50" charset="-128"/>
+              <a:ea typeface="Meiryo UI" panose="020B0604030504040204" pitchFamily="50" charset="-128"/>
+              <a:cs typeface="Meiryo UI" panose="020B0604030504040204" pitchFamily="50" charset="-128"/>
+            </a:endParaRPr>
+          </a:p>
+        </p:txBody>
+      </p:sp>
+      <p:sp>
+        <p:nvSpPr>
+          <p:cNvPr id="68" name="正方形/長方形 67"/>
+          <p:cNvSpPr/>
+          <p:nvPr/>
+        </p:nvSpPr>
+        <p:spPr>
+          <a:xfrm>
+            <a:off x="4176216" y="5436021"/>
+            <a:ext cx="648072" cy="432048"/>
+          </a:xfrm>
+          <a:prstGeom prst="rect">
+            <a:avLst/>
+          </a:prstGeom>
+          <a:ln w="12700"/>
+        </p:spPr>
+        <p:style>
+          <a:lnRef idx="2">
+            <a:schemeClr val="dk1"/>
+          </a:lnRef>
+          <a:fillRef idx="1">
+            <a:schemeClr val="lt1"/>
+          </a:fillRef>
+          <a:effectRef idx="0">
+            <a:schemeClr val="dk1"/>
+          </a:effectRef>
+          <a:fontRef idx="minor">
+            <a:schemeClr val="dk1"/>
+          </a:fontRef>
+        </p:style>
+        <p:txBody>
+          <a:bodyPr lIns="0" tIns="0" rIns="0" bIns="0" rtlCol="0" anchor="ctr"/>
+          <a:lstStyle/>
+          <a:p>
+            <a:pPr algn="ctr"/>
+            <a:r>
+              <a:rPr kumimoji="1" lang="ja-JP" altLang="en-US" sz="1000" b="1" smtClean="0">
+                <a:latin typeface="Meiryo UI" panose="020B0604030504040204" pitchFamily="50" charset="-128"/>
+                <a:ea typeface="Meiryo UI" panose="020B0604030504040204" pitchFamily="50" charset="-128"/>
+                <a:cs typeface="Meiryo UI" panose="020B0604030504040204" pitchFamily="50" charset="-128"/>
+              </a:rPr>
+              <a:t>インベントリ</a:t>
+            </a:r>
+            <a:endParaRPr kumimoji="1" lang="en-US" altLang="ja-JP" sz="1000" b="1" smtClean="0">
+              <a:latin typeface="Meiryo UI" panose="020B0604030504040204" pitchFamily="50" charset="-128"/>
+              <a:ea typeface="Meiryo UI" panose="020B0604030504040204" pitchFamily="50" charset="-128"/>
+              <a:cs typeface="Meiryo UI" panose="020B0604030504040204" pitchFamily="50" charset="-128"/>
+            </a:endParaRPr>
+          </a:p>
+          <a:p>
+            <a:pPr algn="ctr"/>
+            <a:r>
+              <a:rPr lang="ja-JP" altLang="en-US" sz="1000" b="1">
+                <a:latin typeface="Meiryo UI" panose="020B0604030504040204" pitchFamily="50" charset="-128"/>
+                <a:ea typeface="Meiryo UI" panose="020B0604030504040204" pitchFamily="50" charset="-128"/>
+                <a:cs typeface="Meiryo UI" panose="020B0604030504040204" pitchFamily="50" charset="-128"/>
+              </a:rPr>
+              <a:t>収集</a:t>
+            </a:r>
+            <a:endParaRPr kumimoji="1" lang="ja-JP" altLang="en-US" sz="1000" b="1">
+              <a:latin typeface="Meiryo UI" panose="020B0604030504040204" pitchFamily="50" charset="-128"/>
+              <a:ea typeface="Meiryo UI" panose="020B0604030504040204" pitchFamily="50" charset="-128"/>
+              <a:cs typeface="Meiryo UI" panose="020B0604030504040204" pitchFamily="50" charset="-128"/>
+            </a:endParaRPr>
+          </a:p>
+        </p:txBody>
+      </p:sp>
+      <p:sp>
+        <p:nvSpPr>
+          <p:cNvPr id="69" name="正方形/長方形 68"/>
+          <p:cNvSpPr/>
+          <p:nvPr/>
+        </p:nvSpPr>
+        <p:spPr>
+          <a:xfrm>
+            <a:off x="4176216" y="3563813"/>
+            <a:ext cx="648072" cy="432048"/>
+          </a:xfrm>
+          <a:prstGeom prst="rect">
+            <a:avLst/>
+          </a:prstGeom>
+          <a:ln w="12700"/>
+        </p:spPr>
+        <p:style>
+          <a:lnRef idx="2">
+            <a:schemeClr val="dk1"/>
+          </a:lnRef>
+          <a:fillRef idx="1">
+            <a:schemeClr val="lt1"/>
+          </a:fillRef>
+          <a:effectRef idx="0">
+            <a:schemeClr val="dk1"/>
+          </a:effectRef>
+          <a:fontRef idx="minor">
+            <a:schemeClr val="dk1"/>
+          </a:fontRef>
+        </p:style>
+        <p:txBody>
+          <a:bodyPr lIns="0" tIns="0" rIns="0" bIns="0" rtlCol="0" anchor="ctr"/>
+          <a:lstStyle/>
+          <a:p>
+            <a:pPr algn="ctr"/>
+            <a:r>
+              <a:rPr lang="ja-JP" altLang="en-US" sz="1000" b="1" smtClean="0">
+                <a:latin typeface="Meiryo UI" panose="020B0604030504040204" pitchFamily="50" charset="-128"/>
+                <a:ea typeface="Meiryo UI" panose="020B0604030504040204" pitchFamily="50" charset="-128"/>
+                <a:cs typeface="Meiryo UI" panose="020B0604030504040204" pitchFamily="50" charset="-128"/>
+              </a:rPr>
+              <a:t>受入れ</a:t>
+            </a:r>
+            <a:endParaRPr lang="en-US" altLang="ja-JP" sz="1000" b="1" smtClean="0">
+              <a:latin typeface="Meiryo UI" panose="020B0604030504040204" pitchFamily="50" charset="-128"/>
+              <a:ea typeface="Meiryo UI" panose="020B0604030504040204" pitchFamily="50" charset="-128"/>
+              <a:cs typeface="Meiryo UI" panose="020B0604030504040204" pitchFamily="50" charset="-128"/>
+            </a:endParaRPr>
+          </a:p>
+          <a:p>
+            <a:pPr algn="ctr"/>
+            <a:r>
+              <a:rPr kumimoji="1" lang="ja-JP" altLang="en-US" sz="1000" b="1" smtClean="0">
+                <a:latin typeface="Meiryo UI" panose="020B0604030504040204" pitchFamily="50" charset="-128"/>
+                <a:ea typeface="Meiryo UI" panose="020B0604030504040204" pitchFamily="50" charset="-128"/>
+                <a:cs typeface="Meiryo UI" panose="020B0604030504040204" pitchFamily="50" charset="-128"/>
+              </a:rPr>
+              <a:t>チェック</a:t>
+            </a:r>
+            <a:endParaRPr kumimoji="1" lang="ja-JP" altLang="en-US" sz="1000" b="1">
+              <a:latin typeface="Meiryo UI" panose="020B0604030504040204" pitchFamily="50" charset="-128"/>
+              <a:ea typeface="Meiryo UI" panose="020B0604030504040204" pitchFamily="50" charset="-128"/>
+              <a:cs typeface="Meiryo UI" panose="020B0604030504040204" pitchFamily="50" charset="-128"/>
+            </a:endParaRPr>
+          </a:p>
+        </p:txBody>
+      </p:sp>
+      <p:sp>
+        <p:nvSpPr>
+          <p:cNvPr id="75" name="正方形/長方形 74"/>
+          <p:cNvSpPr/>
+          <p:nvPr/>
+        </p:nvSpPr>
+        <p:spPr>
+          <a:xfrm>
+            <a:off x="5472360" y="2699717"/>
+            <a:ext cx="648072" cy="432048"/>
+          </a:xfrm>
+          <a:prstGeom prst="rect">
+            <a:avLst/>
+          </a:prstGeom>
+          <a:ln w="12700"/>
+        </p:spPr>
+        <p:style>
+          <a:lnRef idx="2">
+            <a:schemeClr val="dk1"/>
+          </a:lnRef>
+          <a:fillRef idx="1">
+            <a:schemeClr val="lt1"/>
+          </a:fillRef>
+          <a:effectRef idx="0">
+            <a:schemeClr val="dk1"/>
+          </a:effectRef>
+          <a:fontRef idx="minor">
+            <a:schemeClr val="dk1"/>
+          </a:fontRef>
+        </p:style>
+        <p:txBody>
+          <a:bodyPr lIns="0" tIns="0" rIns="0" bIns="0" rtlCol="0" anchor="ctr"/>
+          <a:lstStyle/>
+          <a:p>
+            <a:pPr algn="ctr"/>
+            <a:r>
+              <a:rPr kumimoji="1" lang="ja-JP" altLang="en-US" sz="1000" b="1" smtClean="0">
+                <a:latin typeface="Meiryo UI" panose="020B0604030504040204" pitchFamily="50" charset="-128"/>
+                <a:ea typeface="Meiryo UI" panose="020B0604030504040204" pitchFamily="50" charset="-128"/>
+                <a:cs typeface="Meiryo UI" panose="020B0604030504040204" pitchFamily="50" charset="-128"/>
+              </a:rPr>
+              <a:t>チケット</a:t>
+            </a:r>
+            <a:endParaRPr kumimoji="1" lang="en-US" altLang="ja-JP" sz="1000" b="1" smtClean="0">
+              <a:latin typeface="Meiryo UI" panose="020B0604030504040204" pitchFamily="50" charset="-128"/>
+              <a:ea typeface="Meiryo UI" panose="020B0604030504040204" pitchFamily="50" charset="-128"/>
+              <a:cs typeface="Meiryo UI" panose="020B0604030504040204" pitchFamily="50" charset="-128"/>
+            </a:endParaRPr>
+          </a:p>
+          <a:p>
+            <a:pPr algn="ctr"/>
+            <a:r>
+              <a:rPr lang="ja-JP" altLang="en-US" sz="1000" b="1">
+                <a:latin typeface="Meiryo UI" panose="020B0604030504040204" pitchFamily="50" charset="-128"/>
+                <a:ea typeface="Meiryo UI" panose="020B0604030504040204" pitchFamily="50" charset="-128"/>
+                <a:cs typeface="Meiryo UI" panose="020B0604030504040204" pitchFamily="50" charset="-128"/>
+              </a:rPr>
+              <a:t>更新</a:t>
+            </a:r>
+            <a:endParaRPr kumimoji="1" lang="ja-JP" altLang="en-US" sz="1000" b="1">
+              <a:latin typeface="Meiryo UI" panose="020B0604030504040204" pitchFamily="50" charset="-128"/>
+              <a:ea typeface="Meiryo UI" panose="020B0604030504040204" pitchFamily="50" charset="-128"/>
+              <a:cs typeface="Meiryo UI" panose="020B0604030504040204" pitchFamily="50" charset="-128"/>
+            </a:endParaRPr>
+          </a:p>
+        </p:txBody>
+      </p:sp>
+      <p:sp>
+        <p:nvSpPr>
+          <p:cNvPr id="76" name="正方形/長方形 75"/>
+          <p:cNvSpPr/>
+          <p:nvPr/>
+        </p:nvSpPr>
+        <p:spPr>
+          <a:xfrm>
+            <a:off x="8568704" y="2699717"/>
+            <a:ext cx="648072" cy="432048"/>
+          </a:xfrm>
+          <a:prstGeom prst="rect">
+            <a:avLst/>
+          </a:prstGeom>
+          <a:ln w="12700"/>
+        </p:spPr>
+        <p:style>
+          <a:lnRef idx="2">
+            <a:schemeClr val="dk1"/>
+          </a:lnRef>
+          <a:fillRef idx="1">
+            <a:schemeClr val="lt1"/>
+          </a:fillRef>
+          <a:effectRef idx="0">
+            <a:schemeClr val="dk1"/>
+          </a:effectRef>
+          <a:fontRef idx="minor">
+            <a:schemeClr val="dk1"/>
+          </a:fontRef>
+        </p:style>
+        <p:txBody>
+          <a:bodyPr lIns="0" tIns="0" rIns="0" bIns="0" rtlCol="0" anchor="ctr"/>
+          <a:lstStyle/>
+          <a:p>
+            <a:pPr algn="ctr"/>
+            <a:r>
+              <a:rPr lang="ja-JP" altLang="en-US" sz="1000" b="1" smtClean="0">
+                <a:latin typeface="Meiryo UI" panose="020B0604030504040204" pitchFamily="50" charset="-128"/>
+                <a:ea typeface="Meiryo UI" panose="020B0604030504040204" pitchFamily="50" charset="-128"/>
+                <a:cs typeface="Meiryo UI" panose="020B0604030504040204" pitchFamily="50" charset="-128"/>
+              </a:rPr>
+              <a:t>チケット</a:t>
+            </a:r>
+            <a:endParaRPr lang="en-US" altLang="ja-JP" sz="1000" b="1" smtClean="0">
+              <a:latin typeface="Meiryo UI" panose="020B0604030504040204" pitchFamily="50" charset="-128"/>
+              <a:ea typeface="Meiryo UI" panose="020B0604030504040204" pitchFamily="50" charset="-128"/>
+              <a:cs typeface="Meiryo UI" panose="020B0604030504040204" pitchFamily="50" charset="-128"/>
+            </a:endParaRPr>
+          </a:p>
+          <a:p>
+            <a:pPr algn="ctr"/>
+            <a:r>
+              <a:rPr kumimoji="1" lang="ja-JP" altLang="en-US" sz="1000" b="1" smtClean="0">
+                <a:latin typeface="Meiryo UI" panose="020B0604030504040204" pitchFamily="50" charset="-128"/>
+                <a:ea typeface="Meiryo UI" panose="020B0604030504040204" pitchFamily="50" charset="-128"/>
+                <a:cs typeface="Meiryo UI" panose="020B0604030504040204" pitchFamily="50" charset="-128"/>
+              </a:rPr>
+              <a:t>クローズ</a:t>
+            </a:r>
+            <a:endParaRPr kumimoji="1" lang="ja-JP" altLang="en-US" sz="1000" b="1">
+              <a:latin typeface="Meiryo UI" panose="020B0604030504040204" pitchFamily="50" charset="-128"/>
+              <a:ea typeface="Meiryo UI" panose="020B0604030504040204" pitchFamily="50" charset="-128"/>
+              <a:cs typeface="Meiryo UI" panose="020B0604030504040204" pitchFamily="50" charset="-128"/>
+            </a:endParaRPr>
+          </a:p>
+        </p:txBody>
+      </p:sp>
+      <p:sp>
+        <p:nvSpPr>
+          <p:cNvPr id="77" name="正方形/長方形 76"/>
+          <p:cNvSpPr/>
+          <p:nvPr/>
+        </p:nvSpPr>
+        <p:spPr>
+          <a:xfrm>
+            <a:off x="5472360" y="4499917"/>
+            <a:ext cx="648072" cy="432048"/>
+          </a:xfrm>
+          <a:prstGeom prst="rect">
+            <a:avLst/>
+          </a:prstGeom>
+          <a:ln w="12700"/>
+        </p:spPr>
+        <p:style>
+          <a:lnRef idx="2">
+            <a:schemeClr val="dk1"/>
+          </a:lnRef>
+          <a:fillRef idx="1">
+            <a:schemeClr val="lt1"/>
+          </a:fillRef>
+          <a:effectRef idx="0">
+            <a:schemeClr val="dk1"/>
+          </a:effectRef>
+          <a:fontRef idx="minor">
+            <a:schemeClr val="dk1"/>
+          </a:fontRef>
+        </p:style>
+        <p:txBody>
+          <a:bodyPr lIns="0" tIns="0" rIns="0" bIns="0" rtlCol="0" anchor="ctr"/>
+          <a:lstStyle/>
+          <a:p>
+            <a:pPr algn="ctr"/>
+            <a:r>
+              <a:rPr kumimoji="1" lang="ja-JP" altLang="en-US" sz="1000" b="1" smtClean="0">
+                <a:latin typeface="Meiryo UI" panose="020B0604030504040204" pitchFamily="50" charset="-128"/>
+                <a:ea typeface="Meiryo UI" panose="020B0604030504040204" pitchFamily="50" charset="-128"/>
+                <a:cs typeface="Meiryo UI" panose="020B0604030504040204" pitchFamily="50" charset="-128"/>
+              </a:rPr>
+              <a:t>インベントリ</a:t>
+            </a:r>
+            <a:endParaRPr kumimoji="1" lang="en-US" altLang="ja-JP" sz="1000" b="1" smtClean="0">
+              <a:latin typeface="Meiryo UI" panose="020B0604030504040204" pitchFamily="50" charset="-128"/>
+              <a:ea typeface="Meiryo UI" panose="020B0604030504040204" pitchFamily="50" charset="-128"/>
+              <a:cs typeface="Meiryo UI" panose="020B0604030504040204" pitchFamily="50" charset="-128"/>
+            </a:endParaRPr>
+          </a:p>
+          <a:p>
+            <a:pPr algn="ctr"/>
+            <a:r>
+              <a:rPr lang="ja-JP" altLang="en-US" sz="1000" b="1">
+                <a:latin typeface="Meiryo UI" panose="020B0604030504040204" pitchFamily="50" charset="-128"/>
+                <a:ea typeface="Meiryo UI" panose="020B0604030504040204" pitchFamily="50" charset="-128"/>
+                <a:cs typeface="Meiryo UI" panose="020B0604030504040204" pitchFamily="50" charset="-128"/>
+              </a:rPr>
+              <a:t>収集</a:t>
+            </a:r>
+            <a:endParaRPr kumimoji="1" lang="ja-JP" altLang="en-US" sz="1000" b="1">
+              <a:latin typeface="Meiryo UI" panose="020B0604030504040204" pitchFamily="50" charset="-128"/>
+              <a:ea typeface="Meiryo UI" panose="020B0604030504040204" pitchFamily="50" charset="-128"/>
+              <a:cs typeface="Meiryo UI" panose="020B0604030504040204" pitchFamily="50" charset="-128"/>
+            </a:endParaRPr>
+          </a:p>
+        </p:txBody>
+      </p:sp>
+      <p:sp>
+        <p:nvSpPr>
+          <p:cNvPr id="78" name="正方形/長方形 77"/>
+          <p:cNvSpPr/>
+          <p:nvPr/>
+        </p:nvSpPr>
+        <p:spPr>
+          <a:xfrm>
+            <a:off x="5472360" y="3563813"/>
+            <a:ext cx="648072" cy="432048"/>
+          </a:xfrm>
+          <a:prstGeom prst="rect">
+            <a:avLst/>
+          </a:prstGeom>
+          <a:ln w="12700"/>
+        </p:spPr>
+        <p:style>
+          <a:lnRef idx="2">
+            <a:schemeClr val="dk1"/>
+          </a:lnRef>
+          <a:fillRef idx="1">
+            <a:schemeClr val="lt1"/>
+          </a:fillRef>
+          <a:effectRef idx="0">
+            <a:schemeClr val="dk1"/>
+          </a:effectRef>
+          <a:fontRef idx="minor">
+            <a:schemeClr val="dk1"/>
+          </a:fontRef>
+        </p:style>
+        <p:txBody>
+          <a:bodyPr lIns="0" tIns="0" rIns="0" bIns="0" rtlCol="0" anchor="ctr"/>
+          <a:lstStyle/>
+          <a:p>
+            <a:pPr algn="ctr"/>
+            <a:r>
+              <a:rPr lang="ja-JP" altLang="en-US" sz="1000" b="1" smtClean="0">
+                <a:latin typeface="Meiryo UI" panose="020B0604030504040204" pitchFamily="50" charset="-128"/>
+                <a:ea typeface="Meiryo UI" panose="020B0604030504040204" pitchFamily="50" charset="-128"/>
+                <a:cs typeface="Meiryo UI" panose="020B0604030504040204" pitchFamily="50" charset="-128"/>
+              </a:rPr>
+              <a:t>受入れ</a:t>
+            </a:r>
+            <a:endParaRPr lang="en-US" altLang="ja-JP" sz="1000" b="1" smtClean="0">
+              <a:latin typeface="Meiryo UI" panose="020B0604030504040204" pitchFamily="50" charset="-128"/>
+              <a:ea typeface="Meiryo UI" panose="020B0604030504040204" pitchFamily="50" charset="-128"/>
+              <a:cs typeface="Meiryo UI" panose="020B0604030504040204" pitchFamily="50" charset="-128"/>
+            </a:endParaRPr>
+          </a:p>
+          <a:p>
+            <a:pPr algn="ctr"/>
+            <a:r>
+              <a:rPr kumimoji="1" lang="ja-JP" altLang="en-US" sz="1000" b="1" smtClean="0">
+                <a:latin typeface="Meiryo UI" panose="020B0604030504040204" pitchFamily="50" charset="-128"/>
+                <a:ea typeface="Meiryo UI" panose="020B0604030504040204" pitchFamily="50" charset="-128"/>
+                <a:cs typeface="Meiryo UI" panose="020B0604030504040204" pitchFamily="50" charset="-128"/>
+              </a:rPr>
+              <a:t>チェック</a:t>
+            </a:r>
+            <a:endParaRPr kumimoji="1" lang="ja-JP" altLang="en-US" sz="1000" b="1">
+              <a:latin typeface="Meiryo UI" panose="020B0604030504040204" pitchFamily="50" charset="-128"/>
+              <a:ea typeface="Meiryo UI" panose="020B0604030504040204" pitchFamily="50" charset="-128"/>
+              <a:cs typeface="Meiryo UI" panose="020B0604030504040204" pitchFamily="50" charset="-128"/>
+            </a:endParaRPr>
+          </a:p>
+        </p:txBody>
+      </p:sp>
+      <p:sp>
+        <p:nvSpPr>
+          <p:cNvPr id="79" name="正方形/長方形 78"/>
+          <p:cNvSpPr/>
+          <p:nvPr/>
+        </p:nvSpPr>
+        <p:spPr>
+          <a:xfrm>
+            <a:off x="4176216" y="2699717"/>
+            <a:ext cx="648072" cy="432048"/>
+          </a:xfrm>
+          <a:prstGeom prst="rect">
+            <a:avLst/>
+          </a:prstGeom>
+          <a:ln w="12700"/>
+        </p:spPr>
+        <p:style>
+          <a:lnRef idx="2">
+            <a:schemeClr val="dk1"/>
+          </a:lnRef>
+          <a:fillRef idx="1">
+            <a:schemeClr val="lt1"/>
+          </a:fillRef>
+          <a:effectRef idx="0">
+            <a:schemeClr val="dk1"/>
+          </a:effectRef>
+          <a:fontRef idx="minor">
+            <a:schemeClr val="dk1"/>
+          </a:fontRef>
+        </p:style>
+        <p:txBody>
+          <a:bodyPr lIns="0" tIns="0" rIns="0" bIns="0" rtlCol="0" anchor="ctr"/>
+          <a:lstStyle/>
+          <a:p>
+            <a:pPr algn="ctr"/>
+            <a:r>
+              <a:rPr lang="ja-JP" altLang="en-US" sz="1000" b="1" smtClean="0">
+                <a:latin typeface="Meiryo UI" panose="020B0604030504040204" pitchFamily="50" charset="-128"/>
+                <a:ea typeface="Meiryo UI" panose="020B0604030504040204" pitchFamily="50" charset="-128"/>
+                <a:cs typeface="Meiryo UI" panose="020B0604030504040204" pitchFamily="50" charset="-128"/>
+              </a:rPr>
+              <a:t>チケット</a:t>
+            </a:r>
+            <a:endParaRPr lang="en-US" altLang="ja-JP" sz="1000" b="1" smtClean="0">
+              <a:latin typeface="Meiryo UI" panose="020B0604030504040204" pitchFamily="50" charset="-128"/>
+              <a:ea typeface="Meiryo UI" panose="020B0604030504040204" pitchFamily="50" charset="-128"/>
+              <a:cs typeface="Meiryo UI" panose="020B0604030504040204" pitchFamily="50" charset="-128"/>
+            </a:endParaRPr>
+          </a:p>
+          <a:p>
+            <a:pPr algn="ctr"/>
+            <a:r>
+              <a:rPr kumimoji="1" lang="ja-JP" altLang="en-US" sz="1000" b="1" smtClean="0">
+                <a:latin typeface="Meiryo UI" panose="020B0604030504040204" pitchFamily="50" charset="-128"/>
+                <a:ea typeface="Meiryo UI" panose="020B0604030504040204" pitchFamily="50" charset="-128"/>
+                <a:cs typeface="Meiryo UI" panose="020B0604030504040204" pitchFamily="50" charset="-128"/>
+              </a:rPr>
+              <a:t>更新</a:t>
+            </a:r>
+            <a:endParaRPr kumimoji="1" lang="ja-JP" altLang="en-US" sz="1000" b="1">
+              <a:latin typeface="Meiryo UI" panose="020B0604030504040204" pitchFamily="50" charset="-128"/>
+              <a:ea typeface="Meiryo UI" panose="020B0604030504040204" pitchFamily="50" charset="-128"/>
+              <a:cs typeface="Meiryo UI" panose="020B0604030504040204" pitchFamily="50" charset="-128"/>
+            </a:endParaRPr>
+          </a:p>
+        </p:txBody>
+      </p:sp>
+      <p:sp>
+        <p:nvSpPr>
+          <p:cNvPr id="160" name="正方形/長方形 159"/>
+          <p:cNvSpPr/>
+          <p:nvPr/>
+        </p:nvSpPr>
+        <p:spPr>
+          <a:xfrm>
+            <a:off x="7200552" y="4499917"/>
+            <a:ext cx="648072" cy="432048"/>
+          </a:xfrm>
+          <a:prstGeom prst="rect">
+            <a:avLst/>
+          </a:prstGeom>
+          <a:ln w="12700"/>
+        </p:spPr>
+        <p:style>
+          <a:lnRef idx="2">
+            <a:schemeClr val="dk1"/>
+          </a:lnRef>
+          <a:fillRef idx="1">
+            <a:schemeClr val="lt1"/>
+          </a:fillRef>
+          <a:effectRef idx="0">
+            <a:schemeClr val="dk1"/>
+          </a:effectRef>
+          <a:fontRef idx="minor">
+            <a:schemeClr val="dk1"/>
+          </a:fontRef>
+        </p:style>
+        <p:txBody>
+          <a:bodyPr lIns="0" tIns="0" rIns="0" bIns="0" rtlCol="0" anchor="ctr"/>
+          <a:lstStyle/>
+          <a:p>
+            <a:pPr algn="ctr"/>
+            <a:r>
+              <a:rPr kumimoji="1" lang="ja-JP" altLang="en-US" sz="1000" b="1" smtClean="0">
+                <a:latin typeface="Meiryo UI" panose="020B0604030504040204" pitchFamily="50" charset="-128"/>
+                <a:ea typeface="Meiryo UI" panose="020B0604030504040204" pitchFamily="50" charset="-128"/>
+                <a:cs typeface="Meiryo UI" panose="020B0604030504040204" pitchFamily="50" charset="-128"/>
+              </a:rPr>
+              <a:t>インベントリ</a:t>
+            </a:r>
+            <a:endParaRPr kumimoji="1" lang="en-US" altLang="ja-JP" sz="1000" b="1" smtClean="0">
+              <a:latin typeface="Meiryo UI" panose="020B0604030504040204" pitchFamily="50" charset="-128"/>
+              <a:ea typeface="Meiryo UI" panose="020B0604030504040204" pitchFamily="50" charset="-128"/>
+              <a:cs typeface="Meiryo UI" panose="020B0604030504040204" pitchFamily="50" charset="-128"/>
+            </a:endParaRPr>
+          </a:p>
+          <a:p>
+            <a:pPr algn="ctr"/>
+            <a:r>
+              <a:rPr lang="ja-JP" altLang="en-US" sz="1000" b="1">
+                <a:latin typeface="Meiryo UI" panose="020B0604030504040204" pitchFamily="50" charset="-128"/>
+                <a:ea typeface="Meiryo UI" panose="020B0604030504040204" pitchFamily="50" charset="-128"/>
+                <a:cs typeface="Meiryo UI" panose="020B0604030504040204" pitchFamily="50" charset="-128"/>
+              </a:rPr>
+              <a:t>収集</a:t>
+            </a:r>
+            <a:endParaRPr kumimoji="1" lang="ja-JP" altLang="en-US" sz="1000" b="1">
+              <a:latin typeface="Meiryo UI" panose="020B0604030504040204" pitchFamily="50" charset="-128"/>
+              <a:ea typeface="Meiryo UI" panose="020B0604030504040204" pitchFamily="50" charset="-128"/>
+              <a:cs typeface="Meiryo UI" panose="020B0604030504040204" pitchFamily="50" charset="-128"/>
+            </a:endParaRPr>
+          </a:p>
+        </p:txBody>
+      </p:sp>
+      <p:sp>
+        <p:nvSpPr>
+          <p:cNvPr id="161" name="正方形/長方形 160"/>
+          <p:cNvSpPr/>
+          <p:nvPr/>
+        </p:nvSpPr>
+        <p:spPr>
+          <a:xfrm>
+            <a:off x="7200552" y="3563813"/>
+            <a:ext cx="648072" cy="432048"/>
+          </a:xfrm>
+          <a:prstGeom prst="rect">
+            <a:avLst/>
+          </a:prstGeom>
+          <a:ln w="12700"/>
+        </p:spPr>
+        <p:style>
+          <a:lnRef idx="2">
+            <a:schemeClr val="dk1"/>
+          </a:lnRef>
+          <a:fillRef idx="1">
+            <a:schemeClr val="lt1"/>
+          </a:fillRef>
+          <a:effectRef idx="0">
+            <a:schemeClr val="dk1"/>
+          </a:effectRef>
+          <a:fontRef idx="minor">
+            <a:schemeClr val="dk1"/>
+          </a:fontRef>
+        </p:style>
+        <p:txBody>
+          <a:bodyPr lIns="0" tIns="0" rIns="0" bIns="0" rtlCol="0" anchor="ctr"/>
+          <a:lstStyle/>
+          <a:p>
+            <a:pPr algn="ctr"/>
+            <a:r>
+              <a:rPr lang="ja-JP" altLang="en-US" sz="1000" b="1" smtClean="0">
+                <a:latin typeface="Meiryo UI" panose="020B0604030504040204" pitchFamily="50" charset="-128"/>
+                <a:ea typeface="Meiryo UI" panose="020B0604030504040204" pitchFamily="50" charset="-128"/>
+                <a:cs typeface="Meiryo UI" panose="020B0604030504040204" pitchFamily="50" charset="-128"/>
+              </a:rPr>
+              <a:t>受入れ</a:t>
+            </a:r>
+            <a:endParaRPr lang="en-US" altLang="ja-JP" sz="1000" b="1" smtClean="0">
+              <a:latin typeface="Meiryo UI" panose="020B0604030504040204" pitchFamily="50" charset="-128"/>
+              <a:ea typeface="Meiryo UI" panose="020B0604030504040204" pitchFamily="50" charset="-128"/>
+              <a:cs typeface="Meiryo UI" panose="020B0604030504040204" pitchFamily="50" charset="-128"/>
+            </a:endParaRPr>
+          </a:p>
+          <a:p>
+            <a:pPr algn="ctr"/>
+            <a:r>
+              <a:rPr kumimoji="1" lang="ja-JP" altLang="en-US" sz="1000" b="1" smtClean="0">
+                <a:latin typeface="Meiryo UI" panose="020B0604030504040204" pitchFamily="50" charset="-128"/>
+                <a:ea typeface="Meiryo UI" panose="020B0604030504040204" pitchFamily="50" charset="-128"/>
+                <a:cs typeface="Meiryo UI" panose="020B0604030504040204" pitchFamily="50" charset="-128"/>
+              </a:rPr>
+              <a:t>チェック</a:t>
+            </a:r>
+            <a:endParaRPr kumimoji="1" lang="ja-JP" altLang="en-US" sz="1000" b="1">
+              <a:latin typeface="Meiryo UI" panose="020B0604030504040204" pitchFamily="50" charset="-128"/>
+              <a:ea typeface="Meiryo UI" panose="020B0604030504040204" pitchFamily="50" charset="-128"/>
+              <a:cs typeface="Meiryo UI" panose="020B0604030504040204" pitchFamily="50" charset="-128"/>
+            </a:endParaRPr>
+          </a:p>
+        </p:txBody>
+      </p:sp>
+      <p:sp>
+        <p:nvSpPr>
+          <p:cNvPr id="177" name="正方形/長方形 176"/>
+          <p:cNvSpPr/>
+          <p:nvPr/>
+        </p:nvSpPr>
+        <p:spPr>
+          <a:xfrm>
+            <a:off x="7200552" y="2699717"/>
+            <a:ext cx="648072" cy="432048"/>
+          </a:xfrm>
+          <a:prstGeom prst="rect">
+            <a:avLst/>
+          </a:prstGeom>
+          <a:ln w="12700"/>
+        </p:spPr>
+        <p:style>
+          <a:lnRef idx="2">
+            <a:schemeClr val="dk1"/>
+          </a:lnRef>
+          <a:fillRef idx="1">
+            <a:schemeClr val="lt1"/>
+          </a:fillRef>
+          <a:effectRef idx="0">
+            <a:schemeClr val="dk1"/>
+          </a:effectRef>
+          <a:fontRef idx="minor">
+            <a:schemeClr val="dk1"/>
+          </a:fontRef>
+        </p:style>
+        <p:txBody>
+          <a:bodyPr lIns="0" tIns="0" rIns="0" bIns="0" rtlCol="0" anchor="ctr"/>
+          <a:lstStyle/>
+          <a:p>
+            <a:pPr algn="ctr"/>
+            <a:r>
+              <a:rPr lang="ja-JP" altLang="en-US" sz="1000" b="1" smtClean="0">
+                <a:latin typeface="Meiryo UI" panose="020B0604030504040204" pitchFamily="50" charset="-128"/>
+                <a:ea typeface="Meiryo UI" panose="020B0604030504040204" pitchFamily="50" charset="-128"/>
+                <a:cs typeface="Meiryo UI" panose="020B0604030504040204" pitchFamily="50" charset="-128"/>
+              </a:rPr>
+              <a:t>チケット</a:t>
+            </a:r>
+            <a:endParaRPr lang="en-US" altLang="ja-JP" sz="1000" b="1" smtClean="0">
+              <a:latin typeface="Meiryo UI" panose="020B0604030504040204" pitchFamily="50" charset="-128"/>
+              <a:ea typeface="Meiryo UI" panose="020B0604030504040204" pitchFamily="50" charset="-128"/>
+              <a:cs typeface="Meiryo UI" panose="020B0604030504040204" pitchFamily="50" charset="-128"/>
+            </a:endParaRPr>
+          </a:p>
+          <a:p>
+            <a:pPr algn="ctr"/>
+            <a:r>
+              <a:rPr kumimoji="1" lang="ja-JP" altLang="en-US" sz="1000" b="1" smtClean="0">
+                <a:latin typeface="Meiryo UI" panose="020B0604030504040204" pitchFamily="50" charset="-128"/>
+                <a:ea typeface="Meiryo UI" panose="020B0604030504040204" pitchFamily="50" charset="-128"/>
+                <a:cs typeface="Meiryo UI" panose="020B0604030504040204" pitchFamily="50" charset="-128"/>
+              </a:rPr>
+              <a:t>更新</a:t>
+            </a:r>
+            <a:endParaRPr kumimoji="1" lang="ja-JP" altLang="en-US" sz="1000" b="1">
+              <a:latin typeface="Meiryo UI" panose="020B0604030504040204" pitchFamily="50" charset="-128"/>
+              <a:ea typeface="Meiryo UI" panose="020B0604030504040204" pitchFamily="50" charset="-128"/>
+              <a:cs typeface="Meiryo UI" panose="020B0604030504040204" pitchFamily="50" charset="-128"/>
+            </a:endParaRPr>
+          </a:p>
+        </p:txBody>
+      </p:sp>
+      <p:cxnSp>
+        <p:nvCxnSpPr>
+          <p:cNvPr id="59" name="直線コネクタ 58"/>
+          <p:cNvCxnSpPr/>
+          <p:nvPr/>
+        </p:nvCxnSpPr>
+        <p:spPr>
+          <a:xfrm>
+            <a:off x="1799952" y="971525"/>
+            <a:ext cx="0" cy="5688632"/>
+          </a:xfrm>
+          <a:prstGeom prst="line">
+            <a:avLst/>
+          </a:prstGeom>
+          <a:ln>
+            <a:prstDash val="dash"/>
+          </a:ln>
+        </p:spPr>
+        <p:style>
+          <a:lnRef idx="1">
+            <a:schemeClr val="accent1"/>
+          </a:lnRef>
+          <a:fillRef idx="0">
+            <a:schemeClr val="accent1"/>
+          </a:fillRef>
+          <a:effectRef idx="0">
+            <a:schemeClr val="accent1"/>
+          </a:effectRef>
+          <a:fontRef idx="minor">
+            <a:schemeClr val="tx1"/>
+          </a:fontRef>
+        </p:style>
+      </p:cxnSp>
+      <p:cxnSp>
+        <p:nvCxnSpPr>
+          <p:cNvPr id="205" name="直線コネクタ 204"/>
+          <p:cNvCxnSpPr/>
+          <p:nvPr/>
+        </p:nvCxnSpPr>
+        <p:spPr>
+          <a:xfrm>
+            <a:off x="9504808" y="971525"/>
+            <a:ext cx="0" cy="5688632"/>
+          </a:xfrm>
+          <a:prstGeom prst="line">
+            <a:avLst/>
+          </a:prstGeom>
+          <a:ln>
+            <a:prstDash val="dash"/>
+          </a:ln>
+        </p:spPr>
+        <p:style>
+          <a:lnRef idx="1">
+            <a:schemeClr val="accent1"/>
+          </a:lnRef>
+          <a:fillRef idx="0">
+            <a:schemeClr val="accent1"/>
+          </a:fillRef>
+          <a:effectRef idx="0">
+            <a:schemeClr val="accent1"/>
+          </a:effectRef>
+          <a:fontRef idx="minor">
+            <a:schemeClr val="tx1"/>
+          </a:fontRef>
+        </p:style>
+      </p:cxnSp>
+      <p:cxnSp>
+        <p:nvCxnSpPr>
+          <p:cNvPr id="210" name="直線コネクタ 209"/>
+          <p:cNvCxnSpPr/>
+          <p:nvPr/>
+        </p:nvCxnSpPr>
+        <p:spPr>
+          <a:xfrm>
+            <a:off x="3384128" y="1619597"/>
+            <a:ext cx="0" cy="4392488"/>
+          </a:xfrm>
+          <a:prstGeom prst="line">
+            <a:avLst/>
+          </a:prstGeom>
+          <a:ln>
+            <a:prstDash val="dash"/>
+          </a:ln>
+        </p:spPr>
+        <p:style>
+          <a:lnRef idx="1">
+            <a:schemeClr val="accent1"/>
+          </a:lnRef>
+          <a:fillRef idx="0">
+            <a:schemeClr val="accent1"/>
+          </a:fillRef>
+          <a:effectRef idx="0">
+            <a:schemeClr val="accent1"/>
+          </a:effectRef>
+          <a:fontRef idx="minor">
+            <a:schemeClr val="tx1"/>
+          </a:fontRef>
+        </p:style>
+      </p:cxnSp>
+      <p:cxnSp>
+        <p:nvCxnSpPr>
+          <p:cNvPr id="229" name="直線コネクタ 228"/>
+          <p:cNvCxnSpPr/>
+          <p:nvPr/>
+        </p:nvCxnSpPr>
+        <p:spPr>
+          <a:xfrm>
+            <a:off x="431800" y="971525"/>
+            <a:ext cx="9073008" cy="0"/>
+          </a:xfrm>
+          <a:prstGeom prst="line">
+            <a:avLst/>
+          </a:prstGeom>
+        </p:spPr>
+        <p:style>
+          <a:lnRef idx="1">
+            <a:schemeClr val="accent1"/>
+          </a:lnRef>
+          <a:fillRef idx="0">
+            <a:schemeClr val="accent1"/>
+          </a:fillRef>
+          <a:effectRef idx="0">
+            <a:schemeClr val="accent1"/>
+          </a:effectRef>
+          <a:fontRef idx="minor">
+            <a:schemeClr val="tx1"/>
+          </a:fontRef>
+        </p:style>
+      </p:cxnSp>
+      <p:cxnSp>
+        <p:nvCxnSpPr>
+          <p:cNvPr id="230" name="直線コネクタ 229"/>
+          <p:cNvCxnSpPr/>
+          <p:nvPr/>
+        </p:nvCxnSpPr>
+        <p:spPr>
+          <a:xfrm>
+            <a:off x="431800" y="971525"/>
+            <a:ext cx="0" cy="5688632"/>
+          </a:xfrm>
+          <a:prstGeom prst="line">
+            <a:avLst/>
+          </a:prstGeom>
+          <a:ln>
+            <a:prstDash val="dash"/>
+          </a:ln>
+        </p:spPr>
+        <p:style>
+          <a:lnRef idx="1">
+            <a:schemeClr val="accent1"/>
+          </a:lnRef>
+          <a:fillRef idx="0">
+            <a:schemeClr val="accent1"/>
+          </a:fillRef>
+          <a:effectRef idx="0">
+            <a:schemeClr val="accent1"/>
+          </a:effectRef>
+          <a:fontRef idx="minor">
+            <a:schemeClr val="tx1"/>
+          </a:fontRef>
+        </p:style>
+      </p:cxnSp>
+      <p:sp>
+        <p:nvSpPr>
+          <p:cNvPr id="67" name="正方形/長方形 66"/>
+          <p:cNvSpPr/>
+          <p:nvPr/>
+        </p:nvSpPr>
+        <p:spPr>
+          <a:xfrm>
+            <a:off x="3024088" y="2699717"/>
+            <a:ext cx="648072" cy="432048"/>
+          </a:xfrm>
+          <a:prstGeom prst="rect">
+            <a:avLst/>
+          </a:prstGeom>
+          <a:solidFill>
+            <a:schemeClr val="bg1"/>
+          </a:solidFill>
+          <a:ln w="12700"/>
+        </p:spPr>
+        <p:style>
+          <a:lnRef idx="2">
+            <a:schemeClr val="dk1"/>
+          </a:lnRef>
+          <a:fillRef idx="1">
+            <a:schemeClr val="lt1"/>
+          </a:fillRef>
+          <a:effectRef idx="0">
+            <a:schemeClr val="dk1"/>
+          </a:effectRef>
+          <a:fontRef idx="minor">
+            <a:schemeClr val="dk1"/>
+          </a:fontRef>
+        </p:style>
+        <p:txBody>
+          <a:bodyPr lIns="0" tIns="0" rIns="0" bIns="0" rtlCol="0" anchor="ctr"/>
+          <a:lstStyle/>
+          <a:p>
+            <a:pPr algn="ctr"/>
+            <a:r>
+              <a:rPr lang="ja-JP" altLang="en-US" sz="1000" b="1" smtClean="0">
+                <a:latin typeface="Meiryo UI" panose="020B0604030504040204" pitchFamily="50" charset="-128"/>
+                <a:ea typeface="Meiryo UI" panose="020B0604030504040204" pitchFamily="50" charset="-128"/>
+                <a:cs typeface="Meiryo UI" panose="020B0604030504040204" pitchFamily="50" charset="-128"/>
+              </a:rPr>
+              <a:t>チケット</a:t>
+            </a:r>
+            <a:endParaRPr lang="en-US" altLang="ja-JP" sz="1000" b="1" smtClean="0">
+              <a:latin typeface="Meiryo UI" panose="020B0604030504040204" pitchFamily="50" charset="-128"/>
+              <a:ea typeface="Meiryo UI" panose="020B0604030504040204" pitchFamily="50" charset="-128"/>
+              <a:cs typeface="Meiryo UI" panose="020B0604030504040204" pitchFamily="50" charset="-128"/>
+            </a:endParaRPr>
+          </a:p>
+          <a:p>
+            <a:pPr algn="ctr"/>
+            <a:r>
+              <a:rPr kumimoji="1" lang="ja-JP" altLang="en-US" sz="1000" b="1" smtClean="0">
+                <a:latin typeface="Meiryo UI" panose="020B0604030504040204" pitchFamily="50" charset="-128"/>
+                <a:ea typeface="Meiryo UI" panose="020B0604030504040204" pitchFamily="50" charset="-128"/>
+                <a:cs typeface="Meiryo UI" panose="020B0604030504040204" pitchFamily="50" charset="-128"/>
+              </a:rPr>
+              <a:t>更新</a:t>
+            </a:r>
+            <a:endParaRPr kumimoji="1" lang="ja-JP" altLang="en-US" sz="1000" b="1">
+              <a:latin typeface="Meiryo UI" panose="020B0604030504040204" pitchFamily="50" charset="-128"/>
+              <a:ea typeface="Meiryo UI" panose="020B0604030504040204" pitchFamily="50" charset="-128"/>
+              <a:cs typeface="Meiryo UI" panose="020B0604030504040204" pitchFamily="50" charset="-128"/>
+            </a:endParaRPr>
+          </a:p>
+        </p:txBody>
+      </p:sp>
+      <p:sp>
+        <p:nvSpPr>
+          <p:cNvPr id="234" name="テキスト ボックス 233"/>
+          <p:cNvSpPr txBox="1"/>
+          <p:nvPr/>
+        </p:nvSpPr>
+        <p:spPr>
+          <a:xfrm>
+            <a:off x="1799952" y="6048089"/>
+            <a:ext cx="1584176" cy="576064"/>
+          </a:xfrm>
+          <a:prstGeom prst="rect">
+            <a:avLst/>
+          </a:prstGeom>
+          <a:noFill/>
+          <a:ln>
+            <a:noFill/>
+          </a:ln>
+        </p:spPr>
+        <p:txBody>
+          <a:bodyPr wrap="none" rtlCol="0" anchor="ctr">
+            <a:noAutofit/>
+          </a:bodyPr>
+          <a:lstStyle/>
+          <a:p>
+            <a:r>
+              <a:rPr lang="ja-JP" altLang="en-US" sz="1200" smtClean="0">
+                <a:latin typeface="Meiryo UI" pitchFamily="50" charset="-128"/>
+                <a:ea typeface="Meiryo UI" pitchFamily="50" charset="-128"/>
+                <a:cs typeface="Meiryo UI" pitchFamily="50" charset="-128"/>
+              </a:rPr>
+              <a:t>・</a:t>
+            </a:r>
+            <a:r>
+              <a:rPr lang="ja-JP" altLang="en-US" sz="1200">
+                <a:latin typeface="Meiryo UI" pitchFamily="50" charset="-128"/>
+                <a:ea typeface="Meiryo UI" pitchFamily="50" charset="-128"/>
+                <a:cs typeface="Meiryo UI" pitchFamily="50" charset="-128"/>
+              </a:rPr>
+              <a:t>設備登録手順</a:t>
+            </a:r>
+          </a:p>
+          <a:p>
+            <a:r>
+              <a:rPr lang="ja-JP" altLang="en-US" sz="1200" smtClean="0">
+                <a:latin typeface="Meiryo UI" pitchFamily="50" charset="-128"/>
+                <a:ea typeface="Meiryo UI" pitchFamily="50" charset="-128"/>
+                <a:cs typeface="Meiryo UI" pitchFamily="50" charset="-128"/>
+              </a:rPr>
+              <a:t>・マイルストーン登録手順</a:t>
+            </a:r>
+            <a:endParaRPr lang="en-US" altLang="ja-JP" sz="1200" smtClean="0">
+              <a:latin typeface="Meiryo UI" pitchFamily="50" charset="-128"/>
+              <a:ea typeface="Meiryo UI" pitchFamily="50" charset="-128"/>
+              <a:cs typeface="Meiryo UI" pitchFamily="50" charset="-128"/>
+            </a:endParaRPr>
+          </a:p>
+          <a:p>
+            <a:r>
+              <a:rPr lang="ja-JP" altLang="en-US" sz="1200">
+                <a:latin typeface="Meiryo UI" pitchFamily="50" charset="-128"/>
+                <a:ea typeface="Meiryo UI" pitchFamily="50" charset="-128"/>
+                <a:cs typeface="Meiryo UI" pitchFamily="50" charset="-128"/>
+              </a:rPr>
+              <a:t>・</a:t>
+            </a:r>
+            <a:r>
+              <a:rPr lang="ja-JP" altLang="en-US" sz="1200" smtClean="0">
+                <a:latin typeface="Meiryo UI" pitchFamily="50" charset="-128"/>
+                <a:ea typeface="Meiryo UI" pitchFamily="50" charset="-128"/>
+                <a:cs typeface="Meiryo UI" pitchFamily="50" charset="-128"/>
+              </a:rPr>
+              <a:t>課題</a:t>
+            </a:r>
+            <a:r>
+              <a:rPr lang="ja-JP" altLang="en-US" sz="1200">
+                <a:latin typeface="Meiryo UI" pitchFamily="50" charset="-128"/>
+                <a:ea typeface="Meiryo UI" pitchFamily="50" charset="-128"/>
+                <a:cs typeface="Meiryo UI" pitchFamily="50" charset="-128"/>
+              </a:rPr>
+              <a:t>登録手順</a:t>
+            </a:r>
+          </a:p>
+        </p:txBody>
+      </p:sp>
+      <p:sp>
+        <p:nvSpPr>
+          <p:cNvPr id="237" name="テキスト ボックス 236"/>
+          <p:cNvSpPr txBox="1"/>
+          <p:nvPr/>
+        </p:nvSpPr>
+        <p:spPr>
+          <a:xfrm>
+            <a:off x="8136656" y="6084093"/>
+            <a:ext cx="1368152" cy="504056"/>
+          </a:xfrm>
+          <a:prstGeom prst="rect">
+            <a:avLst/>
+          </a:prstGeom>
+          <a:noFill/>
+          <a:ln>
+            <a:noFill/>
+          </a:ln>
+        </p:spPr>
+        <p:txBody>
+          <a:bodyPr wrap="none" rtlCol="0" anchor="ctr">
+            <a:noAutofit/>
+          </a:bodyPr>
+          <a:lstStyle/>
+          <a:p>
+            <a:r>
+              <a:rPr kumimoji="1" lang="ja-JP" altLang="en-US" sz="1200" smtClean="0">
+                <a:latin typeface="Meiryo UI" pitchFamily="50" charset="-128"/>
+                <a:ea typeface="Meiryo UI" pitchFamily="50" charset="-128"/>
+                <a:cs typeface="Meiryo UI" pitchFamily="50" charset="-128"/>
+              </a:rPr>
+              <a:t>・設備廃棄手順</a:t>
+            </a:r>
+            <a:endParaRPr kumimoji="1" lang="ja-JP" altLang="en-US" sz="1200" smtClean="0">
+              <a:latin typeface="Meiryo UI" pitchFamily="50" charset="-128"/>
+              <a:ea typeface="Meiryo UI" pitchFamily="50" charset="-128"/>
+              <a:cs typeface="Meiryo UI" pitchFamily="50" charset="-128"/>
+            </a:endParaRPr>
+          </a:p>
+        </p:txBody>
+      </p:sp>
+      <p:sp>
+        <p:nvSpPr>
+          <p:cNvPr id="239" name="テキスト ボックス 238"/>
+          <p:cNvSpPr txBox="1"/>
+          <p:nvPr/>
+        </p:nvSpPr>
+        <p:spPr>
+          <a:xfrm>
+            <a:off x="647824" y="6120097"/>
+            <a:ext cx="914400" cy="432048"/>
+          </a:xfrm>
+          <a:prstGeom prst="rect">
+            <a:avLst/>
+          </a:prstGeom>
+          <a:noFill/>
+          <a:ln>
+            <a:noFill/>
+          </a:ln>
+        </p:spPr>
+        <p:txBody>
+          <a:bodyPr wrap="none" rtlCol="0" anchor="ctr">
+            <a:noAutofit/>
+          </a:bodyPr>
+          <a:lstStyle/>
+          <a:p>
+            <a:pPr algn="ctr"/>
+            <a:r>
+              <a:rPr kumimoji="1" lang="ja-JP" altLang="en-US" sz="1600" smtClean="0">
+                <a:latin typeface="Meiryo UI" pitchFamily="50" charset="-128"/>
+                <a:ea typeface="Meiryo UI" pitchFamily="50" charset="-128"/>
+                <a:cs typeface="Meiryo UI" pitchFamily="50" charset="-128"/>
+              </a:rPr>
+              <a:t>手順書</a:t>
+            </a:r>
+            <a:endParaRPr kumimoji="1" lang="ja-JP" altLang="en-US" sz="1600" smtClean="0">
+              <a:latin typeface="Meiryo UI" pitchFamily="50" charset="-128"/>
+              <a:ea typeface="Meiryo UI" pitchFamily="50" charset="-128"/>
+              <a:cs typeface="Meiryo UI" pitchFamily="50" charset="-128"/>
+            </a:endParaRPr>
+          </a:p>
+        </p:txBody>
+      </p:sp>
+      <p:sp>
+        <p:nvSpPr>
+          <p:cNvPr id="247" name="テキスト ボックス 246"/>
+          <p:cNvSpPr txBox="1"/>
+          <p:nvPr/>
+        </p:nvSpPr>
+        <p:spPr>
+          <a:xfrm>
+            <a:off x="3816176" y="6048089"/>
+            <a:ext cx="2520280" cy="576064"/>
+          </a:xfrm>
+          <a:prstGeom prst="rect">
+            <a:avLst/>
+          </a:prstGeom>
+          <a:noFill/>
+          <a:ln>
+            <a:noFill/>
+          </a:ln>
+        </p:spPr>
+        <p:txBody>
+          <a:bodyPr wrap="none" rtlCol="0" anchor="ctr">
+            <a:noAutofit/>
+          </a:bodyPr>
+          <a:lstStyle/>
+          <a:p>
+            <a:r>
+              <a:rPr lang="ja-JP" altLang="en-US" sz="1200">
+                <a:latin typeface="Meiryo UI" pitchFamily="50" charset="-128"/>
+                <a:ea typeface="Meiryo UI" pitchFamily="50" charset="-128"/>
+                <a:cs typeface="Meiryo UI" pitchFamily="50" charset="-128"/>
+              </a:rPr>
+              <a:t>・サーバ構成収集手順</a:t>
+            </a:r>
+          </a:p>
+          <a:p>
+            <a:r>
+              <a:rPr lang="ja-JP" altLang="en-US" sz="1200">
+                <a:latin typeface="Meiryo UI" pitchFamily="50" charset="-128"/>
+                <a:ea typeface="Meiryo UI" pitchFamily="50" charset="-128"/>
+                <a:cs typeface="Meiryo UI" pitchFamily="50" charset="-128"/>
+              </a:rPr>
+              <a:t>・監視設定収集手順</a:t>
+            </a:r>
+          </a:p>
+        </p:txBody>
+      </p:sp>
+      <p:sp>
+        <p:nvSpPr>
+          <p:cNvPr id="248" name="テキスト ボックス 247"/>
+          <p:cNvSpPr txBox="1"/>
+          <p:nvPr/>
+        </p:nvSpPr>
+        <p:spPr>
+          <a:xfrm>
+            <a:off x="6336456" y="6048089"/>
+            <a:ext cx="1800200" cy="576064"/>
+          </a:xfrm>
+          <a:prstGeom prst="rect">
+            <a:avLst/>
+          </a:prstGeom>
+          <a:noFill/>
+          <a:ln>
+            <a:noFill/>
+          </a:ln>
+        </p:spPr>
+        <p:txBody>
+          <a:bodyPr wrap="none" rtlCol="0" anchor="ctr">
+            <a:noAutofit/>
+          </a:bodyPr>
+          <a:lstStyle/>
+          <a:p>
+            <a:r>
+              <a:rPr lang="ja-JP" altLang="en-US" sz="1200">
+                <a:latin typeface="Meiryo UI" pitchFamily="50" charset="-128"/>
+                <a:ea typeface="Meiryo UI" pitchFamily="50" charset="-128"/>
+                <a:cs typeface="Meiryo UI" pitchFamily="50" charset="-128"/>
+              </a:rPr>
+              <a:t>・構成変更収集手順</a:t>
+            </a:r>
+          </a:p>
+          <a:p>
+            <a:r>
+              <a:rPr lang="ja-JP" altLang="en-US" sz="1200">
+                <a:latin typeface="Meiryo UI" pitchFamily="50" charset="-128"/>
+                <a:ea typeface="Meiryo UI" pitchFamily="50" charset="-128"/>
+                <a:cs typeface="Meiryo UI" pitchFamily="50" charset="-128"/>
+              </a:rPr>
+              <a:t>・インシデント登録手順</a:t>
+            </a:r>
+          </a:p>
+        </p:txBody>
+      </p:sp>
+      <p:cxnSp>
+        <p:nvCxnSpPr>
+          <p:cNvPr id="250" name="直線コネクタ 249"/>
+          <p:cNvCxnSpPr/>
+          <p:nvPr/>
+        </p:nvCxnSpPr>
+        <p:spPr>
+          <a:xfrm>
+            <a:off x="6336456" y="1619597"/>
+            <a:ext cx="0" cy="4392488"/>
+          </a:xfrm>
+          <a:prstGeom prst="line">
+            <a:avLst/>
+          </a:prstGeom>
+          <a:ln>
+            <a:prstDash val="dash"/>
+          </a:ln>
+        </p:spPr>
+        <p:style>
+          <a:lnRef idx="1">
+            <a:schemeClr val="accent1"/>
+          </a:lnRef>
+          <a:fillRef idx="0">
+            <a:schemeClr val="accent1"/>
+          </a:fillRef>
+          <a:effectRef idx="0">
+            <a:schemeClr val="accent1"/>
+          </a:effectRef>
+          <a:fontRef idx="minor">
+            <a:schemeClr val="tx1"/>
+          </a:fontRef>
+        </p:style>
+      </p:cxnSp>
+      <p:cxnSp>
+        <p:nvCxnSpPr>
+          <p:cNvPr id="251" name="直線コネクタ 250"/>
+          <p:cNvCxnSpPr/>
+          <p:nvPr/>
+        </p:nvCxnSpPr>
+        <p:spPr>
+          <a:xfrm>
+            <a:off x="8136656" y="1619597"/>
+            <a:ext cx="0" cy="4392488"/>
+          </a:xfrm>
+          <a:prstGeom prst="line">
+            <a:avLst/>
+          </a:prstGeom>
+          <a:ln>
+            <a:prstDash val="dash"/>
+          </a:ln>
+        </p:spPr>
+        <p:style>
+          <a:lnRef idx="1">
+            <a:schemeClr val="accent1"/>
+          </a:lnRef>
+          <a:fillRef idx="0">
+            <a:schemeClr val="accent1"/>
+          </a:fillRef>
+          <a:effectRef idx="0">
+            <a:schemeClr val="accent1"/>
+          </a:effectRef>
+          <a:fontRef idx="minor">
+            <a:schemeClr val="tx1"/>
+          </a:fontRef>
+        </p:style>
+      </p:cxnSp>
+      <p:cxnSp>
+        <p:nvCxnSpPr>
+          <p:cNvPr id="253" name="直線コネクタ 252"/>
+          <p:cNvCxnSpPr/>
+          <p:nvPr/>
+        </p:nvCxnSpPr>
+        <p:spPr>
+          <a:xfrm>
+            <a:off x="431800" y="6660157"/>
+            <a:ext cx="9073008" cy="0"/>
+          </a:xfrm>
+          <a:prstGeom prst="line">
+            <a:avLst/>
+          </a:prstGeom>
+        </p:spPr>
+        <p:style>
+          <a:lnRef idx="1">
+            <a:schemeClr val="accent1"/>
+          </a:lnRef>
+          <a:fillRef idx="0">
+            <a:schemeClr val="accent1"/>
+          </a:fillRef>
+          <a:effectRef idx="0">
+            <a:schemeClr val="accent1"/>
+          </a:effectRef>
+          <a:fontRef idx="minor">
+            <a:schemeClr val="tx1"/>
+          </a:fontRef>
+        </p:style>
+      </p:cxnSp>
+    </p:spTree>
+    <p:extLst>
+      <p:ext uri="{BB962C8B-B14F-4D97-AF65-F5344CB8AC3E}">
+        <p14:creationId xmlns:p14="http://schemas.microsoft.com/office/powerpoint/2010/main" val="2989109222"/>
+      </p:ext>
+    </p:extLst>
+  </p:cSld>
+  <p:clrMapOvr>
+    <a:masterClrMapping/>
+  </p:clrMapOvr>
 </p:sld>
 </file>
 

--- a/docs/jp/image/system-overview.pptx
+++ b/docs/jp/image/system-overview.pptx
@@ -66,7 +66,7 @@
         <p:spPr>
           <a:xfrm>
             <a:off x="504000" y="301320"/>
-            <a:ext cx="9071280" cy="1261800"/>
+            <a:ext cx="9070920" cy="1261440"/>
           </a:xfrm>
           <a:prstGeom prst="rect">
             <a:avLst/>
@@ -75,7 +75,8 @@
         <p:txBody>
           <a:bodyPr lIns="0" rIns="0" tIns="0" bIns="0" anchor="ctr"/>
           <a:p>
-            <a:endParaRPr b="0" lang="ja-JP" sz="1800" spc="-1" strike="noStrike">
+            <a:pPr algn="ctr"/>
+            <a:endParaRPr b="0" lang="en-US" sz="4400" spc="-1" strike="noStrike">
               <a:solidFill>
                 <a:srgbClr val="000000"/>
               </a:solidFill>
@@ -102,7 +103,7 @@
         <p:spPr>
           <a:xfrm>
             <a:off x="504000" y="1768680"/>
-            <a:ext cx="9072000" cy="2090880"/>
+            <a:ext cx="9071640" cy="2090880"/>
           </a:xfrm>
           <a:prstGeom prst="rect">
             <a:avLst/>
@@ -111,7 +112,7 @@
         <p:txBody>
           <a:bodyPr lIns="0" rIns="0" tIns="0" bIns="0"/>
           <a:p>
-            <a:endParaRPr b="0" lang="ja-JP" sz="1800" spc="-1" strike="noStrike">
+            <a:endParaRPr b="0" lang="en-US" sz="3200" spc="-1" strike="noStrike">
               <a:solidFill>
                 <a:srgbClr val="000000"/>
               </a:solidFill>
@@ -138,7 +139,7 @@
         <p:spPr>
           <a:xfrm>
             <a:off x="504000" y="4058640"/>
-            <a:ext cx="9072000" cy="2090880"/>
+            <a:ext cx="9071640" cy="2090880"/>
           </a:xfrm>
           <a:prstGeom prst="rect">
             <a:avLst/>
@@ -147,7 +148,7 @@
         <p:txBody>
           <a:bodyPr lIns="0" rIns="0" tIns="0" bIns="0"/>
           <a:p>
-            <a:endParaRPr b="0" lang="ja-JP" sz="1800" spc="-1" strike="noStrike">
+            <a:endParaRPr b="0" lang="en-US" sz="3200" spc="-1" strike="noStrike">
               <a:solidFill>
                 <a:srgbClr val="000000"/>
               </a:solidFill>
@@ -196,7 +197,7 @@
         <p:spPr>
           <a:xfrm>
             <a:off x="504000" y="301320"/>
-            <a:ext cx="9071280" cy="1261800"/>
+            <a:ext cx="9070920" cy="1261440"/>
           </a:xfrm>
           <a:prstGeom prst="rect">
             <a:avLst/>
@@ -205,7 +206,8 @@
         <p:txBody>
           <a:bodyPr lIns="0" rIns="0" tIns="0" bIns="0" anchor="ctr"/>
           <a:p>
-            <a:endParaRPr b="0" lang="ja-JP" sz="1800" spc="-1" strike="noStrike">
+            <a:pPr algn="ctr"/>
+            <a:endParaRPr b="0" lang="en-US" sz="4400" spc="-1" strike="noStrike">
               <a:solidFill>
                 <a:srgbClr val="000000"/>
               </a:solidFill>
@@ -241,7 +243,7 @@
         <p:txBody>
           <a:bodyPr lIns="0" rIns="0" tIns="0" bIns="0"/>
           <a:p>
-            <a:endParaRPr b="0" lang="ja-JP" sz="1800" spc="-1" strike="noStrike">
+            <a:endParaRPr b="0" lang="en-US" sz="3200" spc="-1" strike="noStrike">
               <a:solidFill>
                 <a:srgbClr val="000000"/>
               </a:solidFill>
@@ -277,7 +279,7 @@
         <p:txBody>
           <a:bodyPr lIns="0" rIns="0" tIns="0" bIns="0"/>
           <a:p>
-            <a:endParaRPr b="0" lang="ja-JP" sz="1800" spc="-1" strike="noStrike">
+            <a:endParaRPr b="0" lang="en-US" sz="3200" spc="-1" strike="noStrike">
               <a:solidFill>
                 <a:srgbClr val="000000"/>
               </a:solidFill>
@@ -313,7 +315,7 @@
         <p:txBody>
           <a:bodyPr lIns="0" rIns="0" tIns="0" bIns="0"/>
           <a:p>
-            <a:endParaRPr b="0" lang="ja-JP" sz="1800" spc="-1" strike="noStrike">
+            <a:endParaRPr b="0" lang="en-US" sz="3200" spc="-1" strike="noStrike">
               <a:solidFill>
                 <a:srgbClr val="000000"/>
               </a:solidFill>
@@ -349,7 +351,7 @@
         <p:txBody>
           <a:bodyPr lIns="0" rIns="0" tIns="0" bIns="0"/>
           <a:p>
-            <a:endParaRPr b="0" lang="ja-JP" sz="1800" spc="-1" strike="noStrike">
+            <a:endParaRPr b="0" lang="en-US" sz="3200" spc="-1" strike="noStrike">
               <a:solidFill>
                 <a:srgbClr val="000000"/>
               </a:solidFill>
@@ -398,7 +400,7 @@
         <p:spPr>
           <a:xfrm>
             <a:off x="504000" y="301320"/>
-            <a:ext cx="9071280" cy="1261800"/>
+            <a:ext cx="9070920" cy="1261440"/>
           </a:xfrm>
           <a:prstGeom prst="rect">
             <a:avLst/>
@@ -407,7 +409,8 @@
         <p:txBody>
           <a:bodyPr lIns="0" rIns="0" tIns="0" bIns="0" anchor="ctr"/>
           <a:p>
-            <a:endParaRPr b="0" lang="ja-JP" sz="1800" spc="-1" strike="noStrike">
+            <a:pPr algn="ctr"/>
+            <a:endParaRPr b="0" lang="en-US" sz="4400" spc="-1" strike="noStrike">
               <a:solidFill>
                 <a:srgbClr val="000000"/>
               </a:solidFill>
@@ -434,7 +437,7 @@
         <p:spPr>
           <a:xfrm>
             <a:off x="504000" y="1768680"/>
-            <a:ext cx="9072000" cy="4384080"/>
+            <a:ext cx="9071640" cy="4383720"/>
           </a:xfrm>
           <a:prstGeom prst="rect">
             <a:avLst/>
@@ -443,7 +446,7 @@
         <p:txBody>
           <a:bodyPr lIns="0" rIns="0" tIns="0" bIns="0"/>
           <a:p>
-            <a:endParaRPr b="0" lang="ja-JP" sz="1800" spc="-1" strike="noStrike">
+            <a:endParaRPr b="0" lang="en-US" sz="3200" spc="-1" strike="noStrike">
               <a:solidFill>
                 <a:srgbClr val="000000"/>
               </a:solidFill>
@@ -470,7 +473,7 @@
         <p:spPr>
           <a:xfrm>
             <a:off x="504000" y="1768680"/>
-            <a:ext cx="9072000" cy="4384080"/>
+            <a:ext cx="9071640" cy="4383720"/>
           </a:xfrm>
           <a:prstGeom prst="rect">
             <a:avLst/>
@@ -479,7 +482,7 @@
         <p:txBody>
           <a:bodyPr lIns="0" rIns="0" tIns="0" bIns="0"/>
           <a:p>
-            <a:endParaRPr b="0" lang="ja-JP" sz="1800" spc="-1" strike="noStrike">
+            <a:endParaRPr b="0" lang="en-US" sz="3200" spc="-1" strike="noStrike">
               <a:solidFill>
                 <a:srgbClr val="000000"/>
               </a:solidFill>
@@ -505,8 +508,8 @@
         </p:blipFill>
         <p:spPr>
           <a:xfrm>
-            <a:off x="2292480" y="1768680"/>
-            <a:ext cx="5494680" cy="4384080"/>
+            <a:off x="2292480" y="1768320"/>
+            <a:ext cx="5494320" cy="4383720"/>
           </a:xfrm>
           <a:prstGeom prst="rect">
             <a:avLst/>
@@ -528,8 +531,8 @@
         </p:blipFill>
         <p:spPr>
           <a:xfrm>
-            <a:off x="2292480" y="1768680"/>
-            <a:ext cx="5494680" cy="4384080"/>
+            <a:off x="2292480" y="1768320"/>
+            <a:ext cx="5494320" cy="4383720"/>
           </a:xfrm>
           <a:prstGeom prst="rect">
             <a:avLst/>
@@ -574,7 +577,7 @@
         <p:spPr>
           <a:xfrm>
             <a:off x="504000" y="301320"/>
-            <a:ext cx="9071280" cy="1261800"/>
+            <a:ext cx="9070920" cy="1261440"/>
           </a:xfrm>
           <a:prstGeom prst="rect">
             <a:avLst/>
@@ -583,7 +586,8 @@
         <p:txBody>
           <a:bodyPr lIns="0" rIns="0" tIns="0" bIns="0" anchor="ctr"/>
           <a:p>
-            <a:endParaRPr b="0" lang="ja-JP" sz="1800" spc="-1" strike="noStrike">
+            <a:pPr algn="ctr"/>
+            <a:endParaRPr b="0" lang="en-US" sz="4400" spc="-1" strike="noStrike">
               <a:solidFill>
                 <a:srgbClr val="000000"/>
               </a:solidFill>
@@ -610,7 +614,7 @@
         <p:spPr>
           <a:xfrm>
             <a:off x="504000" y="1768680"/>
-            <a:ext cx="9072000" cy="4384080"/>
+            <a:ext cx="9071640" cy="4383720"/>
           </a:xfrm>
           <a:prstGeom prst="rect">
             <a:avLst/>
@@ -669,7 +673,7 @@
         <p:spPr>
           <a:xfrm>
             <a:off x="504000" y="301320"/>
-            <a:ext cx="9071280" cy="1261800"/>
+            <a:ext cx="9070920" cy="1261440"/>
           </a:xfrm>
           <a:prstGeom prst="rect">
             <a:avLst/>
@@ -678,7 +682,8 @@
         <p:txBody>
           <a:bodyPr lIns="0" rIns="0" tIns="0" bIns="0" anchor="ctr"/>
           <a:p>
-            <a:endParaRPr b="0" lang="ja-JP" sz="1800" spc="-1" strike="noStrike">
+            <a:pPr algn="ctr"/>
+            <a:endParaRPr b="0" lang="en-US" sz="4400" spc="-1" strike="noStrike">
               <a:solidFill>
                 <a:srgbClr val="000000"/>
               </a:solidFill>
@@ -705,7 +710,7 @@
         <p:spPr>
           <a:xfrm>
             <a:off x="504000" y="1768680"/>
-            <a:ext cx="9072000" cy="4384080"/>
+            <a:ext cx="9071640" cy="4383720"/>
           </a:xfrm>
           <a:prstGeom prst="rect">
             <a:avLst/>
@@ -714,7 +719,7 @@
         <p:txBody>
           <a:bodyPr lIns="0" rIns="0" tIns="0" bIns="0"/>
           <a:p>
-            <a:endParaRPr b="0" lang="ja-JP" sz="1800" spc="-1" strike="noStrike">
+            <a:endParaRPr b="0" lang="en-US" sz="3200" spc="-1" strike="noStrike">
               <a:solidFill>
                 <a:srgbClr val="000000"/>
               </a:solidFill>
@@ -763,7 +768,7 @@
         <p:spPr>
           <a:xfrm>
             <a:off x="504000" y="301320"/>
-            <a:ext cx="9071280" cy="1261800"/>
+            <a:ext cx="9070920" cy="1261440"/>
           </a:xfrm>
           <a:prstGeom prst="rect">
             <a:avLst/>
@@ -772,7 +777,8 @@
         <p:txBody>
           <a:bodyPr lIns="0" rIns="0" tIns="0" bIns="0" anchor="ctr"/>
           <a:p>
-            <a:endParaRPr b="0" lang="ja-JP" sz="1800" spc="-1" strike="noStrike">
+            <a:pPr algn="ctr"/>
+            <a:endParaRPr b="0" lang="en-US" sz="4400" spc="-1" strike="noStrike">
               <a:solidFill>
                 <a:srgbClr val="000000"/>
               </a:solidFill>
@@ -799,7 +805,7 @@
         <p:spPr>
           <a:xfrm>
             <a:off x="504000" y="1768680"/>
-            <a:ext cx="4426920" cy="4384080"/>
+            <a:ext cx="4426920" cy="4383720"/>
           </a:xfrm>
           <a:prstGeom prst="rect">
             <a:avLst/>
@@ -808,7 +814,7 @@
         <p:txBody>
           <a:bodyPr lIns="0" rIns="0" tIns="0" bIns="0"/>
           <a:p>
-            <a:endParaRPr b="0" lang="ja-JP" sz="1800" spc="-1" strike="noStrike">
+            <a:endParaRPr b="0" lang="en-US" sz="3200" spc="-1" strike="noStrike">
               <a:solidFill>
                 <a:srgbClr val="000000"/>
               </a:solidFill>
@@ -835,7 +841,7 @@
         <p:spPr>
           <a:xfrm>
             <a:off x="5152680" y="1768680"/>
-            <a:ext cx="4426920" cy="4384080"/>
+            <a:ext cx="4426920" cy="4383720"/>
           </a:xfrm>
           <a:prstGeom prst="rect">
             <a:avLst/>
@@ -844,7 +850,7 @@
         <p:txBody>
           <a:bodyPr lIns="0" rIns="0" tIns="0" bIns="0"/>
           <a:p>
-            <a:endParaRPr b="0" lang="ja-JP" sz="1800" spc="-1" strike="noStrike">
+            <a:endParaRPr b="0" lang="en-US" sz="3200" spc="-1" strike="noStrike">
               <a:solidFill>
                 <a:srgbClr val="000000"/>
               </a:solidFill>
@@ -893,7 +899,7 @@
         <p:spPr>
           <a:xfrm>
             <a:off x="504000" y="301320"/>
-            <a:ext cx="9071280" cy="1261800"/>
+            <a:ext cx="9070920" cy="1261440"/>
           </a:xfrm>
           <a:prstGeom prst="rect">
             <a:avLst/>
@@ -902,7 +908,8 @@
         <p:txBody>
           <a:bodyPr lIns="0" rIns="0" tIns="0" bIns="0" anchor="ctr"/>
           <a:p>
-            <a:endParaRPr b="0" lang="ja-JP" sz="1800" spc="-1" strike="noStrike">
+            <a:pPr algn="ctr"/>
+            <a:endParaRPr b="0" lang="en-US" sz="4400" spc="-1" strike="noStrike">
               <a:solidFill>
                 <a:srgbClr val="000000"/>
               </a:solidFill>
@@ -951,7 +958,7 @@
         <p:spPr>
           <a:xfrm>
             <a:off x="504000" y="301320"/>
-            <a:ext cx="9071280" cy="5850360"/>
+            <a:ext cx="9070920" cy="5848560"/>
           </a:xfrm>
           <a:prstGeom prst="rect">
             <a:avLst/>
@@ -1010,7 +1017,7 @@
         <p:spPr>
           <a:xfrm>
             <a:off x="504000" y="301320"/>
-            <a:ext cx="9071280" cy="1261800"/>
+            <a:ext cx="9070920" cy="1261440"/>
           </a:xfrm>
           <a:prstGeom prst="rect">
             <a:avLst/>
@@ -1019,7 +1026,8 @@
         <p:txBody>
           <a:bodyPr lIns="0" rIns="0" tIns="0" bIns="0" anchor="ctr"/>
           <a:p>
-            <a:endParaRPr b="0" lang="ja-JP" sz="1800" spc="-1" strike="noStrike">
+            <a:pPr algn="ctr"/>
+            <a:endParaRPr b="0" lang="en-US" sz="4400" spc="-1" strike="noStrike">
               <a:solidFill>
                 <a:srgbClr val="000000"/>
               </a:solidFill>
@@ -1055,7 +1063,7 @@
         <p:txBody>
           <a:bodyPr lIns="0" rIns="0" tIns="0" bIns="0"/>
           <a:p>
-            <a:endParaRPr b="0" lang="ja-JP" sz="1800" spc="-1" strike="noStrike">
+            <a:endParaRPr b="0" lang="en-US" sz="3200" spc="-1" strike="noStrike">
               <a:solidFill>
                 <a:srgbClr val="000000"/>
               </a:solidFill>
@@ -1091,7 +1099,7 @@
         <p:txBody>
           <a:bodyPr lIns="0" rIns="0" tIns="0" bIns="0"/>
           <a:p>
-            <a:endParaRPr b="0" lang="ja-JP" sz="1800" spc="-1" strike="noStrike">
+            <a:endParaRPr b="0" lang="en-US" sz="3200" spc="-1" strike="noStrike">
               <a:solidFill>
                 <a:srgbClr val="000000"/>
               </a:solidFill>
@@ -1118,7 +1126,7 @@
         <p:spPr>
           <a:xfrm>
             <a:off x="5152680" y="1768680"/>
-            <a:ext cx="4426920" cy="4384080"/>
+            <a:ext cx="4426920" cy="4383720"/>
           </a:xfrm>
           <a:prstGeom prst="rect">
             <a:avLst/>
@@ -1127,7 +1135,7 @@
         <p:txBody>
           <a:bodyPr lIns="0" rIns="0" tIns="0" bIns="0"/>
           <a:p>
-            <a:endParaRPr b="0" lang="ja-JP" sz="1800" spc="-1" strike="noStrike">
+            <a:endParaRPr b="0" lang="en-US" sz="3200" spc="-1" strike="noStrike">
               <a:solidFill>
                 <a:srgbClr val="000000"/>
               </a:solidFill>
@@ -1176,7 +1184,7 @@
         <p:spPr>
           <a:xfrm>
             <a:off x="504000" y="301320"/>
-            <a:ext cx="9071280" cy="1261800"/>
+            <a:ext cx="9070920" cy="1261440"/>
           </a:xfrm>
           <a:prstGeom prst="rect">
             <a:avLst/>
@@ -1185,7 +1193,8 @@
         <p:txBody>
           <a:bodyPr lIns="0" rIns="0" tIns="0" bIns="0" anchor="ctr"/>
           <a:p>
-            <a:endParaRPr b="0" lang="ja-JP" sz="1800" spc="-1" strike="noStrike">
+            <a:pPr algn="ctr"/>
+            <a:endParaRPr b="0" lang="en-US" sz="4400" spc="-1" strike="noStrike">
               <a:solidFill>
                 <a:srgbClr val="000000"/>
               </a:solidFill>
@@ -1212,7 +1221,7 @@
         <p:spPr>
           <a:xfrm>
             <a:off x="504000" y="1768680"/>
-            <a:ext cx="4426920" cy="4384080"/>
+            <a:ext cx="4426920" cy="4383720"/>
           </a:xfrm>
           <a:prstGeom prst="rect">
             <a:avLst/>
@@ -1221,7 +1230,7 @@
         <p:txBody>
           <a:bodyPr lIns="0" rIns="0" tIns="0" bIns="0"/>
           <a:p>
-            <a:endParaRPr b="0" lang="ja-JP" sz="1800" spc="-1" strike="noStrike">
+            <a:endParaRPr b="0" lang="en-US" sz="3200" spc="-1" strike="noStrike">
               <a:solidFill>
                 <a:srgbClr val="000000"/>
               </a:solidFill>
@@ -1257,7 +1266,7 @@
         <p:txBody>
           <a:bodyPr lIns="0" rIns="0" tIns="0" bIns="0"/>
           <a:p>
-            <a:endParaRPr b="0" lang="ja-JP" sz="1800" spc="-1" strike="noStrike">
+            <a:endParaRPr b="0" lang="en-US" sz="3200" spc="-1" strike="noStrike">
               <a:solidFill>
                 <a:srgbClr val="000000"/>
               </a:solidFill>
@@ -1293,7 +1302,7 @@
         <p:txBody>
           <a:bodyPr lIns="0" rIns="0" tIns="0" bIns="0"/>
           <a:p>
-            <a:endParaRPr b="0" lang="ja-JP" sz="1800" spc="-1" strike="noStrike">
+            <a:endParaRPr b="0" lang="en-US" sz="3200" spc="-1" strike="noStrike">
               <a:solidFill>
                 <a:srgbClr val="000000"/>
               </a:solidFill>
@@ -1342,7 +1351,7 @@
         <p:spPr>
           <a:xfrm>
             <a:off x="504000" y="301320"/>
-            <a:ext cx="9071280" cy="1261800"/>
+            <a:ext cx="9070920" cy="1261440"/>
           </a:xfrm>
           <a:prstGeom prst="rect">
             <a:avLst/>
@@ -1351,7 +1360,8 @@
         <p:txBody>
           <a:bodyPr lIns="0" rIns="0" tIns="0" bIns="0" anchor="ctr"/>
           <a:p>
-            <a:endParaRPr b="0" lang="ja-JP" sz="1800" spc="-1" strike="noStrike">
+            <a:pPr algn="ctr"/>
+            <a:endParaRPr b="0" lang="en-US" sz="4400" spc="-1" strike="noStrike">
               <a:solidFill>
                 <a:srgbClr val="000000"/>
               </a:solidFill>
@@ -1387,7 +1397,7 @@
         <p:txBody>
           <a:bodyPr lIns="0" rIns="0" tIns="0" bIns="0"/>
           <a:p>
-            <a:endParaRPr b="0" lang="ja-JP" sz="1800" spc="-1" strike="noStrike">
+            <a:endParaRPr b="0" lang="en-US" sz="3200" spc="-1" strike="noStrike">
               <a:solidFill>
                 <a:srgbClr val="000000"/>
               </a:solidFill>
@@ -1423,7 +1433,7 @@
         <p:txBody>
           <a:bodyPr lIns="0" rIns="0" tIns="0" bIns="0"/>
           <a:p>
-            <a:endParaRPr b="0" lang="ja-JP" sz="1800" spc="-1" strike="noStrike">
+            <a:endParaRPr b="0" lang="en-US" sz="3200" spc="-1" strike="noStrike">
               <a:solidFill>
                 <a:srgbClr val="000000"/>
               </a:solidFill>
@@ -1450,7 +1460,7 @@
         <p:spPr>
           <a:xfrm>
             <a:off x="504000" y="4058640"/>
-            <a:ext cx="9072000" cy="2090880"/>
+            <a:ext cx="9071640" cy="2090880"/>
           </a:xfrm>
           <a:prstGeom prst="rect">
             <a:avLst/>
@@ -1459,7 +1469,7 @@
         <p:txBody>
           <a:bodyPr lIns="0" rIns="0" tIns="0" bIns="0"/>
           <a:p>
-            <a:endParaRPr b="0" lang="ja-JP" sz="1800" spc="-1" strike="noStrike">
+            <a:endParaRPr b="0" lang="en-US" sz="3200" spc="-1" strike="noStrike">
               <a:solidFill>
                 <a:srgbClr val="000000"/>
               </a:solidFill>
@@ -1515,7 +1525,7 @@
         <p:spPr>
           <a:xfrm>
             <a:off x="504000" y="301320"/>
-            <a:ext cx="9071280" cy="1261800"/>
+            <a:ext cx="9070920" cy="1261440"/>
           </a:xfrm>
           <a:prstGeom prst="rect">
             <a:avLst/>
@@ -1524,7 +1534,8 @@
         <p:txBody>
           <a:bodyPr lIns="0" rIns="0" tIns="0" bIns="0" anchor="ctr"/>
           <a:p>
-            <a:endParaRPr b="0" lang="ja-JP" sz="1800" spc="-1" strike="noStrike">
+            <a:pPr algn="ctr"/>
+            <a:endParaRPr b="0" lang="en-US" sz="4400" spc="-1" strike="noStrike">
               <a:solidFill>
                 <a:srgbClr val="000000"/>
               </a:solidFill>
@@ -1551,7 +1562,7 @@
         <p:spPr>
           <a:xfrm>
             <a:off x="504000" y="1768680"/>
-            <a:ext cx="9072000" cy="4384080"/>
+            <a:ext cx="9071640" cy="4383720"/>
           </a:xfrm>
           <a:prstGeom prst="rect">
             <a:avLst/>
@@ -1569,7 +1580,7 @@
               <a:buChar char=""/>
             </a:pPr>
             <a:r>
-              <a:rPr b="0" lang="ja-JP" sz="1800" spc="-1" strike="noStrike">
+              <a:rPr b="0" lang="en-US" sz="1800" spc="-1" strike="noStrike">
                 <a:solidFill>
                   <a:srgbClr val="000000"/>
                 </a:solidFill>
@@ -1582,7 +1593,7 @@
               </a:rPr>
               <a:t>アウトラインテキストの書式を編集するにはクリックします。</a:t>
             </a:r>
-            <a:endParaRPr b="0" lang="ja-JP" sz="1800" spc="-1" strike="noStrike">
+            <a:endParaRPr b="0" lang="en-US" sz="1800" spc="-1" strike="noStrike">
               <a:solidFill>
                 <a:srgbClr val="000000"/>
               </a:solidFill>
@@ -1604,7 +1615,7 @@
               <a:buChar char=""/>
             </a:pPr>
             <a:r>
-              <a:rPr b="0" lang="ja-JP" sz="1800" spc="-1" strike="noStrike">
+              <a:rPr b="0" lang="en-US" sz="1800" spc="-1" strike="noStrike">
                 <a:solidFill>
                   <a:srgbClr val="000000"/>
                 </a:solidFill>
@@ -1618,7 +1629,7 @@
               <a:t>2</a:t>
             </a:r>
             <a:r>
-              <a:rPr b="0" lang="ja-JP" sz="1800" spc="-1" strike="noStrike">
+              <a:rPr b="0" lang="en-US" sz="1800" spc="-1" strike="noStrike">
                 <a:solidFill>
                   <a:srgbClr val="000000"/>
                 </a:solidFill>
@@ -1631,7 +1642,7 @@
               </a:rPr>
               <a:t>レベル目のアウトライン</a:t>
             </a:r>
-            <a:endParaRPr b="0" lang="ja-JP" sz="1800" spc="-1" strike="noStrike">
+            <a:endParaRPr b="0" lang="en-US" sz="1800" spc="-1" strike="noStrike">
               <a:solidFill>
                 <a:srgbClr val="000000"/>
               </a:solidFill>
@@ -1653,7 +1664,7 @@
               <a:buChar char=""/>
             </a:pPr>
             <a:r>
-              <a:rPr b="0" lang="ja-JP" sz="1800" spc="-1" strike="noStrike">
+              <a:rPr b="0" lang="en-US" sz="1800" spc="-1" strike="noStrike">
                 <a:solidFill>
                   <a:srgbClr val="000000"/>
                 </a:solidFill>
@@ -1667,7 +1678,7 @@
               <a:t>3</a:t>
             </a:r>
             <a:r>
-              <a:rPr b="0" lang="ja-JP" sz="1800" spc="-1" strike="noStrike">
+              <a:rPr b="0" lang="en-US" sz="1800" spc="-1" strike="noStrike">
                 <a:solidFill>
                   <a:srgbClr val="000000"/>
                 </a:solidFill>
@@ -1680,7 +1691,7 @@
               </a:rPr>
               <a:t>レベル目のアウトライン</a:t>
             </a:r>
-            <a:endParaRPr b="0" lang="ja-JP" sz="1800" spc="-1" strike="noStrike">
+            <a:endParaRPr b="0" lang="en-US" sz="1800" spc="-1" strike="noStrike">
               <a:solidFill>
                 <a:srgbClr val="000000"/>
               </a:solidFill>
@@ -1702,7 +1713,7 @@
               <a:buChar char=""/>
             </a:pPr>
             <a:r>
-              <a:rPr b="0" lang="ja-JP" sz="1800" spc="-1" strike="noStrike">
+              <a:rPr b="0" lang="en-US" sz="1800" spc="-1" strike="noStrike">
                 <a:solidFill>
                   <a:srgbClr val="000000"/>
                 </a:solidFill>
@@ -1716,7 +1727,7 @@
               <a:t>4</a:t>
             </a:r>
             <a:r>
-              <a:rPr b="0" lang="ja-JP" sz="1800" spc="-1" strike="noStrike">
+              <a:rPr b="0" lang="en-US" sz="1800" spc="-1" strike="noStrike">
                 <a:solidFill>
                   <a:srgbClr val="000000"/>
                 </a:solidFill>
@@ -1729,7 +1740,7 @@
               </a:rPr>
               <a:t>レベル目のアウトライン</a:t>
             </a:r>
-            <a:endParaRPr b="0" lang="ja-JP" sz="1800" spc="-1" strike="noStrike">
+            <a:endParaRPr b="0" lang="en-US" sz="1800" spc="-1" strike="noStrike">
               <a:solidFill>
                 <a:srgbClr val="000000"/>
               </a:solidFill>
@@ -1751,7 +1762,7 @@
               <a:buChar char=""/>
             </a:pPr>
             <a:r>
-              <a:rPr b="0" lang="ja-JP" sz="2000" spc="-1" strike="noStrike">
+              <a:rPr b="0" lang="en-US" sz="1800" spc="-1" strike="noStrike">
                 <a:solidFill>
                   <a:srgbClr val="000000"/>
                 </a:solidFill>
@@ -1765,7 +1776,7 @@
               <a:t>5</a:t>
             </a:r>
             <a:r>
-              <a:rPr b="0" lang="ja-JP" sz="2000" spc="-1" strike="noStrike">
+              <a:rPr b="0" lang="en-US" sz="1800" spc="-1" strike="noStrike">
                 <a:solidFill>
                   <a:srgbClr val="000000"/>
                 </a:solidFill>
@@ -1778,7 +1789,7 @@
               </a:rPr>
               <a:t>レベル目のアウトライン</a:t>
             </a:r>
-            <a:endParaRPr b="0" lang="ja-JP" sz="2000" spc="-1" strike="noStrike">
+            <a:endParaRPr b="0" lang="en-US" sz="1800" spc="-1" strike="noStrike">
               <a:solidFill>
                 <a:srgbClr val="000000"/>
               </a:solidFill>
@@ -1800,7 +1811,7 @@
               <a:buChar char=""/>
             </a:pPr>
             <a:r>
-              <a:rPr b="0" lang="ja-JP" sz="2000" spc="-1" strike="noStrike">
+              <a:rPr b="0" lang="en-US" sz="1800" spc="-1" strike="noStrike">
                 <a:solidFill>
                   <a:srgbClr val="000000"/>
                 </a:solidFill>
@@ -1814,7 +1825,7 @@
               <a:t>6</a:t>
             </a:r>
             <a:r>
-              <a:rPr b="0" lang="ja-JP" sz="2000" spc="-1" strike="noStrike">
+              <a:rPr b="0" lang="en-US" sz="1800" spc="-1" strike="noStrike">
                 <a:solidFill>
                   <a:srgbClr val="000000"/>
                 </a:solidFill>
@@ -1827,7 +1838,7 @@
               </a:rPr>
               <a:t>レベル目のアウトライン</a:t>
             </a:r>
-            <a:endParaRPr b="0" lang="ja-JP" sz="2000" spc="-1" strike="noStrike">
+            <a:endParaRPr b="0" lang="en-US" sz="1800" spc="-1" strike="noStrike">
               <a:solidFill>
                 <a:srgbClr val="000000"/>
               </a:solidFill>
@@ -1849,7 +1860,7 @@
               <a:buChar char=""/>
             </a:pPr>
             <a:r>
-              <a:rPr b="0" lang="ja-JP" sz="2000" spc="-1" strike="noStrike">
+              <a:rPr b="0" lang="en-US" sz="1800" spc="-1" strike="noStrike">
                 <a:solidFill>
                   <a:srgbClr val="000000"/>
                 </a:solidFill>
@@ -1863,7 +1874,7 @@
               <a:t>7</a:t>
             </a:r>
             <a:r>
-              <a:rPr b="0" lang="ja-JP" sz="2000" spc="-1" strike="noStrike">
+              <a:rPr b="0" lang="en-US" sz="1800" spc="-1" strike="noStrike">
                 <a:solidFill>
                   <a:srgbClr val="000000"/>
                 </a:solidFill>
@@ -1876,7 +1887,7 @@
               </a:rPr>
               <a:t>レベル目のアウトライン</a:t>
             </a:r>
-            <a:endParaRPr b="0" lang="ja-JP" sz="2000" spc="-1" strike="noStrike">
+            <a:endParaRPr b="0" lang="en-US" sz="1800" spc="-1" strike="noStrike">
               <a:solidFill>
                 <a:srgbClr val="000000"/>
               </a:solidFill>
@@ -1936,7 +1947,7 @@
         <p:spPr>
           <a:xfrm>
             <a:off x="1944000" y="1187640"/>
-            <a:ext cx="5112360" cy="2268000"/>
+            <a:ext cx="5112000" cy="2267640"/>
           </a:xfrm>
           <a:prstGeom prst="rect">
             <a:avLst/>
@@ -2002,7 +2013,7 @@
         <p:spPr>
           <a:xfrm>
             <a:off x="6030360" y="1727640"/>
-            <a:ext cx="863640" cy="449640"/>
+            <a:ext cx="863280" cy="449280"/>
           </a:xfrm>
           <a:prstGeom prst="flowChartPredefinedProcess">
             <a:avLst/>
@@ -2132,7 +2143,7 @@
         <p:spPr>
           <a:xfrm>
             <a:off x="6012360" y="2519640"/>
-            <a:ext cx="899640" cy="449640"/>
+            <a:ext cx="899280" cy="449280"/>
           </a:xfrm>
           <a:prstGeom prst="flowChartPredefinedProcess">
             <a:avLst/>
@@ -2295,7 +2306,7 @@
         <p:spPr>
           <a:xfrm>
             <a:off x="2124000" y="1727640"/>
-            <a:ext cx="2016000" cy="1223640"/>
+            <a:ext cx="2015640" cy="1223280"/>
           </a:xfrm>
           <a:prstGeom prst="rect">
             <a:avLst/>
@@ -2376,7 +2387,7 @@
         <p:spPr>
           <a:xfrm>
             <a:off x="4320360" y="1727640"/>
-            <a:ext cx="1511640" cy="1223640"/>
+            <a:ext cx="1511280" cy="1223280"/>
           </a:xfrm>
           <a:prstGeom prst="rect">
             <a:avLst/>
@@ -2457,7 +2468,7 @@
         <p:spPr>
           <a:xfrm>
             <a:off x="7632720" y="2843640"/>
-            <a:ext cx="1367640" cy="971640"/>
+            <a:ext cx="1367280" cy="971280"/>
           </a:xfrm>
           <a:prstGeom prst="rect">
             <a:avLst/>
@@ -2523,7 +2534,7 @@
         <p:spPr>
           <a:xfrm>
             <a:off x="7812720" y="3185640"/>
-            <a:ext cx="1007640" cy="449640"/>
+            <a:ext cx="1007280" cy="449280"/>
           </a:xfrm>
           <a:prstGeom prst="rect">
             <a:avLst/>
@@ -2622,7 +2633,7 @@
         <p:spPr>
           <a:xfrm>
             <a:off x="6912360" y="2744640"/>
-            <a:ext cx="899640" cy="665640"/>
+            <a:ext cx="899280" cy="665280"/>
           </a:xfrm>
           <a:custGeom>
             <a:avLst/>
@@ -2669,8 +2680,8 @@
         </p:nvSpPr>
         <p:spPr>
           <a:xfrm flipV="1">
-            <a:off x="6894360" y="1583640"/>
-            <a:ext cx="1061640" cy="368640"/>
+            <a:off x="6894360" y="1582920"/>
+            <a:ext cx="1061280" cy="368280"/>
           </a:xfrm>
           <a:custGeom>
             <a:avLst/>
@@ -2774,7 +2785,7 @@
         <p:spPr>
           <a:xfrm>
             <a:off x="8120880" y="1331640"/>
-            <a:ext cx="182520" cy="162360"/>
+            <a:ext cx="182160" cy="162000"/>
           </a:xfrm>
           <a:prstGeom prst="ellipse">
             <a:avLst/>
@@ -2805,7 +2816,7 @@
         <p:spPr>
           <a:xfrm>
             <a:off x="8107920" y="1716480"/>
-            <a:ext cx="209520" cy="128880"/>
+            <a:ext cx="209160" cy="128520"/>
           </a:xfrm>
           <a:custGeom>
             <a:avLst/>
@@ -2850,7 +2861,7 @@
         <p:spPr>
           <a:xfrm>
             <a:off x="7956720" y="1223640"/>
-            <a:ext cx="503640" cy="719640"/>
+            <a:ext cx="503280" cy="719280"/>
           </a:xfrm>
           <a:prstGeom prst="rect">
             <a:avLst/>
@@ -2932,7 +2943,7 @@
         <p:spPr>
           <a:xfrm>
             <a:off x="869760" y="2087640"/>
-            <a:ext cx="182520" cy="162360"/>
+            <a:ext cx="182160" cy="162000"/>
           </a:xfrm>
           <a:prstGeom prst="ellipse">
             <a:avLst/>
@@ -2963,7 +2974,7 @@
         <p:spPr>
           <a:xfrm>
             <a:off x="856800" y="2472480"/>
-            <a:ext cx="209520" cy="128880"/>
+            <a:ext cx="209160" cy="128520"/>
           </a:xfrm>
           <a:custGeom>
             <a:avLst/>
@@ -3008,7 +3019,7 @@
         <p:spPr>
           <a:xfrm>
             <a:off x="705600" y="1979640"/>
-            <a:ext cx="503640" cy="719640"/>
+            <a:ext cx="503280" cy="719280"/>
           </a:xfrm>
           <a:prstGeom prst="rect">
             <a:avLst/>
@@ -3034,7 +3045,7 @@
         <p:spPr>
           <a:xfrm>
             <a:off x="489600" y="2699640"/>
-            <a:ext cx="914040" cy="431640"/>
+            <a:ext cx="913680" cy="431280"/>
           </a:xfrm>
           <a:prstGeom prst="rect">
             <a:avLst/>
@@ -3129,7 +3140,7 @@
         <p:spPr>
           <a:xfrm>
             <a:off x="1209600" y="2339640"/>
-            <a:ext cx="914040" cy="360"/>
+            <a:ext cx="913680" cy="360"/>
           </a:xfrm>
           <a:custGeom>
             <a:avLst/>
@@ -3177,7 +3188,7 @@
         <p:spPr>
           <a:xfrm>
             <a:off x="1944000" y="3960000"/>
-            <a:ext cx="5112360" cy="2124000"/>
+            <a:ext cx="5112000" cy="2123640"/>
           </a:xfrm>
           <a:prstGeom prst="rect">
             <a:avLst/>
@@ -3258,7 +3269,7 @@
         <p:spPr>
           <a:xfrm>
             <a:off x="2304000" y="4284000"/>
-            <a:ext cx="1764000" cy="1223640"/>
+            <a:ext cx="1763640" cy="1223280"/>
           </a:xfrm>
           <a:custGeom>
             <a:avLst/>
@@ -3387,7 +3398,7 @@
         <p:spPr>
           <a:xfrm>
             <a:off x="5544360" y="5436000"/>
-            <a:ext cx="1331640" cy="503640"/>
+            <a:ext cx="1331280" cy="503280"/>
           </a:xfrm>
           <a:prstGeom prst="rect">
             <a:avLst/>
@@ -3486,7 +3497,7 @@
         <p:spPr>
           <a:xfrm>
             <a:off x="2700000" y="4788000"/>
-            <a:ext cx="1007640" cy="395640"/>
+            <a:ext cx="1007280" cy="395280"/>
           </a:xfrm>
           <a:prstGeom prst="flowChartPredefinedProcess">
             <a:avLst/>
@@ -3553,7 +3564,7 @@
         <p:spPr>
           <a:xfrm>
             <a:off x="2376000" y="2195640"/>
-            <a:ext cx="647640" cy="467640"/>
+            <a:ext cx="647280" cy="467280"/>
           </a:xfrm>
           <a:prstGeom prst="rect">
             <a:avLst/>
@@ -3653,7 +3664,7 @@
         <p:spPr>
           <a:xfrm>
             <a:off x="3240000" y="2195640"/>
-            <a:ext cx="647640" cy="467640"/>
+            <a:ext cx="647280" cy="467280"/>
           </a:xfrm>
           <a:prstGeom prst="rect">
             <a:avLst/>
@@ -3753,7 +3764,7 @@
         <p:spPr>
           <a:xfrm>
             <a:off x="4572360" y="2195640"/>
-            <a:ext cx="1043640" cy="467640"/>
+            <a:ext cx="1043280" cy="467280"/>
           </a:xfrm>
           <a:prstGeom prst="rect">
             <a:avLst/>
@@ -3853,7 +3864,7 @@
         <p:spPr>
           <a:xfrm>
             <a:off x="4572360" y="4500000"/>
-            <a:ext cx="1043640" cy="467640"/>
+            <a:ext cx="1043280" cy="467280"/>
           </a:xfrm>
           <a:prstGeom prst="rect">
             <a:avLst/>
@@ -3953,7 +3964,7 @@
         <p:spPr>
           <a:xfrm>
             <a:off x="3132000" y="2951640"/>
-            <a:ext cx="360" cy="1295640"/>
+            <a:ext cx="360" cy="1295280"/>
           </a:xfrm>
           <a:custGeom>
             <a:avLst/>
@@ -4001,7 +4012,7 @@
         <p:spPr>
           <a:xfrm>
             <a:off x="5094360" y="2951640"/>
-            <a:ext cx="360" cy="1547640"/>
+            <a:ext cx="360" cy="1547280"/>
           </a:xfrm>
           <a:custGeom>
             <a:avLst/>
@@ -4049,7 +4060,7 @@
         <p:spPr>
           <a:xfrm>
             <a:off x="7762320" y="1871640"/>
-            <a:ext cx="914040" cy="431640"/>
+            <a:ext cx="913680" cy="431280"/>
           </a:xfrm>
           <a:prstGeom prst="rect">
             <a:avLst/>
@@ -4200,7 +4211,7 @@
         <p:spPr>
           <a:xfrm>
             <a:off x="869760" y="4932000"/>
-            <a:ext cx="182520" cy="162360"/>
+            <a:ext cx="182160" cy="162000"/>
           </a:xfrm>
           <a:prstGeom prst="ellipse">
             <a:avLst/>
@@ -4231,7 +4242,7 @@
         <p:spPr>
           <a:xfrm>
             <a:off x="856800" y="5316840"/>
-            <a:ext cx="209520" cy="128880"/>
+            <a:ext cx="209160" cy="128520"/>
           </a:xfrm>
           <a:custGeom>
             <a:avLst/>
@@ -4276,7 +4287,7 @@
         <p:spPr>
           <a:xfrm>
             <a:off x="705600" y="4824000"/>
-            <a:ext cx="503640" cy="719640"/>
+            <a:ext cx="503280" cy="719280"/>
           </a:xfrm>
           <a:prstGeom prst="rect">
             <a:avLst/>
@@ -4302,7 +4313,7 @@
         <p:spPr>
           <a:xfrm>
             <a:off x="489600" y="5544000"/>
-            <a:ext cx="914040" cy="431640"/>
+            <a:ext cx="913680" cy="431280"/>
           </a:xfrm>
           <a:prstGeom prst="rect">
             <a:avLst/>
@@ -4364,7 +4375,7 @@
         <p:spPr>
           <a:xfrm>
             <a:off x="1209600" y="5184000"/>
-            <a:ext cx="1094040" cy="360"/>
+            <a:ext cx="1093680" cy="360"/>
           </a:xfrm>
           <a:custGeom>
             <a:avLst/>
@@ -4412,7 +4423,7 @@
         <p:spPr>
           <a:xfrm>
             <a:off x="7380720" y="4788000"/>
-            <a:ext cx="1403640" cy="863640"/>
+            <a:ext cx="1403280" cy="863280"/>
           </a:xfrm>
           <a:prstGeom prst="cloudCallout">
             <a:avLst>
@@ -4497,7 +4508,7 @@
         <p:spPr>
           <a:xfrm>
             <a:off x="4068360" y="5184000"/>
-            <a:ext cx="3240000" cy="360"/>
+            <a:ext cx="3239640" cy="360"/>
           </a:xfrm>
           <a:custGeom>
             <a:avLst/>
@@ -4545,7 +4556,7 @@
         <p:spPr>
           <a:xfrm>
             <a:off x="4068360" y="4716000"/>
-            <a:ext cx="518040" cy="360"/>
+            <a:ext cx="517680" cy="360"/>
           </a:xfrm>
           <a:custGeom>
             <a:avLst/>
@@ -4593,7 +4604,7 @@
         <p:spPr>
           <a:xfrm>
             <a:off x="1584000" y="2915640"/>
-            <a:ext cx="1367640" cy="971640"/>
+            <a:ext cx="1367280" cy="971280"/>
           </a:xfrm>
           <a:prstGeom prst="rect">
             <a:avLst/>
@@ -4836,8 +4847,8 @@
         </p:nvSpPr>
         <p:spPr>
           <a:xfrm rot="5400000">
-            <a:off x="2124360" y="2123640"/>
-            <a:ext cx="287640" cy="1439640"/>
+            <a:off x="2124720" y="2123640"/>
+            <a:ext cx="287280" cy="1439280"/>
           </a:xfrm>
           <a:prstGeom prst="leftBrace">
             <a:avLst>
@@ -4871,7 +4882,7 @@
         <p:spPr>
           <a:xfrm>
             <a:off x="432000" y="864000"/>
-            <a:ext cx="8784000" cy="5544000"/>
+            <a:ext cx="8783640" cy="5543640"/>
           </a:xfrm>
           <a:prstGeom prst="rect">
             <a:avLst/>
@@ -4948,7 +4959,7 @@
         <p:spPr>
           <a:xfrm>
             <a:off x="1800000" y="1547640"/>
-            <a:ext cx="1583640" cy="323640"/>
+            <a:ext cx="1583280" cy="323280"/>
           </a:xfrm>
           <a:prstGeom prst="rect">
             <a:avLst/>
@@ -5014,7 +5025,7 @@
         <p:spPr>
           <a:xfrm>
             <a:off x="3384000" y="1547640"/>
-            <a:ext cx="1079640" cy="323640"/>
+            <a:ext cx="1079280" cy="323280"/>
           </a:xfrm>
           <a:prstGeom prst="rect">
             <a:avLst/>
@@ -5080,7 +5091,7 @@
         <p:spPr>
           <a:xfrm>
             <a:off x="6336360" y="1547640"/>
-            <a:ext cx="1800000" cy="323640"/>
+            <a:ext cx="1799640" cy="323280"/>
           </a:xfrm>
           <a:prstGeom prst="rect">
             <a:avLst/>
@@ -5146,7 +5157,7 @@
         <p:spPr>
           <a:xfrm>
             <a:off x="8136720" y="1547640"/>
-            <a:ext cx="1367640" cy="323640"/>
+            <a:ext cx="1367280" cy="323280"/>
           </a:xfrm>
           <a:prstGeom prst="rect">
             <a:avLst/>
@@ -5212,7 +5223,7 @@
         <p:spPr>
           <a:xfrm>
             <a:off x="648000" y="2123640"/>
-            <a:ext cx="914040" cy="431640"/>
+            <a:ext cx="913680" cy="431280"/>
           </a:xfrm>
           <a:prstGeom prst="rect">
             <a:avLst/>
@@ -5307,7 +5318,7 @@
         <p:spPr>
           <a:xfrm>
             <a:off x="2304000" y="2051640"/>
-            <a:ext cx="575640" cy="431640"/>
+            <a:ext cx="575280" cy="431280"/>
           </a:xfrm>
           <a:prstGeom prst="rect">
             <a:avLst/>
@@ -5369,7 +5380,7 @@
         <p:spPr>
           <a:xfrm>
             <a:off x="4536360" y="2051640"/>
-            <a:ext cx="575640" cy="431640"/>
+            <a:ext cx="575280" cy="431280"/>
           </a:xfrm>
           <a:prstGeom prst="rect">
             <a:avLst/>
@@ -5431,7 +5442,7 @@
         <p:spPr>
           <a:xfrm>
             <a:off x="6984360" y="2051640"/>
-            <a:ext cx="575640" cy="431640"/>
+            <a:ext cx="575280" cy="431280"/>
           </a:xfrm>
           <a:prstGeom prst="rect">
             <a:avLst/>
@@ -5493,7 +5504,7 @@
         <p:spPr>
           <a:xfrm>
             <a:off x="8568720" y="2051640"/>
-            <a:ext cx="575640" cy="431640"/>
+            <a:ext cx="575280" cy="431280"/>
           </a:xfrm>
           <a:prstGeom prst="rect">
             <a:avLst/>
@@ -5585,7 +5596,7 @@
         <p:spPr>
           <a:xfrm>
             <a:off x="1872000" y="2411640"/>
-            <a:ext cx="1511640" cy="360"/>
+            <a:ext cx="1511280" cy="360"/>
           </a:xfrm>
           <a:custGeom>
             <a:avLst/>
@@ -5635,7 +5646,7 @@
         <p:spPr>
           <a:xfrm>
             <a:off x="3384000" y="2411640"/>
-            <a:ext cx="2952000" cy="360"/>
+            <a:ext cx="2951640" cy="360"/>
           </a:xfrm>
           <a:custGeom>
             <a:avLst/>
@@ -5685,7 +5696,7 @@
         <p:spPr>
           <a:xfrm>
             <a:off x="6336360" y="2411640"/>
-            <a:ext cx="1800000" cy="360"/>
+            <a:ext cx="1799640" cy="360"/>
           </a:xfrm>
           <a:custGeom>
             <a:avLst/>
@@ -5735,7 +5746,7 @@
         <p:spPr>
           <a:xfrm>
             <a:off x="8208720" y="2411640"/>
-            <a:ext cx="1295640" cy="360"/>
+            <a:ext cx="1295280" cy="360"/>
           </a:xfrm>
           <a:custGeom>
             <a:avLst/>
@@ -5785,7 +5796,7 @@
         <p:spPr>
           <a:xfrm>
             <a:off x="648000" y="2699640"/>
-            <a:ext cx="914040" cy="431640"/>
+            <a:ext cx="913680" cy="431280"/>
           </a:xfrm>
           <a:prstGeom prst="rect">
             <a:avLst/>
@@ -5847,7 +5858,7 @@
         <p:spPr>
           <a:xfrm>
             <a:off x="648000" y="4068000"/>
-            <a:ext cx="914040" cy="431640"/>
+            <a:ext cx="913680" cy="431280"/>
           </a:xfrm>
           <a:prstGeom prst="rect">
             <a:avLst/>
@@ -5909,7 +5920,7 @@
         <p:spPr>
           <a:xfrm>
             <a:off x="648000" y="5292000"/>
-            <a:ext cx="914040" cy="431640"/>
+            <a:ext cx="913680" cy="431280"/>
           </a:xfrm>
           <a:prstGeom prst="rect">
             <a:avLst/>
@@ -5971,7 +5982,7 @@
         <p:spPr>
           <a:xfrm>
             <a:off x="648000" y="1043640"/>
-            <a:ext cx="914040" cy="431640"/>
+            <a:ext cx="913680" cy="431280"/>
           </a:xfrm>
           <a:prstGeom prst="rect">
             <a:avLst/>
@@ -6033,7 +6044,7 @@
         <p:spPr>
           <a:xfrm>
             <a:off x="3096000" y="1043640"/>
-            <a:ext cx="575640" cy="431640"/>
+            <a:ext cx="575280" cy="431280"/>
           </a:xfrm>
           <a:prstGeom prst="rect">
             <a:avLst/>
@@ -6095,7 +6106,7 @@
         <p:spPr>
           <a:xfrm>
             <a:off x="2808000" y="235080"/>
-            <a:ext cx="4608000" cy="431640"/>
+            <a:ext cx="4607640" cy="431280"/>
           </a:xfrm>
           <a:prstGeom prst="rect">
             <a:avLst/>
@@ -6157,7 +6168,7 @@
         <p:spPr>
           <a:xfrm>
             <a:off x="4248360" y="1043640"/>
-            <a:ext cx="575640" cy="431640"/>
+            <a:ext cx="575280" cy="431280"/>
           </a:xfrm>
           <a:prstGeom prst="rect">
             <a:avLst/>
@@ -6252,7 +6263,7 @@
         <p:spPr>
           <a:xfrm>
             <a:off x="6048360" y="1043640"/>
-            <a:ext cx="575640" cy="431640"/>
+            <a:ext cx="575280" cy="431280"/>
           </a:xfrm>
           <a:prstGeom prst="rect">
             <a:avLst/>
@@ -6314,7 +6325,7 @@
         <p:spPr>
           <a:xfrm>
             <a:off x="7848720" y="1043640"/>
-            <a:ext cx="575640" cy="431640"/>
+            <a:ext cx="575280" cy="431280"/>
           </a:xfrm>
           <a:prstGeom prst="rect">
             <a:avLst/>
@@ -6386,7 +6397,7 @@
               <a:srgbClr val="4a7ebb"/>
             </a:solidFill>
             <a:custDash>
-              <a:ds d="500000" sp="400000"/>
+              <a:ds d="600000" sp="500000"/>
             </a:custDash>
             <a:round/>
           </a:ln>
@@ -6423,7 +6434,7 @@
               <a:srgbClr val="4a7ebb"/>
             </a:solidFill>
             <a:custDash>
-              <a:ds d="500000" sp="400000"/>
+              <a:ds d="600000" sp="500000"/>
             </a:custDash>
             <a:round/>
           </a:ln>
@@ -6450,7 +6461,7 @@
         <p:spPr>
           <a:xfrm>
             <a:off x="1728000" y="1043640"/>
-            <a:ext cx="575640" cy="287640"/>
+            <a:ext cx="575280" cy="287280"/>
           </a:xfrm>
           <a:prstGeom prst="rect">
             <a:avLst/>
@@ -6512,7 +6523,7 @@
         <p:spPr>
           <a:xfrm>
             <a:off x="648000" y="1547640"/>
-            <a:ext cx="914040" cy="431640"/>
+            <a:ext cx="913680" cy="431280"/>
           </a:xfrm>
           <a:prstGeom prst="rect">
             <a:avLst/>
@@ -6574,7 +6585,7 @@
         <p:spPr>
           <a:xfrm>
             <a:off x="4464360" y="1547640"/>
-            <a:ext cx="1872000" cy="323640"/>
+            <a:ext cx="1871640" cy="323280"/>
           </a:xfrm>
           <a:prstGeom prst="rect">
             <a:avLst/>
@@ -6655,7 +6666,7 @@
         <p:spPr>
           <a:xfrm>
             <a:off x="2520000" y="2915640"/>
-            <a:ext cx="503640" cy="360"/>
+            <a:ext cx="503280" cy="360"/>
           </a:xfrm>
           <a:custGeom>
             <a:avLst/>
@@ -6703,8 +6714,8 @@
         </p:nvSpPr>
         <p:spPr>
           <a:xfrm flipH="1" rot="16200000">
-            <a:off x="3905280" y="5382360"/>
-            <a:ext cx="143640" cy="395640"/>
+            <a:off x="3905280" y="5382720"/>
+            <a:ext cx="143280" cy="395280"/>
           </a:xfrm>
           <a:prstGeom prst="bentConnector2">
             <a:avLst/>
@@ -6740,7 +6751,7 @@
         <p:spPr>
           <a:xfrm flipV="1">
             <a:off x="4500360" y="3995280"/>
-            <a:ext cx="360" cy="1439640"/>
+            <a:ext cx="360" cy="1439280"/>
           </a:xfrm>
           <a:custGeom>
             <a:avLst/>
@@ -6789,7 +6800,7 @@
         <p:spPr>
           <a:xfrm flipV="1">
             <a:off x="4500360" y="3130920"/>
-            <a:ext cx="360" cy="431640"/>
+            <a:ext cx="360" cy="431280"/>
           </a:xfrm>
           <a:custGeom>
             <a:avLst/>
@@ -6837,8 +6848,8 @@
         </p:nvSpPr>
         <p:spPr>
           <a:xfrm flipH="1" rot="16200000">
-            <a:off x="5165640" y="4410360"/>
-            <a:ext cx="215640" cy="395640"/>
+            <a:off x="5165640" y="4410720"/>
+            <a:ext cx="215280" cy="395280"/>
           </a:xfrm>
           <a:prstGeom prst="bentConnector2">
             <a:avLst/>
@@ -6874,7 +6885,7 @@
         <p:spPr>
           <a:xfrm flipV="1">
             <a:off x="5796360" y="3995280"/>
-            <a:ext cx="360" cy="503640"/>
+            <a:ext cx="360" cy="503280"/>
           </a:xfrm>
           <a:custGeom>
             <a:avLst/>
@@ -6923,7 +6934,7 @@
         <p:spPr>
           <a:xfrm flipV="1">
             <a:off x="5796360" y="3130920"/>
-            <a:ext cx="360" cy="431640"/>
+            <a:ext cx="360" cy="431280"/>
           </a:xfrm>
           <a:custGeom>
             <a:avLst/>
@@ -6972,7 +6983,7 @@
         <p:spPr>
           <a:xfrm>
             <a:off x="3528000" y="5076000"/>
-            <a:ext cx="503640" cy="431640"/>
+            <a:ext cx="503280" cy="431280"/>
           </a:xfrm>
           <a:prstGeom prst="ellipse">
             <a:avLst/>
@@ -7072,7 +7083,7 @@
         <p:spPr>
           <a:xfrm>
             <a:off x="4824360" y="4068000"/>
-            <a:ext cx="503640" cy="431640"/>
+            <a:ext cx="503280" cy="431280"/>
           </a:xfrm>
           <a:prstGeom prst="ellipse">
             <a:avLst/>
@@ -7182,7 +7193,7 @@
               <a:srgbClr val="4a7ebb"/>
             </a:solidFill>
             <a:custDash>
-              <a:ds d="500000" sp="400000"/>
+              <a:ds d="600000" sp="500000"/>
             </a:custDash>
             <a:round/>
           </a:ln>
@@ -7219,7 +7230,7 @@
               <a:srgbClr val="4a7ebb"/>
             </a:solidFill>
             <a:custDash>
-              <a:ds d="500000" sp="400000"/>
+              <a:ds d="600000" sp="500000"/>
             </a:custDash>
             <a:round/>
           </a:ln>
@@ -7246,7 +7257,7 @@
         <p:spPr>
           <a:xfrm>
             <a:off x="6120360" y="2915640"/>
-            <a:ext cx="1079640" cy="360"/>
+            <a:ext cx="1079280" cy="360"/>
           </a:xfrm>
           <a:custGeom>
             <a:avLst/>
@@ -7295,7 +7306,7 @@
         <p:spPr>
           <a:xfrm>
             <a:off x="9000720" y="1043640"/>
-            <a:ext cx="503640" cy="287640"/>
+            <a:ext cx="503280" cy="287280"/>
           </a:xfrm>
           <a:prstGeom prst="rect">
             <a:avLst/>
@@ -7357,7 +7368,7 @@
         <p:spPr>
           <a:xfrm flipV="1">
             <a:off x="7524720" y="3995280"/>
-            <a:ext cx="360" cy="503640"/>
+            <a:ext cx="360" cy="503280"/>
           </a:xfrm>
           <a:custGeom>
             <a:avLst/>
@@ -7406,7 +7417,7 @@
         <p:spPr>
           <a:xfrm>
             <a:off x="7848720" y="2915640"/>
-            <a:ext cx="719640" cy="360"/>
+            <a:ext cx="719280" cy="360"/>
           </a:xfrm>
           <a:custGeom>
             <a:avLst/>
@@ -7455,7 +7466,7 @@
         <p:spPr>
           <a:xfrm flipV="1">
             <a:off x="7524720" y="3130920"/>
-            <a:ext cx="360" cy="431640"/>
+            <a:ext cx="360" cy="431280"/>
           </a:xfrm>
           <a:custGeom>
             <a:avLst/>
@@ -7504,7 +7515,7 @@
         <p:spPr>
           <a:xfrm>
             <a:off x="6552360" y="4068000"/>
-            <a:ext cx="503640" cy="431640"/>
+            <a:ext cx="503280" cy="431280"/>
           </a:xfrm>
           <a:prstGeom prst="ellipse">
             <a:avLst/>
@@ -7603,8 +7614,8 @@
         </p:nvSpPr>
         <p:spPr>
           <a:xfrm flipH="1" rot="16200000">
-            <a:off x="6893640" y="4410360"/>
-            <a:ext cx="215640" cy="395640"/>
+            <a:off x="6893640" y="4410720"/>
+            <a:ext cx="215280" cy="395280"/>
           </a:xfrm>
           <a:prstGeom prst="bentConnector2">
             <a:avLst/>
@@ -7640,7 +7651,7 @@
         <p:spPr>
           <a:xfrm>
             <a:off x="4824360" y="2915640"/>
-            <a:ext cx="647640" cy="360"/>
+            <a:ext cx="647280" cy="360"/>
           </a:xfrm>
           <a:custGeom>
             <a:avLst/>
@@ -7689,7 +7700,7 @@
         <p:spPr>
           <a:xfrm>
             <a:off x="3672000" y="2915640"/>
-            <a:ext cx="503640" cy="360"/>
+            <a:ext cx="503280" cy="360"/>
           </a:xfrm>
           <a:custGeom>
             <a:avLst/>
@@ -7738,7 +7749,7 @@
         <p:spPr>
           <a:xfrm>
             <a:off x="1872000" y="2699640"/>
-            <a:ext cx="647640" cy="431640"/>
+            <a:ext cx="647280" cy="431280"/>
           </a:xfrm>
           <a:prstGeom prst="rect">
             <a:avLst/>
@@ -7838,7 +7849,7 @@
         <p:spPr>
           <a:xfrm>
             <a:off x="4176360" y="5436000"/>
-            <a:ext cx="647640" cy="431640"/>
+            <a:ext cx="647280" cy="431280"/>
           </a:xfrm>
           <a:prstGeom prst="rect">
             <a:avLst/>
@@ -7938,7 +7949,7 @@
         <p:spPr>
           <a:xfrm>
             <a:off x="4176360" y="3563640"/>
-            <a:ext cx="647640" cy="431640"/>
+            <a:ext cx="647280" cy="431280"/>
           </a:xfrm>
           <a:prstGeom prst="rect">
             <a:avLst/>
@@ -8038,7 +8049,7 @@
         <p:spPr>
           <a:xfrm>
             <a:off x="5472360" y="2699640"/>
-            <a:ext cx="647640" cy="431640"/>
+            <a:ext cx="647280" cy="431280"/>
           </a:xfrm>
           <a:prstGeom prst="rect">
             <a:avLst/>
@@ -8138,7 +8149,7 @@
         <p:spPr>
           <a:xfrm>
             <a:off x="8568720" y="2699640"/>
-            <a:ext cx="647640" cy="431640"/>
+            <a:ext cx="647280" cy="431280"/>
           </a:xfrm>
           <a:prstGeom prst="rect">
             <a:avLst/>
@@ -8238,7 +8249,7 @@
         <p:spPr>
           <a:xfrm>
             <a:off x="5472360" y="4500000"/>
-            <a:ext cx="647640" cy="431640"/>
+            <a:ext cx="647280" cy="431280"/>
           </a:xfrm>
           <a:prstGeom prst="rect">
             <a:avLst/>
@@ -8338,7 +8349,7 @@
         <p:spPr>
           <a:xfrm>
             <a:off x="5472360" y="3563640"/>
-            <a:ext cx="647640" cy="431640"/>
+            <a:ext cx="647280" cy="431280"/>
           </a:xfrm>
           <a:prstGeom prst="rect">
             <a:avLst/>
@@ -8438,7 +8449,7 @@
         <p:spPr>
           <a:xfrm>
             <a:off x="4176360" y="2699640"/>
-            <a:ext cx="647640" cy="431640"/>
+            <a:ext cx="647280" cy="431280"/>
           </a:xfrm>
           <a:prstGeom prst="rect">
             <a:avLst/>
@@ -8538,7 +8549,7 @@
         <p:spPr>
           <a:xfrm>
             <a:off x="7200720" y="4500000"/>
-            <a:ext cx="647640" cy="431640"/>
+            <a:ext cx="647280" cy="431280"/>
           </a:xfrm>
           <a:prstGeom prst="rect">
             <a:avLst/>
@@ -8638,7 +8649,7 @@
         <p:spPr>
           <a:xfrm>
             <a:off x="7200720" y="3563640"/>
-            <a:ext cx="647640" cy="431640"/>
+            <a:ext cx="647280" cy="431280"/>
           </a:xfrm>
           <a:prstGeom prst="rect">
             <a:avLst/>
@@ -8738,7 +8749,7 @@
         <p:spPr>
           <a:xfrm>
             <a:off x="7200720" y="2699640"/>
-            <a:ext cx="647640" cy="431640"/>
+            <a:ext cx="647280" cy="431280"/>
           </a:xfrm>
           <a:prstGeom prst="rect">
             <a:avLst/>
@@ -8848,7 +8859,7 @@
               <a:srgbClr val="4a7ebb"/>
             </a:solidFill>
             <a:custDash>
-              <a:ds d="500000" sp="400000"/>
+              <a:ds d="600000" sp="500000"/>
             </a:custDash>
             <a:round/>
           </a:ln>
@@ -8885,7 +8896,7 @@
               <a:srgbClr val="4a7ebb"/>
             </a:solidFill>
             <a:custDash>
-              <a:ds d="500000" sp="400000"/>
+              <a:ds d="600000" sp="500000"/>
             </a:custDash>
             <a:round/>
           </a:ln>
@@ -8922,7 +8933,7 @@
               <a:srgbClr val="4a7ebb"/>
             </a:solidFill>
             <a:custDash>
-              <a:ds d="500000" sp="400000"/>
+              <a:ds d="600000" sp="500000"/>
             </a:custDash>
             <a:round/>
           </a:ln>
@@ -8993,7 +9004,7 @@
               <a:srgbClr val="4a7ebb"/>
             </a:solidFill>
             <a:custDash>
-              <a:ds d="500000" sp="400000"/>
+              <a:ds d="600000" sp="500000"/>
             </a:custDash>
             <a:round/>
           </a:ln>
@@ -9020,7 +9031,7 @@
         <p:spPr>
           <a:xfrm>
             <a:off x="3024000" y="2699640"/>
-            <a:ext cx="647640" cy="431640"/>
+            <a:ext cx="647280" cy="431280"/>
           </a:xfrm>
           <a:prstGeom prst="rect">
             <a:avLst/>
@@ -9123,7 +9134,7 @@
         <p:spPr>
           <a:xfrm>
             <a:off x="1800000" y="6048000"/>
-            <a:ext cx="1583640" cy="575640"/>
+            <a:ext cx="1583280" cy="575280"/>
           </a:xfrm>
           <a:prstGeom prst="rect">
             <a:avLst/>
@@ -9251,7 +9262,7 @@
         <p:spPr>
           <a:xfrm>
             <a:off x="8136720" y="6084000"/>
-            <a:ext cx="1367640" cy="503640"/>
+            <a:ext cx="1367280" cy="503280"/>
           </a:xfrm>
           <a:prstGeom prst="rect">
             <a:avLst/>
@@ -9313,7 +9324,7 @@
         <p:spPr>
           <a:xfrm>
             <a:off x="648000" y="6120000"/>
-            <a:ext cx="914040" cy="431640"/>
+            <a:ext cx="913680" cy="431280"/>
           </a:xfrm>
           <a:prstGeom prst="rect">
             <a:avLst/>
@@ -9375,7 +9386,7 @@
         <p:spPr>
           <a:xfrm>
             <a:off x="3816000" y="6048000"/>
-            <a:ext cx="2520000" cy="575640"/>
+            <a:ext cx="2519640" cy="575280"/>
           </a:xfrm>
           <a:prstGeom prst="rect">
             <a:avLst/>
@@ -9470,7 +9481,7 @@
         <p:spPr>
           <a:xfrm>
             <a:off x="6336360" y="6048000"/>
-            <a:ext cx="1800000" cy="575640"/>
+            <a:ext cx="1799640" cy="575280"/>
           </a:xfrm>
           <a:prstGeom prst="rect">
             <a:avLst/>
@@ -9575,7 +9586,7 @@
               <a:srgbClr val="4a7ebb"/>
             </a:solidFill>
             <a:custDash>
-              <a:ds d="500000" sp="400000"/>
+              <a:ds d="600000" sp="500000"/>
             </a:custDash>
             <a:round/>
           </a:ln>
@@ -9612,7 +9623,7 @@
               <a:srgbClr val="4a7ebb"/>
             </a:solidFill>
             <a:custDash>
-              <a:ds d="500000" sp="400000"/>
+              <a:ds d="600000" sp="500000"/>
             </a:custDash>
             <a:round/>
           </a:ln>
@@ -9673,7 +9684,7 @@
         <p:spPr>
           <a:xfrm>
             <a:off x="232920" y="731160"/>
-            <a:ext cx="9487080" cy="6180840"/>
+            <a:ext cx="9486720" cy="6180480"/>
           </a:xfrm>
           <a:prstGeom prst="rect">
             <a:avLst/>
@@ -9750,7 +9761,7 @@
         <p:spPr>
           <a:xfrm>
             <a:off x="4032000" y="1008000"/>
-            <a:ext cx="2376000" cy="3384000"/>
+            <a:ext cx="2375640" cy="3383640"/>
           </a:xfrm>
           <a:prstGeom prst="rect">
             <a:avLst/>
@@ -9882,7 +9893,7 @@
         <p:spPr>
           <a:xfrm>
             <a:off x="4320360" y="1727640"/>
-            <a:ext cx="1799640" cy="1152360"/>
+            <a:ext cx="1799280" cy="1152000"/>
           </a:xfrm>
           <a:prstGeom prst="rect">
             <a:avLst/>
@@ -10014,7 +10025,7 @@
         <p:spPr>
           <a:xfrm>
             <a:off x="4320360" y="3023640"/>
-            <a:ext cx="1799640" cy="1224360"/>
+            <a:ext cx="1799280" cy="1224000"/>
           </a:xfrm>
           <a:prstGeom prst="rect">
             <a:avLst/>
@@ -10179,7 +10190,7 @@
         <p:spPr>
           <a:xfrm>
             <a:off x="4608000" y="683640"/>
-            <a:ext cx="1296000" cy="252360"/>
+            <a:ext cx="1295640" cy="252000"/>
           </a:xfrm>
           <a:prstGeom prst="rect">
             <a:avLst/>
@@ -10241,7 +10252,7 @@
         <p:spPr>
           <a:xfrm>
             <a:off x="1512000" y="683640"/>
-            <a:ext cx="1296000" cy="252360"/>
+            <a:ext cx="1295640" cy="252000"/>
           </a:xfrm>
           <a:prstGeom prst="rect">
             <a:avLst/>
@@ -10311,14 +10322,14 @@
       </p:sp>
       <p:sp>
         <p:nvSpPr>
-          <p:cNvPr id="159" name="TextShape 6"/>
-          <p:cNvSpPr txBox="1"/>
+          <p:cNvPr id="159" name="CustomShape 6"/>
+          <p:cNvSpPr/>
           <p:nvPr/>
         </p:nvSpPr>
         <p:spPr>
           <a:xfrm>
             <a:off x="792000" y="1008000"/>
-            <a:ext cx="2880000" cy="1386360"/>
+            <a:ext cx="2879640" cy="1386000"/>
           </a:xfrm>
           <a:prstGeom prst="rect">
             <a:avLst/>
@@ -10330,24 +10341,31 @@
             </a:solidFill>
           </a:ln>
         </p:spPr>
+        <p:style>
+          <a:lnRef idx="0"/>
+          <a:fillRef idx="0"/>
+          <a:effectRef idx="0"/>
+          <a:fontRef idx="minor"/>
+        </p:style>
         <p:txBody>
           <a:bodyPr lIns="90000" rIns="90000" tIns="45000" bIns="45000"/>
           <a:p>
-            <a:endParaRPr b="0" lang="en-US" sz="1800" spc="-1" strike="noStrike">
-              <a:solidFill>
-                <a:srgbClr val="000000"/>
-              </a:solidFill>
-              <a:uFill>
-                <a:solidFill>
-                  <a:srgbClr val="ffffff"/>
-                </a:solidFill>
-              </a:uFill>
-              <a:latin typeface="Arial"/>
-            </a:endParaRPr>
-          </a:p>
-          <a:p>
-            <a:r>
-              <a:rPr b="0" lang="en-US" sz="700" spc="-1" strike="noStrike">
+            <a:endParaRPr b="0" lang="en-US" sz="1200" spc="-1" strike="noStrike">
+              <a:solidFill>
+                <a:srgbClr val="000000"/>
+              </a:solidFill>
+              <a:uFill>
+                <a:solidFill>
+                  <a:srgbClr val="ffffff"/>
+                </a:solidFill>
+              </a:uFill>
+              <a:latin typeface="Meiryo UI"/>
+              <a:ea typeface="Meiryo UI"/>
+            </a:endParaRPr>
+          </a:p>
+          <a:p>
+            <a:r>
+              <a:rPr b="0" lang="en-US" sz="1200" spc="-1" strike="noStrike">
                 <a:solidFill>
                   <a:srgbClr val="000000"/>
                 </a:solidFill>
@@ -10362,7 +10380,7 @@
               <a:t>プロジェクト：</a:t>
             </a:r>
             <a:r>
-              <a:rPr b="0" lang="en-US" sz="700" spc="-1" strike="noStrike">
+              <a:rPr b="0" lang="en-US" sz="1200" spc="-1" strike="noStrike">
                 <a:solidFill>
                   <a:srgbClr val="000000"/>
                 </a:solidFill>
@@ -10377,7 +10395,7 @@
               <a:t>	</a:t>
             </a:r>
             <a:r>
-              <a:rPr b="0" lang="en-US" sz="700" spc="-1" strike="noStrike">
+              <a:rPr b="0" lang="en-US" sz="1200" spc="-1" strike="noStrike">
                 <a:solidFill>
                   <a:srgbClr val="000000"/>
                 </a:solidFill>
@@ -10392,7 +10410,7 @@
               <a:t>	</a:t>
             </a:r>
             <a:r>
-              <a:rPr b="0" lang="en-US" sz="700" spc="-1" strike="noStrike">
+              <a:rPr b="0" lang="en-US" sz="1200" spc="-1" strike="noStrike">
                 <a:solidFill>
                   <a:srgbClr val="000000"/>
                 </a:solidFill>
@@ -10406,21 +10424,22 @@
               </a:rPr>
               <a:t>構成管理データベース</a:t>
             </a:r>
-            <a:endParaRPr b="0" lang="en-US" sz="1800" spc="-1" strike="noStrike">
-              <a:solidFill>
-                <a:srgbClr val="000000"/>
-              </a:solidFill>
-              <a:uFill>
-                <a:solidFill>
-                  <a:srgbClr val="ffffff"/>
-                </a:solidFill>
-              </a:uFill>
-              <a:latin typeface="Arial"/>
-            </a:endParaRPr>
-          </a:p>
-          <a:p>
-            <a:r>
-              <a:rPr b="0" lang="en-US" sz="700" spc="-1" strike="noStrike">
+            <a:endParaRPr b="0" lang="en-US" sz="1200" spc="-1" strike="noStrike">
+              <a:solidFill>
+                <a:srgbClr val="000000"/>
+              </a:solidFill>
+              <a:uFill>
+                <a:solidFill>
+                  <a:srgbClr val="ffffff"/>
+                </a:solidFill>
+              </a:uFill>
+              <a:latin typeface="Meiryo UI"/>
+              <a:ea typeface="Meiryo UI"/>
+            </a:endParaRPr>
+          </a:p>
+          <a:p>
+            <a:r>
+              <a:rPr b="0" lang="en-US" sz="1200" spc="-1" strike="noStrike">
                 <a:solidFill>
                   <a:srgbClr val="000000"/>
                 </a:solidFill>
@@ -10435,7 +10454,7 @@
               <a:t>サブプロジェクト：</a:t>
             </a:r>
             <a:r>
-              <a:rPr b="0" lang="en-US" sz="700" spc="-1" strike="noStrike">
+              <a:rPr b="0" lang="en-US" sz="1200" spc="-1" strike="noStrike">
                 <a:solidFill>
                   <a:srgbClr val="000000"/>
                 </a:solidFill>
@@ -10450,7 +10469,7 @@
               <a:t>	</a:t>
             </a:r>
             <a:r>
-              <a:rPr b="0" lang="en-US" sz="700" spc="-1" strike="noStrike">
+              <a:rPr b="0" lang="en-US" sz="1200" spc="-1" strike="noStrike">
                 <a:solidFill>
                   <a:srgbClr val="000000"/>
                 </a:solidFill>
@@ -10464,34 +10483,36 @@
               </a:rPr>
               <a:t>監視サイト</a:t>
             </a:r>
-            <a:endParaRPr b="0" lang="en-US" sz="1800" spc="-1" strike="noStrike">
-              <a:solidFill>
-                <a:srgbClr val="000000"/>
-              </a:solidFill>
-              <a:uFill>
-                <a:solidFill>
-                  <a:srgbClr val="ffffff"/>
-                </a:solidFill>
-              </a:uFill>
-              <a:latin typeface="Arial"/>
-            </a:endParaRPr>
-          </a:p>
-          <a:p>
-            <a:endParaRPr b="0" lang="en-US" sz="1800" spc="-1" strike="noStrike">
-              <a:solidFill>
-                <a:srgbClr val="000000"/>
-              </a:solidFill>
-              <a:uFill>
-                <a:solidFill>
-                  <a:srgbClr val="ffffff"/>
-                </a:solidFill>
-              </a:uFill>
-              <a:latin typeface="Arial"/>
-            </a:endParaRPr>
-          </a:p>
-          <a:p>
-            <a:r>
-              <a:rPr b="0" lang="en-US" sz="700" spc="-1" strike="noStrike">
+            <a:endParaRPr b="0" lang="en-US" sz="1200" spc="-1" strike="noStrike">
+              <a:solidFill>
+                <a:srgbClr val="000000"/>
+              </a:solidFill>
+              <a:uFill>
+                <a:solidFill>
+                  <a:srgbClr val="ffffff"/>
+                </a:solidFill>
+              </a:uFill>
+              <a:latin typeface="Meiryo UI"/>
+              <a:ea typeface="Meiryo UI"/>
+            </a:endParaRPr>
+          </a:p>
+          <a:p>
+            <a:endParaRPr b="0" lang="en-US" sz="1200" spc="-1" strike="noStrike">
+              <a:solidFill>
+                <a:srgbClr val="000000"/>
+              </a:solidFill>
+              <a:uFill>
+                <a:solidFill>
+                  <a:srgbClr val="ffffff"/>
+                </a:solidFill>
+              </a:uFill>
+              <a:latin typeface="Meiryo UI"/>
+              <a:ea typeface="Meiryo UI"/>
+            </a:endParaRPr>
+          </a:p>
+          <a:p>
+            <a:r>
+              <a:rPr b="0" lang="en-US" sz="1200" spc="-1" strike="noStrike">
                 <a:solidFill>
                   <a:srgbClr val="000000"/>
                 </a:solidFill>
@@ -10506,7 +10527,7 @@
               <a:t>グループ：</a:t>
             </a:r>
             <a:r>
-              <a:rPr b="0" lang="en-US" sz="700" spc="-1" strike="noStrike">
+              <a:rPr b="0" lang="en-US" sz="1200" spc="-1" strike="noStrike">
                 <a:solidFill>
                   <a:srgbClr val="000000"/>
                 </a:solidFill>
@@ -10521,7 +10542,7 @@
               <a:t>	</a:t>
             </a:r>
             <a:r>
-              <a:rPr b="0" lang="en-US" sz="700" spc="-1" strike="noStrike">
+              <a:rPr b="0" lang="en-US" sz="1200" spc="-1" strike="noStrike">
                 <a:solidFill>
                   <a:srgbClr val="000000"/>
                 </a:solidFill>
@@ -10536,7 +10557,7 @@
               <a:t>	</a:t>
             </a:r>
             <a:r>
-              <a:rPr b="0" lang="en-US" sz="700" spc="-1" strike="noStrike">
+              <a:rPr b="0" lang="en-US" sz="1200" spc="-1" strike="noStrike">
                 <a:solidFill>
                   <a:srgbClr val="000000"/>
                 </a:solidFill>
@@ -10550,21 +10571,22 @@
               </a:rPr>
               <a:t>管理、担当</a:t>
             </a:r>
-            <a:endParaRPr b="0" lang="en-US" sz="1800" spc="-1" strike="noStrike">
-              <a:solidFill>
-                <a:srgbClr val="000000"/>
-              </a:solidFill>
-              <a:uFill>
-                <a:solidFill>
-                  <a:srgbClr val="ffffff"/>
-                </a:solidFill>
-              </a:uFill>
-              <a:latin typeface="Arial"/>
-            </a:endParaRPr>
-          </a:p>
-          <a:p>
-            <a:r>
-              <a:rPr b="0" lang="en-US" sz="700" spc="-1" strike="noStrike">
+            <a:endParaRPr b="0" lang="en-US" sz="1200" spc="-1" strike="noStrike">
+              <a:solidFill>
+                <a:srgbClr val="000000"/>
+              </a:solidFill>
+              <a:uFill>
+                <a:solidFill>
+                  <a:srgbClr val="ffffff"/>
+                </a:solidFill>
+              </a:uFill>
+              <a:latin typeface="Meiryo UI"/>
+              <a:ea typeface="Meiryo UI"/>
+            </a:endParaRPr>
+          </a:p>
+          <a:p>
+            <a:r>
+              <a:rPr b="0" lang="en-US" sz="1200" spc="-1" strike="noStrike">
                 <a:solidFill>
                   <a:srgbClr val="000000"/>
                 </a:solidFill>
@@ -10579,7 +10601,7 @@
               <a:t>ユーザ：</a:t>
             </a:r>
             <a:r>
-              <a:rPr b="0" lang="en-US" sz="700" spc="-1" strike="noStrike">
+              <a:rPr b="0" lang="en-US" sz="1200" spc="-1" strike="noStrike">
                 <a:solidFill>
                   <a:srgbClr val="000000"/>
                 </a:solidFill>
@@ -10594,7 +10616,7 @@
               <a:t>	</a:t>
             </a:r>
             <a:r>
-              <a:rPr b="0" lang="en-US" sz="700" spc="-1" strike="noStrike">
+              <a:rPr b="0" lang="en-US" sz="1200" spc="-1" strike="noStrike">
                 <a:solidFill>
                   <a:srgbClr val="000000"/>
                 </a:solidFill>
@@ -10609,7 +10631,7 @@
               <a:t>	</a:t>
             </a:r>
             <a:r>
-              <a:rPr b="0" lang="en-US" sz="700" spc="-1" strike="noStrike">
+              <a:rPr b="0" lang="en-US" sz="1200" spc="-1" strike="noStrike">
                 <a:solidFill>
                   <a:srgbClr val="000000"/>
                 </a:solidFill>
@@ -10623,29 +10645,31 @@
               </a:rPr>
               <a:t>担当Ａ、担当Ｂ</a:t>
             </a:r>
-            <a:endParaRPr b="0" lang="en-US" sz="1800" spc="-1" strike="noStrike">
-              <a:solidFill>
-                <a:srgbClr val="000000"/>
-              </a:solidFill>
-              <a:uFill>
-                <a:solidFill>
-                  <a:srgbClr val="ffffff"/>
-                </a:solidFill>
-              </a:uFill>
-              <a:latin typeface="Arial"/>
-            </a:endParaRPr>
-          </a:p>
-          <a:p>
-            <a:endParaRPr b="0" lang="en-US" sz="1800" spc="-1" strike="noStrike">
-              <a:solidFill>
-                <a:srgbClr val="000000"/>
-              </a:solidFill>
-              <a:uFill>
-                <a:solidFill>
-                  <a:srgbClr val="ffffff"/>
-                </a:solidFill>
-              </a:uFill>
-              <a:latin typeface="Arial"/>
+            <a:endParaRPr b="0" lang="en-US" sz="1200" spc="-1" strike="noStrike">
+              <a:solidFill>
+                <a:srgbClr val="000000"/>
+              </a:solidFill>
+              <a:uFill>
+                <a:solidFill>
+                  <a:srgbClr val="ffffff"/>
+                </a:solidFill>
+              </a:uFill>
+              <a:latin typeface="Meiryo UI"/>
+              <a:ea typeface="Meiryo UI"/>
+            </a:endParaRPr>
+          </a:p>
+          <a:p>
+            <a:endParaRPr b="0" lang="en-US" sz="1200" spc="-1" strike="noStrike">
+              <a:solidFill>
+                <a:srgbClr val="000000"/>
+              </a:solidFill>
+              <a:uFill>
+                <a:solidFill>
+                  <a:srgbClr val="ffffff"/>
+                </a:solidFill>
+              </a:uFill>
+              <a:latin typeface="Meiryo UI"/>
+              <a:ea typeface="Meiryo UI"/>
             </a:endParaRPr>
           </a:p>
         </p:txBody>
@@ -10659,7 +10683,7 @@
         <p:spPr>
           <a:xfrm>
             <a:off x="376920" y="504000"/>
-            <a:ext cx="6391080" cy="4176000"/>
+            <a:ext cx="6390720" cy="4175640"/>
           </a:xfrm>
           <a:prstGeom prst="rect">
             <a:avLst/>
